--- a/_umkc-teaching/slides/Lecture7.pptx
+++ b/_umkc-teaching/slides/Lecture7.pptx
@@ -5,26 +5,13 @@
     <p:sldMasterId id="2147483648" r:id="rId1"/>
   </p:sldMasterIdLst>
   <p:notesMasterIdLst>
-    <p:notesMasterId r:id="rId19"/>
+    <p:notesMasterId r:id="rId6"/>
   </p:notesMasterIdLst>
   <p:sldIdLst>
     <p:sldId id="257" r:id="rId2"/>
     <p:sldId id="321" r:id="rId3"/>
-    <p:sldId id="324" r:id="rId4"/>
-    <p:sldId id="326" r:id="rId5"/>
-    <p:sldId id="323" r:id="rId6"/>
-    <p:sldId id="327" r:id="rId7"/>
-    <p:sldId id="328" r:id="rId8"/>
-    <p:sldId id="329" r:id="rId9"/>
-    <p:sldId id="330" r:id="rId10"/>
-    <p:sldId id="331" r:id="rId11"/>
-    <p:sldId id="332" r:id="rId12"/>
-    <p:sldId id="333" r:id="rId13"/>
-    <p:sldId id="334" r:id="rId14"/>
-    <p:sldId id="335" r:id="rId15"/>
-    <p:sldId id="336" r:id="rId16"/>
-    <p:sldId id="337" r:id="rId17"/>
-    <p:sldId id="325" r:id="rId18"/>
+    <p:sldId id="326" r:id="rId4"/>
+    <p:sldId id="325" r:id="rId5"/>
   </p:sldIdLst>
   <p:sldSz cx="12192000" cy="6858000"/>
   <p:notesSz cx="6858000" cy="9144000"/>
@@ -564,510 +551,6 @@
 </p:notes>
 </file>
 
-<file path=ppt/notesSlides/notesSlide10.xml><?xml version="1.0" encoding="utf-8"?>
-<p:notes xmlns:a="http://schemas.openxmlformats.org/drawingml/2006/main" xmlns:r="http://schemas.openxmlformats.org/officeDocument/2006/relationships" xmlns:p="http://schemas.openxmlformats.org/presentationml/2006/main">
-  <p:cSld>
-    <p:spTree>
-      <p:nvGrpSpPr>
-        <p:cNvPr id="1" name=""/>
-        <p:cNvGrpSpPr/>
-        <p:nvPr/>
-      </p:nvGrpSpPr>
-      <p:grpSpPr>
-        <a:xfrm>
-          <a:off x="0" y="0"/>
-          <a:ext cx="0" cy="0"/>
-          <a:chOff x="0" y="0"/>
-          <a:chExt cx="0" cy="0"/>
-        </a:xfrm>
-      </p:grpSpPr>
-      <p:sp>
-        <p:nvSpPr>
-          <p:cNvPr id="2" name="Slide Image Placeholder 1"/>
-          <p:cNvSpPr>
-            <a:spLocks noGrp="1" noRot="1" noChangeAspect="1"/>
-          </p:cNvSpPr>
-          <p:nvPr>
-            <p:ph type="sldImg"/>
-          </p:nvPr>
-        </p:nvSpPr>
-        <p:spPr/>
-      </p:sp>
-      <p:sp>
-        <p:nvSpPr>
-          <p:cNvPr id="3" name="Notes Placeholder 2"/>
-          <p:cNvSpPr>
-            <a:spLocks noGrp="1"/>
-          </p:cNvSpPr>
-          <p:nvPr>
-            <p:ph type="body" idx="1"/>
-          </p:nvPr>
-        </p:nvSpPr>
-        <p:spPr/>
-        <p:txBody>
-          <a:bodyPr/>
-          <a:lstStyle/>
-          <a:p>
-            <a:endParaRPr lang="en-US" dirty="0"/>
-          </a:p>
-        </p:txBody>
-      </p:sp>
-      <p:sp>
-        <p:nvSpPr>
-          <p:cNvPr id="4" name="Slide Number Placeholder 3"/>
-          <p:cNvSpPr>
-            <a:spLocks noGrp="1"/>
-          </p:cNvSpPr>
-          <p:nvPr>
-            <p:ph type="sldNum" sz="quarter" idx="5"/>
-          </p:nvPr>
-        </p:nvSpPr>
-        <p:spPr/>
-        <p:txBody>
-          <a:bodyPr/>
-          <a:lstStyle/>
-          <a:p>
-            <a:fld id="{3F8BDF20-BE86-4883-8A23-4CE3D0058BEA}" type="slidenum">
-              <a:rPr lang="en-US" smtClean="0"/>
-              <a:t>11</a:t>
-            </a:fld>
-            <a:endParaRPr lang="en-US"/>
-          </a:p>
-        </p:txBody>
-      </p:sp>
-    </p:spTree>
-    <p:extLst>
-      <p:ext uri="{BB962C8B-B14F-4D97-AF65-F5344CB8AC3E}">
-        <p14:creationId xmlns:p14="http://schemas.microsoft.com/office/powerpoint/2010/main" val="1083193773"/>
-      </p:ext>
-    </p:extLst>
-  </p:cSld>
-  <p:clrMapOvr>
-    <a:masterClrMapping/>
-  </p:clrMapOvr>
-</p:notes>
-</file>
-
-<file path=ppt/notesSlides/notesSlide11.xml><?xml version="1.0" encoding="utf-8"?>
-<p:notes xmlns:a="http://schemas.openxmlformats.org/drawingml/2006/main" xmlns:r="http://schemas.openxmlformats.org/officeDocument/2006/relationships" xmlns:p="http://schemas.openxmlformats.org/presentationml/2006/main">
-  <p:cSld>
-    <p:spTree>
-      <p:nvGrpSpPr>
-        <p:cNvPr id="1" name=""/>
-        <p:cNvGrpSpPr/>
-        <p:nvPr/>
-      </p:nvGrpSpPr>
-      <p:grpSpPr>
-        <a:xfrm>
-          <a:off x="0" y="0"/>
-          <a:ext cx="0" cy="0"/>
-          <a:chOff x="0" y="0"/>
-          <a:chExt cx="0" cy="0"/>
-        </a:xfrm>
-      </p:grpSpPr>
-      <p:sp>
-        <p:nvSpPr>
-          <p:cNvPr id="2" name="Slide Image Placeholder 1"/>
-          <p:cNvSpPr>
-            <a:spLocks noGrp="1" noRot="1" noChangeAspect="1"/>
-          </p:cNvSpPr>
-          <p:nvPr>
-            <p:ph type="sldImg"/>
-          </p:nvPr>
-        </p:nvSpPr>
-        <p:spPr/>
-      </p:sp>
-      <p:sp>
-        <p:nvSpPr>
-          <p:cNvPr id="3" name="Notes Placeholder 2"/>
-          <p:cNvSpPr>
-            <a:spLocks noGrp="1"/>
-          </p:cNvSpPr>
-          <p:nvPr>
-            <p:ph type="body" idx="1"/>
-          </p:nvPr>
-        </p:nvSpPr>
-        <p:spPr/>
-        <p:txBody>
-          <a:bodyPr/>
-          <a:lstStyle/>
-          <a:p>
-            <a:endParaRPr lang="en-US" dirty="0"/>
-          </a:p>
-        </p:txBody>
-      </p:sp>
-      <p:sp>
-        <p:nvSpPr>
-          <p:cNvPr id="4" name="Slide Number Placeholder 3"/>
-          <p:cNvSpPr>
-            <a:spLocks noGrp="1"/>
-          </p:cNvSpPr>
-          <p:nvPr>
-            <p:ph type="sldNum" sz="quarter" idx="5"/>
-          </p:nvPr>
-        </p:nvSpPr>
-        <p:spPr/>
-        <p:txBody>
-          <a:bodyPr/>
-          <a:lstStyle/>
-          <a:p>
-            <a:fld id="{3F8BDF20-BE86-4883-8A23-4CE3D0058BEA}" type="slidenum">
-              <a:rPr lang="en-US" smtClean="0"/>
-              <a:t>12</a:t>
-            </a:fld>
-            <a:endParaRPr lang="en-US"/>
-          </a:p>
-        </p:txBody>
-      </p:sp>
-    </p:spTree>
-    <p:extLst>
-      <p:ext uri="{BB962C8B-B14F-4D97-AF65-F5344CB8AC3E}">
-        <p14:creationId xmlns:p14="http://schemas.microsoft.com/office/powerpoint/2010/main" val="3371053476"/>
-      </p:ext>
-    </p:extLst>
-  </p:cSld>
-  <p:clrMapOvr>
-    <a:masterClrMapping/>
-  </p:clrMapOvr>
-</p:notes>
-</file>
-
-<file path=ppt/notesSlides/notesSlide12.xml><?xml version="1.0" encoding="utf-8"?>
-<p:notes xmlns:a="http://schemas.openxmlformats.org/drawingml/2006/main" xmlns:r="http://schemas.openxmlformats.org/officeDocument/2006/relationships" xmlns:p="http://schemas.openxmlformats.org/presentationml/2006/main">
-  <p:cSld>
-    <p:spTree>
-      <p:nvGrpSpPr>
-        <p:cNvPr id="1" name=""/>
-        <p:cNvGrpSpPr/>
-        <p:nvPr/>
-      </p:nvGrpSpPr>
-      <p:grpSpPr>
-        <a:xfrm>
-          <a:off x="0" y="0"/>
-          <a:ext cx="0" cy="0"/>
-          <a:chOff x="0" y="0"/>
-          <a:chExt cx="0" cy="0"/>
-        </a:xfrm>
-      </p:grpSpPr>
-      <p:sp>
-        <p:nvSpPr>
-          <p:cNvPr id="2" name="Slide Image Placeholder 1"/>
-          <p:cNvSpPr>
-            <a:spLocks noGrp="1" noRot="1" noChangeAspect="1"/>
-          </p:cNvSpPr>
-          <p:nvPr>
-            <p:ph type="sldImg"/>
-          </p:nvPr>
-        </p:nvSpPr>
-        <p:spPr/>
-      </p:sp>
-      <p:sp>
-        <p:nvSpPr>
-          <p:cNvPr id="3" name="Notes Placeholder 2"/>
-          <p:cNvSpPr>
-            <a:spLocks noGrp="1"/>
-          </p:cNvSpPr>
-          <p:nvPr>
-            <p:ph type="body" idx="1"/>
-          </p:nvPr>
-        </p:nvSpPr>
-        <p:spPr/>
-        <p:txBody>
-          <a:bodyPr/>
-          <a:lstStyle/>
-          <a:p>
-            <a:endParaRPr lang="en-US" dirty="0"/>
-          </a:p>
-        </p:txBody>
-      </p:sp>
-      <p:sp>
-        <p:nvSpPr>
-          <p:cNvPr id="4" name="Slide Number Placeholder 3"/>
-          <p:cNvSpPr>
-            <a:spLocks noGrp="1"/>
-          </p:cNvSpPr>
-          <p:nvPr>
-            <p:ph type="sldNum" sz="quarter" idx="5"/>
-          </p:nvPr>
-        </p:nvSpPr>
-        <p:spPr/>
-        <p:txBody>
-          <a:bodyPr/>
-          <a:lstStyle/>
-          <a:p>
-            <a:fld id="{3F8BDF20-BE86-4883-8A23-4CE3D0058BEA}" type="slidenum">
-              <a:rPr lang="en-US" smtClean="0"/>
-              <a:t>13</a:t>
-            </a:fld>
-            <a:endParaRPr lang="en-US"/>
-          </a:p>
-        </p:txBody>
-      </p:sp>
-    </p:spTree>
-    <p:extLst>
-      <p:ext uri="{BB962C8B-B14F-4D97-AF65-F5344CB8AC3E}">
-        <p14:creationId xmlns:p14="http://schemas.microsoft.com/office/powerpoint/2010/main" val="3614860264"/>
-      </p:ext>
-    </p:extLst>
-  </p:cSld>
-  <p:clrMapOvr>
-    <a:masterClrMapping/>
-  </p:clrMapOvr>
-</p:notes>
-</file>
-
-<file path=ppt/notesSlides/notesSlide13.xml><?xml version="1.0" encoding="utf-8"?>
-<p:notes xmlns:a="http://schemas.openxmlformats.org/drawingml/2006/main" xmlns:r="http://schemas.openxmlformats.org/officeDocument/2006/relationships" xmlns:p="http://schemas.openxmlformats.org/presentationml/2006/main">
-  <p:cSld>
-    <p:spTree>
-      <p:nvGrpSpPr>
-        <p:cNvPr id="1" name=""/>
-        <p:cNvGrpSpPr/>
-        <p:nvPr/>
-      </p:nvGrpSpPr>
-      <p:grpSpPr>
-        <a:xfrm>
-          <a:off x="0" y="0"/>
-          <a:ext cx="0" cy="0"/>
-          <a:chOff x="0" y="0"/>
-          <a:chExt cx="0" cy="0"/>
-        </a:xfrm>
-      </p:grpSpPr>
-      <p:sp>
-        <p:nvSpPr>
-          <p:cNvPr id="2" name="Slide Image Placeholder 1"/>
-          <p:cNvSpPr>
-            <a:spLocks noGrp="1" noRot="1" noChangeAspect="1"/>
-          </p:cNvSpPr>
-          <p:nvPr>
-            <p:ph type="sldImg"/>
-          </p:nvPr>
-        </p:nvSpPr>
-        <p:spPr/>
-      </p:sp>
-      <p:sp>
-        <p:nvSpPr>
-          <p:cNvPr id="3" name="Notes Placeholder 2"/>
-          <p:cNvSpPr>
-            <a:spLocks noGrp="1"/>
-          </p:cNvSpPr>
-          <p:nvPr>
-            <p:ph type="body" idx="1"/>
-          </p:nvPr>
-        </p:nvSpPr>
-        <p:spPr/>
-        <p:txBody>
-          <a:bodyPr/>
-          <a:lstStyle/>
-          <a:p>
-            <a:endParaRPr lang="en-US" dirty="0"/>
-          </a:p>
-        </p:txBody>
-      </p:sp>
-      <p:sp>
-        <p:nvSpPr>
-          <p:cNvPr id="4" name="Slide Number Placeholder 3"/>
-          <p:cNvSpPr>
-            <a:spLocks noGrp="1"/>
-          </p:cNvSpPr>
-          <p:nvPr>
-            <p:ph type="sldNum" sz="quarter" idx="5"/>
-          </p:nvPr>
-        </p:nvSpPr>
-        <p:spPr/>
-        <p:txBody>
-          <a:bodyPr/>
-          <a:lstStyle/>
-          <a:p>
-            <a:fld id="{3F8BDF20-BE86-4883-8A23-4CE3D0058BEA}" type="slidenum">
-              <a:rPr lang="en-US" smtClean="0"/>
-              <a:t>14</a:t>
-            </a:fld>
-            <a:endParaRPr lang="en-US"/>
-          </a:p>
-        </p:txBody>
-      </p:sp>
-    </p:spTree>
-    <p:extLst>
-      <p:ext uri="{BB962C8B-B14F-4D97-AF65-F5344CB8AC3E}">
-        <p14:creationId xmlns:p14="http://schemas.microsoft.com/office/powerpoint/2010/main" val="3288766984"/>
-      </p:ext>
-    </p:extLst>
-  </p:cSld>
-  <p:clrMapOvr>
-    <a:masterClrMapping/>
-  </p:clrMapOvr>
-</p:notes>
-</file>
-
-<file path=ppt/notesSlides/notesSlide14.xml><?xml version="1.0" encoding="utf-8"?>
-<p:notes xmlns:a="http://schemas.openxmlformats.org/drawingml/2006/main" xmlns:r="http://schemas.openxmlformats.org/officeDocument/2006/relationships" xmlns:p="http://schemas.openxmlformats.org/presentationml/2006/main">
-  <p:cSld>
-    <p:spTree>
-      <p:nvGrpSpPr>
-        <p:cNvPr id="1" name=""/>
-        <p:cNvGrpSpPr/>
-        <p:nvPr/>
-      </p:nvGrpSpPr>
-      <p:grpSpPr>
-        <a:xfrm>
-          <a:off x="0" y="0"/>
-          <a:ext cx="0" cy="0"/>
-          <a:chOff x="0" y="0"/>
-          <a:chExt cx="0" cy="0"/>
-        </a:xfrm>
-      </p:grpSpPr>
-      <p:sp>
-        <p:nvSpPr>
-          <p:cNvPr id="2" name="Slide Image Placeholder 1"/>
-          <p:cNvSpPr>
-            <a:spLocks noGrp="1" noRot="1" noChangeAspect="1"/>
-          </p:cNvSpPr>
-          <p:nvPr>
-            <p:ph type="sldImg"/>
-          </p:nvPr>
-        </p:nvSpPr>
-        <p:spPr/>
-      </p:sp>
-      <p:sp>
-        <p:nvSpPr>
-          <p:cNvPr id="3" name="Notes Placeholder 2"/>
-          <p:cNvSpPr>
-            <a:spLocks noGrp="1"/>
-          </p:cNvSpPr>
-          <p:nvPr>
-            <p:ph type="body" idx="1"/>
-          </p:nvPr>
-        </p:nvSpPr>
-        <p:spPr/>
-        <p:txBody>
-          <a:bodyPr/>
-          <a:lstStyle/>
-          <a:p>
-            <a:endParaRPr lang="en-US" dirty="0"/>
-          </a:p>
-        </p:txBody>
-      </p:sp>
-      <p:sp>
-        <p:nvSpPr>
-          <p:cNvPr id="4" name="Slide Number Placeholder 3"/>
-          <p:cNvSpPr>
-            <a:spLocks noGrp="1"/>
-          </p:cNvSpPr>
-          <p:nvPr>
-            <p:ph type="sldNum" sz="quarter" idx="5"/>
-          </p:nvPr>
-        </p:nvSpPr>
-        <p:spPr/>
-        <p:txBody>
-          <a:bodyPr/>
-          <a:lstStyle/>
-          <a:p>
-            <a:fld id="{3F8BDF20-BE86-4883-8A23-4CE3D0058BEA}" type="slidenum">
-              <a:rPr lang="en-US" smtClean="0"/>
-              <a:t>15</a:t>
-            </a:fld>
-            <a:endParaRPr lang="en-US"/>
-          </a:p>
-        </p:txBody>
-      </p:sp>
-    </p:spTree>
-    <p:extLst>
-      <p:ext uri="{BB962C8B-B14F-4D97-AF65-F5344CB8AC3E}">
-        <p14:creationId xmlns:p14="http://schemas.microsoft.com/office/powerpoint/2010/main" val="2053440786"/>
-      </p:ext>
-    </p:extLst>
-  </p:cSld>
-  <p:clrMapOvr>
-    <a:masterClrMapping/>
-  </p:clrMapOvr>
-</p:notes>
-</file>
-
-<file path=ppt/notesSlides/notesSlide15.xml><?xml version="1.0" encoding="utf-8"?>
-<p:notes xmlns:a="http://schemas.openxmlformats.org/drawingml/2006/main" xmlns:r="http://schemas.openxmlformats.org/officeDocument/2006/relationships" xmlns:p="http://schemas.openxmlformats.org/presentationml/2006/main">
-  <p:cSld>
-    <p:spTree>
-      <p:nvGrpSpPr>
-        <p:cNvPr id="1" name=""/>
-        <p:cNvGrpSpPr/>
-        <p:nvPr/>
-      </p:nvGrpSpPr>
-      <p:grpSpPr>
-        <a:xfrm>
-          <a:off x="0" y="0"/>
-          <a:ext cx="0" cy="0"/>
-          <a:chOff x="0" y="0"/>
-          <a:chExt cx="0" cy="0"/>
-        </a:xfrm>
-      </p:grpSpPr>
-      <p:sp>
-        <p:nvSpPr>
-          <p:cNvPr id="2" name="Slide Image Placeholder 1"/>
-          <p:cNvSpPr>
-            <a:spLocks noGrp="1" noRot="1" noChangeAspect="1"/>
-          </p:cNvSpPr>
-          <p:nvPr>
-            <p:ph type="sldImg"/>
-          </p:nvPr>
-        </p:nvSpPr>
-        <p:spPr/>
-      </p:sp>
-      <p:sp>
-        <p:nvSpPr>
-          <p:cNvPr id="3" name="Notes Placeholder 2"/>
-          <p:cNvSpPr>
-            <a:spLocks noGrp="1"/>
-          </p:cNvSpPr>
-          <p:nvPr>
-            <p:ph type="body" idx="1"/>
-          </p:nvPr>
-        </p:nvSpPr>
-        <p:spPr/>
-        <p:txBody>
-          <a:bodyPr/>
-          <a:lstStyle/>
-          <a:p>
-            <a:endParaRPr lang="en-US" dirty="0"/>
-          </a:p>
-        </p:txBody>
-      </p:sp>
-      <p:sp>
-        <p:nvSpPr>
-          <p:cNvPr id="4" name="Slide Number Placeholder 3"/>
-          <p:cNvSpPr>
-            <a:spLocks noGrp="1"/>
-          </p:cNvSpPr>
-          <p:nvPr>
-            <p:ph type="sldNum" sz="quarter" idx="5"/>
-          </p:nvPr>
-        </p:nvSpPr>
-        <p:spPr/>
-        <p:txBody>
-          <a:bodyPr/>
-          <a:lstStyle/>
-          <a:p>
-            <a:fld id="{3F8BDF20-BE86-4883-8A23-4CE3D0058BEA}" type="slidenum">
-              <a:rPr lang="en-US" smtClean="0"/>
-              <a:t>16</a:t>
-            </a:fld>
-            <a:endParaRPr lang="en-US"/>
-          </a:p>
-        </p:txBody>
-      </p:sp>
-    </p:spTree>
-    <p:extLst>
-      <p:ext uri="{BB962C8B-B14F-4D97-AF65-F5344CB8AC3E}">
-        <p14:creationId xmlns:p14="http://schemas.microsoft.com/office/powerpoint/2010/main" val="3818959241"/>
-      </p:ext>
-    </p:extLst>
-  </p:cSld>
-  <p:clrMapOvr>
-    <a:masterClrMapping/>
-  </p:clrMapOvr>
-</p:notes>
-</file>
-
 <file path=ppt/notesSlides/notesSlide2.xml><?xml version="1.0" encoding="utf-8"?>
 <p:notes xmlns:a="http://schemas.openxmlformats.org/drawingml/2006/main" xmlns:r="http://schemas.openxmlformats.org/officeDocument/2006/relationships" xmlns:p="http://schemas.openxmlformats.org/presentationml/2006/main">
   <p:cSld>
@@ -1142,595 +625,7 @@
     </p:spTree>
     <p:extLst>
       <p:ext uri="{BB962C8B-B14F-4D97-AF65-F5344CB8AC3E}">
-        <p14:creationId xmlns:p14="http://schemas.microsoft.com/office/powerpoint/2010/main" val="751538405"/>
-      </p:ext>
-    </p:extLst>
-  </p:cSld>
-  <p:clrMapOvr>
-    <a:masterClrMapping/>
-  </p:clrMapOvr>
-</p:notes>
-</file>
-
-<file path=ppt/notesSlides/notesSlide3.xml><?xml version="1.0" encoding="utf-8"?>
-<p:notes xmlns:a="http://schemas.openxmlformats.org/drawingml/2006/main" xmlns:r="http://schemas.openxmlformats.org/officeDocument/2006/relationships" xmlns:p="http://schemas.openxmlformats.org/presentationml/2006/main">
-  <p:cSld>
-    <p:spTree>
-      <p:nvGrpSpPr>
-        <p:cNvPr id="1" name=""/>
-        <p:cNvGrpSpPr/>
-        <p:nvPr/>
-      </p:nvGrpSpPr>
-      <p:grpSpPr>
-        <a:xfrm>
-          <a:off x="0" y="0"/>
-          <a:ext cx="0" cy="0"/>
-          <a:chOff x="0" y="0"/>
-          <a:chExt cx="0" cy="0"/>
-        </a:xfrm>
-      </p:grpSpPr>
-      <p:sp>
-        <p:nvSpPr>
-          <p:cNvPr id="2" name="Slide Image Placeholder 1"/>
-          <p:cNvSpPr>
-            <a:spLocks noGrp="1" noRot="1" noChangeAspect="1"/>
-          </p:cNvSpPr>
-          <p:nvPr>
-            <p:ph type="sldImg"/>
-          </p:nvPr>
-        </p:nvSpPr>
-        <p:spPr/>
-      </p:sp>
-      <p:sp>
-        <p:nvSpPr>
-          <p:cNvPr id="3" name="Notes Placeholder 2"/>
-          <p:cNvSpPr>
-            <a:spLocks noGrp="1"/>
-          </p:cNvSpPr>
-          <p:nvPr>
-            <p:ph type="body" idx="1"/>
-          </p:nvPr>
-        </p:nvSpPr>
-        <p:spPr/>
-        <p:txBody>
-          <a:bodyPr/>
-          <a:lstStyle/>
-          <a:p>
-            <a:endParaRPr lang="en-US" dirty="0"/>
-          </a:p>
-        </p:txBody>
-      </p:sp>
-      <p:sp>
-        <p:nvSpPr>
-          <p:cNvPr id="4" name="Slide Number Placeholder 3"/>
-          <p:cNvSpPr>
-            <a:spLocks noGrp="1"/>
-          </p:cNvSpPr>
-          <p:nvPr>
-            <p:ph type="sldNum" sz="quarter" idx="5"/>
-          </p:nvPr>
-        </p:nvSpPr>
-        <p:spPr/>
-        <p:txBody>
-          <a:bodyPr/>
-          <a:lstStyle/>
-          <a:p>
-            <a:fld id="{3F8BDF20-BE86-4883-8A23-4CE3D0058BEA}" type="slidenum">
-              <a:rPr lang="en-US" smtClean="0"/>
-              <a:t>4</a:t>
-            </a:fld>
-            <a:endParaRPr lang="en-US"/>
-          </a:p>
-        </p:txBody>
-      </p:sp>
-    </p:spTree>
-    <p:extLst>
-      <p:ext uri="{BB962C8B-B14F-4D97-AF65-F5344CB8AC3E}">
-        <p14:creationId xmlns:p14="http://schemas.microsoft.com/office/powerpoint/2010/main" val="169332739"/>
-      </p:ext>
-    </p:extLst>
-  </p:cSld>
-  <p:clrMapOvr>
-    <a:masterClrMapping/>
-  </p:clrMapOvr>
-</p:notes>
-</file>
-
-<file path=ppt/notesSlides/notesSlide4.xml><?xml version="1.0" encoding="utf-8"?>
-<p:notes xmlns:a="http://schemas.openxmlformats.org/drawingml/2006/main" xmlns:r="http://schemas.openxmlformats.org/officeDocument/2006/relationships" xmlns:p="http://schemas.openxmlformats.org/presentationml/2006/main">
-  <p:cSld>
-    <p:spTree>
-      <p:nvGrpSpPr>
-        <p:cNvPr id="1" name=""/>
-        <p:cNvGrpSpPr/>
-        <p:nvPr/>
-      </p:nvGrpSpPr>
-      <p:grpSpPr>
-        <a:xfrm>
-          <a:off x="0" y="0"/>
-          <a:ext cx="0" cy="0"/>
-          <a:chOff x="0" y="0"/>
-          <a:chExt cx="0" cy="0"/>
-        </a:xfrm>
-      </p:grpSpPr>
-      <p:sp>
-        <p:nvSpPr>
-          <p:cNvPr id="2" name="Slide Image Placeholder 1"/>
-          <p:cNvSpPr>
-            <a:spLocks noGrp="1" noRot="1" noChangeAspect="1"/>
-          </p:cNvSpPr>
-          <p:nvPr>
-            <p:ph type="sldImg"/>
-          </p:nvPr>
-        </p:nvSpPr>
-        <p:spPr/>
-      </p:sp>
-      <p:sp>
-        <p:nvSpPr>
-          <p:cNvPr id="3" name="Notes Placeholder 2"/>
-          <p:cNvSpPr>
-            <a:spLocks noGrp="1"/>
-          </p:cNvSpPr>
-          <p:nvPr>
-            <p:ph type="body" idx="1"/>
-          </p:nvPr>
-        </p:nvSpPr>
-        <p:spPr/>
-        <p:txBody>
-          <a:bodyPr/>
-          <a:lstStyle/>
-          <a:p>
-            <a:endParaRPr lang="en-US" dirty="0"/>
-          </a:p>
-        </p:txBody>
-      </p:sp>
-      <p:sp>
-        <p:nvSpPr>
-          <p:cNvPr id="4" name="Slide Number Placeholder 3"/>
-          <p:cNvSpPr>
-            <a:spLocks noGrp="1"/>
-          </p:cNvSpPr>
-          <p:nvPr>
-            <p:ph type="sldNum" sz="quarter" idx="5"/>
-          </p:nvPr>
-        </p:nvSpPr>
-        <p:spPr/>
-        <p:txBody>
-          <a:bodyPr/>
-          <a:lstStyle/>
-          <a:p>
-            <a:fld id="{3F8BDF20-BE86-4883-8A23-4CE3D0058BEA}" type="slidenum">
-              <a:rPr lang="en-US" smtClean="0"/>
-              <a:t>5</a:t>
-            </a:fld>
-            <a:endParaRPr lang="en-US"/>
-          </a:p>
-        </p:txBody>
-      </p:sp>
-    </p:spTree>
-    <p:extLst>
-      <p:ext uri="{BB962C8B-B14F-4D97-AF65-F5344CB8AC3E}">
-        <p14:creationId xmlns:p14="http://schemas.microsoft.com/office/powerpoint/2010/main" val="3950285056"/>
-      </p:ext>
-    </p:extLst>
-  </p:cSld>
-  <p:clrMapOvr>
-    <a:masterClrMapping/>
-  </p:clrMapOvr>
-</p:notes>
-</file>
-
-<file path=ppt/notesSlides/notesSlide5.xml><?xml version="1.0" encoding="utf-8"?>
-<p:notes xmlns:a="http://schemas.openxmlformats.org/drawingml/2006/main" xmlns:r="http://schemas.openxmlformats.org/officeDocument/2006/relationships" xmlns:p="http://schemas.openxmlformats.org/presentationml/2006/main">
-  <p:cSld>
-    <p:spTree>
-      <p:nvGrpSpPr>
-        <p:cNvPr id="1" name=""/>
-        <p:cNvGrpSpPr/>
-        <p:nvPr/>
-      </p:nvGrpSpPr>
-      <p:grpSpPr>
-        <a:xfrm>
-          <a:off x="0" y="0"/>
-          <a:ext cx="0" cy="0"/>
-          <a:chOff x="0" y="0"/>
-          <a:chExt cx="0" cy="0"/>
-        </a:xfrm>
-      </p:grpSpPr>
-      <p:sp>
-        <p:nvSpPr>
-          <p:cNvPr id="2" name="Slide Image Placeholder 1"/>
-          <p:cNvSpPr>
-            <a:spLocks noGrp="1" noRot="1" noChangeAspect="1"/>
-          </p:cNvSpPr>
-          <p:nvPr>
-            <p:ph type="sldImg"/>
-          </p:nvPr>
-        </p:nvSpPr>
-        <p:spPr/>
-      </p:sp>
-      <p:sp>
-        <p:nvSpPr>
-          <p:cNvPr id="3" name="Notes Placeholder 2"/>
-          <p:cNvSpPr>
-            <a:spLocks noGrp="1"/>
-          </p:cNvSpPr>
-          <p:nvPr>
-            <p:ph type="body" idx="1"/>
-          </p:nvPr>
-        </p:nvSpPr>
-        <p:spPr/>
-        <p:txBody>
-          <a:bodyPr/>
-          <a:lstStyle/>
-          <a:p>
-            <a:endParaRPr lang="en-US" dirty="0"/>
-          </a:p>
-        </p:txBody>
-      </p:sp>
-      <p:sp>
-        <p:nvSpPr>
-          <p:cNvPr id="4" name="Slide Number Placeholder 3"/>
-          <p:cNvSpPr>
-            <a:spLocks noGrp="1"/>
-          </p:cNvSpPr>
-          <p:nvPr>
-            <p:ph type="sldNum" sz="quarter" idx="5"/>
-          </p:nvPr>
-        </p:nvSpPr>
-        <p:spPr/>
-        <p:txBody>
-          <a:bodyPr/>
-          <a:lstStyle/>
-          <a:p>
-            <a:fld id="{3F8BDF20-BE86-4883-8A23-4CE3D0058BEA}" type="slidenum">
-              <a:rPr lang="en-US" smtClean="0"/>
-              <a:t>6</a:t>
-            </a:fld>
-            <a:endParaRPr lang="en-US"/>
-          </a:p>
-        </p:txBody>
-      </p:sp>
-    </p:spTree>
-    <p:extLst>
-      <p:ext uri="{BB962C8B-B14F-4D97-AF65-F5344CB8AC3E}">
-        <p14:creationId xmlns:p14="http://schemas.microsoft.com/office/powerpoint/2010/main" val="2922726372"/>
-      </p:ext>
-    </p:extLst>
-  </p:cSld>
-  <p:clrMapOvr>
-    <a:masterClrMapping/>
-  </p:clrMapOvr>
-</p:notes>
-</file>
-
-<file path=ppt/notesSlides/notesSlide6.xml><?xml version="1.0" encoding="utf-8"?>
-<p:notes xmlns:a="http://schemas.openxmlformats.org/drawingml/2006/main" xmlns:r="http://schemas.openxmlformats.org/officeDocument/2006/relationships" xmlns:p="http://schemas.openxmlformats.org/presentationml/2006/main">
-  <p:cSld>
-    <p:spTree>
-      <p:nvGrpSpPr>
-        <p:cNvPr id="1" name=""/>
-        <p:cNvGrpSpPr/>
-        <p:nvPr/>
-      </p:nvGrpSpPr>
-      <p:grpSpPr>
-        <a:xfrm>
-          <a:off x="0" y="0"/>
-          <a:ext cx="0" cy="0"/>
-          <a:chOff x="0" y="0"/>
-          <a:chExt cx="0" cy="0"/>
-        </a:xfrm>
-      </p:grpSpPr>
-      <p:sp>
-        <p:nvSpPr>
-          <p:cNvPr id="2" name="Slide Image Placeholder 1"/>
-          <p:cNvSpPr>
-            <a:spLocks noGrp="1" noRot="1" noChangeAspect="1"/>
-          </p:cNvSpPr>
-          <p:nvPr>
-            <p:ph type="sldImg"/>
-          </p:nvPr>
-        </p:nvSpPr>
-        <p:spPr/>
-      </p:sp>
-      <p:sp>
-        <p:nvSpPr>
-          <p:cNvPr id="3" name="Notes Placeholder 2"/>
-          <p:cNvSpPr>
-            <a:spLocks noGrp="1"/>
-          </p:cNvSpPr>
-          <p:nvPr>
-            <p:ph type="body" idx="1"/>
-          </p:nvPr>
-        </p:nvSpPr>
-        <p:spPr/>
-        <p:txBody>
-          <a:bodyPr/>
-          <a:lstStyle/>
-          <a:p>
-            <a:endParaRPr lang="en-US" dirty="0"/>
-          </a:p>
-        </p:txBody>
-      </p:sp>
-      <p:sp>
-        <p:nvSpPr>
-          <p:cNvPr id="4" name="Slide Number Placeholder 3"/>
-          <p:cNvSpPr>
-            <a:spLocks noGrp="1"/>
-          </p:cNvSpPr>
-          <p:nvPr>
-            <p:ph type="sldNum" sz="quarter" idx="5"/>
-          </p:nvPr>
-        </p:nvSpPr>
-        <p:spPr/>
-        <p:txBody>
-          <a:bodyPr/>
-          <a:lstStyle/>
-          <a:p>
-            <a:fld id="{3F8BDF20-BE86-4883-8A23-4CE3D0058BEA}" type="slidenum">
-              <a:rPr lang="en-US" smtClean="0"/>
-              <a:t>7</a:t>
-            </a:fld>
-            <a:endParaRPr lang="en-US"/>
-          </a:p>
-        </p:txBody>
-      </p:sp>
-    </p:spTree>
-    <p:extLst>
-      <p:ext uri="{BB962C8B-B14F-4D97-AF65-F5344CB8AC3E}">
-        <p14:creationId xmlns:p14="http://schemas.microsoft.com/office/powerpoint/2010/main" val="1581120131"/>
-      </p:ext>
-    </p:extLst>
-  </p:cSld>
-  <p:clrMapOvr>
-    <a:masterClrMapping/>
-  </p:clrMapOvr>
-</p:notes>
-</file>
-
-<file path=ppt/notesSlides/notesSlide7.xml><?xml version="1.0" encoding="utf-8"?>
-<p:notes xmlns:a="http://schemas.openxmlformats.org/drawingml/2006/main" xmlns:r="http://schemas.openxmlformats.org/officeDocument/2006/relationships" xmlns:p="http://schemas.openxmlformats.org/presentationml/2006/main">
-  <p:cSld>
-    <p:spTree>
-      <p:nvGrpSpPr>
-        <p:cNvPr id="1" name=""/>
-        <p:cNvGrpSpPr/>
-        <p:nvPr/>
-      </p:nvGrpSpPr>
-      <p:grpSpPr>
-        <a:xfrm>
-          <a:off x="0" y="0"/>
-          <a:ext cx="0" cy="0"/>
-          <a:chOff x="0" y="0"/>
-          <a:chExt cx="0" cy="0"/>
-        </a:xfrm>
-      </p:grpSpPr>
-      <p:sp>
-        <p:nvSpPr>
-          <p:cNvPr id="2" name="Slide Image Placeholder 1"/>
-          <p:cNvSpPr>
-            <a:spLocks noGrp="1" noRot="1" noChangeAspect="1"/>
-          </p:cNvSpPr>
-          <p:nvPr>
-            <p:ph type="sldImg"/>
-          </p:nvPr>
-        </p:nvSpPr>
-        <p:spPr/>
-      </p:sp>
-      <p:sp>
-        <p:nvSpPr>
-          <p:cNvPr id="3" name="Notes Placeholder 2"/>
-          <p:cNvSpPr>
-            <a:spLocks noGrp="1"/>
-          </p:cNvSpPr>
-          <p:nvPr>
-            <p:ph type="body" idx="1"/>
-          </p:nvPr>
-        </p:nvSpPr>
-        <p:spPr/>
-        <p:txBody>
-          <a:bodyPr/>
-          <a:lstStyle/>
-          <a:p>
-            <a:endParaRPr lang="en-US" dirty="0"/>
-          </a:p>
-        </p:txBody>
-      </p:sp>
-      <p:sp>
-        <p:nvSpPr>
-          <p:cNvPr id="4" name="Slide Number Placeholder 3"/>
-          <p:cNvSpPr>
-            <a:spLocks noGrp="1"/>
-          </p:cNvSpPr>
-          <p:nvPr>
-            <p:ph type="sldNum" sz="quarter" idx="5"/>
-          </p:nvPr>
-        </p:nvSpPr>
-        <p:spPr/>
-        <p:txBody>
-          <a:bodyPr/>
-          <a:lstStyle/>
-          <a:p>
-            <a:fld id="{3F8BDF20-BE86-4883-8A23-4CE3D0058BEA}" type="slidenum">
-              <a:rPr lang="en-US" smtClean="0"/>
-              <a:t>8</a:t>
-            </a:fld>
-            <a:endParaRPr lang="en-US"/>
-          </a:p>
-        </p:txBody>
-      </p:sp>
-    </p:spTree>
-    <p:extLst>
-      <p:ext uri="{BB962C8B-B14F-4D97-AF65-F5344CB8AC3E}">
-        <p14:creationId xmlns:p14="http://schemas.microsoft.com/office/powerpoint/2010/main" val="205540846"/>
-      </p:ext>
-    </p:extLst>
-  </p:cSld>
-  <p:clrMapOvr>
-    <a:masterClrMapping/>
-  </p:clrMapOvr>
-</p:notes>
-</file>
-
-<file path=ppt/notesSlides/notesSlide8.xml><?xml version="1.0" encoding="utf-8"?>
-<p:notes xmlns:a="http://schemas.openxmlformats.org/drawingml/2006/main" xmlns:r="http://schemas.openxmlformats.org/officeDocument/2006/relationships" xmlns:p="http://schemas.openxmlformats.org/presentationml/2006/main">
-  <p:cSld>
-    <p:spTree>
-      <p:nvGrpSpPr>
-        <p:cNvPr id="1" name=""/>
-        <p:cNvGrpSpPr/>
-        <p:nvPr/>
-      </p:nvGrpSpPr>
-      <p:grpSpPr>
-        <a:xfrm>
-          <a:off x="0" y="0"/>
-          <a:ext cx="0" cy="0"/>
-          <a:chOff x="0" y="0"/>
-          <a:chExt cx="0" cy="0"/>
-        </a:xfrm>
-      </p:grpSpPr>
-      <p:sp>
-        <p:nvSpPr>
-          <p:cNvPr id="2" name="Slide Image Placeholder 1"/>
-          <p:cNvSpPr>
-            <a:spLocks noGrp="1" noRot="1" noChangeAspect="1"/>
-          </p:cNvSpPr>
-          <p:nvPr>
-            <p:ph type="sldImg"/>
-          </p:nvPr>
-        </p:nvSpPr>
-        <p:spPr/>
-      </p:sp>
-      <p:sp>
-        <p:nvSpPr>
-          <p:cNvPr id="3" name="Notes Placeholder 2"/>
-          <p:cNvSpPr>
-            <a:spLocks noGrp="1"/>
-          </p:cNvSpPr>
-          <p:nvPr>
-            <p:ph type="body" idx="1"/>
-          </p:nvPr>
-        </p:nvSpPr>
-        <p:spPr/>
-        <p:txBody>
-          <a:bodyPr/>
-          <a:lstStyle/>
-          <a:p>
-            <a:endParaRPr lang="en-US" dirty="0"/>
-          </a:p>
-        </p:txBody>
-      </p:sp>
-      <p:sp>
-        <p:nvSpPr>
-          <p:cNvPr id="4" name="Slide Number Placeholder 3"/>
-          <p:cNvSpPr>
-            <a:spLocks noGrp="1"/>
-          </p:cNvSpPr>
-          <p:nvPr>
-            <p:ph type="sldNum" sz="quarter" idx="5"/>
-          </p:nvPr>
-        </p:nvSpPr>
-        <p:spPr/>
-        <p:txBody>
-          <a:bodyPr/>
-          <a:lstStyle/>
-          <a:p>
-            <a:fld id="{3F8BDF20-BE86-4883-8A23-4CE3D0058BEA}" type="slidenum">
-              <a:rPr lang="en-US" smtClean="0"/>
-              <a:t>9</a:t>
-            </a:fld>
-            <a:endParaRPr lang="en-US"/>
-          </a:p>
-        </p:txBody>
-      </p:sp>
-    </p:spTree>
-    <p:extLst>
-      <p:ext uri="{BB962C8B-B14F-4D97-AF65-F5344CB8AC3E}">
-        <p14:creationId xmlns:p14="http://schemas.microsoft.com/office/powerpoint/2010/main" val="1038051416"/>
-      </p:ext>
-    </p:extLst>
-  </p:cSld>
-  <p:clrMapOvr>
-    <a:masterClrMapping/>
-  </p:clrMapOvr>
-</p:notes>
-</file>
-
-<file path=ppt/notesSlides/notesSlide9.xml><?xml version="1.0" encoding="utf-8"?>
-<p:notes xmlns:a="http://schemas.openxmlformats.org/drawingml/2006/main" xmlns:r="http://schemas.openxmlformats.org/officeDocument/2006/relationships" xmlns:p="http://schemas.openxmlformats.org/presentationml/2006/main">
-  <p:cSld>
-    <p:spTree>
-      <p:nvGrpSpPr>
-        <p:cNvPr id="1" name=""/>
-        <p:cNvGrpSpPr/>
-        <p:nvPr/>
-      </p:nvGrpSpPr>
-      <p:grpSpPr>
-        <a:xfrm>
-          <a:off x="0" y="0"/>
-          <a:ext cx="0" cy="0"/>
-          <a:chOff x="0" y="0"/>
-          <a:chExt cx="0" cy="0"/>
-        </a:xfrm>
-      </p:grpSpPr>
-      <p:sp>
-        <p:nvSpPr>
-          <p:cNvPr id="2" name="Slide Image Placeholder 1"/>
-          <p:cNvSpPr>
-            <a:spLocks noGrp="1" noRot="1" noChangeAspect="1"/>
-          </p:cNvSpPr>
-          <p:nvPr>
-            <p:ph type="sldImg"/>
-          </p:nvPr>
-        </p:nvSpPr>
-        <p:spPr/>
-      </p:sp>
-      <p:sp>
-        <p:nvSpPr>
-          <p:cNvPr id="3" name="Notes Placeholder 2"/>
-          <p:cNvSpPr>
-            <a:spLocks noGrp="1"/>
-          </p:cNvSpPr>
-          <p:nvPr>
-            <p:ph type="body" idx="1"/>
-          </p:nvPr>
-        </p:nvSpPr>
-        <p:spPr/>
-        <p:txBody>
-          <a:bodyPr/>
-          <a:lstStyle/>
-          <a:p>
-            <a:endParaRPr lang="en-US" dirty="0"/>
-          </a:p>
-        </p:txBody>
-      </p:sp>
-      <p:sp>
-        <p:nvSpPr>
-          <p:cNvPr id="4" name="Slide Number Placeholder 3"/>
-          <p:cNvSpPr>
-            <a:spLocks noGrp="1"/>
-          </p:cNvSpPr>
-          <p:nvPr>
-            <p:ph type="sldNum" sz="quarter" idx="5"/>
-          </p:nvPr>
-        </p:nvSpPr>
-        <p:spPr/>
-        <p:txBody>
-          <a:bodyPr/>
-          <a:lstStyle/>
-          <a:p>
-            <a:fld id="{3F8BDF20-BE86-4883-8A23-4CE3D0058BEA}" type="slidenum">
-              <a:rPr lang="en-US" smtClean="0"/>
-              <a:t>10</a:t>
-            </a:fld>
-            <a:endParaRPr lang="en-US"/>
-          </a:p>
-        </p:txBody>
-      </p:sp>
-    </p:spTree>
-    <p:extLst>
-      <p:ext uri="{BB962C8B-B14F-4D97-AF65-F5344CB8AC3E}">
-        <p14:creationId xmlns:p14="http://schemas.microsoft.com/office/powerpoint/2010/main" val="3460213116"/>
+        <p14:creationId xmlns:p14="http://schemas.microsoft.com/office/powerpoint/2010/main" val="3449238349"/>
       </p:ext>
     </p:extLst>
   </p:cSld>
@@ -4602,7 +3497,7 @@
               <a:rPr lang="en-US" sz="4800" b="1" dirty="0"/>
             </a:br>
             <a:r>
-              <a:rPr lang="en-US" sz="4800" b="1"/>
+              <a:rPr lang="en-US" sz="4800" b="1" dirty="0"/>
               <a:t>Model Selection</a:t>
             </a:r>
             <a:endParaRPr lang="en-US" sz="4800" dirty="0"/>
@@ -4816,1179 +3711,6 @@
     <p:extLst>
       <p:ext uri="{BB962C8B-B14F-4D97-AF65-F5344CB8AC3E}">
         <p14:creationId xmlns:p14="http://schemas.microsoft.com/office/powerpoint/2010/main" val="3522399239"/>
-      </p:ext>
-    </p:extLst>
-  </p:cSld>
-  <p:clrMapOvr>
-    <a:masterClrMapping/>
-  </p:clrMapOvr>
-</p:sld>
-</file>
-
-<file path=ppt/slides/slide10.xml><?xml version="1.0" encoding="utf-8"?>
-<p:sld xmlns:a="http://schemas.openxmlformats.org/drawingml/2006/main" xmlns:r="http://schemas.openxmlformats.org/officeDocument/2006/relationships" xmlns:p="http://schemas.openxmlformats.org/presentationml/2006/main">
-  <p:cSld>
-    <p:spTree>
-      <p:nvGrpSpPr>
-        <p:cNvPr id="1" name=""/>
-        <p:cNvGrpSpPr/>
-        <p:nvPr/>
-      </p:nvGrpSpPr>
-      <p:grpSpPr>
-        <a:xfrm>
-          <a:off x="0" y="0"/>
-          <a:ext cx="0" cy="0"/>
-          <a:chOff x="0" y="0"/>
-          <a:chExt cx="0" cy="0"/>
-        </a:xfrm>
-      </p:grpSpPr>
-      <p:sp>
-        <p:nvSpPr>
-          <p:cNvPr id="2" name="Title 1"/>
-          <p:cNvSpPr>
-            <a:spLocks noGrp="1"/>
-          </p:cNvSpPr>
-          <p:nvPr>
-            <p:ph type="title"/>
-          </p:nvPr>
-        </p:nvSpPr>
-        <p:spPr>
-          <a:xfrm>
-            <a:off x="838200" y="365126"/>
-            <a:ext cx="10515600" cy="981894"/>
-          </a:xfrm>
-        </p:spPr>
-        <p:txBody>
-          <a:bodyPr>
-            <a:normAutofit/>
-          </a:bodyPr>
-          <a:lstStyle/>
-          <a:p>
-            <a:r>
-              <a:rPr lang="en-US" dirty="0"/>
-              <a:t>Bias vs Variance</a:t>
-            </a:r>
-          </a:p>
-        </p:txBody>
-      </p:sp>
-      <p:sp>
-        <p:nvSpPr>
-          <p:cNvPr id="5" name="TextBox 4">
-            <a:extLst>
-              <a:ext uri="{FF2B5EF4-FFF2-40B4-BE49-F238E27FC236}">
-                <a16:creationId xmlns:a16="http://schemas.microsoft.com/office/drawing/2014/main" id="{DFD6C41F-AE18-04EA-51B2-AA4611A21B33}"/>
-              </a:ext>
-            </a:extLst>
-          </p:cNvPr>
-          <p:cNvSpPr txBox="1"/>
-          <p:nvPr/>
-        </p:nvSpPr>
-        <p:spPr>
-          <a:xfrm>
-            <a:off x="838200" y="1771941"/>
-            <a:ext cx="10073640" cy="2677656"/>
-          </a:xfrm>
-          <a:prstGeom prst="rect">
-            <a:avLst/>
-          </a:prstGeom>
-          <a:noFill/>
-        </p:spPr>
-        <p:txBody>
-          <a:bodyPr wrap="square">
-            <a:spAutoFit/>
-          </a:bodyPr>
-          <a:lstStyle/>
-          <a:p>
-            <a:r>
-              <a:rPr lang="en-US" sz="2800" dirty="0"/>
-              <a:t>The estimates of prediction error will typically be biased since the training data size is n(K-1)/K </a:t>
-            </a:r>
-          </a:p>
-          <a:p>
-            <a:endParaRPr lang="en-US" sz="2800" dirty="0"/>
-          </a:p>
-          <a:p>
-            <a:endParaRPr lang="en-US" sz="2800" dirty="0"/>
-          </a:p>
-          <a:p>
-            <a:endParaRPr lang="en-US" sz="2800" dirty="0"/>
-          </a:p>
-          <a:p>
-            <a:endParaRPr lang="en-US" sz="2800" dirty="0"/>
-          </a:p>
-        </p:txBody>
-      </p:sp>
-      <p:sp>
-        <p:nvSpPr>
-          <p:cNvPr id="3" name="TextBox 2">
-            <a:extLst>
-              <a:ext uri="{FF2B5EF4-FFF2-40B4-BE49-F238E27FC236}">
-                <a16:creationId xmlns:a16="http://schemas.microsoft.com/office/drawing/2014/main" id="{365DAB0B-4F0B-8501-A94C-7FC7C9A23C7E}"/>
-              </a:ext>
-            </a:extLst>
-          </p:cNvPr>
-          <p:cNvSpPr txBox="1"/>
-          <p:nvPr/>
-        </p:nvSpPr>
-        <p:spPr>
-          <a:xfrm>
-            <a:off x="838200" y="3429000"/>
-            <a:ext cx="10073640" cy="1815882"/>
-          </a:xfrm>
-          <a:prstGeom prst="rect">
-            <a:avLst/>
-          </a:prstGeom>
-          <a:noFill/>
-        </p:spPr>
-        <p:txBody>
-          <a:bodyPr wrap="square">
-            <a:spAutoFit/>
-          </a:bodyPr>
-          <a:lstStyle/>
-          <a:p>
-            <a:r>
-              <a:rPr lang="en-US" sz="2800" dirty="0"/>
-              <a:t>LOOCV is almost unbiased but incurs high variance</a:t>
-            </a:r>
-          </a:p>
-          <a:p>
-            <a:endParaRPr lang="en-US" sz="2800" dirty="0"/>
-          </a:p>
-          <a:p>
-            <a:endParaRPr lang="en-US" sz="2800" dirty="0"/>
-          </a:p>
-          <a:p>
-            <a:endParaRPr lang="en-US" sz="2800" dirty="0"/>
-          </a:p>
-        </p:txBody>
-      </p:sp>
-      <p:sp>
-        <p:nvSpPr>
-          <p:cNvPr id="6" name="TextBox 5">
-            <a:extLst>
-              <a:ext uri="{FF2B5EF4-FFF2-40B4-BE49-F238E27FC236}">
-                <a16:creationId xmlns:a16="http://schemas.microsoft.com/office/drawing/2014/main" id="{5171744F-D6B1-38C0-9F38-A296B6D4F814}"/>
-              </a:ext>
-            </a:extLst>
-          </p:cNvPr>
-          <p:cNvSpPr txBox="1"/>
-          <p:nvPr/>
-        </p:nvSpPr>
-        <p:spPr>
-          <a:xfrm>
-            <a:off x="838200" y="4781299"/>
-            <a:ext cx="10073640" cy="1384995"/>
-          </a:xfrm>
-          <a:prstGeom prst="rect">
-            <a:avLst/>
-          </a:prstGeom>
-          <a:noFill/>
-        </p:spPr>
-        <p:txBody>
-          <a:bodyPr wrap="square">
-            <a:spAutoFit/>
-          </a:bodyPr>
-          <a:lstStyle/>
-          <a:p>
-            <a:r>
-              <a:rPr lang="en-US" sz="2800" dirty="0"/>
-              <a:t>K=5 or 10 provides a good compromise for this bias-variance tradeoff. </a:t>
-            </a:r>
-          </a:p>
-          <a:p>
-            <a:endParaRPr lang="en-US" sz="2800" dirty="0"/>
-          </a:p>
-        </p:txBody>
-      </p:sp>
-    </p:spTree>
-    <p:extLst>
-      <p:ext uri="{BB962C8B-B14F-4D97-AF65-F5344CB8AC3E}">
-        <p14:creationId xmlns:p14="http://schemas.microsoft.com/office/powerpoint/2010/main" val="3145963789"/>
-      </p:ext>
-    </p:extLst>
-  </p:cSld>
-  <p:clrMapOvr>
-    <a:masterClrMapping/>
-  </p:clrMapOvr>
-</p:sld>
-</file>
-
-<file path=ppt/slides/slide11.xml><?xml version="1.0" encoding="utf-8"?>
-<p:sld xmlns:a="http://schemas.openxmlformats.org/drawingml/2006/main" xmlns:r="http://schemas.openxmlformats.org/officeDocument/2006/relationships" xmlns:p="http://schemas.openxmlformats.org/presentationml/2006/main">
-  <p:cSld>
-    <p:spTree>
-      <p:nvGrpSpPr>
-        <p:cNvPr id="1" name=""/>
-        <p:cNvGrpSpPr/>
-        <p:nvPr/>
-      </p:nvGrpSpPr>
-      <p:grpSpPr>
-        <a:xfrm>
-          <a:off x="0" y="0"/>
-          <a:ext cx="0" cy="0"/>
-          <a:chOff x="0" y="0"/>
-          <a:chExt cx="0" cy="0"/>
-        </a:xfrm>
-      </p:grpSpPr>
-      <p:sp>
-        <p:nvSpPr>
-          <p:cNvPr id="2" name="Title 1"/>
-          <p:cNvSpPr>
-            <a:spLocks noGrp="1"/>
-          </p:cNvSpPr>
-          <p:nvPr>
-            <p:ph type="title"/>
-          </p:nvPr>
-        </p:nvSpPr>
-        <p:spPr>
-          <a:xfrm>
-            <a:off x="838200" y="365126"/>
-            <a:ext cx="10515600" cy="981894"/>
-          </a:xfrm>
-        </p:spPr>
-        <p:txBody>
-          <a:bodyPr>
-            <a:normAutofit/>
-          </a:bodyPr>
-          <a:lstStyle/>
-          <a:p>
-            <a:r>
-              <a:rPr lang="en-US" dirty="0"/>
-              <a:t>Cross-Validation for Classification Problems </a:t>
-            </a:r>
-          </a:p>
-        </p:txBody>
-      </p:sp>
-      <p:pic>
-        <p:nvPicPr>
-          <p:cNvPr id="4" name="Picture 3">
-            <a:extLst>
-              <a:ext uri="{FF2B5EF4-FFF2-40B4-BE49-F238E27FC236}">
-                <a16:creationId xmlns:a16="http://schemas.microsoft.com/office/drawing/2014/main" id="{22B09DEB-1A34-99F8-EC71-A92F8CECBA9D}"/>
-              </a:ext>
-            </a:extLst>
-          </p:cNvPr>
-          <p:cNvPicPr>
-            <a:picLocks noChangeAspect="1"/>
-          </p:cNvPicPr>
-          <p:nvPr/>
-        </p:nvPicPr>
-        <p:blipFill>
-          <a:blip r:embed="rId3"/>
-          <a:stretch>
-            <a:fillRect/>
-          </a:stretch>
-        </p:blipFill>
-        <p:spPr>
-          <a:xfrm>
-            <a:off x="1697989" y="1719887"/>
-            <a:ext cx="3559723" cy="1297633"/>
-          </a:xfrm>
-          <a:prstGeom prst="rect">
-            <a:avLst/>
-          </a:prstGeom>
-        </p:spPr>
-      </p:pic>
-      <p:pic>
-        <p:nvPicPr>
-          <p:cNvPr id="7" name="Picture 6">
-            <a:extLst>
-              <a:ext uri="{FF2B5EF4-FFF2-40B4-BE49-F238E27FC236}">
-                <a16:creationId xmlns:a16="http://schemas.microsoft.com/office/drawing/2014/main" id="{F15B0F01-F51F-4A10-6010-CFE8A3A288DA}"/>
-              </a:ext>
-            </a:extLst>
-          </p:cNvPr>
-          <p:cNvPicPr>
-            <a:picLocks noChangeAspect="1"/>
-          </p:cNvPicPr>
-          <p:nvPr/>
-        </p:nvPicPr>
-        <p:blipFill>
-          <a:blip r:embed="rId4"/>
-          <a:stretch>
-            <a:fillRect/>
-          </a:stretch>
-        </p:blipFill>
-        <p:spPr>
-          <a:xfrm>
-            <a:off x="5497109" y="2042569"/>
-            <a:ext cx="4750188" cy="670151"/>
-          </a:xfrm>
-          <a:prstGeom prst="rect">
-            <a:avLst/>
-          </a:prstGeom>
-        </p:spPr>
-      </p:pic>
-      <p:pic>
-        <p:nvPicPr>
-          <p:cNvPr id="8" name="Picture 7">
-            <a:extLst>
-              <a:ext uri="{FF2B5EF4-FFF2-40B4-BE49-F238E27FC236}">
-                <a16:creationId xmlns:a16="http://schemas.microsoft.com/office/drawing/2014/main" id="{5F005FB9-B18B-1259-4EAE-16F62FCADCEC}"/>
-              </a:ext>
-            </a:extLst>
-          </p:cNvPr>
-          <p:cNvPicPr>
-            <a:picLocks noChangeAspect="1"/>
-          </p:cNvPicPr>
-          <p:nvPr/>
-        </p:nvPicPr>
-        <p:blipFill>
-          <a:blip r:embed="rId5"/>
-          <a:stretch>
-            <a:fillRect/>
-          </a:stretch>
-        </p:blipFill>
-        <p:spPr>
-          <a:xfrm>
-            <a:off x="2143546" y="3713069"/>
-            <a:ext cx="6707126" cy="1573939"/>
-          </a:xfrm>
-          <a:prstGeom prst="rect">
-            <a:avLst/>
-          </a:prstGeom>
-        </p:spPr>
-      </p:pic>
-    </p:spTree>
-    <p:extLst>
-      <p:ext uri="{BB962C8B-B14F-4D97-AF65-F5344CB8AC3E}">
-        <p14:creationId xmlns:p14="http://schemas.microsoft.com/office/powerpoint/2010/main" val="1365829078"/>
-      </p:ext>
-    </p:extLst>
-  </p:cSld>
-  <p:clrMapOvr>
-    <a:masterClrMapping/>
-  </p:clrMapOvr>
-</p:sld>
-</file>
-
-<file path=ppt/slides/slide12.xml><?xml version="1.0" encoding="utf-8"?>
-<p:sld xmlns:a="http://schemas.openxmlformats.org/drawingml/2006/main" xmlns:r="http://schemas.openxmlformats.org/officeDocument/2006/relationships" xmlns:p="http://schemas.openxmlformats.org/presentationml/2006/main">
-  <p:cSld>
-    <p:spTree>
-      <p:nvGrpSpPr>
-        <p:cNvPr id="1" name=""/>
-        <p:cNvGrpSpPr/>
-        <p:nvPr/>
-      </p:nvGrpSpPr>
-      <p:grpSpPr>
-        <a:xfrm>
-          <a:off x="0" y="0"/>
-          <a:ext cx="0" cy="0"/>
-          <a:chOff x="0" y="0"/>
-          <a:chExt cx="0" cy="0"/>
-        </a:xfrm>
-      </p:grpSpPr>
-      <p:sp>
-        <p:nvSpPr>
-          <p:cNvPr id="2" name="Title 1"/>
-          <p:cNvSpPr>
-            <a:spLocks noGrp="1"/>
-          </p:cNvSpPr>
-          <p:nvPr>
-            <p:ph type="title"/>
-          </p:nvPr>
-        </p:nvSpPr>
-        <p:spPr>
-          <a:xfrm>
-            <a:off x="838200" y="365126"/>
-            <a:ext cx="10515600" cy="981894"/>
-          </a:xfrm>
-        </p:spPr>
-        <p:txBody>
-          <a:bodyPr>
-            <a:normAutofit/>
-          </a:bodyPr>
-          <a:lstStyle/>
-          <a:p>
-            <a:r>
-              <a:rPr lang="en-US" dirty="0"/>
-              <a:t>Cross-Validation: Right and Wrong</a:t>
-            </a:r>
-          </a:p>
-        </p:txBody>
-      </p:sp>
-      <p:sp>
-        <p:nvSpPr>
-          <p:cNvPr id="3" name="TextBox 2">
-            <a:extLst>
-              <a:ext uri="{FF2B5EF4-FFF2-40B4-BE49-F238E27FC236}">
-                <a16:creationId xmlns:a16="http://schemas.microsoft.com/office/drawing/2014/main" id="{F7EC4E31-5C4F-8C5E-0670-92CC3314C410}"/>
-              </a:ext>
-            </a:extLst>
-          </p:cNvPr>
-          <p:cNvSpPr txBox="1"/>
-          <p:nvPr/>
-        </p:nvSpPr>
-        <p:spPr>
-          <a:xfrm>
-            <a:off x="838200" y="1771941"/>
-            <a:ext cx="10073640" cy="2246769"/>
-          </a:xfrm>
-          <a:prstGeom prst="rect">
-            <a:avLst/>
-          </a:prstGeom>
-          <a:noFill/>
-        </p:spPr>
-        <p:txBody>
-          <a:bodyPr wrap="square">
-            <a:spAutoFit/>
-          </a:bodyPr>
-          <a:lstStyle/>
-          <a:p>
-            <a:r>
-              <a:rPr lang="en-US" sz="2800" dirty="0"/>
-              <a:t>Consider a simple classifier applied to some two-class data: </a:t>
-            </a:r>
-          </a:p>
-          <a:p>
-            <a:endParaRPr lang="en-US" sz="2800" dirty="0"/>
-          </a:p>
-          <a:p>
-            <a:endParaRPr lang="en-US" sz="2800" dirty="0"/>
-          </a:p>
-          <a:p>
-            <a:endParaRPr lang="en-US" sz="2800" dirty="0"/>
-          </a:p>
-          <a:p>
-            <a:endParaRPr lang="en-US" sz="2800" dirty="0"/>
-          </a:p>
-        </p:txBody>
-      </p:sp>
-      <p:sp>
-        <p:nvSpPr>
-          <p:cNvPr id="5" name="TextBox 4">
-            <a:extLst>
-              <a:ext uri="{FF2B5EF4-FFF2-40B4-BE49-F238E27FC236}">
-                <a16:creationId xmlns:a16="http://schemas.microsoft.com/office/drawing/2014/main" id="{32C500FB-42E8-FACA-1931-9CDF7436ECDE}"/>
-              </a:ext>
-            </a:extLst>
-          </p:cNvPr>
-          <p:cNvSpPr txBox="1"/>
-          <p:nvPr/>
-        </p:nvSpPr>
-        <p:spPr>
-          <a:xfrm>
-            <a:off x="1059180" y="2464438"/>
-            <a:ext cx="10073640" cy="3970318"/>
-          </a:xfrm>
-          <a:prstGeom prst="rect">
-            <a:avLst/>
-          </a:prstGeom>
-          <a:noFill/>
-        </p:spPr>
-        <p:txBody>
-          <a:bodyPr wrap="square">
-            <a:spAutoFit/>
-          </a:bodyPr>
-          <a:lstStyle/>
-          <a:p>
-            <a:pPr marL="514350" indent="-514350">
-              <a:buAutoNum type="arabicPeriod"/>
-            </a:pPr>
-            <a:r>
-              <a:rPr lang="en-US" sz="2800" dirty="0"/>
-              <a:t>Starting with 5000 predictors and 50 samples, find the 100 predictors having the largest correlation with the class labels.</a:t>
-            </a:r>
-          </a:p>
-          <a:p>
-            <a:pPr marL="514350" indent="-514350">
-              <a:buFontTx/>
-              <a:buAutoNum type="arabicPeriod"/>
-            </a:pPr>
-            <a:r>
-              <a:rPr lang="en-US" sz="2800" dirty="0"/>
-              <a:t> We then apply a classifier such as logistic regression, using only these 100 predictors. </a:t>
-            </a:r>
-          </a:p>
-          <a:p>
-            <a:pPr marL="514350" indent="-514350">
-              <a:buFontTx/>
-              <a:buAutoNum type="arabicPeriod"/>
-            </a:pPr>
-            <a:endParaRPr lang="en-US" sz="2800" dirty="0"/>
-          </a:p>
-          <a:p>
-            <a:endParaRPr lang="en-US" sz="2800" dirty="0"/>
-          </a:p>
-          <a:p>
-            <a:endParaRPr lang="en-US" sz="2800" dirty="0"/>
-          </a:p>
-          <a:p>
-            <a:endParaRPr lang="en-US" sz="2800" dirty="0"/>
-          </a:p>
-          <a:p>
-            <a:endParaRPr lang="en-US" sz="2800" dirty="0"/>
-          </a:p>
-        </p:txBody>
-      </p:sp>
-      <p:sp>
-        <p:nvSpPr>
-          <p:cNvPr id="6" name="TextBox 5">
-            <a:extLst>
-              <a:ext uri="{FF2B5EF4-FFF2-40B4-BE49-F238E27FC236}">
-                <a16:creationId xmlns:a16="http://schemas.microsoft.com/office/drawing/2014/main" id="{16718E2E-BE15-44E8-2297-863F53A652EC}"/>
-              </a:ext>
-            </a:extLst>
-          </p:cNvPr>
-          <p:cNvSpPr txBox="1"/>
-          <p:nvPr/>
-        </p:nvSpPr>
-        <p:spPr>
-          <a:xfrm>
-            <a:off x="838200" y="4880484"/>
-            <a:ext cx="10073640" cy="2246769"/>
-          </a:xfrm>
-          <a:prstGeom prst="rect">
-            <a:avLst/>
-          </a:prstGeom>
-          <a:noFill/>
-        </p:spPr>
-        <p:txBody>
-          <a:bodyPr wrap="square">
-            <a:spAutoFit/>
-          </a:bodyPr>
-          <a:lstStyle/>
-          <a:p>
-            <a:r>
-              <a:rPr lang="en-US" sz="2800" dirty="0"/>
-              <a:t>How should we conduct cross validation?</a:t>
-            </a:r>
-          </a:p>
-          <a:p>
-            <a:endParaRPr lang="en-US" sz="2800" dirty="0"/>
-          </a:p>
-          <a:p>
-            <a:endParaRPr lang="en-US" sz="2800" dirty="0"/>
-          </a:p>
-          <a:p>
-            <a:endParaRPr lang="en-US" sz="2800" dirty="0"/>
-          </a:p>
-          <a:p>
-            <a:endParaRPr lang="en-US" sz="2800" dirty="0"/>
-          </a:p>
-        </p:txBody>
-      </p:sp>
-    </p:spTree>
-    <p:extLst>
-      <p:ext uri="{BB962C8B-B14F-4D97-AF65-F5344CB8AC3E}">
-        <p14:creationId xmlns:p14="http://schemas.microsoft.com/office/powerpoint/2010/main" val="941757839"/>
-      </p:ext>
-    </p:extLst>
-  </p:cSld>
-  <p:clrMapOvr>
-    <a:masterClrMapping/>
-  </p:clrMapOvr>
-</p:sld>
-</file>
-
-<file path=ppt/slides/slide13.xml><?xml version="1.0" encoding="utf-8"?>
-<p:sld xmlns:a="http://schemas.openxmlformats.org/drawingml/2006/main" xmlns:r="http://schemas.openxmlformats.org/officeDocument/2006/relationships" xmlns:p="http://schemas.openxmlformats.org/presentationml/2006/main">
-  <p:cSld>
-    <p:spTree>
-      <p:nvGrpSpPr>
-        <p:cNvPr id="1" name=""/>
-        <p:cNvGrpSpPr/>
-        <p:nvPr/>
-      </p:nvGrpSpPr>
-      <p:grpSpPr>
-        <a:xfrm>
-          <a:off x="0" y="0"/>
-          <a:ext cx="0" cy="0"/>
-          <a:chOff x="0" y="0"/>
-          <a:chExt cx="0" cy="0"/>
-        </a:xfrm>
-      </p:grpSpPr>
-      <p:sp>
-        <p:nvSpPr>
-          <p:cNvPr id="2" name="Title 1"/>
-          <p:cNvSpPr>
-            <a:spLocks noGrp="1"/>
-          </p:cNvSpPr>
-          <p:nvPr>
-            <p:ph type="title"/>
-          </p:nvPr>
-        </p:nvSpPr>
-        <p:spPr>
-          <a:xfrm>
-            <a:off x="838200" y="365126"/>
-            <a:ext cx="10515600" cy="981894"/>
-          </a:xfrm>
-        </p:spPr>
-        <p:txBody>
-          <a:bodyPr>
-            <a:normAutofit/>
-          </a:bodyPr>
-          <a:lstStyle/>
-          <a:p>
-            <a:r>
-              <a:rPr lang="en-US" dirty="0"/>
-              <a:t>Cross-Validation: Right and Wrong</a:t>
-            </a:r>
-          </a:p>
-        </p:txBody>
-      </p:sp>
-      <p:sp>
-        <p:nvSpPr>
-          <p:cNvPr id="3" name="TextBox 2">
-            <a:extLst>
-              <a:ext uri="{FF2B5EF4-FFF2-40B4-BE49-F238E27FC236}">
-                <a16:creationId xmlns:a16="http://schemas.microsoft.com/office/drawing/2014/main" id="{F7EC4E31-5C4F-8C5E-0670-92CC3314C410}"/>
-              </a:ext>
-            </a:extLst>
-          </p:cNvPr>
-          <p:cNvSpPr txBox="1"/>
-          <p:nvPr/>
-        </p:nvSpPr>
-        <p:spPr>
-          <a:xfrm>
-            <a:off x="838200" y="1771941"/>
-            <a:ext cx="10073640" cy="1815882"/>
-          </a:xfrm>
-          <a:prstGeom prst="rect">
-            <a:avLst/>
-          </a:prstGeom>
-          <a:noFill/>
-        </p:spPr>
-        <p:txBody>
-          <a:bodyPr wrap="square">
-            <a:spAutoFit/>
-          </a:bodyPr>
-          <a:lstStyle/>
-          <a:p>
-            <a:r>
-              <a:rPr lang="en-US" sz="2800" dirty="0"/>
-              <a:t>Apply cross-validation to both step 1 and 2</a:t>
-            </a:r>
-          </a:p>
-          <a:p>
-            <a:endParaRPr lang="en-US" sz="2800" dirty="0"/>
-          </a:p>
-          <a:p>
-            <a:endParaRPr lang="en-US" sz="2800" dirty="0"/>
-          </a:p>
-          <a:p>
-            <a:endParaRPr lang="en-US" sz="2800" dirty="0"/>
-          </a:p>
-        </p:txBody>
-      </p:sp>
-      <p:pic>
-        <p:nvPicPr>
-          <p:cNvPr id="4" name="Picture 3">
-            <a:extLst>
-              <a:ext uri="{FF2B5EF4-FFF2-40B4-BE49-F238E27FC236}">
-                <a16:creationId xmlns:a16="http://schemas.microsoft.com/office/drawing/2014/main" id="{C5763CC7-A927-7EB8-9D15-6A5BD435FDC2}"/>
-              </a:ext>
-            </a:extLst>
-          </p:cNvPr>
-          <p:cNvPicPr>
-            <a:picLocks noChangeAspect="1"/>
-          </p:cNvPicPr>
-          <p:nvPr/>
-        </p:nvPicPr>
-        <p:blipFill>
-          <a:blip r:embed="rId3"/>
-          <a:stretch>
-            <a:fillRect/>
-          </a:stretch>
-        </p:blipFill>
-        <p:spPr>
-          <a:xfrm>
-            <a:off x="1835150" y="2623222"/>
-            <a:ext cx="7811770" cy="3869652"/>
-          </a:xfrm>
-          <a:prstGeom prst="rect">
-            <a:avLst/>
-          </a:prstGeom>
-        </p:spPr>
-      </p:pic>
-    </p:spTree>
-    <p:extLst>
-      <p:ext uri="{BB962C8B-B14F-4D97-AF65-F5344CB8AC3E}">
-        <p14:creationId xmlns:p14="http://schemas.microsoft.com/office/powerpoint/2010/main" val="765068266"/>
-      </p:ext>
-    </p:extLst>
-  </p:cSld>
-  <p:clrMapOvr>
-    <a:masterClrMapping/>
-  </p:clrMapOvr>
-</p:sld>
-</file>
-
-<file path=ppt/slides/slide14.xml><?xml version="1.0" encoding="utf-8"?>
-<p:sld xmlns:a="http://schemas.openxmlformats.org/drawingml/2006/main" xmlns:r="http://schemas.openxmlformats.org/officeDocument/2006/relationships" xmlns:p="http://schemas.openxmlformats.org/presentationml/2006/main">
-  <p:cSld>
-    <p:spTree>
-      <p:nvGrpSpPr>
-        <p:cNvPr id="1" name=""/>
-        <p:cNvGrpSpPr/>
-        <p:nvPr/>
-      </p:nvGrpSpPr>
-      <p:grpSpPr>
-        <a:xfrm>
-          <a:off x="0" y="0"/>
-          <a:ext cx="0" cy="0"/>
-          <a:chOff x="0" y="0"/>
-          <a:chExt cx="0" cy="0"/>
-        </a:xfrm>
-      </p:grpSpPr>
-      <p:sp>
-        <p:nvSpPr>
-          <p:cNvPr id="2" name="Title 1"/>
-          <p:cNvSpPr>
-            <a:spLocks noGrp="1"/>
-          </p:cNvSpPr>
-          <p:nvPr>
-            <p:ph type="title"/>
-          </p:nvPr>
-        </p:nvSpPr>
-        <p:spPr>
-          <a:xfrm>
-            <a:off x="838200" y="365126"/>
-            <a:ext cx="10515600" cy="981894"/>
-          </a:xfrm>
-        </p:spPr>
-        <p:txBody>
-          <a:bodyPr>
-            <a:normAutofit/>
-          </a:bodyPr>
-          <a:lstStyle/>
-          <a:p>
-            <a:r>
-              <a:rPr lang="en-US" dirty="0" err="1"/>
-              <a:t>BootStrap</a:t>
-            </a:r>
-            <a:endParaRPr lang="en-US" dirty="0"/>
-          </a:p>
-        </p:txBody>
-      </p:sp>
-      <p:sp>
-        <p:nvSpPr>
-          <p:cNvPr id="5" name="TextBox 4">
-            <a:extLst>
-              <a:ext uri="{FF2B5EF4-FFF2-40B4-BE49-F238E27FC236}">
-                <a16:creationId xmlns:a16="http://schemas.microsoft.com/office/drawing/2014/main" id="{B744150D-9FCD-82CD-3220-1D064BF51754}"/>
-              </a:ext>
-            </a:extLst>
-          </p:cNvPr>
-          <p:cNvSpPr txBox="1"/>
-          <p:nvPr/>
-        </p:nvSpPr>
-        <p:spPr>
-          <a:xfrm>
-            <a:off x="838200" y="1695324"/>
-            <a:ext cx="10073640" cy="3970318"/>
-          </a:xfrm>
-          <a:prstGeom prst="rect">
-            <a:avLst/>
-          </a:prstGeom>
-          <a:noFill/>
-        </p:spPr>
-        <p:txBody>
-          <a:bodyPr wrap="square">
-            <a:spAutoFit/>
-          </a:bodyPr>
-          <a:lstStyle/>
-          <a:p>
-            <a:r>
-              <a:rPr lang="en-US" sz="2800" dirty="0"/>
-              <a:t>We obtain distinct datasets by repeatedly sampling observations from the original dataset with replacement. </a:t>
-            </a:r>
-          </a:p>
-          <a:p>
-            <a:endParaRPr lang="en-US" sz="2800" dirty="0"/>
-          </a:p>
-          <a:p>
-            <a:endParaRPr lang="en-US" sz="2800" dirty="0"/>
-          </a:p>
-          <a:p>
-            <a:r>
-              <a:rPr lang="en-US" sz="2800" dirty="0"/>
-              <a:t>Each “bootstrap dataset” is created by sampling with replacement and is the same size as our original dataset. </a:t>
-            </a:r>
-          </a:p>
-          <a:p>
-            <a:endParaRPr lang="en-US" sz="2800" dirty="0"/>
-          </a:p>
-          <a:p>
-            <a:r>
-              <a:rPr lang="en-US" sz="2800" dirty="0"/>
-              <a:t>Use the bootstrap to get an estimate of a parameter</a:t>
-            </a:r>
-          </a:p>
-          <a:p>
-            <a:endParaRPr lang="en-US" sz="2800" dirty="0"/>
-          </a:p>
-        </p:txBody>
-      </p:sp>
-    </p:spTree>
-    <p:extLst>
-      <p:ext uri="{BB962C8B-B14F-4D97-AF65-F5344CB8AC3E}">
-        <p14:creationId xmlns:p14="http://schemas.microsoft.com/office/powerpoint/2010/main" val="1631351857"/>
-      </p:ext>
-    </p:extLst>
-  </p:cSld>
-  <p:clrMapOvr>
-    <a:masterClrMapping/>
-  </p:clrMapOvr>
-</p:sld>
-</file>
-
-<file path=ppt/slides/slide15.xml><?xml version="1.0" encoding="utf-8"?>
-<p:sld xmlns:a="http://schemas.openxmlformats.org/drawingml/2006/main" xmlns:r="http://schemas.openxmlformats.org/officeDocument/2006/relationships" xmlns:p="http://schemas.openxmlformats.org/presentationml/2006/main">
-  <p:cSld>
-    <p:spTree>
-      <p:nvGrpSpPr>
-        <p:cNvPr id="1" name=""/>
-        <p:cNvGrpSpPr/>
-        <p:nvPr/>
-      </p:nvGrpSpPr>
-      <p:grpSpPr>
-        <a:xfrm>
-          <a:off x="0" y="0"/>
-          <a:ext cx="0" cy="0"/>
-          <a:chOff x="0" y="0"/>
-          <a:chExt cx="0" cy="0"/>
-        </a:xfrm>
-      </p:grpSpPr>
-      <p:sp>
-        <p:nvSpPr>
-          <p:cNvPr id="2" name="Title 1"/>
-          <p:cNvSpPr>
-            <a:spLocks noGrp="1"/>
-          </p:cNvSpPr>
-          <p:nvPr>
-            <p:ph type="title"/>
-          </p:nvPr>
-        </p:nvSpPr>
-        <p:spPr>
-          <a:xfrm>
-            <a:off x="838200" y="365126"/>
-            <a:ext cx="10515600" cy="981894"/>
-          </a:xfrm>
-        </p:spPr>
-        <p:txBody>
-          <a:bodyPr>
-            <a:normAutofit/>
-          </a:bodyPr>
-          <a:lstStyle/>
-          <a:p>
-            <a:r>
-              <a:rPr lang="en-US" dirty="0" err="1"/>
-              <a:t>BootStrap</a:t>
-            </a:r>
-            <a:endParaRPr lang="en-US" dirty="0"/>
-          </a:p>
-        </p:txBody>
-      </p:sp>
-      <p:sp>
-        <p:nvSpPr>
-          <p:cNvPr id="3" name="TextBox 2">
-            <a:extLst>
-              <a:ext uri="{FF2B5EF4-FFF2-40B4-BE49-F238E27FC236}">
-                <a16:creationId xmlns:a16="http://schemas.microsoft.com/office/drawing/2014/main" id="{14D8BB28-20A2-4C26-7FC9-AB7D1894E896}"/>
-              </a:ext>
-            </a:extLst>
-          </p:cNvPr>
-          <p:cNvSpPr txBox="1"/>
-          <p:nvPr/>
-        </p:nvSpPr>
-        <p:spPr>
-          <a:xfrm>
-            <a:off x="838200" y="1664844"/>
-            <a:ext cx="10073640" cy="523220"/>
-          </a:xfrm>
-          <a:prstGeom prst="rect">
-            <a:avLst/>
-          </a:prstGeom>
-          <a:noFill/>
-        </p:spPr>
-        <p:txBody>
-          <a:bodyPr wrap="square">
-            <a:spAutoFit/>
-          </a:bodyPr>
-          <a:lstStyle/>
-          <a:p>
-            <a:r>
-              <a:rPr lang="en-US" sz="2800" dirty="0"/>
-              <a:t>Primarily used to obtain standard errors of an estimate. </a:t>
-            </a:r>
-          </a:p>
-        </p:txBody>
-      </p:sp>
-      <p:pic>
-        <p:nvPicPr>
-          <p:cNvPr id="4" name="Picture 3">
-            <a:extLst>
-              <a:ext uri="{FF2B5EF4-FFF2-40B4-BE49-F238E27FC236}">
-                <a16:creationId xmlns:a16="http://schemas.microsoft.com/office/drawing/2014/main" id="{34330FF3-1FF3-67D4-88AD-DD40F08FAC7E}"/>
-              </a:ext>
-            </a:extLst>
-          </p:cNvPr>
-          <p:cNvPicPr>
-            <a:picLocks noChangeAspect="1"/>
-          </p:cNvPicPr>
-          <p:nvPr/>
-        </p:nvPicPr>
-        <p:blipFill>
-          <a:blip r:embed="rId3"/>
-          <a:stretch>
-            <a:fillRect/>
-          </a:stretch>
-        </p:blipFill>
-        <p:spPr>
-          <a:xfrm>
-            <a:off x="2256789" y="2340636"/>
-            <a:ext cx="6647631" cy="1581150"/>
-          </a:xfrm>
-          <a:prstGeom prst="rect">
-            <a:avLst/>
-          </a:prstGeom>
-        </p:spPr>
-      </p:pic>
-      <p:sp>
-        <p:nvSpPr>
-          <p:cNvPr id="6" name="TextBox 5">
-            <a:extLst>
-              <a:ext uri="{FF2B5EF4-FFF2-40B4-BE49-F238E27FC236}">
-                <a16:creationId xmlns:a16="http://schemas.microsoft.com/office/drawing/2014/main" id="{ABBA3CA4-FD1E-8E78-C529-F7D51A2434E9}"/>
-              </a:ext>
-            </a:extLst>
-          </p:cNvPr>
-          <p:cNvSpPr txBox="1"/>
-          <p:nvPr/>
-        </p:nvSpPr>
-        <p:spPr>
-          <a:xfrm>
-            <a:off x="838200" y="4146717"/>
-            <a:ext cx="10073640" cy="954107"/>
-          </a:xfrm>
-          <a:prstGeom prst="rect">
-            <a:avLst/>
-          </a:prstGeom>
-          <a:noFill/>
-        </p:spPr>
-        <p:txBody>
-          <a:bodyPr wrap="square">
-            <a:spAutoFit/>
-          </a:bodyPr>
-          <a:lstStyle/>
-          <a:p>
-            <a:r>
-              <a:rPr lang="en-US" sz="2800" dirty="0"/>
-              <a:t>Provide approximate confidence intervals for a population parameter. </a:t>
-            </a:r>
-          </a:p>
-        </p:txBody>
-      </p:sp>
-    </p:spTree>
-    <p:extLst>
-      <p:ext uri="{BB962C8B-B14F-4D97-AF65-F5344CB8AC3E}">
-        <p14:creationId xmlns:p14="http://schemas.microsoft.com/office/powerpoint/2010/main" val="2869956757"/>
-      </p:ext>
-    </p:extLst>
-  </p:cSld>
-  <p:clrMapOvr>
-    <a:masterClrMapping/>
-  </p:clrMapOvr>
-</p:sld>
-</file>
-
-<file path=ppt/slides/slide16.xml><?xml version="1.0" encoding="utf-8"?>
-<p:sld xmlns:a="http://schemas.openxmlformats.org/drawingml/2006/main" xmlns:r="http://schemas.openxmlformats.org/officeDocument/2006/relationships" xmlns:p="http://schemas.openxmlformats.org/presentationml/2006/main">
-  <p:cSld>
-    <p:spTree>
-      <p:nvGrpSpPr>
-        <p:cNvPr id="1" name=""/>
-        <p:cNvGrpSpPr/>
-        <p:nvPr/>
-      </p:nvGrpSpPr>
-      <p:grpSpPr>
-        <a:xfrm>
-          <a:off x="0" y="0"/>
-          <a:ext cx="0" cy="0"/>
-          <a:chOff x="0" y="0"/>
-          <a:chExt cx="0" cy="0"/>
-        </a:xfrm>
-      </p:grpSpPr>
-      <p:sp>
-        <p:nvSpPr>
-          <p:cNvPr id="2" name="Title 1"/>
-          <p:cNvSpPr>
-            <a:spLocks noGrp="1"/>
-          </p:cNvSpPr>
-          <p:nvPr>
-            <p:ph type="title"/>
-          </p:nvPr>
-        </p:nvSpPr>
-        <p:spPr>
-          <a:xfrm>
-            <a:off x="838200" y="365126"/>
-            <a:ext cx="10515600" cy="981894"/>
-          </a:xfrm>
-        </p:spPr>
-        <p:txBody>
-          <a:bodyPr>
-            <a:normAutofit/>
-          </a:bodyPr>
-          <a:lstStyle/>
-          <a:p>
-            <a:r>
-              <a:rPr lang="en-US" dirty="0" err="1"/>
-              <a:t>BootStrap</a:t>
-            </a:r>
-            <a:r>
-              <a:rPr lang="en-US" dirty="0"/>
-              <a:t> to Estimate Prediction Error?</a:t>
-            </a:r>
-          </a:p>
-        </p:txBody>
-      </p:sp>
-      <p:sp>
-        <p:nvSpPr>
-          <p:cNvPr id="5" name="TextBox 4">
-            <a:extLst>
-              <a:ext uri="{FF2B5EF4-FFF2-40B4-BE49-F238E27FC236}">
-                <a16:creationId xmlns:a16="http://schemas.microsoft.com/office/drawing/2014/main" id="{A7275A8D-8890-BDD1-554E-E8F45ED9E1D5}"/>
-              </a:ext>
-            </a:extLst>
-          </p:cNvPr>
-          <p:cNvSpPr txBox="1"/>
-          <p:nvPr/>
-        </p:nvSpPr>
-        <p:spPr>
-          <a:xfrm>
-            <a:off x="838200" y="1664844"/>
-            <a:ext cx="10073640" cy="1815882"/>
-          </a:xfrm>
-          <a:prstGeom prst="rect">
-            <a:avLst/>
-          </a:prstGeom>
-          <a:noFill/>
-        </p:spPr>
-        <p:txBody>
-          <a:bodyPr wrap="square">
-            <a:spAutoFit/>
-          </a:bodyPr>
-          <a:lstStyle/>
-          <a:p>
-            <a:r>
-              <a:rPr lang="en-US" sz="2800" dirty="0"/>
-              <a:t>To estimate prediction error using the bootstrap, we could think about using each bootstrap dataset as our training sample, and the original sample as our validation sample. </a:t>
-            </a:r>
-          </a:p>
-          <a:p>
-            <a:endParaRPr lang="en-US" sz="2800" dirty="0"/>
-          </a:p>
-        </p:txBody>
-      </p:sp>
-      <p:sp>
-        <p:nvSpPr>
-          <p:cNvPr id="7" name="TextBox 6">
-            <a:extLst>
-              <a:ext uri="{FF2B5EF4-FFF2-40B4-BE49-F238E27FC236}">
-                <a16:creationId xmlns:a16="http://schemas.microsoft.com/office/drawing/2014/main" id="{87E669BD-E3BE-B66A-93D3-70F58FBE70BC}"/>
-              </a:ext>
-            </a:extLst>
-          </p:cNvPr>
-          <p:cNvSpPr txBox="1"/>
-          <p:nvPr/>
-        </p:nvSpPr>
-        <p:spPr>
-          <a:xfrm>
-            <a:off x="838200" y="4027044"/>
-            <a:ext cx="10073640" cy="1384995"/>
-          </a:xfrm>
-          <a:prstGeom prst="rect">
-            <a:avLst/>
-          </a:prstGeom>
-          <a:noFill/>
-        </p:spPr>
-        <p:txBody>
-          <a:bodyPr wrap="square">
-            <a:spAutoFit/>
-          </a:bodyPr>
-          <a:lstStyle/>
-          <a:p>
-            <a:r>
-              <a:rPr lang="en-US" sz="2800" dirty="0"/>
-              <a:t>But there is large overlap between training and validation set, which will underestimate the error</a:t>
-            </a:r>
-          </a:p>
-          <a:p>
-            <a:endParaRPr lang="en-US" sz="2800" dirty="0"/>
-          </a:p>
-        </p:txBody>
-      </p:sp>
-    </p:spTree>
-    <p:extLst>
-      <p:ext uri="{BB962C8B-B14F-4D97-AF65-F5344CB8AC3E}">
-        <p14:creationId xmlns:p14="http://schemas.microsoft.com/office/powerpoint/2010/main" val="2372215182"/>
-      </p:ext>
-    </p:extLst>
-  </p:cSld>
-  <p:clrMapOvr>
-    <a:masterClrMapping/>
-  </p:clrMapOvr>
-</p:sld>
-</file>
-
-<file path=ppt/slides/slide17.xml><?xml version="1.0" encoding="utf-8"?>
-<p:sld xmlns:a="http://schemas.openxmlformats.org/drawingml/2006/main" xmlns:r="http://schemas.openxmlformats.org/officeDocument/2006/relationships" xmlns:p="http://schemas.openxmlformats.org/presentationml/2006/main">
-  <p:cSld>
-    <p:spTree>
-      <p:nvGrpSpPr>
-        <p:cNvPr id="1" name=""/>
-        <p:cNvGrpSpPr/>
-        <p:nvPr/>
-      </p:nvGrpSpPr>
-      <p:grpSpPr>
-        <a:xfrm>
-          <a:off x="0" y="0"/>
-          <a:ext cx="0" cy="0"/>
-          <a:chOff x="0" y="0"/>
-          <a:chExt cx="0" cy="0"/>
-        </a:xfrm>
-      </p:grpSpPr>
-      <p:sp>
-        <p:nvSpPr>
-          <p:cNvPr id="10" name="TextBox 9">
-            <a:extLst>
-              <a:ext uri="{FF2B5EF4-FFF2-40B4-BE49-F238E27FC236}">
-                <a16:creationId xmlns:a16="http://schemas.microsoft.com/office/drawing/2014/main" id="{514E73AD-7A38-9D42-8C4C-ADC0FDE0FBC3}"/>
-              </a:ext>
-            </a:extLst>
-          </p:cNvPr>
-          <p:cNvSpPr txBox="1"/>
-          <p:nvPr/>
-        </p:nvSpPr>
-        <p:spPr>
-          <a:xfrm>
-            <a:off x="4792980" y="2601575"/>
-            <a:ext cx="5951220" cy="1077218"/>
-          </a:xfrm>
-          <a:prstGeom prst="rect">
-            <a:avLst/>
-          </a:prstGeom>
-          <a:noFill/>
-        </p:spPr>
-        <p:txBody>
-          <a:bodyPr wrap="square">
-            <a:spAutoFit/>
-          </a:bodyPr>
-          <a:lstStyle/>
-          <a:p>
-            <a:r>
-              <a:rPr lang="en-US" sz="6400" dirty="0"/>
-              <a:t>Q &amp; A</a:t>
-            </a:r>
-          </a:p>
-        </p:txBody>
-      </p:sp>
-    </p:spTree>
-    <p:extLst>
-      <p:ext uri="{BB962C8B-B14F-4D97-AF65-F5344CB8AC3E}">
-        <p14:creationId xmlns:p14="http://schemas.microsoft.com/office/powerpoint/2010/main" val="1222215017"/>
       </p:ext>
     </p:extLst>
   </p:cSld>
@@ -6039,7 +3761,7 @@
           <a:p>
             <a:r>
               <a:rPr lang="en-US" dirty="0"/>
-              <a:t>Cross-validation and the Bootstrap </a:t>
+              <a:t>Model Selection and Regularization Methods</a:t>
             </a:r>
           </a:p>
         </p:txBody>
@@ -6058,7 +3780,7 @@
         </p:nvSpPr>
         <p:spPr>
           <a:xfrm>
-            <a:off x="838200" y="1971533"/>
+            <a:off x="838200" y="1671809"/>
             <a:ext cx="10073640" cy="954107"/>
           </a:xfrm>
           <a:prstGeom prst="rect">
@@ -6074,7 +3796,7 @@
           <a:p>
             <a:r>
               <a:rPr lang="en-US" sz="2800" dirty="0"/>
-              <a:t>These methods refit a model of interest to samples formed from the training set, to obtain additional information about the fitted model. </a:t>
+              <a:t>Subset Selection. We identify a subset of the p predictors that we believe to be related to the response. </a:t>
             </a:r>
           </a:p>
         </p:txBody>
@@ -6093,7 +3815,56 @@
         </p:nvSpPr>
         <p:spPr>
           <a:xfrm>
-            <a:off x="838200" y="3932360"/>
+            <a:off x="838200" y="3109400"/>
+            <a:ext cx="10073640" cy="1815882"/>
+          </a:xfrm>
+          <a:prstGeom prst="rect">
+            <a:avLst/>
+          </a:prstGeom>
+          <a:noFill/>
+        </p:spPr>
+        <p:txBody>
+          <a:bodyPr wrap="square">
+            <a:spAutoFit/>
+          </a:bodyPr>
+          <a:lstStyle/>
+          <a:p>
+            <a:r>
+              <a:rPr lang="en-US" sz="2800" dirty="0"/>
+              <a:t>Shrinkage. We fit a model involving all p predictors, but the estimated coefficients are shrunken towards zero relative to the least squares estimates (</a:t>
+            </a:r>
+            <a:r>
+              <a:rPr lang="en-US" sz="2800" b="1" dirty="0"/>
+              <a:t>Regularization</a:t>
+            </a:r>
+            <a:r>
+              <a:rPr lang="en-US" sz="2800" dirty="0"/>
+              <a:t>)</a:t>
+            </a:r>
+          </a:p>
+          <a:p>
+            <a:r>
+              <a:rPr lang="en-US" sz="2800" dirty="0"/>
+              <a:t> </a:t>
+            </a:r>
+          </a:p>
+        </p:txBody>
+      </p:sp>
+      <p:sp>
+        <p:nvSpPr>
+          <p:cNvPr id="5" name="TextBox 4">
+            <a:extLst>
+              <a:ext uri="{FF2B5EF4-FFF2-40B4-BE49-F238E27FC236}">
+                <a16:creationId xmlns:a16="http://schemas.microsoft.com/office/drawing/2014/main" id="{7A613A49-D3BC-0DB7-E569-9F1CE02FD475}"/>
+              </a:ext>
+            </a:extLst>
+          </p:cNvPr>
+          <p:cNvSpPr txBox="1"/>
+          <p:nvPr/>
+        </p:nvSpPr>
+        <p:spPr>
+          <a:xfrm>
+            <a:off x="838200" y="5055089"/>
             <a:ext cx="10073640" cy="1384995"/>
           </a:xfrm>
           <a:prstGeom prst="rect">
@@ -6109,13 +3880,7 @@
           <a:p>
             <a:r>
               <a:rPr lang="en-US" sz="2800" dirty="0"/>
-              <a:t>For example, they provide estimates of test-set prediction error, and the standard deviation and bias of our parameter estimates </a:t>
-            </a:r>
-          </a:p>
-          <a:p>
-            <a:r>
-              <a:rPr lang="en-US" sz="2800" dirty="0"/>
-              <a:t> </a:t>
+              <a:t>Dimension Reduction. We project the p predictors into a M-dimensional subspace, where M &lt; p. This is achieved by computing M different linear combinations, or projections.</a:t>
             </a:r>
           </a:p>
         </p:txBody>
@@ -6174,44 +3939,140 @@
           <a:p>
             <a:r>
               <a:rPr lang="en-US" dirty="0"/>
-              <a:t>Training Error versus Test error </a:t>
-            </a:r>
-          </a:p>
-        </p:txBody>
-      </p:sp>
-      <p:pic>
-        <p:nvPicPr>
-          <p:cNvPr id="9" name="Picture 8">
+              <a:t>Subset Selection</a:t>
+            </a:r>
+          </a:p>
+        </p:txBody>
+      </p:sp>
+      <p:sp>
+        <p:nvSpPr>
+          <p:cNvPr id="4" name="TextBox 3">
             <a:extLst>
               <a:ext uri="{FF2B5EF4-FFF2-40B4-BE49-F238E27FC236}">
-                <a16:creationId xmlns:a16="http://schemas.microsoft.com/office/drawing/2014/main" id="{19B9E0CA-657E-60CC-C1BC-5DE7BF00D5D6}"/>
+                <a16:creationId xmlns:a16="http://schemas.microsoft.com/office/drawing/2014/main" id="{C1EE6756-1216-1CF9-50E7-5E02491B7B53}"/>
               </a:ext>
             </a:extLst>
           </p:cNvPr>
-          <p:cNvPicPr>
-            <a:picLocks noChangeAspect="1"/>
-          </p:cNvPicPr>
+          <p:cNvSpPr txBox="1"/>
           <p:nvPr/>
-        </p:nvPicPr>
-        <p:blipFill rotWithShape="1">
-          <a:blip r:embed="rId3"/>
-          <a:srcRect l="3588" t="2564" b="3920"/>
-          <a:stretch/>
-        </p:blipFill>
+        </p:nvSpPr>
         <p:spPr>
           <a:xfrm>
-            <a:off x="1508760" y="1347020"/>
-            <a:ext cx="8122920" cy="5404300"/>
+            <a:off x="838200" y="1671809"/>
+            <a:ext cx="10073640" cy="954107"/>
           </a:xfrm>
           <a:prstGeom prst="rect">
             <a:avLst/>
           </a:prstGeom>
+          <a:noFill/>
         </p:spPr>
-      </p:pic>
+        <p:txBody>
+          <a:bodyPr wrap="square">
+            <a:spAutoFit/>
+          </a:bodyPr>
+          <a:lstStyle/>
+          <a:p>
+            <a:r>
+              <a:rPr lang="en-US" sz="2800" dirty="0"/>
+              <a:t>Let M0 denote the null model, which contains no predictors. </a:t>
+            </a:r>
+          </a:p>
+          <a:p>
+            <a:endParaRPr lang="en-US" sz="2800" dirty="0"/>
+          </a:p>
+        </p:txBody>
+      </p:sp>
+      <p:sp>
+        <p:nvSpPr>
+          <p:cNvPr id="3" name="TextBox 2">
+            <a:extLst>
+              <a:ext uri="{FF2B5EF4-FFF2-40B4-BE49-F238E27FC236}">
+                <a16:creationId xmlns:a16="http://schemas.microsoft.com/office/drawing/2014/main" id="{906D0B88-C0D1-1F23-83E9-F41A5A8CE093}"/>
+              </a:ext>
+            </a:extLst>
+          </p:cNvPr>
+          <p:cNvSpPr txBox="1"/>
+          <p:nvPr/>
+        </p:nvSpPr>
+        <p:spPr>
+          <a:xfrm>
+            <a:off x="838200" y="2508557"/>
+            <a:ext cx="10073640" cy="1384995"/>
+          </a:xfrm>
+          <a:prstGeom prst="rect">
+            <a:avLst/>
+          </a:prstGeom>
+          <a:noFill/>
+        </p:spPr>
+        <p:txBody>
+          <a:bodyPr wrap="square">
+            <a:spAutoFit/>
+          </a:bodyPr>
+          <a:lstStyle/>
+          <a:p>
+            <a:r>
+              <a:rPr lang="en-US" sz="2800" dirty="0"/>
+              <a:t>For k = 1,2,...p:</a:t>
+            </a:r>
+            <a:br>
+              <a:rPr lang="en-US" sz="2800"/>
+            </a:br>
+            <a:r>
+              <a:rPr lang="en-US" sz="2800"/>
+              <a:t>	(</a:t>
+            </a:r>
+            <a:r>
+              <a:rPr lang="en-US" sz="2800" dirty="0"/>
+              <a:t>a) Fit all models that contain exactly k predictors </a:t>
+            </a:r>
+          </a:p>
+          <a:p>
+            <a:r>
+              <a:rPr lang="en-US" sz="2800" dirty="0"/>
+              <a:t> </a:t>
+            </a:r>
+          </a:p>
+        </p:txBody>
+      </p:sp>
+      <p:sp>
+        <p:nvSpPr>
+          <p:cNvPr id="5" name="TextBox 4">
+            <a:extLst>
+              <a:ext uri="{FF2B5EF4-FFF2-40B4-BE49-F238E27FC236}">
+                <a16:creationId xmlns:a16="http://schemas.microsoft.com/office/drawing/2014/main" id="{7A613A49-D3BC-0DB7-E569-9F1CE02FD475}"/>
+              </a:ext>
+            </a:extLst>
+          </p:cNvPr>
+          <p:cNvSpPr txBox="1"/>
+          <p:nvPr/>
+        </p:nvSpPr>
+        <p:spPr>
+          <a:xfrm>
+            <a:off x="838200" y="5055089"/>
+            <a:ext cx="10073640" cy="1384995"/>
+          </a:xfrm>
+          <a:prstGeom prst="rect">
+            <a:avLst/>
+          </a:prstGeom>
+          <a:noFill/>
+        </p:spPr>
+        <p:txBody>
+          <a:bodyPr wrap="square">
+            <a:spAutoFit/>
+          </a:bodyPr>
+          <a:lstStyle/>
+          <a:p>
+            <a:r>
+              <a:rPr lang="en-US" sz="2800" dirty="0"/>
+              <a:t>Dimension Reduction. We project the p predictors into a M-dimensional subspace, where M &lt; p. This is achieved by computing M different linear combinations, or projections.</a:t>
+            </a:r>
+          </a:p>
+        </p:txBody>
+      </p:sp>
     </p:spTree>
     <p:extLst>
       <p:ext uri="{BB962C8B-B14F-4D97-AF65-F5344CB8AC3E}">
-        <p14:creationId xmlns:p14="http://schemas.microsoft.com/office/powerpoint/2010/main" val="2636900168"/>
+        <p14:creationId xmlns:p14="http://schemas.microsoft.com/office/powerpoint/2010/main" val="1624512427"/>
       </p:ext>
     </p:extLst>
   </p:cSld>
@@ -6240,39 +4101,10 @@
       </p:grpSpPr>
       <p:sp>
         <p:nvSpPr>
-          <p:cNvPr id="2" name="Title 1"/>
-          <p:cNvSpPr>
-            <a:spLocks noGrp="1"/>
-          </p:cNvSpPr>
-          <p:nvPr>
-            <p:ph type="title"/>
-          </p:nvPr>
-        </p:nvSpPr>
-        <p:spPr>
-          <a:xfrm>
-            <a:off x="838200" y="365126"/>
-            <a:ext cx="10515600" cy="981894"/>
-          </a:xfrm>
-        </p:spPr>
-        <p:txBody>
-          <a:bodyPr>
-            <a:normAutofit/>
-          </a:bodyPr>
-          <a:lstStyle/>
-          <a:p>
-            <a:r>
-              <a:rPr lang="en-US" dirty="0"/>
-              <a:t>Prediction-error estimates </a:t>
-            </a:r>
-          </a:p>
-        </p:txBody>
-      </p:sp>
-      <p:sp>
-        <p:nvSpPr>
-          <p:cNvPr id="4" name="TextBox 3">
+          <p:cNvPr id="10" name="TextBox 9">
             <a:extLst>
               <a:ext uri="{FF2B5EF4-FFF2-40B4-BE49-F238E27FC236}">
-                <a16:creationId xmlns:a16="http://schemas.microsoft.com/office/drawing/2014/main" id="{784D7244-AA61-272C-18EC-CACB915467A7}"/>
+                <a16:creationId xmlns:a16="http://schemas.microsoft.com/office/drawing/2014/main" id="{514E73AD-7A38-9D42-8C4C-ADC0FDE0FBC3}"/>
               </a:ext>
             </a:extLst>
           </p:cNvPr>
@@ -6281,8 +4113,8 @@
         </p:nvSpPr>
         <p:spPr>
           <a:xfrm>
-            <a:off x="838200" y="1742933"/>
-            <a:ext cx="10073640" cy="523220"/>
+            <a:off x="4792980" y="2601575"/>
+            <a:ext cx="5951220" cy="1077218"/>
           </a:xfrm>
           <a:prstGeom prst="rect">
             <a:avLst/>
@@ -6296,90 +4128,8 @@
           <a:lstStyle/>
           <a:p>
             <a:r>
-              <a:rPr lang="en-US" sz="2800" dirty="0"/>
-              <a:t>Cannot use training error to estimate prediction error</a:t>
-            </a:r>
-          </a:p>
-        </p:txBody>
-      </p:sp>
-      <p:sp>
-        <p:nvSpPr>
-          <p:cNvPr id="7" name="TextBox 6">
-            <a:extLst>
-              <a:ext uri="{FF2B5EF4-FFF2-40B4-BE49-F238E27FC236}">
-                <a16:creationId xmlns:a16="http://schemas.microsoft.com/office/drawing/2014/main" id="{6A351695-DAA1-9FCB-F8B3-D4577A0C4BEA}"/>
-              </a:ext>
-            </a:extLst>
-          </p:cNvPr>
-          <p:cNvSpPr txBox="1"/>
-          <p:nvPr/>
-        </p:nvSpPr>
-        <p:spPr>
-          <a:xfrm>
-            <a:off x="838200" y="2905780"/>
-            <a:ext cx="10073640" cy="523220"/>
-          </a:xfrm>
-          <a:prstGeom prst="rect">
-            <a:avLst/>
-          </a:prstGeom>
-          <a:noFill/>
-        </p:spPr>
-        <p:txBody>
-          <a:bodyPr wrap="square">
-            <a:spAutoFit/>
-          </a:bodyPr>
-          <a:lstStyle/>
-          <a:p>
-            <a:r>
-              <a:rPr lang="en-US" sz="2800" dirty="0"/>
-              <a:t>Best solution: a large designated test set </a:t>
-            </a:r>
-            <a:r>
-              <a:rPr lang="en-US" sz="2800" b="1" dirty="0"/>
-              <a:t>but often not available </a:t>
-            </a:r>
-          </a:p>
-        </p:txBody>
-      </p:sp>
-      <p:sp>
-        <p:nvSpPr>
-          <p:cNvPr id="8" name="TextBox 7">
-            <a:extLst>
-              <a:ext uri="{FF2B5EF4-FFF2-40B4-BE49-F238E27FC236}">
-                <a16:creationId xmlns:a16="http://schemas.microsoft.com/office/drawing/2014/main" id="{4214CC39-578C-7CE7-9FB4-A9BEBDC8183B}"/>
-              </a:ext>
-            </a:extLst>
-          </p:cNvPr>
-          <p:cNvSpPr txBox="1"/>
-          <p:nvPr/>
-        </p:nvSpPr>
-        <p:spPr>
-          <a:xfrm>
-            <a:off x="838200" y="4068627"/>
-            <a:ext cx="10073640" cy="1384995"/>
-          </a:xfrm>
-          <a:prstGeom prst="rect">
-            <a:avLst/>
-          </a:prstGeom>
-          <a:noFill/>
-        </p:spPr>
-        <p:txBody>
-          <a:bodyPr wrap="square">
-            <a:spAutoFit/>
-          </a:bodyPr>
-          <a:lstStyle/>
-          <a:p>
-            <a:r>
-              <a:rPr lang="en-US" sz="2800" dirty="0"/>
-              <a:t>Hold out a subset of the training observations from the fitting process (</a:t>
-            </a:r>
-            <a:r>
-              <a:rPr lang="en-US" sz="2800" b="1" dirty="0"/>
-              <a:t>validation set</a:t>
-            </a:r>
-            <a:r>
-              <a:rPr lang="en-US" sz="2800" dirty="0"/>
-              <a:t>), and then applying the statistical learning method to those held out observations (validation samples). </a:t>
+              <a:rPr lang="en-US" sz="6400" dirty="0"/>
+              <a:t>Q &amp; A</a:t>
             </a:r>
           </a:p>
         </p:txBody>
@@ -6387,1103 +4137,7 @@
     </p:spTree>
     <p:extLst>
       <p:ext uri="{BB962C8B-B14F-4D97-AF65-F5344CB8AC3E}">
-        <p14:creationId xmlns:p14="http://schemas.microsoft.com/office/powerpoint/2010/main" val="3433892090"/>
-      </p:ext>
-    </p:extLst>
-  </p:cSld>
-  <p:clrMapOvr>
-    <a:masterClrMapping/>
-  </p:clrMapOvr>
-</p:sld>
-</file>
-
-<file path=ppt/slides/slide5.xml><?xml version="1.0" encoding="utf-8"?>
-<p:sld xmlns:a="http://schemas.openxmlformats.org/drawingml/2006/main" xmlns:r="http://schemas.openxmlformats.org/officeDocument/2006/relationships" xmlns:p="http://schemas.openxmlformats.org/presentationml/2006/main">
-  <p:cSld>
-    <p:spTree>
-      <p:nvGrpSpPr>
-        <p:cNvPr id="1" name=""/>
-        <p:cNvGrpSpPr/>
-        <p:nvPr/>
-      </p:nvGrpSpPr>
-      <p:grpSpPr>
-        <a:xfrm>
-          <a:off x="0" y="0"/>
-          <a:ext cx="0" cy="0"/>
-          <a:chOff x="0" y="0"/>
-          <a:chExt cx="0" cy="0"/>
-        </a:xfrm>
-      </p:grpSpPr>
-      <p:sp>
-        <p:nvSpPr>
-          <p:cNvPr id="2" name="Title 1"/>
-          <p:cNvSpPr>
-            <a:spLocks noGrp="1"/>
-          </p:cNvSpPr>
-          <p:nvPr>
-            <p:ph type="title"/>
-          </p:nvPr>
-        </p:nvSpPr>
-        <p:spPr>
-          <a:xfrm>
-            <a:off x="838200" y="365126"/>
-            <a:ext cx="10515600" cy="981894"/>
-          </a:xfrm>
-        </p:spPr>
-        <p:txBody>
-          <a:bodyPr>
-            <a:normAutofit/>
-          </a:bodyPr>
-          <a:lstStyle/>
-          <a:p>
-            <a:r>
-              <a:rPr lang="en-US" dirty="0"/>
-              <a:t>Validation-Set Approach</a:t>
-            </a:r>
-          </a:p>
-        </p:txBody>
-      </p:sp>
-      <p:sp>
-        <p:nvSpPr>
-          <p:cNvPr id="3" name="TextBox 2">
-            <a:extLst>
-              <a:ext uri="{FF2B5EF4-FFF2-40B4-BE49-F238E27FC236}">
-                <a16:creationId xmlns:a16="http://schemas.microsoft.com/office/drawing/2014/main" id="{AE2EBBA6-0D48-123F-1926-2D64B75A5046}"/>
-              </a:ext>
-            </a:extLst>
-          </p:cNvPr>
-          <p:cNvSpPr txBox="1"/>
-          <p:nvPr/>
-        </p:nvSpPr>
-        <p:spPr>
-          <a:xfrm>
-            <a:off x="838200" y="1742933"/>
-            <a:ext cx="10073640" cy="954107"/>
-          </a:xfrm>
-          <a:prstGeom prst="rect">
-            <a:avLst/>
-          </a:prstGeom>
-          <a:noFill/>
-        </p:spPr>
-        <p:txBody>
-          <a:bodyPr wrap="square">
-            <a:spAutoFit/>
-          </a:bodyPr>
-          <a:lstStyle/>
-          <a:p>
-            <a:r>
-              <a:rPr lang="en-US" sz="2800" dirty="0"/>
-              <a:t>We randomly divide the available set of samples into two parts: a training set and a validation or hold-out set. </a:t>
-            </a:r>
-          </a:p>
-        </p:txBody>
-      </p:sp>
-      <p:sp>
-        <p:nvSpPr>
-          <p:cNvPr id="4" name="TextBox 3">
-            <a:extLst>
-              <a:ext uri="{FF2B5EF4-FFF2-40B4-BE49-F238E27FC236}">
-                <a16:creationId xmlns:a16="http://schemas.microsoft.com/office/drawing/2014/main" id="{5DC9D565-CE21-99CD-4585-4190C9650DA1}"/>
-              </a:ext>
-            </a:extLst>
-          </p:cNvPr>
-          <p:cNvSpPr txBox="1"/>
-          <p:nvPr/>
-        </p:nvSpPr>
-        <p:spPr>
-          <a:xfrm>
-            <a:off x="838200" y="3167390"/>
-            <a:ext cx="10073640" cy="1384995"/>
-          </a:xfrm>
-          <a:prstGeom prst="rect">
-            <a:avLst/>
-          </a:prstGeom>
-          <a:noFill/>
-        </p:spPr>
-        <p:txBody>
-          <a:bodyPr wrap="square">
-            <a:spAutoFit/>
-          </a:bodyPr>
-          <a:lstStyle/>
-          <a:p>
-            <a:r>
-              <a:rPr lang="en-US" sz="2800" dirty="0"/>
-              <a:t>The model is fit on the training set, and the fitted model is used to </a:t>
-            </a:r>
-            <a:r>
-              <a:rPr lang="en-US" sz="2800" b="1" dirty="0"/>
-              <a:t>predict the responses for the observations in the validation set. </a:t>
-            </a:r>
-          </a:p>
-          <a:p>
-            <a:endParaRPr lang="en-US" sz="2800" dirty="0"/>
-          </a:p>
-        </p:txBody>
-      </p:sp>
-      <p:sp>
-        <p:nvSpPr>
-          <p:cNvPr id="6" name="TextBox 5">
-            <a:extLst>
-              <a:ext uri="{FF2B5EF4-FFF2-40B4-BE49-F238E27FC236}">
-                <a16:creationId xmlns:a16="http://schemas.microsoft.com/office/drawing/2014/main" id="{7FF86763-9DEB-2C2A-0B73-B5F9DD906862}"/>
-              </a:ext>
-            </a:extLst>
-          </p:cNvPr>
-          <p:cNvSpPr txBox="1"/>
-          <p:nvPr/>
-        </p:nvSpPr>
-        <p:spPr>
-          <a:xfrm>
-            <a:off x="838200" y="4684253"/>
-            <a:ext cx="10073640" cy="1384995"/>
-          </a:xfrm>
-          <a:prstGeom prst="rect">
-            <a:avLst/>
-          </a:prstGeom>
-          <a:noFill/>
-        </p:spPr>
-        <p:txBody>
-          <a:bodyPr wrap="square">
-            <a:spAutoFit/>
-          </a:bodyPr>
-          <a:lstStyle/>
-          <a:p>
-            <a:r>
-              <a:rPr lang="en-US" sz="2800" dirty="0"/>
-              <a:t>The resulting validation-set error provides an estimate of the test error. </a:t>
-            </a:r>
-          </a:p>
-          <a:p>
-            <a:endParaRPr lang="en-US" sz="2800" dirty="0"/>
-          </a:p>
-        </p:txBody>
-      </p:sp>
-    </p:spTree>
-    <p:extLst>
-      <p:ext uri="{BB962C8B-B14F-4D97-AF65-F5344CB8AC3E}">
-        <p14:creationId xmlns:p14="http://schemas.microsoft.com/office/powerpoint/2010/main" val="1045367359"/>
-      </p:ext>
-    </p:extLst>
-  </p:cSld>
-  <p:clrMapOvr>
-    <a:masterClrMapping/>
-  </p:clrMapOvr>
-</p:sld>
-</file>
-
-<file path=ppt/slides/slide6.xml><?xml version="1.0" encoding="utf-8"?>
-<p:sld xmlns:a="http://schemas.openxmlformats.org/drawingml/2006/main" xmlns:r="http://schemas.openxmlformats.org/officeDocument/2006/relationships" xmlns:p="http://schemas.openxmlformats.org/presentationml/2006/main">
-  <p:cSld>
-    <p:spTree>
-      <p:nvGrpSpPr>
-        <p:cNvPr id="1" name=""/>
-        <p:cNvGrpSpPr/>
-        <p:nvPr/>
-      </p:nvGrpSpPr>
-      <p:grpSpPr>
-        <a:xfrm>
-          <a:off x="0" y="0"/>
-          <a:ext cx="0" cy="0"/>
-          <a:chOff x="0" y="0"/>
-          <a:chExt cx="0" cy="0"/>
-        </a:xfrm>
-      </p:grpSpPr>
-      <p:sp>
-        <p:nvSpPr>
-          <p:cNvPr id="2" name="Title 1"/>
-          <p:cNvSpPr>
-            <a:spLocks noGrp="1"/>
-          </p:cNvSpPr>
-          <p:nvPr>
-            <p:ph type="title"/>
-          </p:nvPr>
-        </p:nvSpPr>
-        <p:spPr>
-          <a:xfrm>
-            <a:off x="838200" y="365126"/>
-            <a:ext cx="10515600" cy="981894"/>
-          </a:xfrm>
-        </p:spPr>
-        <p:txBody>
-          <a:bodyPr>
-            <a:normAutofit/>
-          </a:bodyPr>
-          <a:lstStyle/>
-          <a:p>
-            <a:r>
-              <a:rPr lang="en-US" dirty="0"/>
-              <a:t>Drawbacks of Validation-Set Approach</a:t>
-            </a:r>
-          </a:p>
-        </p:txBody>
-      </p:sp>
-      <p:sp>
-        <p:nvSpPr>
-          <p:cNvPr id="3" name="TextBox 2">
-            <a:extLst>
-              <a:ext uri="{FF2B5EF4-FFF2-40B4-BE49-F238E27FC236}">
-                <a16:creationId xmlns:a16="http://schemas.microsoft.com/office/drawing/2014/main" id="{AE2EBBA6-0D48-123F-1926-2D64B75A5046}"/>
-              </a:ext>
-            </a:extLst>
-          </p:cNvPr>
-          <p:cNvSpPr txBox="1"/>
-          <p:nvPr/>
-        </p:nvSpPr>
-        <p:spPr>
-          <a:xfrm>
-            <a:off x="838200" y="1742933"/>
-            <a:ext cx="10073640" cy="954107"/>
-          </a:xfrm>
-          <a:prstGeom prst="rect">
-            <a:avLst/>
-          </a:prstGeom>
-          <a:noFill/>
-        </p:spPr>
-        <p:txBody>
-          <a:bodyPr wrap="square">
-            <a:spAutoFit/>
-          </a:bodyPr>
-          <a:lstStyle/>
-          <a:p>
-            <a:r>
-              <a:rPr lang="en-US" sz="2800" dirty="0"/>
-              <a:t>The validation estimate of the test error can vary a lot</a:t>
-            </a:r>
-          </a:p>
-          <a:p>
-            <a:endParaRPr lang="en-US" sz="2800" dirty="0"/>
-          </a:p>
-        </p:txBody>
-      </p:sp>
-      <p:sp>
-        <p:nvSpPr>
-          <p:cNvPr id="4" name="TextBox 3">
-            <a:extLst>
-              <a:ext uri="{FF2B5EF4-FFF2-40B4-BE49-F238E27FC236}">
-                <a16:creationId xmlns:a16="http://schemas.microsoft.com/office/drawing/2014/main" id="{5DC9D565-CE21-99CD-4585-4190C9650DA1}"/>
-              </a:ext>
-            </a:extLst>
-          </p:cNvPr>
-          <p:cNvSpPr txBox="1"/>
-          <p:nvPr/>
-        </p:nvSpPr>
-        <p:spPr>
-          <a:xfrm>
-            <a:off x="838200" y="3092953"/>
-            <a:ext cx="10073640" cy="1815882"/>
-          </a:xfrm>
-          <a:prstGeom prst="rect">
-            <a:avLst/>
-          </a:prstGeom>
-          <a:noFill/>
-        </p:spPr>
-        <p:txBody>
-          <a:bodyPr wrap="square">
-            <a:spAutoFit/>
-          </a:bodyPr>
-          <a:lstStyle/>
-          <a:p>
-            <a:r>
-              <a:rPr lang="en-US" sz="2800" dirty="0"/>
-              <a:t>In the validation approach, only a subset of the observations are used to fit the model</a:t>
-            </a:r>
-          </a:p>
-          <a:p>
-            <a:r>
-              <a:rPr lang="en-US" sz="2800" b="1" dirty="0"/>
-              <a:t> </a:t>
-            </a:r>
-          </a:p>
-          <a:p>
-            <a:endParaRPr lang="en-US" sz="2800" dirty="0"/>
-          </a:p>
-        </p:txBody>
-      </p:sp>
-      <p:sp>
-        <p:nvSpPr>
-          <p:cNvPr id="6" name="TextBox 5">
-            <a:extLst>
-              <a:ext uri="{FF2B5EF4-FFF2-40B4-BE49-F238E27FC236}">
-                <a16:creationId xmlns:a16="http://schemas.microsoft.com/office/drawing/2014/main" id="{7FF86763-9DEB-2C2A-0B73-B5F9DD906862}"/>
-              </a:ext>
-            </a:extLst>
-          </p:cNvPr>
-          <p:cNvSpPr txBox="1"/>
-          <p:nvPr/>
-        </p:nvSpPr>
-        <p:spPr>
-          <a:xfrm>
-            <a:off x="838200" y="4684253"/>
-            <a:ext cx="10073640" cy="1815882"/>
-          </a:xfrm>
-          <a:prstGeom prst="rect">
-            <a:avLst/>
-          </a:prstGeom>
-          <a:noFill/>
-        </p:spPr>
-        <p:txBody>
-          <a:bodyPr wrap="square">
-            <a:spAutoFit/>
-          </a:bodyPr>
-          <a:lstStyle/>
-          <a:p>
-            <a:r>
-              <a:rPr lang="en-US" sz="2800" dirty="0"/>
-              <a:t>Thus, the validation set error may tend to </a:t>
-            </a:r>
-            <a:r>
-              <a:rPr lang="en-US" sz="2800" b="1" dirty="0"/>
-              <a:t>overestimate</a:t>
-            </a:r>
-            <a:r>
-              <a:rPr lang="en-US" sz="2800" dirty="0"/>
-              <a:t> the test error for the model fit on the entire data set. </a:t>
-            </a:r>
-          </a:p>
-          <a:p>
-            <a:endParaRPr lang="en-US" sz="2800" dirty="0"/>
-          </a:p>
-          <a:p>
-            <a:endParaRPr lang="en-US" sz="2800" dirty="0"/>
-          </a:p>
-        </p:txBody>
-      </p:sp>
-    </p:spTree>
-    <p:extLst>
-      <p:ext uri="{BB962C8B-B14F-4D97-AF65-F5344CB8AC3E}">
-        <p14:creationId xmlns:p14="http://schemas.microsoft.com/office/powerpoint/2010/main" val="133992036"/>
-      </p:ext>
-    </p:extLst>
-  </p:cSld>
-  <p:clrMapOvr>
-    <a:masterClrMapping/>
-  </p:clrMapOvr>
-</p:sld>
-</file>
-
-<file path=ppt/slides/slide7.xml><?xml version="1.0" encoding="utf-8"?>
-<p:sld xmlns:a="http://schemas.openxmlformats.org/drawingml/2006/main" xmlns:r="http://schemas.openxmlformats.org/officeDocument/2006/relationships" xmlns:p="http://schemas.openxmlformats.org/presentationml/2006/main">
-  <p:cSld>
-    <p:spTree>
-      <p:nvGrpSpPr>
-        <p:cNvPr id="1" name=""/>
-        <p:cNvGrpSpPr/>
-        <p:nvPr/>
-      </p:nvGrpSpPr>
-      <p:grpSpPr>
-        <a:xfrm>
-          <a:off x="0" y="0"/>
-          <a:ext cx="0" cy="0"/>
-          <a:chOff x="0" y="0"/>
-          <a:chExt cx="0" cy="0"/>
-        </a:xfrm>
-      </p:grpSpPr>
-      <p:sp>
-        <p:nvSpPr>
-          <p:cNvPr id="2" name="Title 1"/>
-          <p:cNvSpPr>
-            <a:spLocks noGrp="1"/>
-          </p:cNvSpPr>
-          <p:nvPr>
-            <p:ph type="title"/>
-          </p:nvPr>
-        </p:nvSpPr>
-        <p:spPr>
-          <a:xfrm>
-            <a:off x="838200" y="365126"/>
-            <a:ext cx="10515600" cy="981894"/>
-          </a:xfrm>
-        </p:spPr>
-        <p:txBody>
-          <a:bodyPr>
-            <a:normAutofit/>
-          </a:bodyPr>
-          <a:lstStyle/>
-          <a:p>
-            <a:r>
-              <a:rPr lang="en-US" dirty="0"/>
-              <a:t>K-Fold Cross-validation </a:t>
-            </a:r>
-          </a:p>
-        </p:txBody>
-      </p:sp>
-      <p:sp>
-        <p:nvSpPr>
-          <p:cNvPr id="3" name="TextBox 2">
-            <a:extLst>
-              <a:ext uri="{FF2B5EF4-FFF2-40B4-BE49-F238E27FC236}">
-                <a16:creationId xmlns:a16="http://schemas.microsoft.com/office/drawing/2014/main" id="{AE2EBBA6-0D48-123F-1926-2D64B75A5046}"/>
-              </a:ext>
-            </a:extLst>
-          </p:cNvPr>
-          <p:cNvSpPr txBox="1"/>
-          <p:nvPr/>
-        </p:nvSpPr>
-        <p:spPr>
-          <a:xfrm>
-            <a:off x="838200" y="1742933"/>
-            <a:ext cx="10073640" cy="2246769"/>
-          </a:xfrm>
-          <a:prstGeom prst="rect">
-            <a:avLst/>
-          </a:prstGeom>
-          <a:noFill/>
-        </p:spPr>
-        <p:txBody>
-          <a:bodyPr wrap="square">
-            <a:spAutoFit/>
-          </a:bodyPr>
-          <a:lstStyle/>
-          <a:p>
-            <a:r>
-              <a:rPr lang="en-US" sz="2800" dirty="0"/>
-              <a:t>Randomly divide the data into K equal-sized parts. We leave out part k, fit the model to the other K − 1 parts (combined), and then obtain predictions for the left-out kth part. </a:t>
-            </a:r>
-          </a:p>
-          <a:p>
-            <a:endParaRPr lang="en-US" sz="2800" dirty="0"/>
-          </a:p>
-          <a:p>
-            <a:endParaRPr lang="en-US" sz="2800" dirty="0"/>
-          </a:p>
-        </p:txBody>
-      </p:sp>
-      <p:sp>
-        <p:nvSpPr>
-          <p:cNvPr id="6" name="TextBox 5">
-            <a:extLst>
-              <a:ext uri="{FF2B5EF4-FFF2-40B4-BE49-F238E27FC236}">
-                <a16:creationId xmlns:a16="http://schemas.microsoft.com/office/drawing/2014/main" id="{7FF86763-9DEB-2C2A-0B73-B5F9DD906862}"/>
-              </a:ext>
-            </a:extLst>
-          </p:cNvPr>
-          <p:cNvSpPr txBox="1"/>
-          <p:nvPr/>
-        </p:nvSpPr>
-        <p:spPr>
-          <a:xfrm>
-            <a:off x="838200" y="3921397"/>
-            <a:ext cx="10073640" cy="2246769"/>
-          </a:xfrm>
-          <a:prstGeom prst="rect">
-            <a:avLst/>
-          </a:prstGeom>
-          <a:noFill/>
-        </p:spPr>
-        <p:txBody>
-          <a:bodyPr wrap="square">
-            <a:spAutoFit/>
-          </a:bodyPr>
-          <a:lstStyle/>
-          <a:p>
-            <a:r>
-              <a:rPr lang="en-US" sz="2800" dirty="0"/>
-              <a:t>This is done in turn for each part k = 1,2,...K, and then the results are combined. </a:t>
-            </a:r>
-          </a:p>
-          <a:p>
-            <a:endParaRPr lang="en-US" sz="2800" dirty="0"/>
-          </a:p>
-          <a:p>
-            <a:endParaRPr lang="en-US" sz="2800" dirty="0"/>
-          </a:p>
-          <a:p>
-            <a:endParaRPr lang="en-US" sz="2800" dirty="0"/>
-          </a:p>
-        </p:txBody>
-      </p:sp>
-    </p:spTree>
-    <p:extLst>
-      <p:ext uri="{BB962C8B-B14F-4D97-AF65-F5344CB8AC3E}">
-        <p14:creationId xmlns:p14="http://schemas.microsoft.com/office/powerpoint/2010/main" val="2618244832"/>
-      </p:ext>
-    </p:extLst>
-  </p:cSld>
-  <p:clrMapOvr>
-    <a:masterClrMapping/>
-  </p:clrMapOvr>
-</p:sld>
-</file>
-
-<file path=ppt/slides/slide8.xml><?xml version="1.0" encoding="utf-8"?>
-<p:sld xmlns:a="http://schemas.openxmlformats.org/drawingml/2006/main" xmlns:r="http://schemas.openxmlformats.org/officeDocument/2006/relationships" xmlns:p="http://schemas.openxmlformats.org/presentationml/2006/main">
-  <p:cSld>
-    <p:spTree>
-      <p:nvGrpSpPr>
-        <p:cNvPr id="1" name=""/>
-        <p:cNvGrpSpPr/>
-        <p:nvPr/>
-      </p:nvGrpSpPr>
-      <p:grpSpPr>
-        <a:xfrm>
-          <a:off x="0" y="0"/>
-          <a:ext cx="0" cy="0"/>
-          <a:chOff x="0" y="0"/>
-          <a:chExt cx="0" cy="0"/>
-        </a:xfrm>
-      </p:grpSpPr>
-      <p:sp>
-        <p:nvSpPr>
-          <p:cNvPr id="2" name="Title 1"/>
-          <p:cNvSpPr>
-            <a:spLocks noGrp="1"/>
-          </p:cNvSpPr>
-          <p:nvPr>
-            <p:ph type="title"/>
-          </p:nvPr>
-        </p:nvSpPr>
-        <p:spPr>
-          <a:xfrm>
-            <a:off x="838200" y="365126"/>
-            <a:ext cx="10515600" cy="981894"/>
-          </a:xfrm>
-        </p:spPr>
-        <p:txBody>
-          <a:bodyPr>
-            <a:normAutofit/>
-          </a:bodyPr>
-          <a:lstStyle/>
-          <a:p>
-            <a:r>
-              <a:rPr lang="en-US" dirty="0"/>
-              <a:t>K-Fold Cross-validation </a:t>
-            </a:r>
-          </a:p>
-        </p:txBody>
-      </p:sp>
-      <p:pic>
-        <p:nvPicPr>
-          <p:cNvPr id="4" name="Picture 3">
-            <a:extLst>
-              <a:ext uri="{FF2B5EF4-FFF2-40B4-BE49-F238E27FC236}">
-                <a16:creationId xmlns:a16="http://schemas.microsoft.com/office/drawing/2014/main" id="{0755CA15-EE71-3C45-9F97-60B655FA4C3E}"/>
-              </a:ext>
-            </a:extLst>
-          </p:cNvPr>
-          <p:cNvPicPr>
-            <a:picLocks noChangeAspect="1"/>
-          </p:cNvPicPr>
-          <p:nvPr/>
-        </p:nvPicPr>
-        <p:blipFill>
-          <a:blip r:embed="rId3"/>
-          <a:stretch>
-            <a:fillRect/>
-          </a:stretch>
-        </p:blipFill>
-        <p:spPr>
-          <a:xfrm>
-            <a:off x="1206500" y="1587316"/>
-            <a:ext cx="8083892" cy="2115820"/>
-          </a:xfrm>
-          <a:prstGeom prst="rect">
-            <a:avLst/>
-          </a:prstGeom>
-        </p:spPr>
-      </p:pic>
-      <mc:AlternateContent xmlns:mc="http://schemas.openxmlformats.org/markup-compatibility/2006" xmlns:a14="http://schemas.microsoft.com/office/drawing/2010/main">
-        <mc:Choice Requires="a14">
-          <p:sp>
-            <p:nvSpPr>
-              <p:cNvPr id="5" name="TextBox 4">
-                <a:extLst>
-                  <a:ext uri="{FF2B5EF4-FFF2-40B4-BE49-F238E27FC236}">
-                    <a16:creationId xmlns:a16="http://schemas.microsoft.com/office/drawing/2014/main" id="{DFD6C41F-AE18-04EA-51B2-AA4611A21B33}"/>
-                  </a:ext>
-                </a:extLst>
-              </p:cNvPr>
-              <p:cNvSpPr txBox="1"/>
-              <p:nvPr/>
-            </p:nvSpPr>
-            <p:spPr>
-              <a:xfrm>
-                <a:off x="838200" y="3921397"/>
-                <a:ext cx="10073640" cy="1815882"/>
-              </a:xfrm>
-              <a:prstGeom prst="rect">
-                <a:avLst/>
-              </a:prstGeom>
-              <a:noFill/>
-            </p:spPr>
-            <p:txBody>
-              <a:bodyPr wrap="square">
-                <a:spAutoFit/>
-              </a:bodyPr>
-              <a:lstStyle/>
-              <a:p>
-                <a:r>
-                  <a:rPr lang="en-US" sz="2800" dirty="0"/>
-                  <a:t>Denote K parts by </a:t>
-                </a:r>
-                <a14:m>
-                  <m:oMath xmlns:m="http://schemas.openxmlformats.org/officeDocument/2006/math">
-                    <m:sSub>
-                      <m:sSubPr>
-                        <m:ctrlPr>
-                          <a:rPr lang="en-US" sz="2800" b="0" i="1" smtClean="0">
-                            <a:latin typeface="Cambria Math" panose="02040503050406030204" pitchFamily="18" charset="0"/>
-                          </a:rPr>
-                        </m:ctrlPr>
-                      </m:sSubPr>
-                      <m:e>
-                        <m:r>
-                          <a:rPr lang="en-US" sz="2800" b="0" i="1" smtClean="0">
-                            <a:latin typeface="Cambria Math" panose="02040503050406030204" pitchFamily="18" charset="0"/>
-                          </a:rPr>
-                          <m:t>𝐶</m:t>
-                        </m:r>
-                      </m:e>
-                      <m:sub>
-                        <m:r>
-                          <a:rPr lang="en-US" sz="2800" b="0" i="1" smtClean="0">
-                            <a:latin typeface="Cambria Math" panose="02040503050406030204" pitchFamily="18" charset="0"/>
-                          </a:rPr>
-                          <m:t>1</m:t>
-                        </m:r>
-                      </m:sub>
-                    </m:sSub>
-                    <m:r>
-                      <a:rPr lang="en-US" sz="2800" b="0" i="1" smtClean="0">
-                        <a:latin typeface="Cambria Math" panose="02040503050406030204" pitchFamily="18" charset="0"/>
-                      </a:rPr>
-                      <m:t>, </m:t>
-                    </m:r>
-                    <m:sSub>
-                      <m:sSubPr>
-                        <m:ctrlPr>
-                          <a:rPr lang="en-US" sz="2800" b="0" i="1" smtClean="0">
-                            <a:latin typeface="Cambria Math" panose="02040503050406030204" pitchFamily="18" charset="0"/>
-                          </a:rPr>
-                        </m:ctrlPr>
-                      </m:sSubPr>
-                      <m:e>
-                        <m:r>
-                          <a:rPr lang="en-US" sz="2800" b="0" i="1" smtClean="0">
-                            <a:latin typeface="Cambria Math" panose="02040503050406030204" pitchFamily="18" charset="0"/>
-                          </a:rPr>
-                          <m:t>𝐶</m:t>
-                        </m:r>
-                      </m:e>
-                      <m:sub>
-                        <m:r>
-                          <a:rPr lang="en-US" sz="2800" b="0" i="1" smtClean="0">
-                            <a:latin typeface="Cambria Math" panose="02040503050406030204" pitchFamily="18" charset="0"/>
-                          </a:rPr>
-                          <m:t>2</m:t>
-                        </m:r>
-                      </m:sub>
-                    </m:sSub>
-                    <m:r>
-                      <a:rPr lang="en-US" sz="2800" b="0" i="1" smtClean="0">
-                        <a:latin typeface="Cambria Math" panose="02040503050406030204" pitchFamily="18" charset="0"/>
-                      </a:rPr>
-                      <m:t>, </m:t>
-                    </m:r>
-                    <m:sSub>
-                      <m:sSubPr>
-                        <m:ctrlPr>
-                          <a:rPr lang="en-US" sz="2800" b="0" i="1" smtClean="0">
-                            <a:latin typeface="Cambria Math" panose="02040503050406030204" pitchFamily="18" charset="0"/>
-                          </a:rPr>
-                        </m:ctrlPr>
-                      </m:sSubPr>
-                      <m:e>
-                        <m:r>
-                          <a:rPr lang="en-US" sz="2800" b="0" i="1" smtClean="0">
-                            <a:latin typeface="Cambria Math" panose="02040503050406030204" pitchFamily="18" charset="0"/>
-                          </a:rPr>
-                          <m:t>𝐶</m:t>
-                        </m:r>
-                      </m:e>
-                      <m:sub>
-                        <m:r>
-                          <a:rPr lang="en-US" sz="2800" b="0" i="1" smtClean="0">
-                            <a:latin typeface="Cambria Math" panose="02040503050406030204" pitchFamily="18" charset="0"/>
-                          </a:rPr>
-                          <m:t>3</m:t>
-                        </m:r>
-                      </m:sub>
-                    </m:sSub>
-                    <m:r>
-                      <a:rPr lang="en-US" sz="2800" b="0" i="1" smtClean="0">
-                        <a:latin typeface="Cambria Math" panose="02040503050406030204" pitchFamily="18" charset="0"/>
-                      </a:rPr>
-                      <m:t>…, </m:t>
-                    </m:r>
-                    <m:sSub>
-                      <m:sSubPr>
-                        <m:ctrlPr>
-                          <a:rPr lang="en-US" sz="2800" b="0" i="1" smtClean="0">
-                            <a:latin typeface="Cambria Math" panose="02040503050406030204" pitchFamily="18" charset="0"/>
-                          </a:rPr>
-                        </m:ctrlPr>
-                      </m:sSubPr>
-                      <m:e>
-                        <m:r>
-                          <a:rPr lang="en-US" sz="2800" b="0" i="1" smtClean="0">
-                            <a:latin typeface="Cambria Math" panose="02040503050406030204" pitchFamily="18" charset="0"/>
-                          </a:rPr>
-                          <m:t>𝐶</m:t>
-                        </m:r>
-                      </m:e>
-                      <m:sub>
-                        <m:r>
-                          <a:rPr lang="en-US" sz="2800" b="0" i="1" smtClean="0">
-                            <a:latin typeface="Cambria Math" panose="02040503050406030204" pitchFamily="18" charset="0"/>
-                          </a:rPr>
-                          <m:t>𝐾</m:t>
-                        </m:r>
-                      </m:sub>
-                    </m:sSub>
-                  </m:oMath>
-                </a14:m>
-                <a:r>
-                  <a:rPr lang="en-US" sz="2800" dirty="0"/>
-                  <a:t> </a:t>
-                </a:r>
-              </a:p>
-              <a:p>
-                <a:endParaRPr lang="en-US" sz="2800" dirty="0"/>
-              </a:p>
-              <a:p>
-                <a:endParaRPr lang="en-US" sz="2800" dirty="0"/>
-              </a:p>
-              <a:p>
-                <a:endParaRPr lang="en-US" sz="2800" dirty="0"/>
-              </a:p>
-            </p:txBody>
-          </p:sp>
-        </mc:Choice>
-        <mc:Fallback xmlns="">
-          <p:sp>
-            <p:nvSpPr>
-              <p:cNvPr id="5" name="TextBox 4">
-                <a:extLst>
-                  <a:ext uri="{FF2B5EF4-FFF2-40B4-BE49-F238E27FC236}">
-                    <a16:creationId xmlns:a16="http://schemas.microsoft.com/office/drawing/2014/main" id="{DFD6C41F-AE18-04EA-51B2-AA4611A21B33}"/>
-                  </a:ext>
-                </a:extLst>
-              </p:cNvPr>
-              <p:cNvSpPr txBox="1">
-                <a:spLocks noRot="1" noChangeAspect="1" noMove="1" noResize="1" noEditPoints="1" noAdjustHandles="1" noChangeArrowheads="1" noChangeShapeType="1" noTextEdit="1"/>
-              </p:cNvSpPr>
-              <p:nvPr/>
-            </p:nvSpPr>
-            <p:spPr>
-              <a:xfrm>
-                <a:off x="838200" y="3921397"/>
-                <a:ext cx="10073640" cy="1815882"/>
-              </a:xfrm>
-              <a:prstGeom prst="rect">
-                <a:avLst/>
-              </a:prstGeom>
-              <a:blipFill>
-                <a:blip r:embed="rId4"/>
-                <a:stretch>
-                  <a:fillRect l="-1259" t="-3472"/>
-                </a:stretch>
-              </a:blipFill>
-            </p:spPr>
-            <p:txBody>
-              <a:bodyPr/>
-              <a:lstStyle/>
-              <a:p>
-                <a:r>
-                  <a:rPr lang="en-US">
-                    <a:noFill/>
-                  </a:rPr>
-                  <a:t> </a:t>
-                </a:r>
-              </a:p>
-            </p:txBody>
-          </p:sp>
-        </mc:Fallback>
-      </mc:AlternateContent>
-      <p:pic>
-        <p:nvPicPr>
-          <p:cNvPr id="7" name="Picture 6">
-            <a:extLst>
-              <a:ext uri="{FF2B5EF4-FFF2-40B4-BE49-F238E27FC236}">
-                <a16:creationId xmlns:a16="http://schemas.microsoft.com/office/drawing/2014/main" id="{75D3A816-9CF7-33D8-F915-D889479B6BFD}"/>
-              </a:ext>
-            </a:extLst>
-          </p:cNvPr>
-          <p:cNvPicPr>
-            <a:picLocks noChangeAspect="1"/>
-          </p:cNvPicPr>
-          <p:nvPr/>
-        </p:nvPicPr>
-        <p:blipFill>
-          <a:blip r:embed="rId5"/>
-          <a:stretch>
-            <a:fillRect/>
-          </a:stretch>
-        </p:blipFill>
-        <p:spPr>
-          <a:xfrm>
-            <a:off x="2195830" y="4844579"/>
-            <a:ext cx="4035220" cy="1266661"/>
-          </a:xfrm>
-          <a:prstGeom prst="rect">
-            <a:avLst/>
-          </a:prstGeom>
-        </p:spPr>
-      </p:pic>
-      <p:pic>
-        <p:nvPicPr>
-          <p:cNvPr id="8" name="Picture 7">
-            <a:extLst>
-              <a:ext uri="{FF2B5EF4-FFF2-40B4-BE49-F238E27FC236}">
-                <a16:creationId xmlns:a16="http://schemas.microsoft.com/office/drawing/2014/main" id="{3430ADA0-8FC0-E508-4AC8-0E748A25050C}"/>
-              </a:ext>
-            </a:extLst>
-          </p:cNvPr>
-          <p:cNvPicPr>
-            <a:picLocks noChangeAspect="1"/>
-          </p:cNvPicPr>
-          <p:nvPr/>
-        </p:nvPicPr>
-        <p:blipFill>
-          <a:blip r:embed="rId6"/>
-          <a:stretch>
-            <a:fillRect/>
-          </a:stretch>
-        </p:blipFill>
-        <p:spPr>
-          <a:xfrm>
-            <a:off x="6658632" y="5086059"/>
-            <a:ext cx="4395735" cy="651220"/>
-          </a:xfrm>
-          <a:prstGeom prst="rect">
-            <a:avLst/>
-          </a:prstGeom>
-        </p:spPr>
-      </p:pic>
-    </p:spTree>
-    <p:extLst>
-      <p:ext uri="{BB962C8B-B14F-4D97-AF65-F5344CB8AC3E}">
-        <p14:creationId xmlns:p14="http://schemas.microsoft.com/office/powerpoint/2010/main" val="549499260"/>
-      </p:ext>
-    </p:extLst>
-  </p:cSld>
-  <p:clrMapOvr>
-    <a:masterClrMapping/>
-  </p:clrMapOvr>
-</p:sld>
-</file>
-
-<file path=ppt/slides/slide9.xml><?xml version="1.0" encoding="utf-8"?>
-<p:sld xmlns:a="http://schemas.openxmlformats.org/drawingml/2006/main" xmlns:r="http://schemas.openxmlformats.org/officeDocument/2006/relationships" xmlns:p="http://schemas.openxmlformats.org/presentationml/2006/main">
-  <p:cSld>
-    <p:spTree>
-      <p:nvGrpSpPr>
-        <p:cNvPr id="1" name=""/>
-        <p:cNvGrpSpPr/>
-        <p:nvPr/>
-      </p:nvGrpSpPr>
-      <p:grpSpPr>
-        <a:xfrm>
-          <a:off x="0" y="0"/>
-          <a:ext cx="0" cy="0"/>
-          <a:chOff x="0" y="0"/>
-          <a:chExt cx="0" cy="0"/>
-        </a:xfrm>
-      </p:grpSpPr>
-      <p:sp>
-        <p:nvSpPr>
-          <p:cNvPr id="2" name="Title 1"/>
-          <p:cNvSpPr>
-            <a:spLocks noGrp="1"/>
-          </p:cNvSpPr>
-          <p:nvPr>
-            <p:ph type="title"/>
-          </p:nvPr>
-        </p:nvSpPr>
-        <p:spPr>
-          <a:xfrm>
-            <a:off x="838200" y="365126"/>
-            <a:ext cx="10515600" cy="981894"/>
-          </a:xfrm>
-        </p:spPr>
-        <p:txBody>
-          <a:bodyPr>
-            <a:normAutofit/>
-          </a:bodyPr>
-          <a:lstStyle/>
-          <a:p>
-            <a:r>
-              <a:rPr lang="en-US" dirty="0"/>
-              <a:t>Leave-One Out Cross-Validation (LOOCV )</a:t>
-            </a:r>
-          </a:p>
-        </p:txBody>
-      </p:sp>
-      <p:sp>
-        <p:nvSpPr>
-          <p:cNvPr id="5" name="TextBox 4">
-            <a:extLst>
-              <a:ext uri="{FF2B5EF4-FFF2-40B4-BE49-F238E27FC236}">
-                <a16:creationId xmlns:a16="http://schemas.microsoft.com/office/drawing/2014/main" id="{DFD6C41F-AE18-04EA-51B2-AA4611A21B33}"/>
-              </a:ext>
-            </a:extLst>
-          </p:cNvPr>
-          <p:cNvSpPr txBox="1"/>
-          <p:nvPr/>
-        </p:nvSpPr>
-        <p:spPr>
-          <a:xfrm>
-            <a:off x="838200" y="1771941"/>
-            <a:ext cx="10073640" cy="1815882"/>
-          </a:xfrm>
-          <a:prstGeom prst="rect">
-            <a:avLst/>
-          </a:prstGeom>
-          <a:noFill/>
-        </p:spPr>
-        <p:txBody>
-          <a:bodyPr wrap="square">
-            <a:spAutoFit/>
-          </a:bodyPr>
-          <a:lstStyle/>
-          <a:p>
-            <a:r>
-              <a:rPr lang="en-US" sz="2800" dirty="0"/>
-              <a:t>K=n K-fold cross validation</a:t>
-            </a:r>
-          </a:p>
-          <a:p>
-            <a:endParaRPr lang="en-US" sz="2800" dirty="0"/>
-          </a:p>
-          <a:p>
-            <a:endParaRPr lang="en-US" sz="2800" dirty="0"/>
-          </a:p>
-          <a:p>
-            <a:endParaRPr lang="en-US" sz="2800" dirty="0"/>
-          </a:p>
-        </p:txBody>
-      </p:sp>
-      <p:sp>
-        <p:nvSpPr>
-          <p:cNvPr id="3" name="TextBox 2">
-            <a:extLst>
-              <a:ext uri="{FF2B5EF4-FFF2-40B4-BE49-F238E27FC236}">
-                <a16:creationId xmlns:a16="http://schemas.microsoft.com/office/drawing/2014/main" id="{365DAB0B-4F0B-8501-A94C-7FC7C9A23C7E}"/>
-              </a:ext>
-            </a:extLst>
-          </p:cNvPr>
-          <p:cNvSpPr txBox="1"/>
-          <p:nvPr/>
-        </p:nvSpPr>
-        <p:spPr>
-          <a:xfrm>
-            <a:off x="838200" y="2884461"/>
-            <a:ext cx="10073640" cy="2246769"/>
-          </a:xfrm>
-          <a:prstGeom prst="rect">
-            <a:avLst/>
-          </a:prstGeom>
-          <a:noFill/>
-        </p:spPr>
-        <p:txBody>
-          <a:bodyPr wrap="square">
-            <a:spAutoFit/>
-          </a:bodyPr>
-          <a:lstStyle/>
-          <a:p>
-            <a:r>
-              <a:rPr lang="en-US" sz="2800" dirty="0"/>
-              <a:t>LOOCV is sometimes useful, but the estimates are highly correlated, so the average has high variance </a:t>
-            </a:r>
-          </a:p>
-          <a:p>
-            <a:endParaRPr lang="en-US" sz="2800" dirty="0"/>
-          </a:p>
-          <a:p>
-            <a:endParaRPr lang="en-US" sz="2800" dirty="0"/>
-          </a:p>
-          <a:p>
-            <a:endParaRPr lang="en-US" sz="2800" dirty="0"/>
-          </a:p>
-        </p:txBody>
-      </p:sp>
-      <p:sp>
-        <p:nvSpPr>
-          <p:cNvPr id="6" name="TextBox 5">
-            <a:extLst>
-              <a:ext uri="{FF2B5EF4-FFF2-40B4-BE49-F238E27FC236}">
-                <a16:creationId xmlns:a16="http://schemas.microsoft.com/office/drawing/2014/main" id="{5171744F-D6B1-38C0-9F38-A296B6D4F814}"/>
-              </a:ext>
-            </a:extLst>
-          </p:cNvPr>
-          <p:cNvSpPr txBox="1"/>
-          <p:nvPr/>
-        </p:nvSpPr>
-        <p:spPr>
-          <a:xfrm>
-            <a:off x="838200" y="5131230"/>
-            <a:ext cx="10073640" cy="1815882"/>
-          </a:xfrm>
-          <a:prstGeom prst="rect">
-            <a:avLst/>
-          </a:prstGeom>
-          <a:noFill/>
-        </p:spPr>
-        <p:txBody>
-          <a:bodyPr wrap="square">
-            <a:spAutoFit/>
-          </a:bodyPr>
-          <a:lstStyle/>
-          <a:p>
-            <a:r>
-              <a:rPr lang="en-US" sz="2800" dirty="0"/>
-              <a:t>A better choice is K=5 or 10</a:t>
-            </a:r>
-          </a:p>
-          <a:p>
-            <a:endParaRPr lang="en-US" sz="2800" dirty="0"/>
-          </a:p>
-          <a:p>
-            <a:endParaRPr lang="en-US" sz="2800" dirty="0"/>
-          </a:p>
-          <a:p>
-            <a:endParaRPr lang="en-US" sz="2800" dirty="0"/>
-          </a:p>
-        </p:txBody>
-      </p:sp>
-      <p:pic>
-        <p:nvPicPr>
-          <p:cNvPr id="9" name="Picture 8">
-            <a:extLst>
-              <a:ext uri="{FF2B5EF4-FFF2-40B4-BE49-F238E27FC236}">
-                <a16:creationId xmlns:a16="http://schemas.microsoft.com/office/drawing/2014/main" id="{68E64FFB-AC19-1999-E060-1F907ADA9C07}"/>
-              </a:ext>
-            </a:extLst>
-          </p:cNvPr>
-          <p:cNvPicPr>
-            <a:picLocks noChangeAspect="1"/>
-          </p:cNvPicPr>
-          <p:nvPr/>
-        </p:nvPicPr>
-        <p:blipFill>
-          <a:blip r:embed="rId3"/>
-          <a:stretch>
-            <a:fillRect/>
-          </a:stretch>
-        </p:blipFill>
-        <p:spPr>
-          <a:xfrm>
-            <a:off x="3028315" y="3961278"/>
-            <a:ext cx="6135370" cy="839823"/>
-          </a:xfrm>
-          <a:prstGeom prst="rect">
-            <a:avLst/>
-          </a:prstGeom>
-        </p:spPr>
-      </p:pic>
-    </p:spTree>
-    <p:extLst>
-      <p:ext uri="{BB962C8B-B14F-4D97-AF65-F5344CB8AC3E}">
-        <p14:creationId xmlns:p14="http://schemas.microsoft.com/office/powerpoint/2010/main" val="3207565350"/>
+        <p14:creationId xmlns:p14="http://schemas.microsoft.com/office/powerpoint/2010/main" val="1222215017"/>
       </p:ext>
     </p:extLst>
   </p:cSld>

--- a/_umkc-teaching/slides/Lecture7.pptx
+++ b/_umkc-teaching/slides/Lecture7.pptx
@@ -2,16 +2,33 @@
 <file path=ppt/presentation.xml><?xml version="1.0" encoding="utf-8"?>
 <p:presentation xmlns:a="http://schemas.openxmlformats.org/drawingml/2006/main" xmlns:r="http://schemas.openxmlformats.org/officeDocument/2006/relationships" xmlns:p="http://schemas.openxmlformats.org/presentationml/2006/main" saveSubsetFonts="1">
   <p:sldMasterIdLst>
-    <p:sldMasterId id="2147483648" r:id="rId1"/>
+    <p:sldMasterId id="2147483660" r:id="rId1"/>
   </p:sldMasterIdLst>
   <p:notesMasterIdLst>
-    <p:notesMasterId r:id="rId6"/>
+    <p:notesMasterId r:id="rId23"/>
   </p:notesMasterIdLst>
   <p:sldIdLst>
     <p:sldId id="257" r:id="rId2"/>
     <p:sldId id="321" r:id="rId3"/>
     <p:sldId id="326" r:id="rId4"/>
-    <p:sldId id="325" r:id="rId5"/>
+    <p:sldId id="327" r:id="rId5"/>
+    <p:sldId id="328" r:id="rId6"/>
+    <p:sldId id="329" r:id="rId7"/>
+    <p:sldId id="331" r:id="rId8"/>
+    <p:sldId id="332" r:id="rId9"/>
+    <p:sldId id="333" r:id="rId10"/>
+    <p:sldId id="335" r:id="rId11"/>
+    <p:sldId id="336" r:id="rId12"/>
+    <p:sldId id="337" r:id="rId13"/>
+    <p:sldId id="338" r:id="rId14"/>
+    <p:sldId id="339" r:id="rId15"/>
+    <p:sldId id="340" r:id="rId16"/>
+    <p:sldId id="341" r:id="rId17"/>
+    <p:sldId id="342" r:id="rId18"/>
+    <p:sldId id="344" r:id="rId19"/>
+    <p:sldId id="345" r:id="rId20"/>
+    <p:sldId id="346" r:id="rId21"/>
+    <p:sldId id="325" r:id="rId22"/>
   </p:sldIdLst>
   <p:sldSz cx="12192000" cy="6858000"/>
   <p:notesSz cx="6858000" cy="9144000"/>
@@ -19,7 +36,7 @@
     <a:defPPr>
       <a:defRPr lang="en-US"/>
     </a:defPPr>
-    <a:lvl1pPr marL="0" algn="l" defTabSz="914400" rtl="0" eaLnBrk="1" latinLnBrk="0" hangingPunct="1">
+    <a:lvl1pPr marL="0" algn="l" defTabSz="457200" rtl="0" eaLnBrk="1" latinLnBrk="0" hangingPunct="1">
       <a:defRPr sz="1800" kern="1200">
         <a:solidFill>
           <a:schemeClr val="tx1"/>
@@ -29,7 +46,7 @@
         <a:cs typeface="+mn-cs"/>
       </a:defRPr>
     </a:lvl1pPr>
-    <a:lvl2pPr marL="457200" algn="l" defTabSz="914400" rtl="0" eaLnBrk="1" latinLnBrk="0" hangingPunct="1">
+    <a:lvl2pPr marL="457200" algn="l" defTabSz="457200" rtl="0" eaLnBrk="1" latinLnBrk="0" hangingPunct="1">
       <a:defRPr sz="1800" kern="1200">
         <a:solidFill>
           <a:schemeClr val="tx1"/>
@@ -39,7 +56,7 @@
         <a:cs typeface="+mn-cs"/>
       </a:defRPr>
     </a:lvl2pPr>
-    <a:lvl3pPr marL="914400" algn="l" defTabSz="914400" rtl="0" eaLnBrk="1" latinLnBrk="0" hangingPunct="1">
+    <a:lvl3pPr marL="914400" algn="l" defTabSz="457200" rtl="0" eaLnBrk="1" latinLnBrk="0" hangingPunct="1">
       <a:defRPr sz="1800" kern="1200">
         <a:solidFill>
           <a:schemeClr val="tx1"/>
@@ -49,7 +66,7 @@
         <a:cs typeface="+mn-cs"/>
       </a:defRPr>
     </a:lvl3pPr>
-    <a:lvl4pPr marL="1371600" algn="l" defTabSz="914400" rtl="0" eaLnBrk="1" latinLnBrk="0" hangingPunct="1">
+    <a:lvl4pPr marL="1371600" algn="l" defTabSz="457200" rtl="0" eaLnBrk="1" latinLnBrk="0" hangingPunct="1">
       <a:defRPr sz="1800" kern="1200">
         <a:solidFill>
           <a:schemeClr val="tx1"/>
@@ -59,7 +76,7 @@
         <a:cs typeface="+mn-cs"/>
       </a:defRPr>
     </a:lvl4pPr>
-    <a:lvl5pPr marL="1828800" algn="l" defTabSz="914400" rtl="0" eaLnBrk="1" latinLnBrk="0" hangingPunct="1">
+    <a:lvl5pPr marL="1828800" algn="l" defTabSz="457200" rtl="0" eaLnBrk="1" latinLnBrk="0" hangingPunct="1">
       <a:defRPr sz="1800" kern="1200">
         <a:solidFill>
           <a:schemeClr val="tx1"/>
@@ -69,7 +86,7 @@
         <a:cs typeface="+mn-cs"/>
       </a:defRPr>
     </a:lvl5pPr>
-    <a:lvl6pPr marL="2286000" algn="l" defTabSz="914400" rtl="0" eaLnBrk="1" latinLnBrk="0" hangingPunct="1">
+    <a:lvl6pPr marL="2286000" algn="l" defTabSz="457200" rtl="0" eaLnBrk="1" latinLnBrk="0" hangingPunct="1">
       <a:defRPr sz="1800" kern="1200">
         <a:solidFill>
           <a:schemeClr val="tx1"/>
@@ -79,7 +96,7 @@
         <a:cs typeface="+mn-cs"/>
       </a:defRPr>
     </a:lvl6pPr>
-    <a:lvl7pPr marL="2743200" algn="l" defTabSz="914400" rtl="0" eaLnBrk="1" latinLnBrk="0" hangingPunct="1">
+    <a:lvl7pPr marL="2743200" algn="l" defTabSz="457200" rtl="0" eaLnBrk="1" latinLnBrk="0" hangingPunct="1">
       <a:defRPr sz="1800" kern="1200">
         <a:solidFill>
           <a:schemeClr val="tx1"/>
@@ -89,7 +106,7 @@
         <a:cs typeface="+mn-cs"/>
       </a:defRPr>
     </a:lvl7pPr>
-    <a:lvl8pPr marL="3200400" algn="l" defTabSz="914400" rtl="0" eaLnBrk="1" latinLnBrk="0" hangingPunct="1">
+    <a:lvl8pPr marL="3200400" algn="l" defTabSz="457200" rtl="0" eaLnBrk="1" latinLnBrk="0" hangingPunct="1">
       <a:defRPr sz="1800" kern="1200">
         <a:solidFill>
           <a:schemeClr val="tx1"/>
@@ -99,7 +116,7 @@
         <a:cs typeface="+mn-cs"/>
       </a:defRPr>
     </a:lvl8pPr>
-    <a:lvl9pPr marL="3657600" algn="l" defTabSz="914400" rtl="0" eaLnBrk="1" latinLnBrk="0" hangingPunct="1">
+    <a:lvl9pPr marL="3657600" algn="l" defTabSz="457200" rtl="0" eaLnBrk="1" latinLnBrk="0" hangingPunct="1">
       <a:defRPr sz="1800" kern="1200">
         <a:solidFill>
           <a:schemeClr val="tx1"/>
@@ -494,7 +511,12 @@
             <p:ph type="sldImg"/>
           </p:nvPr>
         </p:nvSpPr>
-        <p:spPr/>
+        <p:spPr>
+          <a:xfrm>
+            <a:off x="685800" y="1143000"/>
+            <a:ext cx="5486400" cy="3086100"/>
+          </a:xfrm>
+        </p:spPr>
       </p:sp>
       <p:sp>
         <p:nvSpPr>
@@ -542,6 +564,896 @@
     <p:extLst>
       <p:ext uri="{BB962C8B-B14F-4D97-AF65-F5344CB8AC3E}">
         <p14:creationId xmlns:p14="http://schemas.microsoft.com/office/powerpoint/2010/main" val="2277284325"/>
+      </p:ext>
+    </p:extLst>
+  </p:cSld>
+  <p:clrMapOvr>
+    <a:masterClrMapping/>
+  </p:clrMapOvr>
+</p:notes>
+</file>
+
+<file path=ppt/notesSlides/notesSlide10.xml><?xml version="1.0" encoding="utf-8"?>
+<p:notes xmlns:a="http://schemas.openxmlformats.org/drawingml/2006/main" xmlns:r="http://schemas.openxmlformats.org/officeDocument/2006/relationships" xmlns:p="http://schemas.openxmlformats.org/presentationml/2006/main">
+  <p:cSld>
+    <p:spTree>
+      <p:nvGrpSpPr>
+        <p:cNvPr id="1" name=""/>
+        <p:cNvGrpSpPr/>
+        <p:nvPr/>
+      </p:nvGrpSpPr>
+      <p:grpSpPr>
+        <a:xfrm>
+          <a:off x="0" y="0"/>
+          <a:ext cx="0" cy="0"/>
+          <a:chOff x="0" y="0"/>
+          <a:chExt cx="0" cy="0"/>
+        </a:xfrm>
+      </p:grpSpPr>
+      <p:sp>
+        <p:nvSpPr>
+          <p:cNvPr id="2" name="Slide Image Placeholder 1"/>
+          <p:cNvSpPr>
+            <a:spLocks noGrp="1" noRot="1" noChangeAspect="1"/>
+          </p:cNvSpPr>
+          <p:nvPr>
+            <p:ph type="sldImg"/>
+          </p:nvPr>
+        </p:nvSpPr>
+        <p:spPr>
+          <a:xfrm>
+            <a:off x="685800" y="1143000"/>
+            <a:ext cx="5486400" cy="3086100"/>
+          </a:xfrm>
+        </p:spPr>
+      </p:sp>
+      <p:sp>
+        <p:nvSpPr>
+          <p:cNvPr id="3" name="Notes Placeholder 2"/>
+          <p:cNvSpPr>
+            <a:spLocks noGrp="1"/>
+          </p:cNvSpPr>
+          <p:nvPr>
+            <p:ph type="body" idx="1"/>
+          </p:nvPr>
+        </p:nvSpPr>
+        <p:spPr/>
+        <p:txBody>
+          <a:bodyPr/>
+          <a:lstStyle/>
+          <a:p>
+            <a:endParaRPr lang="en-US" dirty="0"/>
+          </a:p>
+        </p:txBody>
+      </p:sp>
+      <p:sp>
+        <p:nvSpPr>
+          <p:cNvPr id="4" name="Slide Number Placeholder 3"/>
+          <p:cNvSpPr>
+            <a:spLocks noGrp="1"/>
+          </p:cNvSpPr>
+          <p:nvPr>
+            <p:ph type="sldNum" sz="quarter" idx="5"/>
+          </p:nvPr>
+        </p:nvSpPr>
+        <p:spPr/>
+        <p:txBody>
+          <a:bodyPr/>
+          <a:lstStyle/>
+          <a:p>
+            <a:fld id="{3F8BDF20-BE86-4883-8A23-4CE3D0058BEA}" type="slidenum">
+              <a:rPr lang="en-US" smtClean="0"/>
+              <a:t>11</a:t>
+            </a:fld>
+            <a:endParaRPr lang="en-US"/>
+          </a:p>
+        </p:txBody>
+      </p:sp>
+    </p:spTree>
+    <p:extLst>
+      <p:ext uri="{BB962C8B-B14F-4D97-AF65-F5344CB8AC3E}">
+        <p14:creationId xmlns:p14="http://schemas.microsoft.com/office/powerpoint/2010/main" val="3599158178"/>
+      </p:ext>
+    </p:extLst>
+  </p:cSld>
+  <p:clrMapOvr>
+    <a:masterClrMapping/>
+  </p:clrMapOvr>
+</p:notes>
+</file>
+
+<file path=ppt/notesSlides/notesSlide11.xml><?xml version="1.0" encoding="utf-8"?>
+<p:notes xmlns:a="http://schemas.openxmlformats.org/drawingml/2006/main" xmlns:r="http://schemas.openxmlformats.org/officeDocument/2006/relationships" xmlns:p="http://schemas.openxmlformats.org/presentationml/2006/main">
+  <p:cSld>
+    <p:spTree>
+      <p:nvGrpSpPr>
+        <p:cNvPr id="1" name=""/>
+        <p:cNvGrpSpPr/>
+        <p:nvPr/>
+      </p:nvGrpSpPr>
+      <p:grpSpPr>
+        <a:xfrm>
+          <a:off x="0" y="0"/>
+          <a:ext cx="0" cy="0"/>
+          <a:chOff x="0" y="0"/>
+          <a:chExt cx="0" cy="0"/>
+        </a:xfrm>
+      </p:grpSpPr>
+      <p:sp>
+        <p:nvSpPr>
+          <p:cNvPr id="2" name="Slide Image Placeholder 1"/>
+          <p:cNvSpPr>
+            <a:spLocks noGrp="1" noRot="1" noChangeAspect="1"/>
+          </p:cNvSpPr>
+          <p:nvPr>
+            <p:ph type="sldImg"/>
+          </p:nvPr>
+        </p:nvSpPr>
+        <p:spPr>
+          <a:xfrm>
+            <a:off x="685800" y="1143000"/>
+            <a:ext cx="5486400" cy="3086100"/>
+          </a:xfrm>
+        </p:spPr>
+      </p:sp>
+      <p:sp>
+        <p:nvSpPr>
+          <p:cNvPr id="3" name="Notes Placeholder 2"/>
+          <p:cNvSpPr>
+            <a:spLocks noGrp="1"/>
+          </p:cNvSpPr>
+          <p:nvPr>
+            <p:ph type="body" idx="1"/>
+          </p:nvPr>
+        </p:nvSpPr>
+        <p:spPr/>
+        <p:txBody>
+          <a:bodyPr/>
+          <a:lstStyle/>
+          <a:p>
+            <a:endParaRPr lang="en-US" dirty="0"/>
+          </a:p>
+        </p:txBody>
+      </p:sp>
+      <p:sp>
+        <p:nvSpPr>
+          <p:cNvPr id="4" name="Slide Number Placeholder 3"/>
+          <p:cNvSpPr>
+            <a:spLocks noGrp="1"/>
+          </p:cNvSpPr>
+          <p:nvPr>
+            <p:ph type="sldNum" sz="quarter" idx="5"/>
+          </p:nvPr>
+        </p:nvSpPr>
+        <p:spPr/>
+        <p:txBody>
+          <a:bodyPr/>
+          <a:lstStyle/>
+          <a:p>
+            <a:fld id="{3F8BDF20-BE86-4883-8A23-4CE3D0058BEA}" type="slidenum">
+              <a:rPr lang="en-US" smtClean="0"/>
+              <a:t>12</a:t>
+            </a:fld>
+            <a:endParaRPr lang="en-US"/>
+          </a:p>
+        </p:txBody>
+      </p:sp>
+    </p:spTree>
+    <p:extLst>
+      <p:ext uri="{BB962C8B-B14F-4D97-AF65-F5344CB8AC3E}">
+        <p14:creationId xmlns:p14="http://schemas.microsoft.com/office/powerpoint/2010/main" val="3682550870"/>
+      </p:ext>
+    </p:extLst>
+  </p:cSld>
+  <p:clrMapOvr>
+    <a:masterClrMapping/>
+  </p:clrMapOvr>
+</p:notes>
+</file>
+
+<file path=ppt/notesSlides/notesSlide12.xml><?xml version="1.0" encoding="utf-8"?>
+<p:notes xmlns:a="http://schemas.openxmlformats.org/drawingml/2006/main" xmlns:r="http://schemas.openxmlformats.org/officeDocument/2006/relationships" xmlns:p="http://schemas.openxmlformats.org/presentationml/2006/main">
+  <p:cSld>
+    <p:spTree>
+      <p:nvGrpSpPr>
+        <p:cNvPr id="1" name=""/>
+        <p:cNvGrpSpPr/>
+        <p:nvPr/>
+      </p:nvGrpSpPr>
+      <p:grpSpPr>
+        <a:xfrm>
+          <a:off x="0" y="0"/>
+          <a:ext cx="0" cy="0"/>
+          <a:chOff x="0" y="0"/>
+          <a:chExt cx="0" cy="0"/>
+        </a:xfrm>
+      </p:grpSpPr>
+      <p:sp>
+        <p:nvSpPr>
+          <p:cNvPr id="2" name="Slide Image Placeholder 1"/>
+          <p:cNvSpPr>
+            <a:spLocks noGrp="1" noRot="1" noChangeAspect="1"/>
+          </p:cNvSpPr>
+          <p:nvPr>
+            <p:ph type="sldImg"/>
+          </p:nvPr>
+        </p:nvSpPr>
+        <p:spPr>
+          <a:xfrm>
+            <a:off x="685800" y="1143000"/>
+            <a:ext cx="5486400" cy="3086100"/>
+          </a:xfrm>
+        </p:spPr>
+      </p:sp>
+      <p:sp>
+        <p:nvSpPr>
+          <p:cNvPr id="3" name="Notes Placeholder 2"/>
+          <p:cNvSpPr>
+            <a:spLocks noGrp="1"/>
+          </p:cNvSpPr>
+          <p:nvPr>
+            <p:ph type="body" idx="1"/>
+          </p:nvPr>
+        </p:nvSpPr>
+        <p:spPr/>
+        <p:txBody>
+          <a:bodyPr/>
+          <a:lstStyle/>
+          <a:p>
+            <a:endParaRPr lang="en-US" dirty="0"/>
+          </a:p>
+        </p:txBody>
+      </p:sp>
+      <p:sp>
+        <p:nvSpPr>
+          <p:cNvPr id="4" name="Slide Number Placeholder 3"/>
+          <p:cNvSpPr>
+            <a:spLocks noGrp="1"/>
+          </p:cNvSpPr>
+          <p:nvPr>
+            <p:ph type="sldNum" sz="quarter" idx="5"/>
+          </p:nvPr>
+        </p:nvSpPr>
+        <p:spPr/>
+        <p:txBody>
+          <a:bodyPr/>
+          <a:lstStyle/>
+          <a:p>
+            <a:fld id="{3F8BDF20-BE86-4883-8A23-4CE3D0058BEA}" type="slidenum">
+              <a:rPr lang="en-US" smtClean="0"/>
+              <a:t>13</a:t>
+            </a:fld>
+            <a:endParaRPr lang="en-US"/>
+          </a:p>
+        </p:txBody>
+      </p:sp>
+    </p:spTree>
+    <p:extLst>
+      <p:ext uri="{BB962C8B-B14F-4D97-AF65-F5344CB8AC3E}">
+        <p14:creationId xmlns:p14="http://schemas.microsoft.com/office/powerpoint/2010/main" val="3758387337"/>
+      </p:ext>
+    </p:extLst>
+  </p:cSld>
+  <p:clrMapOvr>
+    <a:masterClrMapping/>
+  </p:clrMapOvr>
+</p:notes>
+</file>
+
+<file path=ppt/notesSlides/notesSlide13.xml><?xml version="1.0" encoding="utf-8"?>
+<p:notes xmlns:a="http://schemas.openxmlformats.org/drawingml/2006/main" xmlns:r="http://schemas.openxmlformats.org/officeDocument/2006/relationships" xmlns:p="http://schemas.openxmlformats.org/presentationml/2006/main">
+  <p:cSld>
+    <p:spTree>
+      <p:nvGrpSpPr>
+        <p:cNvPr id="1" name=""/>
+        <p:cNvGrpSpPr/>
+        <p:nvPr/>
+      </p:nvGrpSpPr>
+      <p:grpSpPr>
+        <a:xfrm>
+          <a:off x="0" y="0"/>
+          <a:ext cx="0" cy="0"/>
+          <a:chOff x="0" y="0"/>
+          <a:chExt cx="0" cy="0"/>
+        </a:xfrm>
+      </p:grpSpPr>
+      <p:sp>
+        <p:nvSpPr>
+          <p:cNvPr id="2" name="Slide Image Placeholder 1"/>
+          <p:cNvSpPr>
+            <a:spLocks noGrp="1" noRot="1" noChangeAspect="1"/>
+          </p:cNvSpPr>
+          <p:nvPr>
+            <p:ph type="sldImg"/>
+          </p:nvPr>
+        </p:nvSpPr>
+        <p:spPr>
+          <a:xfrm>
+            <a:off x="685800" y="1143000"/>
+            <a:ext cx="5486400" cy="3086100"/>
+          </a:xfrm>
+        </p:spPr>
+      </p:sp>
+      <p:sp>
+        <p:nvSpPr>
+          <p:cNvPr id="3" name="Notes Placeholder 2"/>
+          <p:cNvSpPr>
+            <a:spLocks noGrp="1"/>
+          </p:cNvSpPr>
+          <p:nvPr>
+            <p:ph type="body" idx="1"/>
+          </p:nvPr>
+        </p:nvSpPr>
+        <p:spPr/>
+        <p:txBody>
+          <a:bodyPr/>
+          <a:lstStyle/>
+          <a:p>
+            <a:endParaRPr lang="en-US" dirty="0"/>
+          </a:p>
+        </p:txBody>
+      </p:sp>
+      <p:sp>
+        <p:nvSpPr>
+          <p:cNvPr id="4" name="Slide Number Placeholder 3"/>
+          <p:cNvSpPr>
+            <a:spLocks noGrp="1"/>
+          </p:cNvSpPr>
+          <p:nvPr>
+            <p:ph type="sldNum" sz="quarter" idx="5"/>
+          </p:nvPr>
+        </p:nvSpPr>
+        <p:spPr/>
+        <p:txBody>
+          <a:bodyPr/>
+          <a:lstStyle/>
+          <a:p>
+            <a:fld id="{3F8BDF20-BE86-4883-8A23-4CE3D0058BEA}" type="slidenum">
+              <a:rPr lang="en-US" smtClean="0"/>
+              <a:t>14</a:t>
+            </a:fld>
+            <a:endParaRPr lang="en-US"/>
+          </a:p>
+        </p:txBody>
+      </p:sp>
+    </p:spTree>
+    <p:extLst>
+      <p:ext uri="{BB962C8B-B14F-4D97-AF65-F5344CB8AC3E}">
+        <p14:creationId xmlns:p14="http://schemas.microsoft.com/office/powerpoint/2010/main" val="1143330666"/>
+      </p:ext>
+    </p:extLst>
+  </p:cSld>
+  <p:clrMapOvr>
+    <a:masterClrMapping/>
+  </p:clrMapOvr>
+</p:notes>
+</file>
+
+<file path=ppt/notesSlides/notesSlide14.xml><?xml version="1.0" encoding="utf-8"?>
+<p:notes xmlns:a="http://schemas.openxmlformats.org/drawingml/2006/main" xmlns:r="http://schemas.openxmlformats.org/officeDocument/2006/relationships" xmlns:p="http://schemas.openxmlformats.org/presentationml/2006/main">
+  <p:cSld>
+    <p:spTree>
+      <p:nvGrpSpPr>
+        <p:cNvPr id="1" name=""/>
+        <p:cNvGrpSpPr/>
+        <p:nvPr/>
+      </p:nvGrpSpPr>
+      <p:grpSpPr>
+        <a:xfrm>
+          <a:off x="0" y="0"/>
+          <a:ext cx="0" cy="0"/>
+          <a:chOff x="0" y="0"/>
+          <a:chExt cx="0" cy="0"/>
+        </a:xfrm>
+      </p:grpSpPr>
+      <p:sp>
+        <p:nvSpPr>
+          <p:cNvPr id="2" name="Slide Image Placeholder 1"/>
+          <p:cNvSpPr>
+            <a:spLocks noGrp="1" noRot="1" noChangeAspect="1"/>
+          </p:cNvSpPr>
+          <p:nvPr>
+            <p:ph type="sldImg"/>
+          </p:nvPr>
+        </p:nvSpPr>
+        <p:spPr>
+          <a:xfrm>
+            <a:off x="685800" y="1143000"/>
+            <a:ext cx="5486400" cy="3086100"/>
+          </a:xfrm>
+        </p:spPr>
+      </p:sp>
+      <p:sp>
+        <p:nvSpPr>
+          <p:cNvPr id="3" name="Notes Placeholder 2"/>
+          <p:cNvSpPr>
+            <a:spLocks noGrp="1"/>
+          </p:cNvSpPr>
+          <p:nvPr>
+            <p:ph type="body" idx="1"/>
+          </p:nvPr>
+        </p:nvSpPr>
+        <p:spPr/>
+        <p:txBody>
+          <a:bodyPr/>
+          <a:lstStyle/>
+          <a:p>
+            <a:endParaRPr lang="en-US" dirty="0"/>
+          </a:p>
+        </p:txBody>
+      </p:sp>
+      <p:sp>
+        <p:nvSpPr>
+          <p:cNvPr id="4" name="Slide Number Placeholder 3"/>
+          <p:cNvSpPr>
+            <a:spLocks noGrp="1"/>
+          </p:cNvSpPr>
+          <p:nvPr>
+            <p:ph type="sldNum" sz="quarter" idx="5"/>
+          </p:nvPr>
+        </p:nvSpPr>
+        <p:spPr/>
+        <p:txBody>
+          <a:bodyPr/>
+          <a:lstStyle/>
+          <a:p>
+            <a:fld id="{3F8BDF20-BE86-4883-8A23-4CE3D0058BEA}" type="slidenum">
+              <a:rPr lang="en-US" smtClean="0"/>
+              <a:t>15</a:t>
+            </a:fld>
+            <a:endParaRPr lang="en-US"/>
+          </a:p>
+        </p:txBody>
+      </p:sp>
+    </p:spTree>
+    <p:extLst>
+      <p:ext uri="{BB962C8B-B14F-4D97-AF65-F5344CB8AC3E}">
+        <p14:creationId xmlns:p14="http://schemas.microsoft.com/office/powerpoint/2010/main" val="1115071677"/>
+      </p:ext>
+    </p:extLst>
+  </p:cSld>
+  <p:clrMapOvr>
+    <a:masterClrMapping/>
+  </p:clrMapOvr>
+</p:notes>
+</file>
+
+<file path=ppt/notesSlides/notesSlide15.xml><?xml version="1.0" encoding="utf-8"?>
+<p:notes xmlns:a="http://schemas.openxmlformats.org/drawingml/2006/main" xmlns:r="http://schemas.openxmlformats.org/officeDocument/2006/relationships" xmlns:p="http://schemas.openxmlformats.org/presentationml/2006/main">
+  <p:cSld>
+    <p:spTree>
+      <p:nvGrpSpPr>
+        <p:cNvPr id="1" name=""/>
+        <p:cNvGrpSpPr/>
+        <p:nvPr/>
+      </p:nvGrpSpPr>
+      <p:grpSpPr>
+        <a:xfrm>
+          <a:off x="0" y="0"/>
+          <a:ext cx="0" cy="0"/>
+          <a:chOff x="0" y="0"/>
+          <a:chExt cx="0" cy="0"/>
+        </a:xfrm>
+      </p:grpSpPr>
+      <p:sp>
+        <p:nvSpPr>
+          <p:cNvPr id="2" name="Slide Image Placeholder 1"/>
+          <p:cNvSpPr>
+            <a:spLocks noGrp="1" noRot="1" noChangeAspect="1"/>
+          </p:cNvSpPr>
+          <p:nvPr>
+            <p:ph type="sldImg"/>
+          </p:nvPr>
+        </p:nvSpPr>
+        <p:spPr>
+          <a:xfrm>
+            <a:off x="685800" y="1143000"/>
+            <a:ext cx="5486400" cy="3086100"/>
+          </a:xfrm>
+        </p:spPr>
+      </p:sp>
+      <p:sp>
+        <p:nvSpPr>
+          <p:cNvPr id="3" name="Notes Placeholder 2"/>
+          <p:cNvSpPr>
+            <a:spLocks noGrp="1"/>
+          </p:cNvSpPr>
+          <p:nvPr>
+            <p:ph type="body" idx="1"/>
+          </p:nvPr>
+        </p:nvSpPr>
+        <p:spPr/>
+        <p:txBody>
+          <a:bodyPr/>
+          <a:lstStyle/>
+          <a:p>
+            <a:endParaRPr lang="en-US" dirty="0"/>
+          </a:p>
+        </p:txBody>
+      </p:sp>
+      <p:sp>
+        <p:nvSpPr>
+          <p:cNvPr id="4" name="Slide Number Placeholder 3"/>
+          <p:cNvSpPr>
+            <a:spLocks noGrp="1"/>
+          </p:cNvSpPr>
+          <p:nvPr>
+            <p:ph type="sldNum" sz="quarter" idx="5"/>
+          </p:nvPr>
+        </p:nvSpPr>
+        <p:spPr/>
+        <p:txBody>
+          <a:bodyPr/>
+          <a:lstStyle/>
+          <a:p>
+            <a:fld id="{3F8BDF20-BE86-4883-8A23-4CE3D0058BEA}" type="slidenum">
+              <a:rPr lang="en-US" smtClean="0"/>
+              <a:t>16</a:t>
+            </a:fld>
+            <a:endParaRPr lang="en-US"/>
+          </a:p>
+        </p:txBody>
+      </p:sp>
+    </p:spTree>
+    <p:extLst>
+      <p:ext uri="{BB962C8B-B14F-4D97-AF65-F5344CB8AC3E}">
+        <p14:creationId xmlns:p14="http://schemas.microsoft.com/office/powerpoint/2010/main" val="2389215209"/>
+      </p:ext>
+    </p:extLst>
+  </p:cSld>
+  <p:clrMapOvr>
+    <a:masterClrMapping/>
+  </p:clrMapOvr>
+</p:notes>
+</file>
+
+<file path=ppt/notesSlides/notesSlide16.xml><?xml version="1.0" encoding="utf-8"?>
+<p:notes xmlns:a="http://schemas.openxmlformats.org/drawingml/2006/main" xmlns:r="http://schemas.openxmlformats.org/officeDocument/2006/relationships" xmlns:p="http://schemas.openxmlformats.org/presentationml/2006/main">
+  <p:cSld>
+    <p:spTree>
+      <p:nvGrpSpPr>
+        <p:cNvPr id="1" name=""/>
+        <p:cNvGrpSpPr/>
+        <p:nvPr/>
+      </p:nvGrpSpPr>
+      <p:grpSpPr>
+        <a:xfrm>
+          <a:off x="0" y="0"/>
+          <a:ext cx="0" cy="0"/>
+          <a:chOff x="0" y="0"/>
+          <a:chExt cx="0" cy="0"/>
+        </a:xfrm>
+      </p:grpSpPr>
+      <p:sp>
+        <p:nvSpPr>
+          <p:cNvPr id="2" name="Slide Image Placeholder 1"/>
+          <p:cNvSpPr>
+            <a:spLocks noGrp="1" noRot="1" noChangeAspect="1"/>
+          </p:cNvSpPr>
+          <p:nvPr>
+            <p:ph type="sldImg"/>
+          </p:nvPr>
+        </p:nvSpPr>
+        <p:spPr>
+          <a:xfrm>
+            <a:off x="685800" y="1143000"/>
+            <a:ext cx="5486400" cy="3086100"/>
+          </a:xfrm>
+        </p:spPr>
+      </p:sp>
+      <p:sp>
+        <p:nvSpPr>
+          <p:cNvPr id="3" name="Notes Placeholder 2"/>
+          <p:cNvSpPr>
+            <a:spLocks noGrp="1"/>
+          </p:cNvSpPr>
+          <p:nvPr>
+            <p:ph type="body" idx="1"/>
+          </p:nvPr>
+        </p:nvSpPr>
+        <p:spPr/>
+        <p:txBody>
+          <a:bodyPr/>
+          <a:lstStyle/>
+          <a:p>
+            <a:endParaRPr lang="en-US" dirty="0"/>
+          </a:p>
+        </p:txBody>
+      </p:sp>
+      <p:sp>
+        <p:nvSpPr>
+          <p:cNvPr id="4" name="Slide Number Placeholder 3"/>
+          <p:cNvSpPr>
+            <a:spLocks noGrp="1"/>
+          </p:cNvSpPr>
+          <p:nvPr>
+            <p:ph type="sldNum" sz="quarter" idx="5"/>
+          </p:nvPr>
+        </p:nvSpPr>
+        <p:spPr/>
+        <p:txBody>
+          <a:bodyPr/>
+          <a:lstStyle/>
+          <a:p>
+            <a:fld id="{3F8BDF20-BE86-4883-8A23-4CE3D0058BEA}" type="slidenum">
+              <a:rPr lang="en-US" smtClean="0"/>
+              <a:t>17</a:t>
+            </a:fld>
+            <a:endParaRPr lang="en-US"/>
+          </a:p>
+        </p:txBody>
+      </p:sp>
+    </p:spTree>
+    <p:extLst>
+      <p:ext uri="{BB962C8B-B14F-4D97-AF65-F5344CB8AC3E}">
+        <p14:creationId xmlns:p14="http://schemas.microsoft.com/office/powerpoint/2010/main" val="1012518423"/>
+      </p:ext>
+    </p:extLst>
+  </p:cSld>
+  <p:clrMapOvr>
+    <a:masterClrMapping/>
+  </p:clrMapOvr>
+</p:notes>
+</file>
+
+<file path=ppt/notesSlides/notesSlide17.xml><?xml version="1.0" encoding="utf-8"?>
+<p:notes xmlns:a="http://schemas.openxmlformats.org/drawingml/2006/main" xmlns:r="http://schemas.openxmlformats.org/officeDocument/2006/relationships" xmlns:p="http://schemas.openxmlformats.org/presentationml/2006/main">
+  <p:cSld>
+    <p:spTree>
+      <p:nvGrpSpPr>
+        <p:cNvPr id="1" name=""/>
+        <p:cNvGrpSpPr/>
+        <p:nvPr/>
+      </p:nvGrpSpPr>
+      <p:grpSpPr>
+        <a:xfrm>
+          <a:off x="0" y="0"/>
+          <a:ext cx="0" cy="0"/>
+          <a:chOff x="0" y="0"/>
+          <a:chExt cx="0" cy="0"/>
+        </a:xfrm>
+      </p:grpSpPr>
+      <p:sp>
+        <p:nvSpPr>
+          <p:cNvPr id="2" name="Slide Image Placeholder 1"/>
+          <p:cNvSpPr>
+            <a:spLocks noGrp="1" noRot="1" noChangeAspect="1"/>
+          </p:cNvSpPr>
+          <p:nvPr>
+            <p:ph type="sldImg"/>
+          </p:nvPr>
+        </p:nvSpPr>
+        <p:spPr>
+          <a:xfrm>
+            <a:off x="685800" y="1143000"/>
+            <a:ext cx="5486400" cy="3086100"/>
+          </a:xfrm>
+        </p:spPr>
+      </p:sp>
+      <p:sp>
+        <p:nvSpPr>
+          <p:cNvPr id="3" name="Notes Placeholder 2"/>
+          <p:cNvSpPr>
+            <a:spLocks noGrp="1"/>
+          </p:cNvSpPr>
+          <p:nvPr>
+            <p:ph type="body" idx="1"/>
+          </p:nvPr>
+        </p:nvSpPr>
+        <p:spPr/>
+        <p:txBody>
+          <a:bodyPr/>
+          <a:lstStyle/>
+          <a:p>
+            <a:endParaRPr lang="en-US" dirty="0"/>
+          </a:p>
+        </p:txBody>
+      </p:sp>
+      <p:sp>
+        <p:nvSpPr>
+          <p:cNvPr id="4" name="Slide Number Placeholder 3"/>
+          <p:cNvSpPr>
+            <a:spLocks noGrp="1"/>
+          </p:cNvSpPr>
+          <p:nvPr>
+            <p:ph type="sldNum" sz="quarter" idx="5"/>
+          </p:nvPr>
+        </p:nvSpPr>
+        <p:spPr/>
+        <p:txBody>
+          <a:bodyPr/>
+          <a:lstStyle/>
+          <a:p>
+            <a:fld id="{3F8BDF20-BE86-4883-8A23-4CE3D0058BEA}" type="slidenum">
+              <a:rPr lang="en-US" smtClean="0"/>
+              <a:t>18</a:t>
+            </a:fld>
+            <a:endParaRPr lang="en-US"/>
+          </a:p>
+        </p:txBody>
+      </p:sp>
+    </p:spTree>
+    <p:extLst>
+      <p:ext uri="{BB962C8B-B14F-4D97-AF65-F5344CB8AC3E}">
+        <p14:creationId xmlns:p14="http://schemas.microsoft.com/office/powerpoint/2010/main" val="2986975700"/>
+      </p:ext>
+    </p:extLst>
+  </p:cSld>
+  <p:clrMapOvr>
+    <a:masterClrMapping/>
+  </p:clrMapOvr>
+</p:notes>
+</file>
+
+<file path=ppt/notesSlides/notesSlide18.xml><?xml version="1.0" encoding="utf-8"?>
+<p:notes xmlns:a="http://schemas.openxmlformats.org/drawingml/2006/main" xmlns:r="http://schemas.openxmlformats.org/officeDocument/2006/relationships" xmlns:p="http://schemas.openxmlformats.org/presentationml/2006/main">
+  <p:cSld>
+    <p:spTree>
+      <p:nvGrpSpPr>
+        <p:cNvPr id="1" name=""/>
+        <p:cNvGrpSpPr/>
+        <p:nvPr/>
+      </p:nvGrpSpPr>
+      <p:grpSpPr>
+        <a:xfrm>
+          <a:off x="0" y="0"/>
+          <a:ext cx="0" cy="0"/>
+          <a:chOff x="0" y="0"/>
+          <a:chExt cx="0" cy="0"/>
+        </a:xfrm>
+      </p:grpSpPr>
+      <p:sp>
+        <p:nvSpPr>
+          <p:cNvPr id="2" name="Slide Image Placeholder 1"/>
+          <p:cNvSpPr>
+            <a:spLocks noGrp="1" noRot="1" noChangeAspect="1"/>
+          </p:cNvSpPr>
+          <p:nvPr>
+            <p:ph type="sldImg"/>
+          </p:nvPr>
+        </p:nvSpPr>
+        <p:spPr>
+          <a:xfrm>
+            <a:off x="685800" y="1143000"/>
+            <a:ext cx="5486400" cy="3086100"/>
+          </a:xfrm>
+        </p:spPr>
+      </p:sp>
+      <p:sp>
+        <p:nvSpPr>
+          <p:cNvPr id="3" name="Notes Placeholder 2"/>
+          <p:cNvSpPr>
+            <a:spLocks noGrp="1"/>
+          </p:cNvSpPr>
+          <p:nvPr>
+            <p:ph type="body" idx="1"/>
+          </p:nvPr>
+        </p:nvSpPr>
+        <p:spPr/>
+        <p:txBody>
+          <a:bodyPr/>
+          <a:lstStyle/>
+          <a:p>
+            <a:endParaRPr lang="en-US" dirty="0"/>
+          </a:p>
+        </p:txBody>
+      </p:sp>
+      <p:sp>
+        <p:nvSpPr>
+          <p:cNvPr id="4" name="Slide Number Placeholder 3"/>
+          <p:cNvSpPr>
+            <a:spLocks noGrp="1"/>
+          </p:cNvSpPr>
+          <p:nvPr>
+            <p:ph type="sldNum" sz="quarter" idx="5"/>
+          </p:nvPr>
+        </p:nvSpPr>
+        <p:spPr/>
+        <p:txBody>
+          <a:bodyPr/>
+          <a:lstStyle/>
+          <a:p>
+            <a:fld id="{3F8BDF20-BE86-4883-8A23-4CE3D0058BEA}" type="slidenum">
+              <a:rPr lang="en-US" smtClean="0"/>
+              <a:t>19</a:t>
+            </a:fld>
+            <a:endParaRPr lang="en-US"/>
+          </a:p>
+        </p:txBody>
+      </p:sp>
+    </p:spTree>
+    <p:extLst>
+      <p:ext uri="{BB962C8B-B14F-4D97-AF65-F5344CB8AC3E}">
+        <p14:creationId xmlns:p14="http://schemas.microsoft.com/office/powerpoint/2010/main" val="600641486"/>
+      </p:ext>
+    </p:extLst>
+  </p:cSld>
+  <p:clrMapOvr>
+    <a:masterClrMapping/>
+  </p:clrMapOvr>
+</p:notes>
+</file>
+
+<file path=ppt/notesSlides/notesSlide19.xml><?xml version="1.0" encoding="utf-8"?>
+<p:notes xmlns:a="http://schemas.openxmlformats.org/drawingml/2006/main" xmlns:r="http://schemas.openxmlformats.org/officeDocument/2006/relationships" xmlns:p="http://schemas.openxmlformats.org/presentationml/2006/main">
+  <p:cSld>
+    <p:spTree>
+      <p:nvGrpSpPr>
+        <p:cNvPr id="1" name=""/>
+        <p:cNvGrpSpPr/>
+        <p:nvPr/>
+      </p:nvGrpSpPr>
+      <p:grpSpPr>
+        <a:xfrm>
+          <a:off x="0" y="0"/>
+          <a:ext cx="0" cy="0"/>
+          <a:chOff x="0" y="0"/>
+          <a:chExt cx="0" cy="0"/>
+        </a:xfrm>
+      </p:grpSpPr>
+      <p:sp>
+        <p:nvSpPr>
+          <p:cNvPr id="2" name="Slide Image Placeholder 1"/>
+          <p:cNvSpPr>
+            <a:spLocks noGrp="1" noRot="1" noChangeAspect="1"/>
+          </p:cNvSpPr>
+          <p:nvPr>
+            <p:ph type="sldImg"/>
+          </p:nvPr>
+        </p:nvSpPr>
+        <p:spPr>
+          <a:xfrm>
+            <a:off x="685800" y="1143000"/>
+            <a:ext cx="5486400" cy="3086100"/>
+          </a:xfrm>
+        </p:spPr>
+      </p:sp>
+      <p:sp>
+        <p:nvSpPr>
+          <p:cNvPr id="3" name="Notes Placeholder 2"/>
+          <p:cNvSpPr>
+            <a:spLocks noGrp="1"/>
+          </p:cNvSpPr>
+          <p:nvPr>
+            <p:ph type="body" idx="1"/>
+          </p:nvPr>
+        </p:nvSpPr>
+        <p:spPr/>
+        <p:txBody>
+          <a:bodyPr/>
+          <a:lstStyle/>
+          <a:p>
+            <a:endParaRPr lang="en-US" dirty="0"/>
+          </a:p>
+        </p:txBody>
+      </p:sp>
+      <p:sp>
+        <p:nvSpPr>
+          <p:cNvPr id="4" name="Slide Number Placeholder 3"/>
+          <p:cNvSpPr>
+            <a:spLocks noGrp="1"/>
+          </p:cNvSpPr>
+          <p:nvPr>
+            <p:ph type="sldNum" sz="quarter" idx="5"/>
+          </p:nvPr>
+        </p:nvSpPr>
+        <p:spPr/>
+        <p:txBody>
+          <a:bodyPr/>
+          <a:lstStyle/>
+          <a:p>
+            <a:fld id="{3F8BDF20-BE86-4883-8A23-4CE3D0058BEA}" type="slidenum">
+              <a:rPr lang="en-US" smtClean="0"/>
+              <a:t>20</a:t>
+            </a:fld>
+            <a:endParaRPr lang="en-US"/>
+          </a:p>
+        </p:txBody>
+      </p:sp>
+    </p:spTree>
+    <p:extLst>
+      <p:ext uri="{BB962C8B-B14F-4D97-AF65-F5344CB8AC3E}">
+        <p14:creationId xmlns:p14="http://schemas.microsoft.com/office/powerpoint/2010/main" val="763623862"/>
       </p:ext>
     </p:extLst>
   </p:cSld>
@@ -578,7 +1490,12 @@
             <p:ph type="sldImg"/>
           </p:nvPr>
         </p:nvSpPr>
-        <p:spPr/>
+        <p:spPr>
+          <a:xfrm>
+            <a:off x="685800" y="1143000"/>
+            <a:ext cx="5486400" cy="3086100"/>
+          </a:xfrm>
+        </p:spPr>
       </p:sp>
       <p:sp>
         <p:nvSpPr>
@@ -626,6 +1543,629 @@
     <p:extLst>
       <p:ext uri="{BB962C8B-B14F-4D97-AF65-F5344CB8AC3E}">
         <p14:creationId xmlns:p14="http://schemas.microsoft.com/office/powerpoint/2010/main" val="3449238349"/>
+      </p:ext>
+    </p:extLst>
+  </p:cSld>
+  <p:clrMapOvr>
+    <a:masterClrMapping/>
+  </p:clrMapOvr>
+</p:notes>
+</file>
+
+<file path=ppt/notesSlides/notesSlide3.xml><?xml version="1.0" encoding="utf-8"?>
+<p:notes xmlns:a="http://schemas.openxmlformats.org/drawingml/2006/main" xmlns:r="http://schemas.openxmlformats.org/officeDocument/2006/relationships" xmlns:p="http://schemas.openxmlformats.org/presentationml/2006/main">
+  <p:cSld>
+    <p:spTree>
+      <p:nvGrpSpPr>
+        <p:cNvPr id="1" name=""/>
+        <p:cNvGrpSpPr/>
+        <p:nvPr/>
+      </p:nvGrpSpPr>
+      <p:grpSpPr>
+        <a:xfrm>
+          <a:off x="0" y="0"/>
+          <a:ext cx="0" cy="0"/>
+          <a:chOff x="0" y="0"/>
+          <a:chExt cx="0" cy="0"/>
+        </a:xfrm>
+      </p:grpSpPr>
+      <p:sp>
+        <p:nvSpPr>
+          <p:cNvPr id="2" name="Slide Image Placeholder 1"/>
+          <p:cNvSpPr>
+            <a:spLocks noGrp="1" noRot="1" noChangeAspect="1"/>
+          </p:cNvSpPr>
+          <p:nvPr>
+            <p:ph type="sldImg"/>
+          </p:nvPr>
+        </p:nvSpPr>
+        <p:spPr>
+          <a:xfrm>
+            <a:off x="685800" y="1143000"/>
+            <a:ext cx="5486400" cy="3086100"/>
+          </a:xfrm>
+        </p:spPr>
+      </p:sp>
+      <p:sp>
+        <p:nvSpPr>
+          <p:cNvPr id="3" name="Notes Placeholder 2"/>
+          <p:cNvSpPr>
+            <a:spLocks noGrp="1"/>
+          </p:cNvSpPr>
+          <p:nvPr>
+            <p:ph type="body" idx="1"/>
+          </p:nvPr>
+        </p:nvSpPr>
+        <p:spPr/>
+        <p:txBody>
+          <a:bodyPr/>
+          <a:lstStyle/>
+          <a:p>
+            <a:endParaRPr lang="en-US" dirty="0"/>
+          </a:p>
+        </p:txBody>
+      </p:sp>
+      <p:sp>
+        <p:nvSpPr>
+          <p:cNvPr id="4" name="Slide Number Placeholder 3"/>
+          <p:cNvSpPr>
+            <a:spLocks noGrp="1"/>
+          </p:cNvSpPr>
+          <p:nvPr>
+            <p:ph type="sldNum" sz="quarter" idx="5"/>
+          </p:nvPr>
+        </p:nvSpPr>
+        <p:spPr/>
+        <p:txBody>
+          <a:bodyPr/>
+          <a:lstStyle/>
+          <a:p>
+            <a:fld id="{3F8BDF20-BE86-4883-8A23-4CE3D0058BEA}" type="slidenum">
+              <a:rPr lang="en-US" smtClean="0"/>
+              <a:t>4</a:t>
+            </a:fld>
+            <a:endParaRPr lang="en-US"/>
+          </a:p>
+        </p:txBody>
+      </p:sp>
+    </p:spTree>
+    <p:extLst>
+      <p:ext uri="{BB962C8B-B14F-4D97-AF65-F5344CB8AC3E}">
+        <p14:creationId xmlns:p14="http://schemas.microsoft.com/office/powerpoint/2010/main" val="1737785465"/>
+      </p:ext>
+    </p:extLst>
+  </p:cSld>
+  <p:clrMapOvr>
+    <a:masterClrMapping/>
+  </p:clrMapOvr>
+</p:notes>
+</file>
+
+<file path=ppt/notesSlides/notesSlide4.xml><?xml version="1.0" encoding="utf-8"?>
+<p:notes xmlns:a="http://schemas.openxmlformats.org/drawingml/2006/main" xmlns:r="http://schemas.openxmlformats.org/officeDocument/2006/relationships" xmlns:p="http://schemas.openxmlformats.org/presentationml/2006/main">
+  <p:cSld>
+    <p:spTree>
+      <p:nvGrpSpPr>
+        <p:cNvPr id="1" name=""/>
+        <p:cNvGrpSpPr/>
+        <p:nvPr/>
+      </p:nvGrpSpPr>
+      <p:grpSpPr>
+        <a:xfrm>
+          <a:off x="0" y="0"/>
+          <a:ext cx="0" cy="0"/>
+          <a:chOff x="0" y="0"/>
+          <a:chExt cx="0" cy="0"/>
+        </a:xfrm>
+      </p:grpSpPr>
+      <p:sp>
+        <p:nvSpPr>
+          <p:cNvPr id="2" name="Slide Image Placeholder 1"/>
+          <p:cNvSpPr>
+            <a:spLocks noGrp="1" noRot="1" noChangeAspect="1"/>
+          </p:cNvSpPr>
+          <p:nvPr>
+            <p:ph type="sldImg"/>
+          </p:nvPr>
+        </p:nvSpPr>
+        <p:spPr>
+          <a:xfrm>
+            <a:off x="685800" y="1143000"/>
+            <a:ext cx="5486400" cy="3086100"/>
+          </a:xfrm>
+        </p:spPr>
+      </p:sp>
+      <p:sp>
+        <p:nvSpPr>
+          <p:cNvPr id="3" name="Notes Placeholder 2"/>
+          <p:cNvSpPr>
+            <a:spLocks noGrp="1"/>
+          </p:cNvSpPr>
+          <p:nvPr>
+            <p:ph type="body" idx="1"/>
+          </p:nvPr>
+        </p:nvSpPr>
+        <p:spPr/>
+        <p:txBody>
+          <a:bodyPr/>
+          <a:lstStyle/>
+          <a:p>
+            <a:endParaRPr lang="en-US" dirty="0"/>
+          </a:p>
+        </p:txBody>
+      </p:sp>
+      <p:sp>
+        <p:nvSpPr>
+          <p:cNvPr id="4" name="Slide Number Placeholder 3"/>
+          <p:cNvSpPr>
+            <a:spLocks noGrp="1"/>
+          </p:cNvSpPr>
+          <p:nvPr>
+            <p:ph type="sldNum" sz="quarter" idx="5"/>
+          </p:nvPr>
+        </p:nvSpPr>
+        <p:spPr/>
+        <p:txBody>
+          <a:bodyPr/>
+          <a:lstStyle/>
+          <a:p>
+            <a:fld id="{3F8BDF20-BE86-4883-8A23-4CE3D0058BEA}" type="slidenum">
+              <a:rPr lang="en-US" smtClean="0"/>
+              <a:t>5</a:t>
+            </a:fld>
+            <a:endParaRPr lang="en-US"/>
+          </a:p>
+        </p:txBody>
+      </p:sp>
+    </p:spTree>
+    <p:extLst>
+      <p:ext uri="{BB962C8B-B14F-4D97-AF65-F5344CB8AC3E}">
+        <p14:creationId xmlns:p14="http://schemas.microsoft.com/office/powerpoint/2010/main" val="4131597292"/>
+      </p:ext>
+    </p:extLst>
+  </p:cSld>
+  <p:clrMapOvr>
+    <a:masterClrMapping/>
+  </p:clrMapOvr>
+</p:notes>
+</file>
+
+<file path=ppt/notesSlides/notesSlide5.xml><?xml version="1.0" encoding="utf-8"?>
+<p:notes xmlns:a="http://schemas.openxmlformats.org/drawingml/2006/main" xmlns:r="http://schemas.openxmlformats.org/officeDocument/2006/relationships" xmlns:p="http://schemas.openxmlformats.org/presentationml/2006/main">
+  <p:cSld>
+    <p:spTree>
+      <p:nvGrpSpPr>
+        <p:cNvPr id="1" name=""/>
+        <p:cNvGrpSpPr/>
+        <p:nvPr/>
+      </p:nvGrpSpPr>
+      <p:grpSpPr>
+        <a:xfrm>
+          <a:off x="0" y="0"/>
+          <a:ext cx="0" cy="0"/>
+          <a:chOff x="0" y="0"/>
+          <a:chExt cx="0" cy="0"/>
+        </a:xfrm>
+      </p:grpSpPr>
+      <p:sp>
+        <p:nvSpPr>
+          <p:cNvPr id="2" name="Slide Image Placeholder 1"/>
+          <p:cNvSpPr>
+            <a:spLocks noGrp="1" noRot="1" noChangeAspect="1"/>
+          </p:cNvSpPr>
+          <p:nvPr>
+            <p:ph type="sldImg"/>
+          </p:nvPr>
+        </p:nvSpPr>
+        <p:spPr>
+          <a:xfrm>
+            <a:off x="685800" y="1143000"/>
+            <a:ext cx="5486400" cy="3086100"/>
+          </a:xfrm>
+        </p:spPr>
+      </p:sp>
+      <p:sp>
+        <p:nvSpPr>
+          <p:cNvPr id="3" name="Notes Placeholder 2"/>
+          <p:cNvSpPr>
+            <a:spLocks noGrp="1"/>
+          </p:cNvSpPr>
+          <p:nvPr>
+            <p:ph type="body" idx="1"/>
+          </p:nvPr>
+        </p:nvSpPr>
+        <p:spPr/>
+        <p:txBody>
+          <a:bodyPr/>
+          <a:lstStyle/>
+          <a:p>
+            <a:endParaRPr lang="en-US" dirty="0"/>
+          </a:p>
+        </p:txBody>
+      </p:sp>
+      <p:sp>
+        <p:nvSpPr>
+          <p:cNvPr id="4" name="Slide Number Placeholder 3"/>
+          <p:cNvSpPr>
+            <a:spLocks noGrp="1"/>
+          </p:cNvSpPr>
+          <p:nvPr>
+            <p:ph type="sldNum" sz="quarter" idx="5"/>
+          </p:nvPr>
+        </p:nvSpPr>
+        <p:spPr/>
+        <p:txBody>
+          <a:bodyPr/>
+          <a:lstStyle/>
+          <a:p>
+            <a:fld id="{3F8BDF20-BE86-4883-8A23-4CE3D0058BEA}" type="slidenum">
+              <a:rPr lang="en-US" smtClean="0"/>
+              <a:t>6</a:t>
+            </a:fld>
+            <a:endParaRPr lang="en-US"/>
+          </a:p>
+        </p:txBody>
+      </p:sp>
+    </p:spTree>
+    <p:extLst>
+      <p:ext uri="{BB962C8B-B14F-4D97-AF65-F5344CB8AC3E}">
+        <p14:creationId xmlns:p14="http://schemas.microsoft.com/office/powerpoint/2010/main" val="3848941342"/>
+      </p:ext>
+    </p:extLst>
+  </p:cSld>
+  <p:clrMapOvr>
+    <a:masterClrMapping/>
+  </p:clrMapOvr>
+</p:notes>
+</file>
+
+<file path=ppt/notesSlides/notesSlide6.xml><?xml version="1.0" encoding="utf-8"?>
+<p:notes xmlns:a="http://schemas.openxmlformats.org/drawingml/2006/main" xmlns:r="http://schemas.openxmlformats.org/officeDocument/2006/relationships" xmlns:p="http://schemas.openxmlformats.org/presentationml/2006/main">
+  <p:cSld>
+    <p:spTree>
+      <p:nvGrpSpPr>
+        <p:cNvPr id="1" name=""/>
+        <p:cNvGrpSpPr/>
+        <p:nvPr/>
+      </p:nvGrpSpPr>
+      <p:grpSpPr>
+        <a:xfrm>
+          <a:off x="0" y="0"/>
+          <a:ext cx="0" cy="0"/>
+          <a:chOff x="0" y="0"/>
+          <a:chExt cx="0" cy="0"/>
+        </a:xfrm>
+      </p:grpSpPr>
+      <p:sp>
+        <p:nvSpPr>
+          <p:cNvPr id="2" name="Slide Image Placeholder 1"/>
+          <p:cNvSpPr>
+            <a:spLocks noGrp="1" noRot="1" noChangeAspect="1"/>
+          </p:cNvSpPr>
+          <p:nvPr>
+            <p:ph type="sldImg"/>
+          </p:nvPr>
+        </p:nvSpPr>
+        <p:spPr>
+          <a:xfrm>
+            <a:off x="685800" y="1143000"/>
+            <a:ext cx="5486400" cy="3086100"/>
+          </a:xfrm>
+        </p:spPr>
+      </p:sp>
+      <p:sp>
+        <p:nvSpPr>
+          <p:cNvPr id="3" name="Notes Placeholder 2"/>
+          <p:cNvSpPr>
+            <a:spLocks noGrp="1"/>
+          </p:cNvSpPr>
+          <p:nvPr>
+            <p:ph type="body" idx="1"/>
+          </p:nvPr>
+        </p:nvSpPr>
+        <p:spPr/>
+        <p:txBody>
+          <a:bodyPr/>
+          <a:lstStyle/>
+          <a:p>
+            <a:endParaRPr lang="en-US" dirty="0"/>
+          </a:p>
+        </p:txBody>
+      </p:sp>
+      <p:sp>
+        <p:nvSpPr>
+          <p:cNvPr id="4" name="Slide Number Placeholder 3"/>
+          <p:cNvSpPr>
+            <a:spLocks noGrp="1"/>
+          </p:cNvSpPr>
+          <p:nvPr>
+            <p:ph type="sldNum" sz="quarter" idx="5"/>
+          </p:nvPr>
+        </p:nvSpPr>
+        <p:spPr/>
+        <p:txBody>
+          <a:bodyPr/>
+          <a:lstStyle/>
+          <a:p>
+            <a:fld id="{3F8BDF20-BE86-4883-8A23-4CE3D0058BEA}" type="slidenum">
+              <a:rPr lang="en-US" smtClean="0"/>
+              <a:t>7</a:t>
+            </a:fld>
+            <a:endParaRPr lang="en-US"/>
+          </a:p>
+        </p:txBody>
+      </p:sp>
+    </p:spTree>
+    <p:extLst>
+      <p:ext uri="{BB962C8B-B14F-4D97-AF65-F5344CB8AC3E}">
+        <p14:creationId xmlns:p14="http://schemas.microsoft.com/office/powerpoint/2010/main" val="2594270336"/>
+      </p:ext>
+    </p:extLst>
+  </p:cSld>
+  <p:clrMapOvr>
+    <a:masterClrMapping/>
+  </p:clrMapOvr>
+</p:notes>
+</file>
+
+<file path=ppt/notesSlides/notesSlide7.xml><?xml version="1.0" encoding="utf-8"?>
+<p:notes xmlns:a="http://schemas.openxmlformats.org/drawingml/2006/main" xmlns:r="http://schemas.openxmlformats.org/officeDocument/2006/relationships" xmlns:p="http://schemas.openxmlformats.org/presentationml/2006/main">
+  <p:cSld>
+    <p:spTree>
+      <p:nvGrpSpPr>
+        <p:cNvPr id="1" name=""/>
+        <p:cNvGrpSpPr/>
+        <p:nvPr/>
+      </p:nvGrpSpPr>
+      <p:grpSpPr>
+        <a:xfrm>
+          <a:off x="0" y="0"/>
+          <a:ext cx="0" cy="0"/>
+          <a:chOff x="0" y="0"/>
+          <a:chExt cx="0" cy="0"/>
+        </a:xfrm>
+      </p:grpSpPr>
+      <p:sp>
+        <p:nvSpPr>
+          <p:cNvPr id="2" name="Slide Image Placeholder 1"/>
+          <p:cNvSpPr>
+            <a:spLocks noGrp="1" noRot="1" noChangeAspect="1"/>
+          </p:cNvSpPr>
+          <p:nvPr>
+            <p:ph type="sldImg"/>
+          </p:nvPr>
+        </p:nvSpPr>
+        <p:spPr>
+          <a:xfrm>
+            <a:off x="685800" y="1143000"/>
+            <a:ext cx="5486400" cy="3086100"/>
+          </a:xfrm>
+        </p:spPr>
+      </p:sp>
+      <p:sp>
+        <p:nvSpPr>
+          <p:cNvPr id="3" name="Notes Placeholder 2"/>
+          <p:cNvSpPr>
+            <a:spLocks noGrp="1"/>
+          </p:cNvSpPr>
+          <p:nvPr>
+            <p:ph type="body" idx="1"/>
+          </p:nvPr>
+        </p:nvSpPr>
+        <p:spPr/>
+        <p:txBody>
+          <a:bodyPr/>
+          <a:lstStyle/>
+          <a:p>
+            <a:endParaRPr lang="en-US" dirty="0"/>
+          </a:p>
+        </p:txBody>
+      </p:sp>
+      <p:sp>
+        <p:nvSpPr>
+          <p:cNvPr id="4" name="Slide Number Placeholder 3"/>
+          <p:cNvSpPr>
+            <a:spLocks noGrp="1"/>
+          </p:cNvSpPr>
+          <p:nvPr>
+            <p:ph type="sldNum" sz="quarter" idx="5"/>
+          </p:nvPr>
+        </p:nvSpPr>
+        <p:spPr/>
+        <p:txBody>
+          <a:bodyPr/>
+          <a:lstStyle/>
+          <a:p>
+            <a:fld id="{3F8BDF20-BE86-4883-8A23-4CE3D0058BEA}" type="slidenum">
+              <a:rPr lang="en-US" smtClean="0"/>
+              <a:t>8</a:t>
+            </a:fld>
+            <a:endParaRPr lang="en-US"/>
+          </a:p>
+        </p:txBody>
+      </p:sp>
+    </p:spTree>
+    <p:extLst>
+      <p:ext uri="{BB962C8B-B14F-4D97-AF65-F5344CB8AC3E}">
+        <p14:creationId xmlns:p14="http://schemas.microsoft.com/office/powerpoint/2010/main" val="607572491"/>
+      </p:ext>
+    </p:extLst>
+  </p:cSld>
+  <p:clrMapOvr>
+    <a:masterClrMapping/>
+  </p:clrMapOvr>
+</p:notes>
+</file>
+
+<file path=ppt/notesSlides/notesSlide8.xml><?xml version="1.0" encoding="utf-8"?>
+<p:notes xmlns:a="http://schemas.openxmlformats.org/drawingml/2006/main" xmlns:r="http://schemas.openxmlformats.org/officeDocument/2006/relationships" xmlns:p="http://schemas.openxmlformats.org/presentationml/2006/main">
+  <p:cSld>
+    <p:spTree>
+      <p:nvGrpSpPr>
+        <p:cNvPr id="1" name=""/>
+        <p:cNvGrpSpPr/>
+        <p:nvPr/>
+      </p:nvGrpSpPr>
+      <p:grpSpPr>
+        <a:xfrm>
+          <a:off x="0" y="0"/>
+          <a:ext cx="0" cy="0"/>
+          <a:chOff x="0" y="0"/>
+          <a:chExt cx="0" cy="0"/>
+        </a:xfrm>
+      </p:grpSpPr>
+      <p:sp>
+        <p:nvSpPr>
+          <p:cNvPr id="2" name="Slide Image Placeholder 1"/>
+          <p:cNvSpPr>
+            <a:spLocks noGrp="1" noRot="1" noChangeAspect="1"/>
+          </p:cNvSpPr>
+          <p:nvPr>
+            <p:ph type="sldImg"/>
+          </p:nvPr>
+        </p:nvSpPr>
+        <p:spPr>
+          <a:xfrm>
+            <a:off x="685800" y="1143000"/>
+            <a:ext cx="5486400" cy="3086100"/>
+          </a:xfrm>
+        </p:spPr>
+      </p:sp>
+      <p:sp>
+        <p:nvSpPr>
+          <p:cNvPr id="3" name="Notes Placeholder 2"/>
+          <p:cNvSpPr>
+            <a:spLocks noGrp="1"/>
+          </p:cNvSpPr>
+          <p:nvPr>
+            <p:ph type="body" idx="1"/>
+          </p:nvPr>
+        </p:nvSpPr>
+        <p:spPr/>
+        <p:txBody>
+          <a:bodyPr/>
+          <a:lstStyle/>
+          <a:p>
+            <a:endParaRPr lang="en-US" dirty="0"/>
+          </a:p>
+        </p:txBody>
+      </p:sp>
+      <p:sp>
+        <p:nvSpPr>
+          <p:cNvPr id="4" name="Slide Number Placeholder 3"/>
+          <p:cNvSpPr>
+            <a:spLocks noGrp="1"/>
+          </p:cNvSpPr>
+          <p:nvPr>
+            <p:ph type="sldNum" sz="quarter" idx="5"/>
+          </p:nvPr>
+        </p:nvSpPr>
+        <p:spPr/>
+        <p:txBody>
+          <a:bodyPr/>
+          <a:lstStyle/>
+          <a:p>
+            <a:fld id="{3F8BDF20-BE86-4883-8A23-4CE3D0058BEA}" type="slidenum">
+              <a:rPr lang="en-US" smtClean="0"/>
+              <a:t>9</a:t>
+            </a:fld>
+            <a:endParaRPr lang="en-US"/>
+          </a:p>
+        </p:txBody>
+      </p:sp>
+    </p:spTree>
+    <p:extLst>
+      <p:ext uri="{BB962C8B-B14F-4D97-AF65-F5344CB8AC3E}">
+        <p14:creationId xmlns:p14="http://schemas.microsoft.com/office/powerpoint/2010/main" val="2398773770"/>
+      </p:ext>
+    </p:extLst>
+  </p:cSld>
+  <p:clrMapOvr>
+    <a:masterClrMapping/>
+  </p:clrMapOvr>
+</p:notes>
+</file>
+
+<file path=ppt/notesSlides/notesSlide9.xml><?xml version="1.0" encoding="utf-8"?>
+<p:notes xmlns:a="http://schemas.openxmlformats.org/drawingml/2006/main" xmlns:r="http://schemas.openxmlformats.org/officeDocument/2006/relationships" xmlns:p="http://schemas.openxmlformats.org/presentationml/2006/main">
+  <p:cSld>
+    <p:spTree>
+      <p:nvGrpSpPr>
+        <p:cNvPr id="1" name=""/>
+        <p:cNvGrpSpPr/>
+        <p:nvPr/>
+      </p:nvGrpSpPr>
+      <p:grpSpPr>
+        <a:xfrm>
+          <a:off x="0" y="0"/>
+          <a:ext cx="0" cy="0"/>
+          <a:chOff x="0" y="0"/>
+          <a:chExt cx="0" cy="0"/>
+        </a:xfrm>
+      </p:grpSpPr>
+      <p:sp>
+        <p:nvSpPr>
+          <p:cNvPr id="2" name="Slide Image Placeholder 1"/>
+          <p:cNvSpPr>
+            <a:spLocks noGrp="1" noRot="1" noChangeAspect="1"/>
+          </p:cNvSpPr>
+          <p:nvPr>
+            <p:ph type="sldImg"/>
+          </p:nvPr>
+        </p:nvSpPr>
+        <p:spPr>
+          <a:xfrm>
+            <a:off x="685800" y="1143000"/>
+            <a:ext cx="5486400" cy="3086100"/>
+          </a:xfrm>
+        </p:spPr>
+      </p:sp>
+      <p:sp>
+        <p:nvSpPr>
+          <p:cNvPr id="3" name="Notes Placeholder 2"/>
+          <p:cNvSpPr>
+            <a:spLocks noGrp="1"/>
+          </p:cNvSpPr>
+          <p:nvPr>
+            <p:ph type="body" idx="1"/>
+          </p:nvPr>
+        </p:nvSpPr>
+        <p:spPr/>
+        <p:txBody>
+          <a:bodyPr/>
+          <a:lstStyle/>
+          <a:p>
+            <a:endParaRPr lang="en-US" dirty="0"/>
+          </a:p>
+        </p:txBody>
+      </p:sp>
+      <p:sp>
+        <p:nvSpPr>
+          <p:cNvPr id="4" name="Slide Number Placeholder 3"/>
+          <p:cNvSpPr>
+            <a:spLocks noGrp="1"/>
+          </p:cNvSpPr>
+          <p:nvPr>
+            <p:ph type="sldNum" sz="quarter" idx="5"/>
+          </p:nvPr>
+        </p:nvSpPr>
+        <p:spPr/>
+        <p:txBody>
+          <a:bodyPr/>
+          <a:lstStyle/>
+          <a:p>
+            <a:fld id="{3F8BDF20-BE86-4883-8A23-4CE3D0058BEA}" type="slidenum">
+              <a:rPr lang="en-US" smtClean="0"/>
+              <a:t>10</a:t>
+            </a:fld>
+            <a:endParaRPr lang="en-US"/>
+          </a:p>
+        </p:txBody>
+      </p:sp>
+    </p:spTree>
+    <p:extLst>
+      <p:ext uri="{BB962C8B-B14F-4D97-AF65-F5344CB8AC3E}">
+        <p14:creationId xmlns:p14="http://schemas.microsoft.com/office/powerpoint/2010/main" val="953750740"/>
       </p:ext>
     </p:extLst>
   </p:cSld>
@@ -680,6 +2220,7 @@
               <a:rPr lang="en-US"/>
               <a:t>Click to edit Master title style</a:t>
             </a:r>
+            <a:endParaRPr lang="en-US" dirty="0"/>
           </a:p>
         </p:txBody>
       </p:sp>
@@ -744,6 +2285,7 @@
               <a:rPr lang="en-US"/>
               <a:t>Click to edit Master subtitle style</a:t>
             </a:r>
+            <a:endParaRPr lang="en-US" dirty="0"/>
           </a:p>
         </p:txBody>
       </p:sp>
@@ -815,7 +2357,7 @@
     </p:spTree>
     <p:extLst>
       <p:ext uri="{BB962C8B-B14F-4D97-AF65-F5344CB8AC3E}">
-        <p14:creationId xmlns:p14="http://schemas.microsoft.com/office/powerpoint/2010/main" val="2771887988"/>
+        <p14:creationId xmlns:p14="http://schemas.microsoft.com/office/powerpoint/2010/main" val="1116604060"/>
       </p:ext>
     </p:extLst>
   </p:cSld>
@@ -861,6 +2403,7 @@
               <a:rPr lang="en-US"/>
               <a:t>Click to edit Master title style</a:t>
             </a:r>
+            <a:endParaRPr lang="en-US" dirty="0"/>
           </a:p>
         </p:txBody>
       </p:sp>
@@ -882,7 +2425,7 @@
             <a:pPr lvl="0"/>
             <a:r>
               <a:rPr lang="en-US"/>
-              <a:t>Edit Master text styles</a:t>
+              <a:t>Click to edit Master text styles</a:t>
             </a:r>
           </a:p>
           <a:p>
@@ -912,6 +2455,7 @@
               <a:rPr lang="en-US"/>
               <a:t>Fifth level</a:t>
             </a:r>
+            <a:endParaRPr lang="en-US" dirty="0"/>
           </a:p>
         </p:txBody>
       </p:sp>
@@ -983,7 +2527,7 @@
     </p:spTree>
     <p:extLst>
       <p:ext uri="{BB962C8B-B14F-4D97-AF65-F5344CB8AC3E}">
-        <p14:creationId xmlns:p14="http://schemas.microsoft.com/office/powerpoint/2010/main" val="3200114320"/>
+        <p14:creationId xmlns:p14="http://schemas.microsoft.com/office/powerpoint/2010/main" val="2250027056"/>
       </p:ext>
     </p:extLst>
   </p:cSld>
@@ -1034,6 +2578,7 @@
               <a:rPr lang="en-US"/>
               <a:t>Click to edit Master title style</a:t>
             </a:r>
+            <a:endParaRPr lang="en-US" dirty="0"/>
           </a:p>
         </p:txBody>
       </p:sp>
@@ -1060,7 +2605,7 @@
             <a:pPr lvl="0"/>
             <a:r>
               <a:rPr lang="en-US"/>
-              <a:t>Edit Master text styles</a:t>
+              <a:t>Click to edit Master text styles</a:t>
             </a:r>
           </a:p>
           <a:p>
@@ -1090,6 +2635,7 @@
               <a:rPr lang="en-US"/>
               <a:t>Fifth level</a:t>
             </a:r>
+            <a:endParaRPr lang="en-US" dirty="0"/>
           </a:p>
         </p:txBody>
       </p:sp>
@@ -1161,7 +2707,7 @@
     </p:spTree>
     <p:extLst>
       <p:ext uri="{BB962C8B-B14F-4D97-AF65-F5344CB8AC3E}">
-        <p14:creationId xmlns:p14="http://schemas.microsoft.com/office/powerpoint/2010/main" val="4280260530"/>
+        <p14:creationId xmlns:p14="http://schemas.microsoft.com/office/powerpoint/2010/main" val="937398955"/>
       </p:ext>
     </p:extLst>
   </p:cSld>
@@ -1207,6 +2753,7 @@
               <a:rPr lang="en-US"/>
               <a:t>Click to edit Master title style</a:t>
             </a:r>
+            <a:endParaRPr lang="en-US" dirty="0"/>
           </a:p>
         </p:txBody>
       </p:sp>
@@ -1228,7 +2775,7 @@
             <a:pPr lvl="0"/>
             <a:r>
               <a:rPr lang="en-US"/>
-              <a:t>Edit Master text styles</a:t>
+              <a:t>Click to edit Master text styles</a:t>
             </a:r>
           </a:p>
           <a:p>
@@ -1258,6 +2805,7 @@
               <a:rPr lang="en-US"/>
               <a:t>Fifth level</a:t>
             </a:r>
+            <a:endParaRPr lang="en-US" dirty="0"/>
           </a:p>
         </p:txBody>
       </p:sp>
@@ -1329,7 +2877,7 @@
     </p:spTree>
     <p:extLst>
       <p:ext uri="{BB962C8B-B14F-4D97-AF65-F5344CB8AC3E}">
-        <p14:creationId xmlns:p14="http://schemas.microsoft.com/office/powerpoint/2010/main" val="1270110628"/>
+        <p14:creationId xmlns:p14="http://schemas.microsoft.com/office/powerpoint/2010/main" val="2066526818"/>
       </p:ext>
     </p:extLst>
   </p:cSld>
@@ -1384,6 +2932,7 @@
               <a:rPr lang="en-US"/>
               <a:t>Click to edit Master title style</a:t>
             </a:r>
+            <a:endParaRPr lang="en-US" dirty="0"/>
           </a:p>
         </p:txBody>
       </p:sp>
@@ -1399,7 +2948,7 @@
         </p:nvSpPr>
         <p:spPr>
           <a:xfrm>
-            <a:off x="831850" y="4589463"/>
+            <a:off x="831850" y="4589465"/>
             <a:ext cx="10515600" cy="1500187"/>
           </a:xfrm>
         </p:spPr>
@@ -1501,7 +3050,7 @@
             <a:pPr lvl="0"/>
             <a:r>
               <a:rPr lang="en-US"/>
-              <a:t>Edit Master text styles</a:t>
+              <a:t>Click to edit Master text styles</a:t>
             </a:r>
           </a:p>
         </p:txBody>
@@ -1574,7 +3123,7 @@
     </p:spTree>
     <p:extLst>
       <p:ext uri="{BB962C8B-B14F-4D97-AF65-F5344CB8AC3E}">
-        <p14:creationId xmlns:p14="http://schemas.microsoft.com/office/powerpoint/2010/main" val="2114682444"/>
+        <p14:creationId xmlns:p14="http://schemas.microsoft.com/office/powerpoint/2010/main" val="3671914809"/>
       </p:ext>
     </p:extLst>
   </p:cSld>
@@ -1620,6 +3169,7 @@
               <a:rPr lang="en-US"/>
               <a:t>Click to edit Master title style</a:t>
             </a:r>
+            <a:endParaRPr lang="en-US" dirty="0"/>
           </a:p>
         </p:txBody>
       </p:sp>
@@ -1646,7 +3196,7 @@
             <a:pPr lvl="0"/>
             <a:r>
               <a:rPr lang="en-US"/>
-              <a:t>Edit Master text styles</a:t>
+              <a:t>Click to edit Master text styles</a:t>
             </a:r>
           </a:p>
           <a:p>
@@ -1676,6 +3226,7 @@
               <a:rPr lang="en-US"/>
               <a:t>Fifth level</a:t>
             </a:r>
+            <a:endParaRPr lang="en-US" dirty="0"/>
           </a:p>
         </p:txBody>
       </p:sp>
@@ -1702,7 +3253,7 @@
             <a:pPr lvl="0"/>
             <a:r>
               <a:rPr lang="en-US"/>
-              <a:t>Edit Master text styles</a:t>
+              <a:t>Click to edit Master text styles</a:t>
             </a:r>
           </a:p>
           <a:p>
@@ -1732,6 +3283,7 @@
               <a:rPr lang="en-US"/>
               <a:t>Fifth level</a:t>
             </a:r>
+            <a:endParaRPr lang="en-US" dirty="0"/>
           </a:p>
         </p:txBody>
       </p:sp>
@@ -1803,7 +3355,7 @@
     </p:spTree>
     <p:extLst>
       <p:ext uri="{BB962C8B-B14F-4D97-AF65-F5344CB8AC3E}">
-        <p14:creationId xmlns:p14="http://schemas.microsoft.com/office/powerpoint/2010/main" val="3099769094"/>
+        <p14:creationId xmlns:p14="http://schemas.microsoft.com/office/powerpoint/2010/main" val="775949138"/>
       </p:ext>
     </p:extLst>
   </p:cSld>
@@ -1842,7 +3394,7 @@
         </p:nvSpPr>
         <p:spPr>
           <a:xfrm>
-            <a:off x="839788" y="365125"/>
+            <a:off x="839788" y="365126"/>
             <a:ext cx="10515600" cy="1325563"/>
           </a:xfrm>
         </p:spPr>
@@ -1854,6 +3406,7 @@
               <a:rPr lang="en-US"/>
               <a:t>Click to edit Master title style</a:t>
             </a:r>
+            <a:endParaRPr lang="en-US" dirty="0"/>
           </a:p>
         </p:txBody>
       </p:sp>
@@ -1869,7 +3422,7 @@
         </p:nvSpPr>
         <p:spPr>
           <a:xfrm>
-            <a:off x="839788" y="1681163"/>
+            <a:off x="839789" y="1681163"/>
             <a:ext cx="5157787" cy="823912"/>
           </a:xfrm>
         </p:spPr>
@@ -1917,7 +3470,7 @@
             <a:pPr lvl="0"/>
             <a:r>
               <a:rPr lang="en-US"/>
-              <a:t>Edit Master text styles</a:t>
+              <a:t>Click to edit Master text styles</a:t>
             </a:r>
           </a:p>
         </p:txBody>
@@ -1934,7 +3487,7 @@
         </p:nvSpPr>
         <p:spPr>
           <a:xfrm>
-            <a:off x="839788" y="2505075"/>
+            <a:off x="839789" y="2505075"/>
             <a:ext cx="5157787" cy="3684588"/>
           </a:xfrm>
         </p:spPr>
@@ -1945,7 +3498,7 @@
             <a:pPr lvl="0"/>
             <a:r>
               <a:rPr lang="en-US"/>
-              <a:t>Edit Master text styles</a:t>
+              <a:t>Click to edit Master text styles</a:t>
             </a:r>
           </a:p>
           <a:p>
@@ -1975,6 +3528,7 @@
               <a:rPr lang="en-US"/>
               <a:t>Fifth level</a:t>
             </a:r>
+            <a:endParaRPr lang="en-US" dirty="0"/>
           </a:p>
         </p:txBody>
       </p:sp>
@@ -2038,7 +3592,7 @@
             <a:pPr lvl="0"/>
             <a:r>
               <a:rPr lang="en-US"/>
-              <a:t>Edit Master text styles</a:t>
+              <a:t>Click to edit Master text styles</a:t>
             </a:r>
           </a:p>
         </p:txBody>
@@ -2066,7 +3620,7 @@
             <a:pPr lvl="0"/>
             <a:r>
               <a:rPr lang="en-US"/>
-              <a:t>Edit Master text styles</a:t>
+              <a:t>Click to edit Master text styles</a:t>
             </a:r>
           </a:p>
           <a:p>
@@ -2096,6 +3650,7 @@
               <a:rPr lang="en-US"/>
               <a:t>Fifth level</a:t>
             </a:r>
+            <a:endParaRPr lang="en-US" dirty="0"/>
           </a:p>
         </p:txBody>
       </p:sp>
@@ -2167,7 +3722,7 @@
     </p:spTree>
     <p:extLst>
       <p:ext uri="{BB962C8B-B14F-4D97-AF65-F5344CB8AC3E}">
-        <p14:creationId xmlns:p14="http://schemas.microsoft.com/office/powerpoint/2010/main" val="1928284805"/>
+        <p14:creationId xmlns:p14="http://schemas.microsoft.com/office/powerpoint/2010/main" val="2992324578"/>
       </p:ext>
     </p:extLst>
   </p:cSld>
@@ -2213,6 +3768,7 @@
               <a:rPr lang="en-US"/>
               <a:t>Click to edit Master title style</a:t>
             </a:r>
+            <a:endParaRPr lang="en-US" dirty="0"/>
           </a:p>
         </p:txBody>
       </p:sp>
@@ -2284,7 +3840,7 @@
     </p:spTree>
     <p:extLst>
       <p:ext uri="{BB962C8B-B14F-4D97-AF65-F5344CB8AC3E}">
-        <p14:creationId xmlns:p14="http://schemas.microsoft.com/office/powerpoint/2010/main" val="3333591385"/>
+        <p14:creationId xmlns:p14="http://schemas.microsoft.com/office/powerpoint/2010/main" val="3798611248"/>
       </p:ext>
     </p:extLst>
   </p:cSld>
@@ -2379,7 +3935,7 @@
     </p:spTree>
     <p:extLst>
       <p:ext uri="{BB962C8B-B14F-4D97-AF65-F5344CB8AC3E}">
-        <p14:creationId xmlns:p14="http://schemas.microsoft.com/office/powerpoint/2010/main" val="1071779203"/>
+        <p14:creationId xmlns:p14="http://schemas.microsoft.com/office/powerpoint/2010/main" val="2181422484"/>
       </p:ext>
     </p:extLst>
   </p:cSld>
@@ -2418,7 +3974,7 @@
         </p:nvSpPr>
         <p:spPr>
           <a:xfrm>
-            <a:off x="839788" y="457200"/>
+            <a:off x="839789" y="457200"/>
             <a:ext cx="3932237" cy="1600200"/>
           </a:xfrm>
         </p:spPr>
@@ -2434,6 +3990,7 @@
               <a:rPr lang="en-US"/>
               <a:t>Click to edit Master title style</a:t>
             </a:r>
+            <a:endParaRPr lang="en-US" dirty="0"/>
           </a:p>
         </p:txBody>
       </p:sp>
@@ -2449,7 +4006,7 @@
         </p:nvSpPr>
         <p:spPr>
           <a:xfrm>
-            <a:off x="5183188" y="987425"/>
+            <a:off x="5183188" y="987426"/>
             <a:ext cx="6172200" cy="4873625"/>
           </a:xfrm>
         </p:spPr>
@@ -2488,7 +4045,7 @@
             <a:pPr lvl="0"/>
             <a:r>
               <a:rPr lang="en-US"/>
-              <a:t>Edit Master text styles</a:t>
+              <a:t>Click to edit Master text styles</a:t>
             </a:r>
           </a:p>
           <a:p>
@@ -2518,6 +4075,7 @@
               <a:rPr lang="en-US"/>
               <a:t>Fifth level</a:t>
             </a:r>
+            <a:endParaRPr lang="en-US" dirty="0"/>
           </a:p>
         </p:txBody>
       </p:sp>
@@ -2533,7 +4091,7 @@
         </p:nvSpPr>
         <p:spPr>
           <a:xfrm>
-            <a:off x="839788" y="2057400"/>
+            <a:off x="839789" y="2057400"/>
             <a:ext cx="3932237" cy="3811588"/>
           </a:xfrm>
         </p:spPr>
@@ -2581,7 +4139,7 @@
             <a:pPr lvl="0"/>
             <a:r>
               <a:rPr lang="en-US"/>
-              <a:t>Edit Master text styles</a:t>
+              <a:t>Click to edit Master text styles</a:t>
             </a:r>
           </a:p>
         </p:txBody>
@@ -2654,7 +4212,7 @@
     </p:spTree>
     <p:extLst>
       <p:ext uri="{BB962C8B-B14F-4D97-AF65-F5344CB8AC3E}">
-        <p14:creationId xmlns:p14="http://schemas.microsoft.com/office/powerpoint/2010/main" val="1427981015"/>
+        <p14:creationId xmlns:p14="http://schemas.microsoft.com/office/powerpoint/2010/main" val="453363239"/>
       </p:ext>
     </p:extLst>
   </p:cSld>
@@ -2693,7 +4251,7 @@
         </p:nvSpPr>
         <p:spPr>
           <a:xfrm>
-            <a:off x="839788" y="457200"/>
+            <a:off x="839789" y="457200"/>
             <a:ext cx="3932237" cy="1600200"/>
           </a:xfrm>
         </p:spPr>
@@ -2709,6 +4267,7 @@
               <a:rPr lang="en-US"/>
               <a:t>Click to edit Master title style</a:t>
             </a:r>
+            <a:endParaRPr lang="en-US" dirty="0"/>
           </a:p>
         </p:txBody>
       </p:sp>
@@ -2716,7 +4275,7 @@
         <p:nvSpPr>
           <p:cNvPr id="3" name="Picture Placeholder 2"/>
           <p:cNvSpPr>
-            <a:spLocks noGrp="1"/>
+            <a:spLocks noGrp="1" noChangeAspect="1"/>
           </p:cNvSpPr>
           <p:nvPr>
             <p:ph type="pic" idx="1"/>
@@ -2724,12 +4283,12 @@
         </p:nvSpPr>
         <p:spPr>
           <a:xfrm>
-            <a:off x="5183188" y="987425"/>
+            <a:off x="5183188" y="987426"/>
             <a:ext cx="6172200" cy="4873625"/>
           </a:xfrm>
         </p:spPr>
         <p:txBody>
-          <a:bodyPr/>
+          <a:bodyPr anchor="t"/>
           <a:lstStyle>
             <a:lvl1pPr marL="0" indent="0">
               <a:buNone/>
@@ -2769,7 +4328,11 @@
             </a:lvl9pPr>
           </a:lstStyle>
           <a:p>
-            <a:endParaRPr lang="en-US"/>
+            <a:r>
+              <a:rPr lang="en-US"/>
+              <a:t>Click icon to add picture</a:t>
+            </a:r>
+            <a:endParaRPr lang="en-US" dirty="0"/>
           </a:p>
         </p:txBody>
       </p:sp>
@@ -2785,7 +4348,7 @@
         </p:nvSpPr>
         <p:spPr>
           <a:xfrm>
-            <a:off x="839788" y="2057400"/>
+            <a:off x="839789" y="2057400"/>
             <a:ext cx="3932237" cy="3811588"/>
           </a:xfrm>
         </p:spPr>
@@ -2833,7 +4396,7 @@
             <a:pPr lvl="0"/>
             <a:r>
               <a:rPr lang="en-US"/>
-              <a:t>Edit Master text styles</a:t>
+              <a:t>Click to edit Master text styles</a:t>
             </a:r>
           </a:p>
         </p:txBody>
@@ -2906,7 +4469,7 @@
     </p:spTree>
     <p:extLst>
       <p:ext uri="{BB962C8B-B14F-4D97-AF65-F5344CB8AC3E}">
-        <p14:creationId xmlns:p14="http://schemas.microsoft.com/office/powerpoint/2010/main" val="1146069171"/>
+        <p14:creationId xmlns:p14="http://schemas.microsoft.com/office/powerpoint/2010/main" val="1897324225"/>
       </p:ext>
     </p:extLst>
   </p:cSld>
@@ -2950,7 +4513,7 @@
         </p:nvSpPr>
         <p:spPr>
           <a:xfrm>
-            <a:off x="838200" y="365125"/>
+            <a:off x="838200" y="365126"/>
             <a:ext cx="10515600" cy="1325563"/>
           </a:xfrm>
           <a:prstGeom prst="rect">
@@ -2967,6 +4530,7 @@
               <a:rPr lang="en-US"/>
               <a:t>Click to edit Master title style</a:t>
             </a:r>
+            <a:endParaRPr lang="en-US" dirty="0"/>
           </a:p>
         </p:txBody>
       </p:sp>
@@ -2998,7 +4562,7 @@
             <a:pPr lvl="0"/>
             <a:r>
               <a:rPr lang="en-US"/>
-              <a:t>Edit Master text styles</a:t>
+              <a:t>Click to edit Master text styles</a:t>
             </a:r>
           </a:p>
           <a:p>
@@ -3028,6 +4592,7 @@
               <a:rPr lang="en-US"/>
               <a:t>Fifth level</a:t>
             </a:r>
+            <a:endParaRPr lang="en-US" dirty="0"/>
           </a:p>
         </p:txBody>
       </p:sp>
@@ -3043,7 +4608,7 @@
         </p:nvSpPr>
         <p:spPr>
           <a:xfrm>
-            <a:off x="838200" y="6356350"/>
+            <a:off x="838200" y="6356352"/>
             <a:ext cx="2743200" cy="365125"/>
           </a:xfrm>
           <a:prstGeom prst="rect">
@@ -3084,7 +4649,7 @@
         </p:nvSpPr>
         <p:spPr>
           <a:xfrm>
-            <a:off x="4038600" y="6356350"/>
+            <a:off x="4038600" y="6356352"/>
             <a:ext cx="4114800" cy="365125"/>
           </a:xfrm>
           <a:prstGeom prst="rect">
@@ -3121,7 +4686,7 @@
         </p:nvSpPr>
         <p:spPr>
           <a:xfrm>
-            <a:off x="8610600" y="6356350"/>
+            <a:off x="8610600" y="6356352"/>
             <a:ext cx="2743200" cy="365125"/>
           </a:xfrm>
           <a:prstGeom prst="rect">
@@ -3153,23 +4718,23 @@
     </p:spTree>
     <p:extLst>
       <p:ext uri="{BB962C8B-B14F-4D97-AF65-F5344CB8AC3E}">
-        <p14:creationId xmlns:p14="http://schemas.microsoft.com/office/powerpoint/2010/main" val="834781521"/>
+        <p14:creationId xmlns:p14="http://schemas.microsoft.com/office/powerpoint/2010/main" val="1857895224"/>
       </p:ext>
     </p:extLst>
   </p:cSld>
   <p:clrMap bg1="lt1" tx1="dk1" bg2="lt2" tx2="dk2" accent1="accent1" accent2="accent2" accent3="accent3" accent4="accent4" accent5="accent5" accent6="accent6" hlink="hlink" folHlink="folHlink"/>
   <p:sldLayoutIdLst>
-    <p:sldLayoutId id="2147483649" r:id="rId1"/>
-    <p:sldLayoutId id="2147483650" r:id="rId2"/>
-    <p:sldLayoutId id="2147483651" r:id="rId3"/>
-    <p:sldLayoutId id="2147483652" r:id="rId4"/>
-    <p:sldLayoutId id="2147483653" r:id="rId5"/>
-    <p:sldLayoutId id="2147483654" r:id="rId6"/>
-    <p:sldLayoutId id="2147483655" r:id="rId7"/>
-    <p:sldLayoutId id="2147483656" r:id="rId8"/>
-    <p:sldLayoutId id="2147483657" r:id="rId9"/>
-    <p:sldLayoutId id="2147483658" r:id="rId10"/>
-    <p:sldLayoutId id="2147483659" r:id="rId11"/>
+    <p:sldLayoutId id="2147483661" r:id="rId1"/>
+    <p:sldLayoutId id="2147483662" r:id="rId2"/>
+    <p:sldLayoutId id="2147483663" r:id="rId3"/>
+    <p:sldLayoutId id="2147483664" r:id="rId4"/>
+    <p:sldLayoutId id="2147483665" r:id="rId5"/>
+    <p:sldLayoutId id="2147483666" r:id="rId6"/>
+    <p:sldLayoutId id="2147483667" r:id="rId7"/>
+    <p:sldLayoutId id="2147483668" r:id="rId8"/>
+    <p:sldLayoutId id="2147483669" r:id="rId9"/>
+    <p:sldLayoutId id="2147483670" r:id="rId10"/>
+    <p:sldLayoutId id="2147483671" r:id="rId11"/>
   </p:sldLayoutIdLst>
   <p:txStyles>
     <p:titleStyle>
@@ -3483,13 +5048,13 @@
         </p:nvSpPr>
         <p:spPr>
           <a:xfrm>
-            <a:off x="1444103" y="1359466"/>
+            <a:off x="1444103" y="1359468"/>
             <a:ext cx="9144000" cy="1468099"/>
           </a:xfrm>
         </p:spPr>
         <p:txBody>
           <a:bodyPr>
-            <a:normAutofit/>
+            <a:normAutofit fontScale="90000"/>
           </a:bodyPr>
           <a:lstStyle/>
           <a:p>
@@ -3499,6 +5064,14 @@
             <a:r>
               <a:rPr lang="en-US" sz="4800" b="1" dirty="0"/>
               <a:t>Model Selection</a:t>
+            </a:r>
+            <a:r>
+              <a:rPr lang="zh-CN" altLang="en-US" sz="4800" b="1" dirty="0"/>
+              <a:t> </a:t>
+            </a:r>
+            <a:r>
+              <a:rPr lang="en-US" altLang="zh-CN" sz="4800" b="1" dirty="0"/>
+              <a:t>and Regularization</a:t>
             </a:r>
             <a:endParaRPr lang="en-US" sz="4800" dirty="0"/>
           </a:p>
@@ -3720,6 +5293,2019 @@
 </p:sld>
 </file>
 
+<file path=ppt/slides/slide10.xml><?xml version="1.0" encoding="utf-8"?>
+<p:sld xmlns:a="http://schemas.openxmlformats.org/drawingml/2006/main" xmlns:r="http://schemas.openxmlformats.org/officeDocument/2006/relationships" xmlns:p="http://schemas.openxmlformats.org/presentationml/2006/main">
+  <p:cSld>
+    <p:spTree>
+      <p:nvGrpSpPr>
+        <p:cNvPr id="1" name=""/>
+        <p:cNvGrpSpPr/>
+        <p:nvPr/>
+      </p:nvGrpSpPr>
+      <p:grpSpPr>
+        <a:xfrm>
+          <a:off x="0" y="0"/>
+          <a:ext cx="0" cy="0"/>
+          <a:chOff x="0" y="0"/>
+          <a:chExt cx="0" cy="0"/>
+        </a:xfrm>
+      </p:grpSpPr>
+      <p:sp>
+        <p:nvSpPr>
+          <p:cNvPr id="2" name="Title 1"/>
+          <p:cNvSpPr>
+            <a:spLocks noGrp="1"/>
+          </p:cNvSpPr>
+          <p:nvPr>
+            <p:ph type="title"/>
+          </p:nvPr>
+        </p:nvSpPr>
+        <p:spPr>
+          <a:xfrm>
+            <a:off x="838200" y="365126"/>
+            <a:ext cx="10515600" cy="981894"/>
+          </a:xfrm>
+        </p:spPr>
+        <p:txBody>
+          <a:bodyPr>
+            <a:normAutofit/>
+          </a:bodyPr>
+          <a:lstStyle/>
+          <a:p>
+            <a:r>
+              <a:rPr lang="en-US" sz="4400" dirty="0"/>
+              <a:t>Lasso</a:t>
+            </a:r>
+            <a:endParaRPr lang="en-US" dirty="0"/>
+          </a:p>
+        </p:txBody>
+      </p:sp>
+      <p:sp>
+        <p:nvSpPr>
+          <p:cNvPr id="5" name="TextBox 4">
+            <a:extLst>
+              <a:ext uri="{FF2B5EF4-FFF2-40B4-BE49-F238E27FC236}">
+                <a16:creationId xmlns:a16="http://schemas.microsoft.com/office/drawing/2014/main" id="{81359AD8-2D43-4D75-6F9A-7C7D1A1E8537}"/>
+              </a:ext>
+            </a:extLst>
+          </p:cNvPr>
+          <p:cNvSpPr txBox="1"/>
+          <p:nvPr/>
+        </p:nvSpPr>
+        <p:spPr>
+          <a:xfrm>
+            <a:off x="838199" y="1833361"/>
+            <a:ext cx="10515599" cy="1384995"/>
+          </a:xfrm>
+          <a:prstGeom prst="rect">
+            <a:avLst/>
+          </a:prstGeom>
+          <a:noFill/>
+        </p:spPr>
+        <p:txBody>
+          <a:bodyPr wrap="square">
+            <a:spAutoFit/>
+          </a:bodyPr>
+          <a:lstStyle/>
+          <a:p>
+            <a:r>
+              <a:rPr lang="en-US" sz="2800" dirty="0"/>
+              <a:t>Ridge regression will include all p predictors in the final model (Disadvantage: No predictor selection) </a:t>
+            </a:r>
+          </a:p>
+          <a:p>
+            <a:endParaRPr lang="en-US" sz="2800" dirty="0"/>
+          </a:p>
+        </p:txBody>
+      </p:sp>
+      <p:sp>
+        <p:nvSpPr>
+          <p:cNvPr id="6" name="TextBox 5">
+            <a:extLst>
+              <a:ext uri="{FF2B5EF4-FFF2-40B4-BE49-F238E27FC236}">
+                <a16:creationId xmlns:a16="http://schemas.microsoft.com/office/drawing/2014/main" id="{7930306D-F283-2ECD-785B-76844090DA10}"/>
+              </a:ext>
+            </a:extLst>
+          </p:cNvPr>
+          <p:cNvSpPr txBox="1"/>
+          <p:nvPr/>
+        </p:nvSpPr>
+        <p:spPr>
+          <a:xfrm>
+            <a:off x="838198" y="3378035"/>
+            <a:ext cx="10515599" cy="523220"/>
+          </a:xfrm>
+          <a:prstGeom prst="rect">
+            <a:avLst/>
+          </a:prstGeom>
+          <a:noFill/>
+        </p:spPr>
+        <p:txBody>
+          <a:bodyPr wrap="square">
+            <a:spAutoFit/>
+          </a:bodyPr>
+          <a:lstStyle/>
+          <a:p>
+            <a:r>
+              <a:rPr lang="en-US" sz="2800" dirty="0"/>
+              <a:t>Objective of Lasso</a:t>
+            </a:r>
+          </a:p>
+        </p:txBody>
+      </p:sp>
+      <p:pic>
+        <p:nvPicPr>
+          <p:cNvPr id="4" name="Picture 3">
+            <a:extLst>
+              <a:ext uri="{FF2B5EF4-FFF2-40B4-BE49-F238E27FC236}">
+                <a16:creationId xmlns:a16="http://schemas.microsoft.com/office/drawing/2014/main" id="{1482005E-454E-C0F1-0E8C-B109B3435E4E}"/>
+              </a:ext>
+            </a:extLst>
+          </p:cNvPr>
+          <p:cNvPicPr>
+            <a:picLocks noChangeAspect="1"/>
+          </p:cNvPicPr>
+          <p:nvPr/>
+        </p:nvPicPr>
+        <p:blipFill>
+          <a:blip r:embed="rId3"/>
+          <a:stretch>
+            <a:fillRect/>
+          </a:stretch>
+        </p:blipFill>
+        <p:spPr>
+          <a:xfrm>
+            <a:off x="2359889" y="4220612"/>
+            <a:ext cx="2370663" cy="1307351"/>
+          </a:xfrm>
+          <a:prstGeom prst="rect">
+            <a:avLst/>
+          </a:prstGeom>
+        </p:spPr>
+      </p:pic>
+      <mc:AlternateContent xmlns:mc="http://schemas.openxmlformats.org/markup-compatibility/2006">
+        <mc:Choice xmlns:a14="http://schemas.microsoft.com/office/drawing/2010/main" Requires="a14">
+          <p:sp>
+            <p:nvSpPr>
+              <p:cNvPr id="7" name="TextBox 6">
+                <a:extLst>
+                  <a:ext uri="{FF2B5EF4-FFF2-40B4-BE49-F238E27FC236}">
+                    <a16:creationId xmlns:a16="http://schemas.microsoft.com/office/drawing/2014/main" id="{998BC48A-6B9E-BEB3-8C0E-B6328AB6860A}"/>
+                  </a:ext>
+                </a:extLst>
+              </p:cNvPr>
+              <p:cNvSpPr txBox="1"/>
+              <p:nvPr/>
+            </p:nvSpPr>
+            <p:spPr>
+              <a:xfrm>
+                <a:off x="5645728" y="4220612"/>
+                <a:ext cx="5230090" cy="1384995"/>
+              </a:xfrm>
+              <a:prstGeom prst="rect">
+                <a:avLst/>
+              </a:prstGeom>
+              <a:noFill/>
+            </p:spPr>
+            <p:txBody>
+              <a:bodyPr wrap="square">
+                <a:spAutoFit/>
+              </a:bodyPr>
+              <a:lstStyle/>
+              <a:p>
+                <a:r>
+                  <a:rPr lang="en-US" sz="2800" dirty="0"/>
+                  <a:t>If</a:t>
+                </a:r>
+                <a14:m>
+                  <m:oMath xmlns:m="http://schemas.openxmlformats.org/officeDocument/2006/math">
+                    <m:r>
+                      <a:rPr lang="en-US" sz="2800" b="0" i="0" smtClean="0">
+                        <a:latin typeface="Cambria Math" panose="02040503050406030204" pitchFamily="18" charset="0"/>
+                      </a:rPr>
+                      <m:t> </m:t>
+                    </m:r>
+                    <m:r>
+                      <a:rPr lang="en-US" sz="2800" b="0" i="1" smtClean="0">
+                        <a:latin typeface="Cambria Math" panose="02040503050406030204" pitchFamily="18" charset="0"/>
+                      </a:rPr>
+                      <m:t>𝜆</m:t>
+                    </m:r>
+                  </m:oMath>
+                </a14:m>
+                <a:r>
+                  <a:rPr lang="en-US" sz="2800" dirty="0"/>
+                  <a:t> is sufficiently large, then Lasso will force some </a:t>
+                </a:r>
+                <a14:m>
+                  <m:oMath xmlns:m="http://schemas.openxmlformats.org/officeDocument/2006/math">
+                    <m:r>
+                      <a:rPr lang="en-US" sz="2800" b="0" i="1" smtClean="0">
+                        <a:latin typeface="Cambria Math" panose="02040503050406030204" pitchFamily="18" charset="0"/>
+                      </a:rPr>
+                      <m:t>𝛽</m:t>
+                    </m:r>
+                  </m:oMath>
+                </a14:m>
+                <a:r>
+                  <a:rPr lang="en-US" sz="2800" dirty="0"/>
+                  <a:t> to exactly zero (equivalent to predictor selection)</a:t>
+                </a:r>
+              </a:p>
+            </p:txBody>
+          </p:sp>
+        </mc:Choice>
+        <mc:Fallback>
+          <p:sp>
+            <p:nvSpPr>
+              <p:cNvPr id="7" name="TextBox 6">
+                <a:extLst>
+                  <a:ext uri="{FF2B5EF4-FFF2-40B4-BE49-F238E27FC236}">
+                    <a16:creationId xmlns:a16="http://schemas.microsoft.com/office/drawing/2014/main" id="{998BC48A-6B9E-BEB3-8C0E-B6328AB6860A}"/>
+                  </a:ext>
+                </a:extLst>
+              </p:cNvPr>
+              <p:cNvSpPr txBox="1">
+                <a:spLocks noRot="1" noChangeAspect="1" noMove="1" noResize="1" noEditPoints="1" noAdjustHandles="1" noChangeArrowheads="1" noChangeShapeType="1" noTextEdit="1"/>
+              </p:cNvSpPr>
+              <p:nvPr/>
+            </p:nvSpPr>
+            <p:spPr>
+              <a:xfrm>
+                <a:off x="5645728" y="4220612"/>
+                <a:ext cx="5230090" cy="1384995"/>
+              </a:xfrm>
+              <a:prstGeom prst="rect">
+                <a:avLst/>
+              </a:prstGeom>
+              <a:blipFill>
+                <a:blip r:embed="rId4"/>
+                <a:stretch>
+                  <a:fillRect l="-2421" t="-4545" r="-1453" b="-10909"/>
+                </a:stretch>
+              </a:blipFill>
+            </p:spPr>
+            <p:txBody>
+              <a:bodyPr/>
+              <a:lstStyle/>
+              <a:p>
+                <a:r>
+                  <a:rPr lang="en-US">
+                    <a:noFill/>
+                  </a:rPr>
+                  <a:t> </a:t>
+                </a:r>
+              </a:p>
+            </p:txBody>
+          </p:sp>
+        </mc:Fallback>
+      </mc:AlternateContent>
+    </p:spTree>
+    <p:extLst>
+      <p:ext uri="{BB962C8B-B14F-4D97-AF65-F5344CB8AC3E}">
+        <p14:creationId xmlns:p14="http://schemas.microsoft.com/office/powerpoint/2010/main" val="4247297750"/>
+      </p:ext>
+    </p:extLst>
+  </p:cSld>
+  <p:clrMapOvr>
+    <a:masterClrMapping/>
+  </p:clrMapOvr>
+</p:sld>
+</file>
+
+<file path=ppt/slides/slide11.xml><?xml version="1.0" encoding="utf-8"?>
+<p:sld xmlns:a="http://schemas.openxmlformats.org/drawingml/2006/main" xmlns:r="http://schemas.openxmlformats.org/officeDocument/2006/relationships" xmlns:p="http://schemas.openxmlformats.org/presentationml/2006/main">
+  <p:cSld>
+    <p:spTree>
+      <p:nvGrpSpPr>
+        <p:cNvPr id="1" name=""/>
+        <p:cNvGrpSpPr/>
+        <p:nvPr/>
+      </p:nvGrpSpPr>
+      <p:grpSpPr>
+        <a:xfrm>
+          <a:off x="0" y="0"/>
+          <a:ext cx="0" cy="0"/>
+          <a:chOff x="0" y="0"/>
+          <a:chExt cx="0" cy="0"/>
+        </a:xfrm>
+      </p:grpSpPr>
+      <p:sp>
+        <p:nvSpPr>
+          <p:cNvPr id="2" name="Title 1"/>
+          <p:cNvSpPr>
+            <a:spLocks noGrp="1"/>
+          </p:cNvSpPr>
+          <p:nvPr>
+            <p:ph type="title"/>
+          </p:nvPr>
+        </p:nvSpPr>
+        <p:spPr>
+          <a:xfrm>
+            <a:off x="838200" y="365126"/>
+            <a:ext cx="10515600" cy="981894"/>
+          </a:xfrm>
+        </p:spPr>
+        <p:txBody>
+          <a:bodyPr>
+            <a:normAutofit/>
+          </a:bodyPr>
+          <a:lstStyle/>
+          <a:p>
+            <a:r>
+              <a:rPr lang="en-US" sz="4400" dirty="0"/>
+              <a:t>Lasso vs Ridge Regression</a:t>
+            </a:r>
+            <a:endParaRPr lang="en-US" dirty="0"/>
+          </a:p>
+        </p:txBody>
+      </p:sp>
+      <p:pic>
+        <p:nvPicPr>
+          <p:cNvPr id="3" name="Picture 2">
+            <a:extLst>
+              <a:ext uri="{FF2B5EF4-FFF2-40B4-BE49-F238E27FC236}">
+                <a16:creationId xmlns:a16="http://schemas.microsoft.com/office/drawing/2014/main" id="{E23A7A7D-34A9-8DD8-0458-83CAA8F15CF0}"/>
+              </a:ext>
+            </a:extLst>
+          </p:cNvPr>
+          <p:cNvPicPr>
+            <a:picLocks noChangeAspect="1"/>
+          </p:cNvPicPr>
+          <p:nvPr/>
+        </p:nvPicPr>
+        <p:blipFill>
+          <a:blip r:embed="rId3"/>
+          <a:stretch>
+            <a:fillRect/>
+          </a:stretch>
+        </p:blipFill>
+        <p:spPr>
+          <a:xfrm>
+            <a:off x="1655618" y="1347020"/>
+            <a:ext cx="8014854" cy="4808912"/>
+          </a:xfrm>
+          <a:prstGeom prst="rect">
+            <a:avLst/>
+          </a:prstGeom>
+        </p:spPr>
+      </p:pic>
+      <mc:AlternateContent xmlns:mc="http://schemas.openxmlformats.org/markup-compatibility/2006">
+        <mc:Choice xmlns:a14="http://schemas.microsoft.com/office/drawing/2010/main" Requires="a14">
+          <p:sp>
+            <p:nvSpPr>
+              <p:cNvPr id="8" name="TextBox 7">
+                <a:extLst>
+                  <a:ext uri="{FF2B5EF4-FFF2-40B4-BE49-F238E27FC236}">
+                    <a16:creationId xmlns:a16="http://schemas.microsoft.com/office/drawing/2014/main" id="{F976E249-B367-C400-4402-289CAABB83E0}"/>
+                  </a:ext>
+                </a:extLst>
+              </p:cNvPr>
+              <p:cNvSpPr txBox="1"/>
+              <p:nvPr/>
+            </p:nvSpPr>
+            <p:spPr>
+              <a:xfrm>
+                <a:off x="2279074" y="6155932"/>
+                <a:ext cx="7114308" cy="523220"/>
+              </a:xfrm>
+              <a:prstGeom prst="rect">
+                <a:avLst/>
+              </a:prstGeom>
+              <a:noFill/>
+            </p:spPr>
+            <p:txBody>
+              <a:bodyPr wrap="square">
+                <a:spAutoFit/>
+              </a:bodyPr>
+              <a:lstStyle/>
+              <a:p>
+                <a:r>
+                  <a:rPr lang="en-US" sz="2800" dirty="0"/>
+                  <a:t>Why Lasso can force some </a:t>
+                </a:r>
+                <a14:m>
+                  <m:oMath xmlns:m="http://schemas.openxmlformats.org/officeDocument/2006/math">
+                    <m:r>
+                      <a:rPr lang="en-US" sz="2800" b="0" i="1" smtClean="0">
+                        <a:latin typeface="Cambria Math" panose="02040503050406030204" pitchFamily="18" charset="0"/>
+                      </a:rPr>
+                      <m:t>𝛽</m:t>
+                    </m:r>
+                  </m:oMath>
+                </a14:m>
+                <a:r>
+                  <a:rPr lang="en-US" sz="2800" dirty="0"/>
+                  <a:t> to exactly zero?</a:t>
+                </a:r>
+              </a:p>
+            </p:txBody>
+          </p:sp>
+        </mc:Choice>
+        <mc:Fallback>
+          <p:sp>
+            <p:nvSpPr>
+              <p:cNvPr id="8" name="TextBox 7">
+                <a:extLst>
+                  <a:ext uri="{FF2B5EF4-FFF2-40B4-BE49-F238E27FC236}">
+                    <a16:creationId xmlns:a16="http://schemas.microsoft.com/office/drawing/2014/main" id="{F976E249-B367-C400-4402-289CAABB83E0}"/>
+                  </a:ext>
+                </a:extLst>
+              </p:cNvPr>
+              <p:cNvSpPr txBox="1">
+                <a:spLocks noRot="1" noChangeAspect="1" noMove="1" noResize="1" noEditPoints="1" noAdjustHandles="1" noChangeArrowheads="1" noChangeShapeType="1" noTextEdit="1"/>
+              </p:cNvSpPr>
+              <p:nvPr/>
+            </p:nvSpPr>
+            <p:spPr>
+              <a:xfrm>
+                <a:off x="2279074" y="6155932"/>
+                <a:ext cx="7114308" cy="523220"/>
+              </a:xfrm>
+              <a:prstGeom prst="rect">
+                <a:avLst/>
+              </a:prstGeom>
+              <a:blipFill>
+                <a:blip r:embed="rId4"/>
+                <a:stretch>
+                  <a:fillRect l="-1783" t="-11628" b="-27907"/>
+                </a:stretch>
+              </a:blipFill>
+            </p:spPr>
+            <p:txBody>
+              <a:bodyPr/>
+              <a:lstStyle/>
+              <a:p>
+                <a:r>
+                  <a:rPr lang="en-US">
+                    <a:noFill/>
+                  </a:rPr>
+                  <a:t> </a:t>
+                </a:r>
+              </a:p>
+            </p:txBody>
+          </p:sp>
+        </mc:Fallback>
+      </mc:AlternateContent>
+    </p:spTree>
+    <p:extLst>
+      <p:ext uri="{BB962C8B-B14F-4D97-AF65-F5344CB8AC3E}">
+        <p14:creationId xmlns:p14="http://schemas.microsoft.com/office/powerpoint/2010/main" val="3628843917"/>
+      </p:ext>
+    </p:extLst>
+  </p:cSld>
+  <p:clrMapOvr>
+    <a:masterClrMapping/>
+  </p:clrMapOvr>
+</p:sld>
+</file>
+
+<file path=ppt/slides/slide12.xml><?xml version="1.0" encoding="utf-8"?>
+<p:sld xmlns:a="http://schemas.openxmlformats.org/drawingml/2006/main" xmlns:r="http://schemas.openxmlformats.org/officeDocument/2006/relationships" xmlns:p="http://schemas.openxmlformats.org/presentationml/2006/main">
+  <p:cSld>
+    <p:spTree>
+      <p:nvGrpSpPr>
+        <p:cNvPr id="1" name=""/>
+        <p:cNvGrpSpPr/>
+        <p:nvPr/>
+      </p:nvGrpSpPr>
+      <p:grpSpPr>
+        <a:xfrm>
+          <a:off x="0" y="0"/>
+          <a:ext cx="0" cy="0"/>
+          <a:chOff x="0" y="0"/>
+          <a:chExt cx="0" cy="0"/>
+        </a:xfrm>
+      </p:grpSpPr>
+      <p:sp>
+        <p:nvSpPr>
+          <p:cNvPr id="2" name="Title 1"/>
+          <p:cNvSpPr>
+            <a:spLocks noGrp="1"/>
+          </p:cNvSpPr>
+          <p:nvPr>
+            <p:ph type="title"/>
+          </p:nvPr>
+        </p:nvSpPr>
+        <p:spPr>
+          <a:xfrm>
+            <a:off x="838200" y="365126"/>
+            <a:ext cx="10515600" cy="981894"/>
+          </a:xfrm>
+        </p:spPr>
+        <p:txBody>
+          <a:bodyPr>
+            <a:normAutofit/>
+          </a:bodyPr>
+          <a:lstStyle/>
+          <a:p>
+            <a:r>
+              <a:rPr lang="en-US" sz="4400" dirty="0"/>
+              <a:t>An example</a:t>
+            </a:r>
+            <a:endParaRPr lang="en-US" dirty="0"/>
+          </a:p>
+        </p:txBody>
+      </p:sp>
+      <p:pic>
+        <p:nvPicPr>
+          <p:cNvPr id="4" name="Picture 3">
+            <a:extLst>
+              <a:ext uri="{FF2B5EF4-FFF2-40B4-BE49-F238E27FC236}">
+                <a16:creationId xmlns:a16="http://schemas.microsoft.com/office/drawing/2014/main" id="{748FDD65-15F2-DA4F-4B3C-2FC72216D528}"/>
+              </a:ext>
+            </a:extLst>
+          </p:cNvPr>
+          <p:cNvPicPr>
+            <a:picLocks noChangeAspect="1"/>
+          </p:cNvPicPr>
+          <p:nvPr/>
+        </p:nvPicPr>
+        <p:blipFill>
+          <a:blip r:embed="rId3"/>
+          <a:stretch>
+            <a:fillRect/>
+          </a:stretch>
+        </p:blipFill>
+        <p:spPr>
+          <a:xfrm>
+            <a:off x="1059872" y="1825913"/>
+            <a:ext cx="9875786" cy="4297796"/>
+          </a:xfrm>
+          <a:prstGeom prst="rect">
+            <a:avLst/>
+          </a:prstGeom>
+        </p:spPr>
+      </p:pic>
+    </p:spTree>
+    <p:extLst>
+      <p:ext uri="{BB962C8B-B14F-4D97-AF65-F5344CB8AC3E}">
+        <p14:creationId xmlns:p14="http://schemas.microsoft.com/office/powerpoint/2010/main" val="3115454975"/>
+      </p:ext>
+    </p:extLst>
+  </p:cSld>
+  <p:clrMapOvr>
+    <a:masterClrMapping/>
+  </p:clrMapOvr>
+</p:sld>
+</file>
+
+<file path=ppt/slides/slide13.xml><?xml version="1.0" encoding="utf-8"?>
+<p:sld xmlns:a="http://schemas.openxmlformats.org/drawingml/2006/main" xmlns:r="http://schemas.openxmlformats.org/officeDocument/2006/relationships" xmlns:p="http://schemas.openxmlformats.org/presentationml/2006/main">
+  <p:cSld>
+    <p:spTree>
+      <p:nvGrpSpPr>
+        <p:cNvPr id="1" name=""/>
+        <p:cNvGrpSpPr/>
+        <p:nvPr/>
+      </p:nvGrpSpPr>
+      <p:grpSpPr>
+        <a:xfrm>
+          <a:off x="0" y="0"/>
+          <a:ext cx="0" cy="0"/>
+          <a:chOff x="0" y="0"/>
+          <a:chExt cx="0" cy="0"/>
+        </a:xfrm>
+      </p:grpSpPr>
+      <p:sp>
+        <p:nvSpPr>
+          <p:cNvPr id="2" name="Title 1"/>
+          <p:cNvSpPr>
+            <a:spLocks noGrp="1"/>
+          </p:cNvSpPr>
+          <p:nvPr>
+            <p:ph type="title"/>
+          </p:nvPr>
+        </p:nvSpPr>
+        <p:spPr>
+          <a:xfrm>
+            <a:off x="838200" y="365126"/>
+            <a:ext cx="10515600" cy="981894"/>
+          </a:xfrm>
+        </p:spPr>
+        <p:txBody>
+          <a:bodyPr>
+            <a:normAutofit/>
+          </a:bodyPr>
+          <a:lstStyle/>
+          <a:p>
+            <a:r>
+              <a:rPr lang="en-US" sz="4400" dirty="0"/>
+              <a:t>Dimension Reduction</a:t>
+            </a:r>
+            <a:endParaRPr lang="en-US" dirty="0"/>
+          </a:p>
+        </p:txBody>
+      </p:sp>
+      <p:sp>
+        <p:nvSpPr>
+          <p:cNvPr id="3" name="TextBox 2">
+            <a:extLst>
+              <a:ext uri="{FF2B5EF4-FFF2-40B4-BE49-F238E27FC236}">
+                <a16:creationId xmlns:a16="http://schemas.microsoft.com/office/drawing/2014/main" id="{33331D9D-874A-9B82-9B5F-778B8C8E1DC3}"/>
+              </a:ext>
+            </a:extLst>
+          </p:cNvPr>
+          <p:cNvSpPr txBox="1"/>
+          <p:nvPr/>
+        </p:nvSpPr>
+        <p:spPr>
+          <a:xfrm>
+            <a:off x="838199" y="1833361"/>
+            <a:ext cx="10515599" cy="954107"/>
+          </a:xfrm>
+          <a:prstGeom prst="rect">
+            <a:avLst/>
+          </a:prstGeom>
+          <a:noFill/>
+        </p:spPr>
+        <p:txBody>
+          <a:bodyPr wrap="square">
+            <a:spAutoFit/>
+          </a:bodyPr>
+          <a:lstStyle/>
+          <a:p>
+            <a:r>
+              <a:rPr lang="en-US" sz="2800" dirty="0"/>
+              <a:t>Use linear combinations of the predictors to construct new predictors</a:t>
+            </a:r>
+          </a:p>
+          <a:p>
+            <a:endParaRPr lang="en-US" sz="2800" dirty="0"/>
+          </a:p>
+        </p:txBody>
+      </p:sp>
+      <p:pic>
+        <p:nvPicPr>
+          <p:cNvPr id="5" name="Picture 4">
+            <a:extLst>
+              <a:ext uri="{FF2B5EF4-FFF2-40B4-BE49-F238E27FC236}">
+                <a16:creationId xmlns:a16="http://schemas.microsoft.com/office/drawing/2014/main" id="{916A5663-7F30-AA60-3008-86E8E8B767CA}"/>
+              </a:ext>
+            </a:extLst>
+          </p:cNvPr>
+          <p:cNvPicPr>
+            <a:picLocks noChangeAspect="1"/>
+          </p:cNvPicPr>
+          <p:nvPr/>
+        </p:nvPicPr>
+        <p:blipFill>
+          <a:blip r:embed="rId3"/>
+          <a:stretch>
+            <a:fillRect/>
+          </a:stretch>
+        </p:blipFill>
+        <p:spPr>
+          <a:xfrm>
+            <a:off x="4315723" y="2620797"/>
+            <a:ext cx="3054351" cy="1301262"/>
+          </a:xfrm>
+          <a:prstGeom prst="rect">
+            <a:avLst/>
+          </a:prstGeom>
+        </p:spPr>
+      </p:pic>
+      <p:sp>
+        <p:nvSpPr>
+          <p:cNvPr id="6" name="TextBox 5">
+            <a:extLst>
+              <a:ext uri="{FF2B5EF4-FFF2-40B4-BE49-F238E27FC236}">
+                <a16:creationId xmlns:a16="http://schemas.microsoft.com/office/drawing/2014/main" id="{5E24FB07-5978-309C-6000-92F7D6FC7CCA}"/>
+              </a:ext>
+            </a:extLst>
+          </p:cNvPr>
+          <p:cNvSpPr txBox="1"/>
+          <p:nvPr/>
+        </p:nvSpPr>
+        <p:spPr>
+          <a:xfrm>
+            <a:off x="838199" y="4237203"/>
+            <a:ext cx="10515599" cy="523220"/>
+          </a:xfrm>
+          <a:prstGeom prst="rect">
+            <a:avLst/>
+          </a:prstGeom>
+          <a:noFill/>
+        </p:spPr>
+        <p:txBody>
+          <a:bodyPr wrap="square">
+            <a:spAutoFit/>
+          </a:bodyPr>
+          <a:lstStyle/>
+          <a:p>
+            <a:r>
+              <a:rPr lang="en-US" sz="2800" dirty="0"/>
+              <a:t>We can then fit the linear regression model</a:t>
+            </a:r>
+          </a:p>
+        </p:txBody>
+      </p:sp>
+      <p:pic>
+        <p:nvPicPr>
+          <p:cNvPr id="7" name="Picture 6">
+            <a:extLst>
+              <a:ext uri="{FF2B5EF4-FFF2-40B4-BE49-F238E27FC236}">
+                <a16:creationId xmlns:a16="http://schemas.microsoft.com/office/drawing/2014/main" id="{EB77E54A-6298-150E-447F-0F476AE9E2FE}"/>
+              </a:ext>
+            </a:extLst>
+          </p:cNvPr>
+          <p:cNvPicPr>
+            <a:picLocks noChangeAspect="1"/>
+          </p:cNvPicPr>
+          <p:nvPr/>
+        </p:nvPicPr>
+        <p:blipFill>
+          <a:blip r:embed="rId4"/>
+          <a:stretch>
+            <a:fillRect/>
+          </a:stretch>
+        </p:blipFill>
+        <p:spPr>
+          <a:xfrm>
+            <a:off x="2663824" y="5040345"/>
+            <a:ext cx="6358150" cy="1293183"/>
+          </a:xfrm>
+          <a:prstGeom prst="rect">
+            <a:avLst/>
+          </a:prstGeom>
+        </p:spPr>
+      </p:pic>
+    </p:spTree>
+    <p:extLst>
+      <p:ext uri="{BB962C8B-B14F-4D97-AF65-F5344CB8AC3E}">
+        <p14:creationId xmlns:p14="http://schemas.microsoft.com/office/powerpoint/2010/main" val="3712940163"/>
+      </p:ext>
+    </p:extLst>
+  </p:cSld>
+  <p:clrMapOvr>
+    <a:masterClrMapping/>
+  </p:clrMapOvr>
+</p:sld>
+</file>
+
+<file path=ppt/slides/slide14.xml><?xml version="1.0" encoding="utf-8"?>
+<p:sld xmlns:a="http://schemas.openxmlformats.org/drawingml/2006/main" xmlns:r="http://schemas.openxmlformats.org/officeDocument/2006/relationships" xmlns:p="http://schemas.openxmlformats.org/presentationml/2006/main">
+  <p:cSld>
+    <p:spTree>
+      <p:nvGrpSpPr>
+        <p:cNvPr id="1" name=""/>
+        <p:cNvGrpSpPr/>
+        <p:nvPr/>
+      </p:nvGrpSpPr>
+      <p:grpSpPr>
+        <a:xfrm>
+          <a:off x="0" y="0"/>
+          <a:ext cx="0" cy="0"/>
+          <a:chOff x="0" y="0"/>
+          <a:chExt cx="0" cy="0"/>
+        </a:xfrm>
+      </p:grpSpPr>
+      <p:sp>
+        <p:nvSpPr>
+          <p:cNvPr id="2" name="Title 1"/>
+          <p:cNvSpPr>
+            <a:spLocks noGrp="1"/>
+          </p:cNvSpPr>
+          <p:nvPr>
+            <p:ph type="title"/>
+          </p:nvPr>
+        </p:nvSpPr>
+        <p:spPr>
+          <a:xfrm>
+            <a:off x="838200" y="365126"/>
+            <a:ext cx="10515600" cy="981894"/>
+          </a:xfrm>
+        </p:spPr>
+        <p:txBody>
+          <a:bodyPr>
+            <a:normAutofit/>
+          </a:bodyPr>
+          <a:lstStyle/>
+          <a:p>
+            <a:r>
+              <a:rPr lang="en-US" sz="4400" dirty="0"/>
+              <a:t>Dimension Reduction</a:t>
+            </a:r>
+            <a:endParaRPr lang="en-US" dirty="0"/>
+          </a:p>
+        </p:txBody>
+      </p:sp>
+      <p:pic>
+        <p:nvPicPr>
+          <p:cNvPr id="4" name="Picture 3">
+            <a:extLst>
+              <a:ext uri="{FF2B5EF4-FFF2-40B4-BE49-F238E27FC236}">
+                <a16:creationId xmlns:a16="http://schemas.microsoft.com/office/drawing/2014/main" id="{B1F200E0-1566-0384-DCDE-ED92F43FF3D4}"/>
+              </a:ext>
+            </a:extLst>
+          </p:cNvPr>
+          <p:cNvPicPr>
+            <a:picLocks noChangeAspect="1"/>
+          </p:cNvPicPr>
+          <p:nvPr/>
+        </p:nvPicPr>
+        <p:blipFill>
+          <a:blip r:embed="rId3"/>
+          <a:stretch>
+            <a:fillRect/>
+          </a:stretch>
+        </p:blipFill>
+        <p:spPr>
+          <a:xfrm>
+            <a:off x="833311" y="1680443"/>
+            <a:ext cx="4741218" cy="1386421"/>
+          </a:xfrm>
+          <a:prstGeom prst="rect">
+            <a:avLst/>
+          </a:prstGeom>
+        </p:spPr>
+      </p:pic>
+      <p:pic>
+        <p:nvPicPr>
+          <p:cNvPr id="8" name="Picture 7">
+            <a:extLst>
+              <a:ext uri="{FF2B5EF4-FFF2-40B4-BE49-F238E27FC236}">
+                <a16:creationId xmlns:a16="http://schemas.microsoft.com/office/drawing/2014/main" id="{7DDF0C7E-4D99-4736-0136-158EF2A58212}"/>
+              </a:ext>
+            </a:extLst>
+          </p:cNvPr>
+          <p:cNvPicPr>
+            <a:picLocks noChangeAspect="1"/>
+          </p:cNvPicPr>
+          <p:nvPr/>
+        </p:nvPicPr>
+        <p:blipFill>
+          <a:blip r:embed="rId4"/>
+          <a:stretch>
+            <a:fillRect/>
+          </a:stretch>
+        </p:blipFill>
+        <p:spPr>
+          <a:xfrm>
+            <a:off x="6476577" y="1716452"/>
+            <a:ext cx="4646584" cy="1493545"/>
+          </a:xfrm>
+          <a:prstGeom prst="rect">
+            <a:avLst/>
+          </a:prstGeom>
+        </p:spPr>
+      </p:pic>
+      <p:pic>
+        <p:nvPicPr>
+          <p:cNvPr id="9" name="Picture 8">
+            <a:extLst>
+              <a:ext uri="{FF2B5EF4-FFF2-40B4-BE49-F238E27FC236}">
+                <a16:creationId xmlns:a16="http://schemas.microsoft.com/office/drawing/2014/main" id="{F5B123B3-CA86-F96F-9F09-FEDAD3AD9A8C}"/>
+              </a:ext>
+            </a:extLst>
+          </p:cNvPr>
+          <p:cNvPicPr>
+            <a:picLocks noChangeAspect="1"/>
+          </p:cNvPicPr>
+          <p:nvPr/>
+        </p:nvPicPr>
+        <p:blipFill>
+          <a:blip r:embed="rId5"/>
+          <a:stretch>
+            <a:fillRect/>
+          </a:stretch>
+        </p:blipFill>
+        <p:spPr>
+          <a:xfrm>
+            <a:off x="4326432" y="4513710"/>
+            <a:ext cx="2496193" cy="1213427"/>
+          </a:xfrm>
+          <a:prstGeom prst="rect">
+            <a:avLst/>
+          </a:prstGeom>
+        </p:spPr>
+      </p:pic>
+      <p:sp>
+        <p:nvSpPr>
+          <p:cNvPr id="10" name="TextBox 9">
+            <a:extLst>
+              <a:ext uri="{FF2B5EF4-FFF2-40B4-BE49-F238E27FC236}">
+                <a16:creationId xmlns:a16="http://schemas.microsoft.com/office/drawing/2014/main" id="{C822184F-2691-1DFC-351B-C03A839CFDDB}"/>
+              </a:ext>
+            </a:extLst>
+          </p:cNvPr>
+          <p:cNvSpPr txBox="1"/>
+          <p:nvPr/>
+        </p:nvSpPr>
+        <p:spPr>
+          <a:xfrm>
+            <a:off x="838201" y="3559603"/>
+            <a:ext cx="10515599" cy="954107"/>
+          </a:xfrm>
+          <a:prstGeom prst="rect">
+            <a:avLst/>
+          </a:prstGeom>
+          <a:noFill/>
+        </p:spPr>
+        <p:txBody>
+          <a:bodyPr wrap="square">
+            <a:spAutoFit/>
+          </a:bodyPr>
+          <a:lstStyle/>
+          <a:p>
+            <a:r>
+              <a:rPr lang="en-US" sz="2800" dirty="0"/>
+              <a:t>Dimension reduction serves to constrain the estimated coefficients as  </a:t>
+            </a:r>
+          </a:p>
+          <a:p>
+            <a:endParaRPr lang="en-US" sz="2800" dirty="0"/>
+          </a:p>
+        </p:txBody>
+      </p:sp>
+    </p:spTree>
+    <p:extLst>
+      <p:ext uri="{BB962C8B-B14F-4D97-AF65-F5344CB8AC3E}">
+        <p14:creationId xmlns:p14="http://schemas.microsoft.com/office/powerpoint/2010/main" val="2200835067"/>
+      </p:ext>
+    </p:extLst>
+  </p:cSld>
+  <p:clrMapOvr>
+    <a:masterClrMapping/>
+  </p:clrMapOvr>
+</p:sld>
+</file>
+
+<file path=ppt/slides/slide15.xml><?xml version="1.0" encoding="utf-8"?>
+<p:sld xmlns:a="http://schemas.openxmlformats.org/drawingml/2006/main" xmlns:r="http://schemas.openxmlformats.org/officeDocument/2006/relationships" xmlns:p="http://schemas.openxmlformats.org/presentationml/2006/main">
+  <p:cSld>
+    <p:spTree>
+      <p:nvGrpSpPr>
+        <p:cNvPr id="1" name=""/>
+        <p:cNvGrpSpPr/>
+        <p:nvPr/>
+      </p:nvGrpSpPr>
+      <p:grpSpPr>
+        <a:xfrm>
+          <a:off x="0" y="0"/>
+          <a:ext cx="0" cy="0"/>
+          <a:chOff x="0" y="0"/>
+          <a:chExt cx="0" cy="0"/>
+        </a:xfrm>
+      </p:grpSpPr>
+      <p:sp>
+        <p:nvSpPr>
+          <p:cNvPr id="2" name="Title 1"/>
+          <p:cNvSpPr>
+            <a:spLocks noGrp="1"/>
+          </p:cNvSpPr>
+          <p:nvPr>
+            <p:ph type="title"/>
+          </p:nvPr>
+        </p:nvSpPr>
+        <p:spPr>
+          <a:xfrm>
+            <a:off x="838200" y="365126"/>
+            <a:ext cx="10515600" cy="981894"/>
+          </a:xfrm>
+        </p:spPr>
+        <p:txBody>
+          <a:bodyPr>
+            <a:normAutofit/>
+          </a:bodyPr>
+          <a:lstStyle/>
+          <a:p>
+            <a:r>
+              <a:rPr lang="en-US" sz="4400" dirty="0"/>
+              <a:t>Dimension Reduction</a:t>
+            </a:r>
+            <a:endParaRPr lang="en-US" dirty="0"/>
+          </a:p>
+        </p:txBody>
+      </p:sp>
+      <p:pic>
+        <p:nvPicPr>
+          <p:cNvPr id="4" name="Picture 3">
+            <a:extLst>
+              <a:ext uri="{FF2B5EF4-FFF2-40B4-BE49-F238E27FC236}">
+                <a16:creationId xmlns:a16="http://schemas.microsoft.com/office/drawing/2014/main" id="{B1F200E0-1566-0384-DCDE-ED92F43FF3D4}"/>
+              </a:ext>
+            </a:extLst>
+          </p:cNvPr>
+          <p:cNvPicPr>
+            <a:picLocks noChangeAspect="1"/>
+          </p:cNvPicPr>
+          <p:nvPr/>
+        </p:nvPicPr>
+        <p:blipFill>
+          <a:blip r:embed="rId3"/>
+          <a:stretch>
+            <a:fillRect/>
+          </a:stretch>
+        </p:blipFill>
+        <p:spPr>
+          <a:xfrm>
+            <a:off x="833311" y="1680443"/>
+            <a:ext cx="4741218" cy="1386421"/>
+          </a:xfrm>
+          <a:prstGeom prst="rect">
+            <a:avLst/>
+          </a:prstGeom>
+        </p:spPr>
+      </p:pic>
+      <p:pic>
+        <p:nvPicPr>
+          <p:cNvPr id="8" name="Picture 7">
+            <a:extLst>
+              <a:ext uri="{FF2B5EF4-FFF2-40B4-BE49-F238E27FC236}">
+                <a16:creationId xmlns:a16="http://schemas.microsoft.com/office/drawing/2014/main" id="{7DDF0C7E-4D99-4736-0136-158EF2A58212}"/>
+              </a:ext>
+            </a:extLst>
+          </p:cNvPr>
+          <p:cNvPicPr>
+            <a:picLocks noChangeAspect="1"/>
+          </p:cNvPicPr>
+          <p:nvPr/>
+        </p:nvPicPr>
+        <p:blipFill>
+          <a:blip r:embed="rId4"/>
+          <a:stretch>
+            <a:fillRect/>
+          </a:stretch>
+        </p:blipFill>
+        <p:spPr>
+          <a:xfrm>
+            <a:off x="6476577" y="1716452"/>
+            <a:ext cx="4646584" cy="1493545"/>
+          </a:xfrm>
+          <a:prstGeom prst="rect">
+            <a:avLst/>
+          </a:prstGeom>
+        </p:spPr>
+      </p:pic>
+      <p:pic>
+        <p:nvPicPr>
+          <p:cNvPr id="9" name="Picture 8">
+            <a:extLst>
+              <a:ext uri="{FF2B5EF4-FFF2-40B4-BE49-F238E27FC236}">
+                <a16:creationId xmlns:a16="http://schemas.microsoft.com/office/drawing/2014/main" id="{F5B123B3-CA86-F96F-9F09-FEDAD3AD9A8C}"/>
+              </a:ext>
+            </a:extLst>
+          </p:cNvPr>
+          <p:cNvPicPr>
+            <a:picLocks noChangeAspect="1"/>
+          </p:cNvPicPr>
+          <p:nvPr/>
+        </p:nvPicPr>
+        <p:blipFill>
+          <a:blip r:embed="rId5"/>
+          <a:stretch>
+            <a:fillRect/>
+          </a:stretch>
+        </p:blipFill>
+        <p:spPr>
+          <a:xfrm>
+            <a:off x="4326432" y="4513710"/>
+            <a:ext cx="2496193" cy="1213427"/>
+          </a:xfrm>
+          <a:prstGeom prst="rect">
+            <a:avLst/>
+          </a:prstGeom>
+        </p:spPr>
+      </p:pic>
+      <p:sp>
+        <p:nvSpPr>
+          <p:cNvPr id="10" name="TextBox 9">
+            <a:extLst>
+              <a:ext uri="{FF2B5EF4-FFF2-40B4-BE49-F238E27FC236}">
+                <a16:creationId xmlns:a16="http://schemas.microsoft.com/office/drawing/2014/main" id="{C822184F-2691-1DFC-351B-C03A839CFDDB}"/>
+              </a:ext>
+            </a:extLst>
+          </p:cNvPr>
+          <p:cNvSpPr txBox="1"/>
+          <p:nvPr/>
+        </p:nvSpPr>
+        <p:spPr>
+          <a:xfrm>
+            <a:off x="838201" y="3559603"/>
+            <a:ext cx="10515599" cy="954107"/>
+          </a:xfrm>
+          <a:prstGeom prst="rect">
+            <a:avLst/>
+          </a:prstGeom>
+          <a:noFill/>
+        </p:spPr>
+        <p:txBody>
+          <a:bodyPr wrap="square">
+            <a:spAutoFit/>
+          </a:bodyPr>
+          <a:lstStyle/>
+          <a:p>
+            <a:r>
+              <a:rPr lang="en-US" sz="2800" dirty="0"/>
+              <a:t>Dimension reduction serves to constrain the estimated coefficients as  </a:t>
+            </a:r>
+          </a:p>
+          <a:p>
+            <a:endParaRPr lang="en-US" sz="2800" dirty="0"/>
+          </a:p>
+        </p:txBody>
+      </p:sp>
+    </p:spTree>
+    <p:extLst>
+      <p:ext uri="{BB962C8B-B14F-4D97-AF65-F5344CB8AC3E}">
+        <p14:creationId xmlns:p14="http://schemas.microsoft.com/office/powerpoint/2010/main" val="556368819"/>
+      </p:ext>
+    </p:extLst>
+  </p:cSld>
+  <p:clrMapOvr>
+    <a:masterClrMapping/>
+  </p:clrMapOvr>
+</p:sld>
+</file>
+
+<file path=ppt/slides/slide16.xml><?xml version="1.0" encoding="utf-8"?>
+<p:sld xmlns:a="http://schemas.openxmlformats.org/drawingml/2006/main" xmlns:r="http://schemas.openxmlformats.org/officeDocument/2006/relationships" xmlns:p="http://schemas.openxmlformats.org/presentationml/2006/main">
+  <p:cSld>
+    <p:spTree>
+      <p:nvGrpSpPr>
+        <p:cNvPr id="1" name=""/>
+        <p:cNvGrpSpPr/>
+        <p:nvPr/>
+      </p:nvGrpSpPr>
+      <p:grpSpPr>
+        <a:xfrm>
+          <a:off x="0" y="0"/>
+          <a:ext cx="0" cy="0"/>
+          <a:chOff x="0" y="0"/>
+          <a:chExt cx="0" cy="0"/>
+        </a:xfrm>
+      </p:grpSpPr>
+      <p:sp>
+        <p:nvSpPr>
+          <p:cNvPr id="2" name="Title 1"/>
+          <p:cNvSpPr>
+            <a:spLocks noGrp="1"/>
+          </p:cNvSpPr>
+          <p:nvPr>
+            <p:ph type="title"/>
+          </p:nvPr>
+        </p:nvSpPr>
+        <p:spPr>
+          <a:xfrm>
+            <a:off x="838200" y="365126"/>
+            <a:ext cx="10515600" cy="981894"/>
+          </a:xfrm>
+        </p:spPr>
+        <p:txBody>
+          <a:bodyPr>
+            <a:normAutofit/>
+          </a:bodyPr>
+          <a:lstStyle/>
+          <a:p>
+            <a:r>
+              <a:rPr lang="en-US" sz="4400" dirty="0"/>
+              <a:t>Principal Components Regression</a:t>
+            </a:r>
+            <a:endParaRPr lang="en-US" dirty="0"/>
+          </a:p>
+        </p:txBody>
+      </p:sp>
+      <p:sp>
+        <p:nvSpPr>
+          <p:cNvPr id="10" name="TextBox 9">
+            <a:extLst>
+              <a:ext uri="{FF2B5EF4-FFF2-40B4-BE49-F238E27FC236}">
+                <a16:creationId xmlns:a16="http://schemas.microsoft.com/office/drawing/2014/main" id="{C822184F-2691-1DFC-351B-C03A839CFDDB}"/>
+              </a:ext>
+            </a:extLst>
+          </p:cNvPr>
+          <p:cNvSpPr txBox="1"/>
+          <p:nvPr/>
+        </p:nvSpPr>
+        <p:spPr>
+          <a:xfrm>
+            <a:off x="838198" y="3252691"/>
+            <a:ext cx="10515599" cy="1384995"/>
+          </a:xfrm>
+          <a:prstGeom prst="rect">
+            <a:avLst/>
+          </a:prstGeom>
+          <a:noFill/>
+        </p:spPr>
+        <p:txBody>
+          <a:bodyPr wrap="square">
+            <a:spAutoFit/>
+          </a:bodyPr>
+          <a:lstStyle/>
+          <a:p>
+            <a:r>
+              <a:rPr lang="en-US" sz="2800" dirty="0"/>
+              <a:t>The first principal component is that (normalized) linear combination of the variables with the largest variance. </a:t>
+            </a:r>
+          </a:p>
+          <a:p>
+            <a:r>
+              <a:rPr lang="en-US" sz="2800" dirty="0"/>
+              <a:t>  </a:t>
+            </a:r>
+          </a:p>
+        </p:txBody>
+      </p:sp>
+      <p:sp>
+        <p:nvSpPr>
+          <p:cNvPr id="3" name="TextBox 2">
+            <a:extLst>
+              <a:ext uri="{FF2B5EF4-FFF2-40B4-BE49-F238E27FC236}">
+                <a16:creationId xmlns:a16="http://schemas.microsoft.com/office/drawing/2014/main" id="{F0C2AF92-4D7E-1C11-0B4D-76C3AF6CEF35}"/>
+              </a:ext>
+            </a:extLst>
+          </p:cNvPr>
+          <p:cNvSpPr txBox="1"/>
+          <p:nvPr/>
+        </p:nvSpPr>
+        <p:spPr>
+          <a:xfrm>
+            <a:off x="838200" y="4927837"/>
+            <a:ext cx="10515599" cy="954107"/>
+          </a:xfrm>
+          <a:prstGeom prst="rect">
+            <a:avLst/>
+          </a:prstGeom>
+          <a:noFill/>
+        </p:spPr>
+        <p:txBody>
+          <a:bodyPr wrap="square">
+            <a:spAutoFit/>
+          </a:bodyPr>
+          <a:lstStyle/>
+          <a:p>
+            <a:r>
+              <a:rPr lang="en-US" sz="2800" dirty="0"/>
+              <a:t>The second principal component has largest variance, subject to being uncorrelated with the first. </a:t>
+            </a:r>
+          </a:p>
+        </p:txBody>
+      </p:sp>
+      <p:sp>
+        <p:nvSpPr>
+          <p:cNvPr id="5" name="TextBox 4">
+            <a:extLst>
+              <a:ext uri="{FF2B5EF4-FFF2-40B4-BE49-F238E27FC236}">
+                <a16:creationId xmlns:a16="http://schemas.microsoft.com/office/drawing/2014/main" id="{C2836A95-5382-02D9-B93F-D3CE417A6187}"/>
+              </a:ext>
+            </a:extLst>
+          </p:cNvPr>
+          <p:cNvSpPr txBox="1"/>
+          <p:nvPr/>
+        </p:nvSpPr>
+        <p:spPr>
+          <a:xfrm>
+            <a:off x="838199" y="1720298"/>
+            <a:ext cx="10515599" cy="1384995"/>
+          </a:xfrm>
+          <a:prstGeom prst="rect">
+            <a:avLst/>
+          </a:prstGeom>
+          <a:noFill/>
+        </p:spPr>
+        <p:txBody>
+          <a:bodyPr wrap="square">
+            <a:spAutoFit/>
+          </a:bodyPr>
+          <a:lstStyle/>
+          <a:p>
+            <a:r>
+              <a:rPr lang="en-US" sz="2800" dirty="0"/>
+              <a:t>Dimension reduction by Principal Components Analysis (PCA), and conduct linear regression on new predictors</a:t>
+            </a:r>
+          </a:p>
+          <a:p>
+            <a:r>
+              <a:rPr lang="en-US" sz="2800" dirty="0"/>
+              <a:t>  </a:t>
+            </a:r>
+          </a:p>
+        </p:txBody>
+      </p:sp>
+    </p:spTree>
+    <p:extLst>
+      <p:ext uri="{BB962C8B-B14F-4D97-AF65-F5344CB8AC3E}">
+        <p14:creationId xmlns:p14="http://schemas.microsoft.com/office/powerpoint/2010/main" val="4161387621"/>
+      </p:ext>
+    </p:extLst>
+  </p:cSld>
+  <p:clrMapOvr>
+    <a:masterClrMapping/>
+  </p:clrMapOvr>
+</p:sld>
+</file>
+
+<file path=ppt/slides/slide17.xml><?xml version="1.0" encoding="utf-8"?>
+<p:sld xmlns:a="http://schemas.openxmlformats.org/drawingml/2006/main" xmlns:r="http://schemas.openxmlformats.org/officeDocument/2006/relationships" xmlns:p="http://schemas.openxmlformats.org/presentationml/2006/main">
+  <p:cSld>
+    <p:spTree>
+      <p:nvGrpSpPr>
+        <p:cNvPr id="1" name=""/>
+        <p:cNvGrpSpPr/>
+        <p:nvPr/>
+      </p:nvGrpSpPr>
+      <p:grpSpPr>
+        <a:xfrm>
+          <a:off x="0" y="0"/>
+          <a:ext cx="0" cy="0"/>
+          <a:chOff x="0" y="0"/>
+          <a:chExt cx="0" cy="0"/>
+        </a:xfrm>
+      </p:grpSpPr>
+      <p:sp>
+        <p:nvSpPr>
+          <p:cNvPr id="2" name="Title 1"/>
+          <p:cNvSpPr>
+            <a:spLocks noGrp="1"/>
+          </p:cNvSpPr>
+          <p:nvPr>
+            <p:ph type="title"/>
+          </p:nvPr>
+        </p:nvSpPr>
+        <p:spPr>
+          <a:xfrm>
+            <a:off x="838200" y="365126"/>
+            <a:ext cx="10515600" cy="981894"/>
+          </a:xfrm>
+        </p:spPr>
+        <p:txBody>
+          <a:bodyPr>
+            <a:normAutofit/>
+          </a:bodyPr>
+          <a:lstStyle/>
+          <a:p>
+            <a:r>
+              <a:rPr lang="en-US" sz="4400" dirty="0"/>
+              <a:t>Principal Components Analysis</a:t>
+            </a:r>
+            <a:endParaRPr lang="en-US" dirty="0"/>
+          </a:p>
+        </p:txBody>
+      </p:sp>
+      <p:pic>
+        <p:nvPicPr>
+          <p:cNvPr id="4" name="Picture 3">
+            <a:extLst>
+              <a:ext uri="{FF2B5EF4-FFF2-40B4-BE49-F238E27FC236}">
+                <a16:creationId xmlns:a16="http://schemas.microsoft.com/office/drawing/2014/main" id="{1756B9E6-9316-E786-44AC-E86A89D252CE}"/>
+              </a:ext>
+            </a:extLst>
+          </p:cNvPr>
+          <p:cNvPicPr>
+            <a:picLocks noChangeAspect="1"/>
+          </p:cNvPicPr>
+          <p:nvPr/>
+        </p:nvPicPr>
+        <p:blipFill>
+          <a:blip r:embed="rId3"/>
+          <a:stretch>
+            <a:fillRect/>
+          </a:stretch>
+        </p:blipFill>
+        <p:spPr>
+          <a:xfrm>
+            <a:off x="838200" y="1691940"/>
+            <a:ext cx="7701129" cy="981894"/>
+          </a:xfrm>
+          <a:prstGeom prst="rect">
+            <a:avLst/>
+          </a:prstGeom>
+        </p:spPr>
+      </p:pic>
+      <mc:AlternateContent xmlns:mc="http://schemas.openxmlformats.org/markup-compatibility/2006">
+        <mc:Choice xmlns:a14="http://schemas.microsoft.com/office/drawing/2010/main" Requires="a14">
+          <p:sp>
+            <p:nvSpPr>
+              <p:cNvPr id="5" name="TextBox 4">
+                <a:extLst>
+                  <a:ext uri="{FF2B5EF4-FFF2-40B4-BE49-F238E27FC236}">
+                    <a16:creationId xmlns:a16="http://schemas.microsoft.com/office/drawing/2014/main" id="{CD6F838A-C524-1AC8-78D4-800C358803F6}"/>
+                  </a:ext>
+                </a:extLst>
+              </p:cNvPr>
+              <p:cNvSpPr txBox="1"/>
+              <p:nvPr/>
+            </p:nvSpPr>
+            <p:spPr>
+              <a:xfrm>
+                <a:off x="976746" y="3086341"/>
+                <a:ext cx="10515599" cy="1857368"/>
+              </a:xfrm>
+              <a:prstGeom prst="rect">
+                <a:avLst/>
+              </a:prstGeom>
+              <a:noFill/>
+            </p:spPr>
+            <p:txBody>
+              <a:bodyPr wrap="square">
+                <a:spAutoFit/>
+              </a:bodyPr>
+              <a:lstStyle/>
+              <a:p>
+                <a14:m>
+                  <m:oMath xmlns:m="http://schemas.openxmlformats.org/officeDocument/2006/math">
+                    <m:sSub>
+                      <m:sSubPr>
+                        <m:ctrlPr>
+                          <a:rPr lang="en-US" sz="2800" b="0" i="1" smtClean="0">
+                            <a:latin typeface="Cambria Math" panose="02040503050406030204" pitchFamily="18" charset="0"/>
+                          </a:rPr>
+                        </m:ctrlPr>
+                      </m:sSubPr>
+                      <m:e>
+                        <m:r>
+                          <a:rPr lang="en-US" sz="2800" b="0" i="1" smtClean="0">
+                            <a:latin typeface="Cambria Math" panose="02040503050406030204" pitchFamily="18" charset="0"/>
+                          </a:rPr>
+                          <m:t>𝑤</m:t>
+                        </m:r>
+                      </m:e>
+                      <m:sub>
+                        <m:r>
+                          <a:rPr lang="en-US" sz="2800" b="0" i="1" smtClean="0">
+                            <a:latin typeface="Cambria Math" panose="02040503050406030204" pitchFamily="18" charset="0"/>
+                          </a:rPr>
+                          <m:t>(1)</m:t>
+                        </m:r>
+                      </m:sub>
+                    </m:sSub>
+                  </m:oMath>
+                </a14:m>
+                <a:r>
+                  <a:rPr lang="en-US" sz="2800" dirty="0"/>
+                  <a:t> is the eigenvector corresponding to the largest eigenvalue </a:t>
+                </a:r>
+              </a:p>
+              <a:p>
+                <a:endParaRPr lang="en-US" sz="2800" dirty="0"/>
+              </a:p>
+              <a:p>
+                <a:r>
+                  <a:rPr lang="en-US" sz="2800" dirty="0"/>
+                  <a:t>  </a:t>
+                </a:r>
+              </a:p>
+              <a:p>
+                <a:endParaRPr lang="en-US" sz="2800" dirty="0"/>
+              </a:p>
+            </p:txBody>
+          </p:sp>
+        </mc:Choice>
+        <mc:Fallback>
+          <p:sp>
+            <p:nvSpPr>
+              <p:cNvPr id="5" name="TextBox 4">
+                <a:extLst>
+                  <a:ext uri="{FF2B5EF4-FFF2-40B4-BE49-F238E27FC236}">
+                    <a16:creationId xmlns:a16="http://schemas.microsoft.com/office/drawing/2014/main" id="{CD6F838A-C524-1AC8-78D4-800C358803F6}"/>
+                  </a:ext>
+                </a:extLst>
+              </p:cNvPr>
+              <p:cNvSpPr txBox="1">
+                <a:spLocks noRot="1" noChangeAspect="1" noMove="1" noResize="1" noEditPoints="1" noAdjustHandles="1" noChangeArrowheads="1" noChangeShapeType="1" noTextEdit="1"/>
+              </p:cNvSpPr>
+              <p:nvPr/>
+            </p:nvSpPr>
+            <p:spPr>
+              <a:xfrm>
+                <a:off x="976746" y="3086341"/>
+                <a:ext cx="10515599" cy="1857368"/>
+              </a:xfrm>
+              <a:prstGeom prst="rect">
+                <a:avLst/>
+              </a:prstGeom>
+              <a:blipFill>
+                <a:blip r:embed="rId4"/>
+                <a:stretch>
+                  <a:fillRect t="-2027"/>
+                </a:stretch>
+              </a:blipFill>
+            </p:spPr>
+            <p:txBody>
+              <a:bodyPr/>
+              <a:lstStyle/>
+              <a:p>
+                <a:r>
+                  <a:rPr lang="en-US">
+                    <a:noFill/>
+                  </a:rPr>
+                  <a:t> </a:t>
+                </a:r>
+              </a:p>
+            </p:txBody>
+          </p:sp>
+        </mc:Fallback>
+      </mc:AlternateContent>
+      <p:pic>
+        <p:nvPicPr>
+          <p:cNvPr id="6" name="Picture 5">
+            <a:extLst>
+              <a:ext uri="{FF2B5EF4-FFF2-40B4-BE49-F238E27FC236}">
+                <a16:creationId xmlns:a16="http://schemas.microsoft.com/office/drawing/2014/main" id="{6D4D7FBA-8438-9584-15A7-6C2B750E5AA1}"/>
+              </a:ext>
+            </a:extLst>
+          </p:cNvPr>
+          <p:cNvPicPr>
+            <a:picLocks noChangeAspect="1"/>
+          </p:cNvPicPr>
+          <p:nvPr/>
+        </p:nvPicPr>
+        <p:blipFill>
+          <a:blip r:embed="rId5"/>
+          <a:stretch>
+            <a:fillRect/>
+          </a:stretch>
+        </p:blipFill>
+        <p:spPr>
+          <a:xfrm>
+            <a:off x="976746" y="4130909"/>
+            <a:ext cx="3551639" cy="1035151"/>
+          </a:xfrm>
+          <a:prstGeom prst="rect">
+            <a:avLst/>
+          </a:prstGeom>
+        </p:spPr>
+      </p:pic>
+      <p:pic>
+        <p:nvPicPr>
+          <p:cNvPr id="7" name="Picture 6">
+            <a:extLst>
+              <a:ext uri="{FF2B5EF4-FFF2-40B4-BE49-F238E27FC236}">
+                <a16:creationId xmlns:a16="http://schemas.microsoft.com/office/drawing/2014/main" id="{E9F21E7A-A171-F9F6-B9DB-42C0F956AFCD}"/>
+              </a:ext>
+            </a:extLst>
+          </p:cNvPr>
+          <p:cNvPicPr>
+            <a:picLocks noChangeAspect="1"/>
+          </p:cNvPicPr>
+          <p:nvPr/>
+        </p:nvPicPr>
+        <p:blipFill>
+          <a:blip r:embed="rId6"/>
+          <a:stretch>
+            <a:fillRect/>
+          </a:stretch>
+        </p:blipFill>
+        <p:spPr>
+          <a:xfrm>
+            <a:off x="976746" y="5409965"/>
+            <a:ext cx="7056957" cy="1082909"/>
+          </a:xfrm>
+          <a:prstGeom prst="rect">
+            <a:avLst/>
+          </a:prstGeom>
+        </p:spPr>
+      </p:pic>
+      <mc:AlternateContent xmlns:mc="http://schemas.openxmlformats.org/markup-compatibility/2006">
+        <mc:Choice xmlns:a14="http://schemas.microsoft.com/office/drawing/2010/main" Requires="a14">
+          <p:sp>
+            <p:nvSpPr>
+              <p:cNvPr id="8" name="TextBox 7">
+                <a:extLst>
+                  <a:ext uri="{FF2B5EF4-FFF2-40B4-BE49-F238E27FC236}">
+                    <a16:creationId xmlns:a16="http://schemas.microsoft.com/office/drawing/2014/main" id="{CDC4008C-C62D-8AC0-37AF-B168B537D7E5}"/>
+                  </a:ext>
+                </a:extLst>
+              </p:cNvPr>
+              <p:cNvSpPr txBox="1"/>
+              <p:nvPr/>
+            </p:nvSpPr>
+            <p:spPr>
+              <a:xfrm>
+                <a:off x="8539329" y="1813947"/>
+                <a:ext cx="3652671" cy="523220"/>
+              </a:xfrm>
+              <a:prstGeom prst="rect">
+                <a:avLst/>
+              </a:prstGeom>
+              <a:noFill/>
+            </p:spPr>
+            <p:txBody>
+              <a:bodyPr wrap="square">
+                <a:spAutoFit/>
+              </a:bodyPr>
+              <a:lstStyle/>
+              <a:p>
+                <a14:m>
+                  <m:oMath xmlns:m="http://schemas.openxmlformats.org/officeDocument/2006/math">
+                    <m:r>
+                      <a:rPr lang="en-US" sz="2800" b="1" i="0" smtClean="0">
+                        <a:latin typeface="Cambria Math" panose="02040503050406030204" pitchFamily="18" charset="0"/>
+                      </a:rPr>
+                      <m:t>𝐗</m:t>
+                    </m:r>
+                    <m:r>
+                      <a:rPr lang="en-US" sz="2800" b="0" i="1" smtClean="0">
+                        <a:latin typeface="Cambria Math" panose="02040503050406030204" pitchFamily="18" charset="0"/>
+                      </a:rPr>
+                      <m:t>:</m:t>
+                    </m:r>
+                    <m:d>
+                      <m:dPr>
+                        <m:ctrlPr>
+                          <a:rPr lang="en-US" sz="2800" b="0" i="1" smtClean="0">
+                            <a:latin typeface="Cambria Math" panose="02040503050406030204" pitchFamily="18" charset="0"/>
+                          </a:rPr>
+                        </m:ctrlPr>
+                      </m:dPr>
+                      <m:e>
+                        <m:r>
+                          <a:rPr lang="en-US" sz="2800" b="0" i="1" smtClean="0">
+                            <a:latin typeface="Cambria Math" panose="02040503050406030204" pitchFamily="18" charset="0"/>
+                          </a:rPr>
+                          <m:t>𝑛</m:t>
+                        </m:r>
+                        <m:r>
+                          <a:rPr lang="en-US" sz="2800" b="0" i="1" smtClean="0">
+                            <a:latin typeface="Cambria Math" panose="02040503050406030204" pitchFamily="18" charset="0"/>
+                          </a:rPr>
+                          <m:t>,</m:t>
+                        </m:r>
+                        <m:r>
+                          <a:rPr lang="en-US" sz="2800" b="0" i="1" smtClean="0">
+                            <a:latin typeface="Cambria Math" panose="02040503050406030204" pitchFamily="18" charset="0"/>
+                          </a:rPr>
+                          <m:t>𝑝</m:t>
+                        </m:r>
+                      </m:e>
+                    </m:d>
+                  </m:oMath>
+                </a14:m>
+                <a:r>
+                  <a:rPr lang="en-US" sz="2800" dirty="0"/>
+                  <a:t> not </a:t>
+                </a:r>
+                <a14:m>
+                  <m:oMath xmlns:m="http://schemas.openxmlformats.org/officeDocument/2006/math">
+                    <m:d>
+                      <m:dPr>
+                        <m:ctrlPr>
+                          <a:rPr lang="en-US" sz="2800" i="1">
+                            <a:latin typeface="Cambria Math" panose="02040503050406030204" pitchFamily="18" charset="0"/>
+                          </a:rPr>
+                        </m:ctrlPr>
+                      </m:dPr>
+                      <m:e>
+                        <m:r>
+                          <a:rPr lang="en-US" sz="2800" i="1">
+                            <a:latin typeface="Cambria Math" panose="02040503050406030204" pitchFamily="18" charset="0"/>
+                          </a:rPr>
+                          <m:t>𝑛</m:t>
+                        </m:r>
+                        <m:r>
+                          <a:rPr lang="en-US" sz="2800" i="1">
+                            <a:latin typeface="Cambria Math" panose="02040503050406030204" pitchFamily="18" charset="0"/>
+                          </a:rPr>
+                          <m:t>,</m:t>
+                        </m:r>
+                        <m:r>
+                          <a:rPr lang="en-US" sz="2800" i="1">
+                            <a:latin typeface="Cambria Math" panose="02040503050406030204" pitchFamily="18" charset="0"/>
+                          </a:rPr>
+                          <m:t>𝑝</m:t>
+                        </m:r>
+                        <m:r>
+                          <a:rPr lang="en-US" sz="2800" b="0" i="1" smtClean="0">
+                            <a:latin typeface="Cambria Math" panose="02040503050406030204" pitchFamily="18" charset="0"/>
+                          </a:rPr>
+                          <m:t>+1</m:t>
+                        </m:r>
+                      </m:e>
+                    </m:d>
+                  </m:oMath>
+                </a14:m>
+                <a:r>
+                  <a:rPr lang="en-US" sz="2800" dirty="0"/>
+                  <a:t> </a:t>
+                </a:r>
+              </a:p>
+            </p:txBody>
+          </p:sp>
+        </mc:Choice>
+        <mc:Fallback>
+          <p:sp>
+            <p:nvSpPr>
+              <p:cNvPr id="8" name="TextBox 7">
+                <a:extLst>
+                  <a:ext uri="{FF2B5EF4-FFF2-40B4-BE49-F238E27FC236}">
+                    <a16:creationId xmlns:a16="http://schemas.microsoft.com/office/drawing/2014/main" id="{CDC4008C-C62D-8AC0-37AF-B168B537D7E5}"/>
+                  </a:ext>
+                </a:extLst>
+              </p:cNvPr>
+              <p:cNvSpPr txBox="1">
+                <a:spLocks noRot="1" noChangeAspect="1" noMove="1" noResize="1" noEditPoints="1" noAdjustHandles="1" noChangeArrowheads="1" noChangeShapeType="1" noTextEdit="1"/>
+              </p:cNvSpPr>
+              <p:nvPr/>
+            </p:nvSpPr>
+            <p:spPr>
+              <a:xfrm>
+                <a:off x="8539329" y="1813947"/>
+                <a:ext cx="3652671" cy="523220"/>
+              </a:xfrm>
+              <a:prstGeom prst="rect">
+                <a:avLst/>
+              </a:prstGeom>
+              <a:blipFill>
+                <a:blip r:embed="rId7"/>
+                <a:stretch>
+                  <a:fillRect l="-692" t="-14634" b="-31707"/>
+                </a:stretch>
+              </a:blipFill>
+            </p:spPr>
+            <p:txBody>
+              <a:bodyPr/>
+              <a:lstStyle/>
+              <a:p>
+                <a:r>
+                  <a:rPr lang="en-US">
+                    <a:noFill/>
+                  </a:rPr>
+                  <a:t> </a:t>
+                </a:r>
+              </a:p>
+            </p:txBody>
+          </p:sp>
+        </mc:Fallback>
+      </mc:AlternateContent>
+    </p:spTree>
+    <p:extLst>
+      <p:ext uri="{BB962C8B-B14F-4D97-AF65-F5344CB8AC3E}">
+        <p14:creationId xmlns:p14="http://schemas.microsoft.com/office/powerpoint/2010/main" val="3511780595"/>
+      </p:ext>
+    </p:extLst>
+  </p:cSld>
+  <p:clrMapOvr>
+    <a:masterClrMapping/>
+  </p:clrMapOvr>
+</p:sld>
+</file>
+
+<file path=ppt/slides/slide18.xml><?xml version="1.0" encoding="utf-8"?>
+<p:sld xmlns:a="http://schemas.openxmlformats.org/drawingml/2006/main" xmlns:r="http://schemas.openxmlformats.org/officeDocument/2006/relationships" xmlns:p="http://schemas.openxmlformats.org/presentationml/2006/main">
+  <p:cSld>
+    <p:spTree>
+      <p:nvGrpSpPr>
+        <p:cNvPr id="1" name=""/>
+        <p:cNvGrpSpPr/>
+        <p:nvPr/>
+      </p:nvGrpSpPr>
+      <p:grpSpPr>
+        <a:xfrm>
+          <a:off x="0" y="0"/>
+          <a:ext cx="0" cy="0"/>
+          <a:chOff x="0" y="0"/>
+          <a:chExt cx="0" cy="0"/>
+        </a:xfrm>
+      </p:grpSpPr>
+      <p:sp>
+        <p:nvSpPr>
+          <p:cNvPr id="2" name="Title 1"/>
+          <p:cNvSpPr>
+            <a:spLocks noGrp="1"/>
+          </p:cNvSpPr>
+          <p:nvPr>
+            <p:ph type="title"/>
+          </p:nvPr>
+        </p:nvSpPr>
+        <p:spPr>
+          <a:xfrm>
+            <a:off x="838200" y="365126"/>
+            <a:ext cx="10515600" cy="981894"/>
+          </a:xfrm>
+        </p:spPr>
+        <p:txBody>
+          <a:bodyPr>
+            <a:normAutofit/>
+          </a:bodyPr>
+          <a:lstStyle/>
+          <a:p>
+            <a:r>
+              <a:rPr lang="en-US" sz="4400" dirty="0"/>
+              <a:t>Principal Components Analysis</a:t>
+            </a:r>
+            <a:endParaRPr lang="en-US" dirty="0"/>
+          </a:p>
+        </p:txBody>
+      </p:sp>
+      <p:pic>
+        <p:nvPicPr>
+          <p:cNvPr id="3" name="Picture 2">
+            <a:extLst>
+              <a:ext uri="{FF2B5EF4-FFF2-40B4-BE49-F238E27FC236}">
+                <a16:creationId xmlns:a16="http://schemas.microsoft.com/office/drawing/2014/main" id="{B2B58B59-29B2-1B6E-AF2A-0BEB34E198BC}"/>
+              </a:ext>
+            </a:extLst>
+          </p:cNvPr>
+          <p:cNvPicPr>
+            <a:picLocks noChangeAspect="1"/>
+          </p:cNvPicPr>
+          <p:nvPr/>
+        </p:nvPicPr>
+        <p:blipFill>
+          <a:blip r:embed="rId3"/>
+          <a:stretch>
+            <a:fillRect/>
+          </a:stretch>
+        </p:blipFill>
+        <p:spPr>
+          <a:xfrm>
+            <a:off x="465489" y="1676400"/>
+            <a:ext cx="11261022" cy="4339109"/>
+          </a:xfrm>
+          <a:prstGeom prst="rect">
+            <a:avLst/>
+          </a:prstGeom>
+        </p:spPr>
+      </p:pic>
+    </p:spTree>
+    <p:extLst>
+      <p:ext uri="{BB962C8B-B14F-4D97-AF65-F5344CB8AC3E}">
+        <p14:creationId xmlns:p14="http://schemas.microsoft.com/office/powerpoint/2010/main" val="2071108407"/>
+      </p:ext>
+    </p:extLst>
+  </p:cSld>
+  <p:clrMapOvr>
+    <a:masterClrMapping/>
+  </p:clrMapOvr>
+</p:sld>
+</file>
+
+<file path=ppt/slides/slide19.xml><?xml version="1.0" encoding="utf-8"?>
+<p:sld xmlns:a="http://schemas.openxmlformats.org/drawingml/2006/main" xmlns:r="http://schemas.openxmlformats.org/officeDocument/2006/relationships" xmlns:p="http://schemas.openxmlformats.org/presentationml/2006/main">
+  <p:cSld>
+    <p:spTree>
+      <p:nvGrpSpPr>
+        <p:cNvPr id="1" name=""/>
+        <p:cNvGrpSpPr/>
+        <p:nvPr/>
+      </p:nvGrpSpPr>
+      <p:grpSpPr>
+        <a:xfrm>
+          <a:off x="0" y="0"/>
+          <a:ext cx="0" cy="0"/>
+          <a:chOff x="0" y="0"/>
+          <a:chExt cx="0" cy="0"/>
+        </a:xfrm>
+      </p:grpSpPr>
+      <p:sp>
+        <p:nvSpPr>
+          <p:cNvPr id="2" name="Title 1"/>
+          <p:cNvSpPr>
+            <a:spLocks noGrp="1"/>
+          </p:cNvSpPr>
+          <p:nvPr>
+            <p:ph type="title"/>
+          </p:nvPr>
+        </p:nvSpPr>
+        <p:spPr>
+          <a:xfrm>
+            <a:off x="838200" y="365126"/>
+            <a:ext cx="10515600" cy="981894"/>
+          </a:xfrm>
+        </p:spPr>
+        <p:txBody>
+          <a:bodyPr>
+            <a:normAutofit/>
+          </a:bodyPr>
+          <a:lstStyle/>
+          <a:p>
+            <a:r>
+              <a:rPr lang="en-US" sz="4400" dirty="0"/>
+              <a:t>Principal Components Regression</a:t>
+            </a:r>
+            <a:endParaRPr lang="en-US" dirty="0"/>
+          </a:p>
+        </p:txBody>
+      </p:sp>
+      <p:sp>
+        <p:nvSpPr>
+          <p:cNvPr id="4" name="TextBox 3">
+            <a:extLst>
+              <a:ext uri="{FF2B5EF4-FFF2-40B4-BE49-F238E27FC236}">
+                <a16:creationId xmlns:a16="http://schemas.microsoft.com/office/drawing/2014/main" id="{D1AD8BF8-DAA4-DCCA-15D2-CAD58A3D47B7}"/>
+              </a:ext>
+            </a:extLst>
+          </p:cNvPr>
+          <p:cNvSpPr txBox="1"/>
+          <p:nvPr/>
+        </p:nvSpPr>
+        <p:spPr>
+          <a:xfrm>
+            <a:off x="838201" y="1867236"/>
+            <a:ext cx="10515599" cy="1384995"/>
+          </a:xfrm>
+          <a:prstGeom prst="rect">
+            <a:avLst/>
+          </a:prstGeom>
+          <a:noFill/>
+        </p:spPr>
+        <p:txBody>
+          <a:bodyPr wrap="square">
+            <a:spAutoFit/>
+          </a:bodyPr>
+          <a:lstStyle/>
+          <a:p>
+            <a:r>
+              <a:rPr lang="en-US" sz="2800" dirty="0"/>
+              <a:t>PCR identifies linear combinations, or directions, that best represent the predictors </a:t>
+            </a:r>
+          </a:p>
+          <a:p>
+            <a:endParaRPr lang="en-US" sz="2800" dirty="0"/>
+          </a:p>
+        </p:txBody>
+      </p:sp>
+      <p:sp>
+        <p:nvSpPr>
+          <p:cNvPr id="6" name="TextBox 5">
+            <a:extLst>
+              <a:ext uri="{FF2B5EF4-FFF2-40B4-BE49-F238E27FC236}">
+                <a16:creationId xmlns:a16="http://schemas.microsoft.com/office/drawing/2014/main" id="{B224F40E-4B27-42A0-EB03-A06C0EF698F1}"/>
+              </a:ext>
+            </a:extLst>
+          </p:cNvPr>
+          <p:cNvSpPr txBox="1"/>
+          <p:nvPr/>
+        </p:nvSpPr>
+        <p:spPr>
+          <a:xfrm>
+            <a:off x="838201" y="3429000"/>
+            <a:ext cx="10515599" cy="954107"/>
+          </a:xfrm>
+          <a:prstGeom prst="rect">
+            <a:avLst/>
+          </a:prstGeom>
+          <a:noFill/>
+        </p:spPr>
+        <p:txBody>
+          <a:bodyPr wrap="square">
+            <a:spAutoFit/>
+          </a:bodyPr>
+          <a:lstStyle/>
+          <a:p>
+            <a:r>
+              <a:rPr lang="en-US" sz="2800" dirty="0"/>
+              <a:t>These directions are identified in an unsupervised way, since the response Y is not used to determine the principal component directions </a:t>
+            </a:r>
+          </a:p>
+        </p:txBody>
+      </p:sp>
+      <p:sp>
+        <p:nvSpPr>
+          <p:cNvPr id="7" name="TextBox 6">
+            <a:extLst>
+              <a:ext uri="{FF2B5EF4-FFF2-40B4-BE49-F238E27FC236}">
+                <a16:creationId xmlns:a16="http://schemas.microsoft.com/office/drawing/2014/main" id="{C2EAFBC6-F035-8AFC-B6D2-6812A9B9383F}"/>
+              </a:ext>
+            </a:extLst>
+          </p:cNvPr>
+          <p:cNvSpPr txBox="1"/>
+          <p:nvPr/>
+        </p:nvSpPr>
+        <p:spPr>
+          <a:xfrm>
+            <a:off x="838201" y="5077691"/>
+            <a:ext cx="10785763" cy="1384995"/>
+          </a:xfrm>
+          <a:prstGeom prst="rect">
+            <a:avLst/>
+          </a:prstGeom>
+          <a:noFill/>
+        </p:spPr>
+        <p:txBody>
+          <a:bodyPr wrap="square">
+            <a:spAutoFit/>
+          </a:bodyPr>
+          <a:lstStyle/>
+          <a:p>
+            <a:r>
+              <a:rPr lang="en-US" sz="2800" b="1" dirty="0"/>
+              <a:t>Drawback: </a:t>
+            </a:r>
+            <a:r>
+              <a:rPr lang="en-US" sz="2800" dirty="0"/>
+              <a:t>no guarantee that the directions that best explain the predictors will be the best directions to use for predicting the response. </a:t>
+            </a:r>
+          </a:p>
+          <a:p>
+            <a:endParaRPr lang="en-US" sz="2800" b="1" dirty="0"/>
+          </a:p>
+        </p:txBody>
+      </p:sp>
+    </p:spTree>
+    <p:extLst>
+      <p:ext uri="{BB962C8B-B14F-4D97-AF65-F5344CB8AC3E}">
+        <p14:creationId xmlns:p14="http://schemas.microsoft.com/office/powerpoint/2010/main" val="3064040712"/>
+      </p:ext>
+    </p:extLst>
+  </p:cSld>
+  <p:clrMapOvr>
+    <a:masterClrMapping/>
+  </p:clrMapOvr>
+</p:sld>
+</file>
+
 <file path=ppt/slides/slide2.xml><?xml version="1.0" encoding="utf-8"?>
 <p:sld xmlns:a="http://schemas.openxmlformats.org/drawingml/2006/main" xmlns:r="http://schemas.openxmlformats.org/officeDocument/2006/relationships" xmlns:p="http://schemas.openxmlformats.org/presentationml/2006/main">
   <p:cSld>
@@ -3780,7 +7366,7 @@
         </p:nvSpPr>
         <p:spPr>
           <a:xfrm>
-            <a:off x="838200" y="1671809"/>
+            <a:off x="838200" y="1671811"/>
             <a:ext cx="10073640" cy="954107"/>
           </a:xfrm>
           <a:prstGeom prst="rect">
@@ -3864,7 +7450,7 @@
         </p:nvSpPr>
         <p:spPr>
           <a:xfrm>
-            <a:off x="838200" y="5055089"/>
+            <a:off x="838200" y="5055091"/>
             <a:ext cx="10073640" cy="1384995"/>
           </a:xfrm>
           <a:prstGeom prst="rect">
@@ -3889,6 +7475,439 @@
     <p:extLst>
       <p:ext uri="{BB962C8B-B14F-4D97-AF65-F5344CB8AC3E}">
         <p14:creationId xmlns:p14="http://schemas.microsoft.com/office/powerpoint/2010/main" val="673514985"/>
+      </p:ext>
+    </p:extLst>
+  </p:cSld>
+  <p:clrMapOvr>
+    <a:masterClrMapping/>
+  </p:clrMapOvr>
+</p:sld>
+</file>
+
+<file path=ppt/slides/slide20.xml><?xml version="1.0" encoding="utf-8"?>
+<p:sld xmlns:a="http://schemas.openxmlformats.org/drawingml/2006/main" xmlns:r="http://schemas.openxmlformats.org/officeDocument/2006/relationships" xmlns:p="http://schemas.openxmlformats.org/presentationml/2006/main" show="0">
+  <p:cSld>
+    <p:spTree>
+      <p:nvGrpSpPr>
+        <p:cNvPr id="1" name=""/>
+        <p:cNvGrpSpPr/>
+        <p:nvPr/>
+      </p:nvGrpSpPr>
+      <p:grpSpPr>
+        <a:xfrm>
+          <a:off x="0" y="0"/>
+          <a:ext cx="0" cy="0"/>
+          <a:chOff x="0" y="0"/>
+          <a:chExt cx="0" cy="0"/>
+        </a:xfrm>
+      </p:grpSpPr>
+      <p:sp>
+        <p:nvSpPr>
+          <p:cNvPr id="2" name="Title 1"/>
+          <p:cNvSpPr>
+            <a:spLocks noGrp="1"/>
+          </p:cNvSpPr>
+          <p:nvPr>
+            <p:ph type="title"/>
+          </p:nvPr>
+        </p:nvSpPr>
+        <p:spPr>
+          <a:xfrm>
+            <a:off x="838200" y="365126"/>
+            <a:ext cx="10515600" cy="981894"/>
+          </a:xfrm>
+        </p:spPr>
+        <p:txBody>
+          <a:bodyPr>
+            <a:normAutofit/>
+          </a:bodyPr>
+          <a:lstStyle/>
+          <a:p>
+            <a:r>
+              <a:rPr lang="en-US" sz="4400" dirty="0"/>
+              <a:t>Partial Least Squares</a:t>
+            </a:r>
+            <a:endParaRPr lang="en-US" dirty="0"/>
+          </a:p>
+        </p:txBody>
+      </p:sp>
+      <mc:AlternateContent xmlns:mc="http://schemas.openxmlformats.org/markup-compatibility/2006">
+        <mc:Choice xmlns:a14="http://schemas.microsoft.com/office/drawing/2010/main" Requires="a14">
+          <p:sp>
+            <p:nvSpPr>
+              <p:cNvPr id="4" name="TextBox 3">
+                <a:extLst>
+                  <a:ext uri="{FF2B5EF4-FFF2-40B4-BE49-F238E27FC236}">
+                    <a16:creationId xmlns:a16="http://schemas.microsoft.com/office/drawing/2014/main" id="{85ABAB28-013A-9224-D5C8-1EF06234496B}"/>
+                  </a:ext>
+                </a:extLst>
+              </p:cNvPr>
+              <p:cNvSpPr txBox="1"/>
+              <p:nvPr/>
+            </p:nvSpPr>
+            <p:spPr>
+              <a:xfrm>
+                <a:off x="838201" y="1867236"/>
+                <a:ext cx="10515599" cy="1885260"/>
+              </a:xfrm>
+              <a:prstGeom prst="rect">
+                <a:avLst/>
+              </a:prstGeom>
+              <a:noFill/>
+            </p:spPr>
+            <p:txBody>
+              <a:bodyPr wrap="square">
+                <a:spAutoFit/>
+              </a:bodyPr>
+              <a:lstStyle/>
+              <a:p>
+                <a:r>
+                  <a:rPr lang="en-US" sz="2800" dirty="0"/>
+                  <a:t>PLS computes the first direction </a:t>
+                </a:r>
+                <a14:m>
+                  <m:oMath xmlns:m="http://schemas.openxmlformats.org/officeDocument/2006/math">
+                    <m:sSub>
+                      <m:sSubPr>
+                        <m:ctrlPr>
+                          <a:rPr lang="en-US" sz="2800" b="0" i="1" smtClean="0">
+                            <a:latin typeface="Cambria Math" panose="02040503050406030204" pitchFamily="18" charset="0"/>
+                          </a:rPr>
+                        </m:ctrlPr>
+                      </m:sSubPr>
+                      <m:e>
+                        <m:r>
+                          <a:rPr lang="en-US" sz="2800" b="0" i="1" smtClean="0">
+                            <a:latin typeface="Cambria Math" panose="02040503050406030204" pitchFamily="18" charset="0"/>
+                          </a:rPr>
+                          <m:t>𝑍</m:t>
+                        </m:r>
+                      </m:e>
+                      <m:sub>
+                        <m:r>
+                          <a:rPr lang="en-US" sz="2800" b="0" i="1" smtClean="0">
+                            <a:latin typeface="Cambria Math" panose="02040503050406030204" pitchFamily="18" charset="0"/>
+                          </a:rPr>
+                          <m:t>1</m:t>
+                        </m:r>
+                      </m:sub>
+                    </m:sSub>
+                  </m:oMath>
+                </a14:m>
+                <a:r>
+                  <a:rPr lang="en-US" sz="2800" dirty="0"/>
+                  <a:t> by setting each </a:t>
+                </a:r>
+                <a14:m>
+                  <m:oMath xmlns:m="http://schemas.openxmlformats.org/officeDocument/2006/math">
+                    <m:sSub>
+                      <m:sSubPr>
+                        <m:ctrlPr>
+                          <a:rPr lang="en-US" sz="2800" b="0" i="1" smtClean="0">
+                            <a:latin typeface="Cambria Math" panose="02040503050406030204" pitchFamily="18" charset="0"/>
+                          </a:rPr>
+                        </m:ctrlPr>
+                      </m:sSubPr>
+                      <m:e>
+                        <m:r>
+                          <a:rPr lang="en-US" sz="2800" b="0" i="1" smtClean="0">
+                            <a:latin typeface="Cambria Math" panose="02040503050406030204" pitchFamily="18" charset="0"/>
+                          </a:rPr>
+                          <m:t>𝜙</m:t>
+                        </m:r>
+                      </m:e>
+                      <m:sub>
+                        <m:r>
+                          <a:rPr lang="en-US" sz="2800" b="0" i="1" smtClean="0">
+                            <a:latin typeface="Cambria Math" panose="02040503050406030204" pitchFamily="18" charset="0"/>
+                          </a:rPr>
+                          <m:t>1</m:t>
+                        </m:r>
+                        <m:r>
+                          <a:rPr lang="en-US" sz="2800" b="0" i="1" smtClean="0">
+                            <a:latin typeface="Cambria Math" panose="02040503050406030204" pitchFamily="18" charset="0"/>
+                          </a:rPr>
+                          <m:t>𝑗</m:t>
+                        </m:r>
+                      </m:sub>
+                    </m:sSub>
+                  </m:oMath>
+                </a14:m>
+                <a:r>
+                  <a:rPr lang="en-US" sz="2800" dirty="0"/>
+                  <a:t> equal to the coefficient from the simple linear regression of </a:t>
+                </a:r>
+                <a14:m>
+                  <m:oMath xmlns:m="http://schemas.openxmlformats.org/officeDocument/2006/math">
+                    <m:r>
+                      <a:rPr lang="en-US" sz="2800" b="0" i="1" smtClean="0">
+                        <a:latin typeface="Cambria Math" panose="02040503050406030204" pitchFamily="18" charset="0"/>
+                      </a:rPr>
+                      <m:t>𝑌</m:t>
+                    </m:r>
+                  </m:oMath>
+                </a14:m>
+                <a:r>
+                  <a:rPr lang="en-US" sz="2800" dirty="0"/>
+                  <a:t> on </a:t>
+                </a:r>
+                <a14:m>
+                  <m:oMath xmlns:m="http://schemas.openxmlformats.org/officeDocument/2006/math">
+                    <m:sSub>
+                      <m:sSubPr>
+                        <m:ctrlPr>
+                          <a:rPr lang="en-US" sz="2800" b="0" i="1" smtClean="0">
+                            <a:latin typeface="Cambria Math" panose="02040503050406030204" pitchFamily="18" charset="0"/>
+                          </a:rPr>
+                        </m:ctrlPr>
+                      </m:sSubPr>
+                      <m:e>
+                        <m:r>
+                          <a:rPr lang="en-US" sz="2800" b="0" i="1" smtClean="0">
+                            <a:latin typeface="Cambria Math" panose="02040503050406030204" pitchFamily="18" charset="0"/>
+                          </a:rPr>
+                          <m:t>𝑋</m:t>
+                        </m:r>
+                      </m:e>
+                      <m:sub>
+                        <m:r>
+                          <a:rPr lang="en-US" sz="2800" b="0" i="1" smtClean="0">
+                            <a:latin typeface="Cambria Math" panose="02040503050406030204" pitchFamily="18" charset="0"/>
+                          </a:rPr>
+                          <m:t>𝑗</m:t>
+                        </m:r>
+                      </m:sub>
+                    </m:sSub>
+                  </m:oMath>
+                </a14:m>
+                <a:r>
+                  <a:rPr lang="en-US" sz="2800" dirty="0"/>
+                  <a:t> </a:t>
+                </a:r>
+              </a:p>
+              <a:p>
+                <a:endParaRPr lang="en-US" sz="2800" dirty="0"/>
+              </a:p>
+              <a:p>
+                <a:endParaRPr lang="en-US" sz="2800" dirty="0"/>
+              </a:p>
+            </p:txBody>
+          </p:sp>
+        </mc:Choice>
+        <mc:Fallback>
+          <p:sp>
+            <p:nvSpPr>
+              <p:cNvPr id="4" name="TextBox 3">
+                <a:extLst>
+                  <a:ext uri="{FF2B5EF4-FFF2-40B4-BE49-F238E27FC236}">
+                    <a16:creationId xmlns:a16="http://schemas.microsoft.com/office/drawing/2014/main" id="{85ABAB28-013A-9224-D5C8-1EF06234496B}"/>
+                  </a:ext>
+                </a:extLst>
+              </p:cNvPr>
+              <p:cNvSpPr txBox="1">
+                <a:spLocks noRot="1" noChangeAspect="1" noMove="1" noResize="1" noEditPoints="1" noAdjustHandles="1" noChangeArrowheads="1" noChangeShapeType="1" noTextEdit="1"/>
+              </p:cNvSpPr>
+              <p:nvPr/>
+            </p:nvSpPr>
+            <p:spPr>
+              <a:xfrm>
+                <a:off x="838201" y="1867236"/>
+                <a:ext cx="10515599" cy="1885260"/>
+              </a:xfrm>
+              <a:prstGeom prst="rect">
+                <a:avLst/>
+              </a:prstGeom>
+              <a:blipFill>
+                <a:blip r:embed="rId3"/>
+                <a:stretch>
+                  <a:fillRect l="-1206" t="-2000"/>
+                </a:stretch>
+              </a:blipFill>
+            </p:spPr>
+            <p:txBody>
+              <a:bodyPr/>
+              <a:lstStyle/>
+              <a:p>
+                <a:r>
+                  <a:rPr lang="en-US">
+                    <a:noFill/>
+                  </a:rPr>
+                  <a:t> </a:t>
+                </a:r>
+              </a:p>
+            </p:txBody>
+          </p:sp>
+        </mc:Fallback>
+      </mc:AlternateContent>
+      <mc:AlternateContent xmlns:mc="http://schemas.openxmlformats.org/markup-compatibility/2006">
+        <mc:Choice xmlns:a14="http://schemas.microsoft.com/office/drawing/2010/main" Requires="a14">
+          <p:sp>
+            <p:nvSpPr>
+              <p:cNvPr id="5" name="TextBox 4">
+                <a:extLst>
+                  <a:ext uri="{FF2B5EF4-FFF2-40B4-BE49-F238E27FC236}">
+                    <a16:creationId xmlns:a16="http://schemas.microsoft.com/office/drawing/2014/main" id="{E5D588EB-EDF2-6F13-56FA-2DBD3BDABED7}"/>
+                  </a:ext>
+                </a:extLst>
+              </p:cNvPr>
+              <p:cNvSpPr txBox="1"/>
+              <p:nvPr/>
+            </p:nvSpPr>
+            <p:spPr>
+              <a:xfrm>
+                <a:off x="838201" y="3959272"/>
+                <a:ext cx="10515599" cy="954107"/>
+              </a:xfrm>
+              <a:prstGeom prst="rect">
+                <a:avLst/>
+              </a:prstGeom>
+              <a:noFill/>
+            </p:spPr>
+            <p:txBody>
+              <a:bodyPr wrap="square">
+                <a:spAutoFit/>
+              </a:bodyPr>
+              <a:lstStyle/>
+              <a:p>
+                <a:r>
+                  <a:rPr lang="en-US" sz="2800" dirty="0"/>
+                  <a:t>Conduct linear regression and repeat the produce on the residual of </a:t>
+                </a:r>
+                <a14:m>
+                  <m:oMath xmlns:m="http://schemas.openxmlformats.org/officeDocument/2006/math">
+                    <m:r>
+                      <a:rPr lang="en-US" sz="2800" b="0" i="1" smtClean="0">
+                        <a:latin typeface="Cambria Math" panose="02040503050406030204" pitchFamily="18" charset="0"/>
+                      </a:rPr>
+                      <m:t>𝑌</m:t>
+                    </m:r>
+                  </m:oMath>
+                </a14:m>
+                <a:r>
+                  <a:rPr lang="en-US" sz="2800" dirty="0"/>
+                  <a:t> </a:t>
+                </a:r>
+              </a:p>
+              <a:p>
+                <a:endParaRPr lang="en-US" sz="2800" dirty="0"/>
+              </a:p>
+            </p:txBody>
+          </p:sp>
+        </mc:Choice>
+        <mc:Fallback>
+          <p:sp>
+            <p:nvSpPr>
+              <p:cNvPr id="5" name="TextBox 4">
+                <a:extLst>
+                  <a:ext uri="{FF2B5EF4-FFF2-40B4-BE49-F238E27FC236}">
+                    <a16:creationId xmlns:a16="http://schemas.microsoft.com/office/drawing/2014/main" id="{E5D588EB-EDF2-6F13-56FA-2DBD3BDABED7}"/>
+                  </a:ext>
+                </a:extLst>
+              </p:cNvPr>
+              <p:cNvSpPr txBox="1">
+                <a:spLocks noRot="1" noChangeAspect="1" noMove="1" noResize="1" noEditPoints="1" noAdjustHandles="1" noChangeArrowheads="1" noChangeShapeType="1" noTextEdit="1"/>
+              </p:cNvSpPr>
+              <p:nvPr/>
+            </p:nvSpPr>
+            <p:spPr>
+              <a:xfrm>
+                <a:off x="838201" y="3959272"/>
+                <a:ext cx="10515599" cy="954107"/>
+              </a:xfrm>
+              <a:prstGeom prst="rect">
+                <a:avLst/>
+              </a:prstGeom>
+              <a:blipFill>
+                <a:blip r:embed="rId4"/>
+                <a:stretch>
+                  <a:fillRect l="-1206" t="-6579"/>
+                </a:stretch>
+              </a:blipFill>
+            </p:spPr>
+            <p:txBody>
+              <a:bodyPr/>
+              <a:lstStyle/>
+              <a:p>
+                <a:r>
+                  <a:rPr lang="en-US">
+                    <a:noFill/>
+                  </a:rPr>
+                  <a:t> </a:t>
+                </a:r>
+              </a:p>
+            </p:txBody>
+          </p:sp>
+        </mc:Fallback>
+      </mc:AlternateContent>
+    </p:spTree>
+    <p:extLst>
+      <p:ext uri="{BB962C8B-B14F-4D97-AF65-F5344CB8AC3E}">
+        <p14:creationId xmlns:p14="http://schemas.microsoft.com/office/powerpoint/2010/main" val="745897473"/>
+      </p:ext>
+    </p:extLst>
+  </p:cSld>
+  <p:clrMapOvr>
+    <a:masterClrMapping/>
+  </p:clrMapOvr>
+</p:sld>
+</file>
+
+<file path=ppt/slides/slide21.xml><?xml version="1.0" encoding="utf-8"?>
+<p:sld xmlns:a="http://schemas.openxmlformats.org/drawingml/2006/main" xmlns:r="http://schemas.openxmlformats.org/officeDocument/2006/relationships" xmlns:p="http://schemas.openxmlformats.org/presentationml/2006/main">
+  <p:cSld>
+    <p:spTree>
+      <p:nvGrpSpPr>
+        <p:cNvPr id="1" name=""/>
+        <p:cNvGrpSpPr/>
+        <p:nvPr/>
+      </p:nvGrpSpPr>
+      <p:grpSpPr>
+        <a:xfrm>
+          <a:off x="0" y="0"/>
+          <a:ext cx="0" cy="0"/>
+          <a:chOff x="0" y="0"/>
+          <a:chExt cx="0" cy="0"/>
+        </a:xfrm>
+      </p:grpSpPr>
+      <p:sp>
+        <p:nvSpPr>
+          <p:cNvPr id="10" name="TextBox 9">
+            <a:extLst>
+              <a:ext uri="{FF2B5EF4-FFF2-40B4-BE49-F238E27FC236}">
+                <a16:creationId xmlns:a16="http://schemas.microsoft.com/office/drawing/2014/main" id="{514E73AD-7A38-9D42-8C4C-ADC0FDE0FBC3}"/>
+              </a:ext>
+            </a:extLst>
+          </p:cNvPr>
+          <p:cNvSpPr txBox="1"/>
+          <p:nvPr/>
+        </p:nvSpPr>
+        <p:spPr>
+          <a:xfrm>
+            <a:off x="4792980" y="2601575"/>
+            <a:ext cx="5951220" cy="1077218"/>
+          </a:xfrm>
+          <a:prstGeom prst="rect">
+            <a:avLst/>
+          </a:prstGeom>
+          <a:noFill/>
+        </p:spPr>
+        <p:txBody>
+          <a:bodyPr wrap="square">
+            <a:spAutoFit/>
+          </a:bodyPr>
+          <a:lstStyle/>
+          <a:p>
+            <a:r>
+              <a:rPr lang="en-US" sz="6400" dirty="0"/>
+              <a:t>Q &amp; A</a:t>
+            </a:r>
+          </a:p>
+        </p:txBody>
+      </p:sp>
+    </p:spTree>
+    <p:extLst>
+      <p:ext uri="{BB962C8B-B14F-4D97-AF65-F5344CB8AC3E}">
+        <p14:creationId xmlns:p14="http://schemas.microsoft.com/office/powerpoint/2010/main" val="1222215017"/>
       </p:ext>
     </p:extLst>
   </p:cSld>
@@ -3944,131 +7963,348 @@
           </a:p>
         </p:txBody>
       </p:sp>
-      <p:sp>
-        <p:nvSpPr>
-          <p:cNvPr id="4" name="TextBox 3">
-            <a:extLst>
-              <a:ext uri="{FF2B5EF4-FFF2-40B4-BE49-F238E27FC236}">
-                <a16:creationId xmlns:a16="http://schemas.microsoft.com/office/drawing/2014/main" id="{C1EE6756-1216-1CF9-50E7-5E02491B7B53}"/>
-              </a:ext>
-            </a:extLst>
-          </p:cNvPr>
-          <p:cNvSpPr txBox="1"/>
-          <p:nvPr/>
-        </p:nvSpPr>
-        <p:spPr>
-          <a:xfrm>
-            <a:off x="838200" y="1671809"/>
-            <a:ext cx="10073640" cy="954107"/>
-          </a:xfrm>
-          <a:prstGeom prst="rect">
-            <a:avLst/>
-          </a:prstGeom>
-          <a:noFill/>
-        </p:spPr>
-        <p:txBody>
-          <a:bodyPr wrap="square">
-            <a:spAutoFit/>
-          </a:bodyPr>
-          <a:lstStyle/>
-          <a:p>
-            <a:r>
-              <a:rPr lang="en-US" sz="2800" dirty="0"/>
-              <a:t>Let M0 denote the null model, which contains no predictors. </a:t>
-            </a:r>
-          </a:p>
-          <a:p>
-            <a:endParaRPr lang="en-US" sz="2800" dirty="0"/>
-          </a:p>
-        </p:txBody>
-      </p:sp>
-      <p:sp>
-        <p:nvSpPr>
-          <p:cNvPr id="3" name="TextBox 2">
-            <a:extLst>
-              <a:ext uri="{FF2B5EF4-FFF2-40B4-BE49-F238E27FC236}">
-                <a16:creationId xmlns:a16="http://schemas.microsoft.com/office/drawing/2014/main" id="{906D0B88-C0D1-1F23-83E9-F41A5A8CE093}"/>
-              </a:ext>
-            </a:extLst>
-          </p:cNvPr>
-          <p:cNvSpPr txBox="1"/>
-          <p:nvPr/>
-        </p:nvSpPr>
-        <p:spPr>
-          <a:xfrm>
-            <a:off x="838200" y="2508557"/>
-            <a:ext cx="10073640" cy="1384995"/>
-          </a:xfrm>
-          <a:prstGeom prst="rect">
-            <a:avLst/>
-          </a:prstGeom>
-          <a:noFill/>
-        </p:spPr>
-        <p:txBody>
-          <a:bodyPr wrap="square">
-            <a:spAutoFit/>
-          </a:bodyPr>
-          <a:lstStyle/>
-          <a:p>
-            <a:r>
-              <a:rPr lang="en-US" sz="2800" dirty="0"/>
-              <a:t>For k = 1,2,...p:</a:t>
-            </a:r>
-            <a:br>
-              <a:rPr lang="en-US" sz="2800"/>
-            </a:br>
-            <a:r>
-              <a:rPr lang="en-US" sz="2800"/>
-              <a:t>	(</a:t>
-            </a:r>
-            <a:r>
-              <a:rPr lang="en-US" sz="2800" dirty="0"/>
-              <a:t>a) Fit all models that contain exactly k predictors </a:t>
-            </a:r>
-          </a:p>
-          <a:p>
-            <a:r>
-              <a:rPr lang="en-US" sz="2800" dirty="0"/>
-              <a:t> </a:t>
-            </a:r>
-          </a:p>
-        </p:txBody>
-      </p:sp>
-      <p:sp>
-        <p:nvSpPr>
-          <p:cNvPr id="5" name="TextBox 4">
-            <a:extLst>
-              <a:ext uri="{FF2B5EF4-FFF2-40B4-BE49-F238E27FC236}">
-                <a16:creationId xmlns:a16="http://schemas.microsoft.com/office/drawing/2014/main" id="{7A613A49-D3BC-0DB7-E569-9F1CE02FD475}"/>
-              </a:ext>
-            </a:extLst>
-          </p:cNvPr>
-          <p:cNvSpPr txBox="1"/>
-          <p:nvPr/>
-        </p:nvSpPr>
-        <p:spPr>
-          <a:xfrm>
-            <a:off x="838200" y="5055089"/>
-            <a:ext cx="10073640" cy="1384995"/>
-          </a:xfrm>
-          <a:prstGeom prst="rect">
-            <a:avLst/>
-          </a:prstGeom>
-          <a:noFill/>
-        </p:spPr>
-        <p:txBody>
-          <a:bodyPr wrap="square">
-            <a:spAutoFit/>
-          </a:bodyPr>
-          <a:lstStyle/>
-          <a:p>
-            <a:r>
-              <a:rPr lang="en-US" sz="2800" dirty="0"/>
-              <a:t>Dimension Reduction. We project the p predictors into a M-dimensional subspace, where M &lt; p. This is achieved by computing M different linear combinations, or projections.</a:t>
-            </a:r>
-          </a:p>
-        </p:txBody>
-      </p:sp>
+      <mc:AlternateContent xmlns:mc="http://schemas.openxmlformats.org/markup-compatibility/2006">
+        <mc:Choice xmlns:a14="http://schemas.microsoft.com/office/drawing/2010/main" Requires="a14">
+          <p:sp>
+            <p:nvSpPr>
+              <p:cNvPr id="4" name="TextBox 3">
+                <a:extLst>
+                  <a:ext uri="{FF2B5EF4-FFF2-40B4-BE49-F238E27FC236}">
+                    <a16:creationId xmlns:a16="http://schemas.microsoft.com/office/drawing/2014/main" id="{C1EE6756-1216-1CF9-50E7-5E02491B7B53}"/>
+                  </a:ext>
+                </a:extLst>
+              </p:cNvPr>
+              <p:cNvSpPr txBox="1"/>
+              <p:nvPr/>
+            </p:nvSpPr>
+            <p:spPr>
+              <a:xfrm>
+                <a:off x="838200" y="1671811"/>
+                <a:ext cx="10073640" cy="954107"/>
+              </a:xfrm>
+              <a:prstGeom prst="rect">
+                <a:avLst/>
+              </a:prstGeom>
+              <a:noFill/>
+            </p:spPr>
+            <p:txBody>
+              <a:bodyPr wrap="square">
+                <a:spAutoFit/>
+              </a:bodyPr>
+              <a:lstStyle/>
+              <a:p>
+                <a:r>
+                  <a:rPr lang="en-US" sz="2800" dirty="0"/>
+                  <a:t>Let </a:t>
+                </a:r>
+                <a14:m>
+                  <m:oMath xmlns:m="http://schemas.openxmlformats.org/officeDocument/2006/math">
+                    <m:sSub>
+                      <m:sSubPr>
+                        <m:ctrlPr>
+                          <a:rPr lang="en-US" altLang="zh-CN" sz="2800" b="0" i="1" smtClean="0">
+                            <a:latin typeface="Cambria Math" panose="02040503050406030204" pitchFamily="18" charset="0"/>
+                          </a:rPr>
+                        </m:ctrlPr>
+                      </m:sSubPr>
+                      <m:e>
+                        <m:r>
+                          <a:rPr lang="en-US" altLang="zh-CN" sz="2800" b="0" i="1" smtClean="0">
+                            <a:latin typeface="Cambria Math" panose="02040503050406030204" pitchFamily="18" charset="0"/>
+                          </a:rPr>
+                          <m:t>𝑀</m:t>
+                        </m:r>
+                      </m:e>
+                      <m:sub>
+                        <m:r>
+                          <a:rPr lang="en-US" altLang="zh-CN" sz="2800" b="0" i="1" smtClean="0">
+                            <a:latin typeface="Cambria Math" panose="02040503050406030204" pitchFamily="18" charset="0"/>
+                          </a:rPr>
+                          <m:t>0</m:t>
+                        </m:r>
+                      </m:sub>
+                    </m:sSub>
+                  </m:oMath>
+                </a14:m>
+                <a:r>
+                  <a:rPr lang="en-US" sz="2800" dirty="0"/>
+                  <a:t> denote the null model, which contains no predictors. </a:t>
+                </a:r>
+              </a:p>
+              <a:p>
+                <a:endParaRPr lang="en-US" sz="2800" dirty="0"/>
+              </a:p>
+            </p:txBody>
+          </p:sp>
+        </mc:Choice>
+        <mc:Fallback>
+          <p:sp>
+            <p:nvSpPr>
+              <p:cNvPr id="4" name="TextBox 3">
+                <a:extLst>
+                  <a:ext uri="{FF2B5EF4-FFF2-40B4-BE49-F238E27FC236}">
+                    <a16:creationId xmlns:a16="http://schemas.microsoft.com/office/drawing/2014/main" id="{C1EE6756-1216-1CF9-50E7-5E02491B7B53}"/>
+                  </a:ext>
+                </a:extLst>
+              </p:cNvPr>
+              <p:cNvSpPr txBox="1">
+                <a:spLocks noRot="1" noChangeAspect="1" noMove="1" noResize="1" noEditPoints="1" noAdjustHandles="1" noChangeArrowheads="1" noChangeShapeType="1" noTextEdit="1"/>
+              </p:cNvSpPr>
+              <p:nvPr/>
+            </p:nvSpPr>
+            <p:spPr>
+              <a:xfrm>
+                <a:off x="838200" y="1671811"/>
+                <a:ext cx="10073640" cy="954107"/>
+              </a:xfrm>
+              <a:prstGeom prst="rect">
+                <a:avLst/>
+              </a:prstGeom>
+              <a:blipFill>
+                <a:blip r:embed="rId3"/>
+                <a:stretch>
+                  <a:fillRect l="-1259" t="-6579"/>
+                </a:stretch>
+              </a:blipFill>
+            </p:spPr>
+            <p:txBody>
+              <a:bodyPr/>
+              <a:lstStyle/>
+              <a:p>
+                <a:r>
+                  <a:rPr lang="en-US">
+                    <a:noFill/>
+                  </a:rPr>
+                  <a:t> </a:t>
+                </a:r>
+              </a:p>
+            </p:txBody>
+          </p:sp>
+        </mc:Fallback>
+      </mc:AlternateContent>
+      <mc:AlternateContent xmlns:mc="http://schemas.openxmlformats.org/markup-compatibility/2006">
+        <mc:Choice xmlns:a14="http://schemas.microsoft.com/office/drawing/2010/main" Requires="a14">
+          <p:sp>
+            <p:nvSpPr>
+              <p:cNvPr id="3" name="TextBox 2">
+                <a:extLst>
+                  <a:ext uri="{FF2B5EF4-FFF2-40B4-BE49-F238E27FC236}">
+                    <a16:creationId xmlns:a16="http://schemas.microsoft.com/office/drawing/2014/main" id="{906D0B88-C0D1-1F23-83E9-F41A5A8CE093}"/>
+                  </a:ext>
+                </a:extLst>
+              </p:cNvPr>
+              <p:cNvSpPr txBox="1"/>
+              <p:nvPr/>
+            </p:nvSpPr>
+            <p:spPr>
+              <a:xfrm>
+                <a:off x="838200" y="2508559"/>
+                <a:ext cx="10073640" cy="3108543"/>
+              </a:xfrm>
+              <a:prstGeom prst="rect">
+                <a:avLst/>
+              </a:prstGeom>
+              <a:noFill/>
+            </p:spPr>
+            <p:txBody>
+              <a:bodyPr wrap="square">
+                <a:spAutoFit/>
+              </a:bodyPr>
+              <a:lstStyle/>
+              <a:p>
+                <a:r>
+                  <a:rPr lang="en-US" sz="2800" dirty="0"/>
+                  <a:t>For k = 1,2,...p:</a:t>
+                </a:r>
+                <a:br>
+                  <a:rPr lang="en-US" sz="2800" dirty="0"/>
+                </a:br>
+                <a:r>
+                  <a:rPr lang="en-US" sz="2800" dirty="0"/>
+                  <a:t>	(a) Fit </a:t>
+                </a:r>
+                <a:r>
+                  <a:rPr lang="en-US" sz="2800" b="1" dirty="0"/>
+                  <a:t>all</a:t>
+                </a:r>
+                <a:r>
+                  <a:rPr lang="en-US" sz="2800" dirty="0"/>
+                  <a:t> models that contain exactly k predictors</a:t>
+                </a:r>
+                <a:r>
+                  <a:rPr lang="zh-CN" altLang="en-US" sz="2800" dirty="0"/>
+                  <a:t> </a:t>
+                </a:r>
+                <a:endParaRPr lang="en-US" altLang="zh-CN" sz="2800" dirty="0"/>
+              </a:p>
+              <a:p>
+                <a:r>
+                  <a:rPr lang="en-US" altLang="zh-CN" sz="2800" dirty="0"/>
+                  <a:t>      (b) Pick the best among these models and call it </a:t>
+                </a:r>
+                <a14:m>
+                  <m:oMath xmlns:m="http://schemas.openxmlformats.org/officeDocument/2006/math">
+                    <m:sSub>
+                      <m:sSubPr>
+                        <m:ctrlPr>
+                          <a:rPr lang="en-US" altLang="zh-CN" sz="2800" b="0" i="1" smtClean="0">
+                            <a:latin typeface="Cambria Math" panose="02040503050406030204" pitchFamily="18" charset="0"/>
+                          </a:rPr>
+                        </m:ctrlPr>
+                      </m:sSubPr>
+                      <m:e>
+                        <m:r>
+                          <a:rPr lang="en-US" altLang="zh-CN" sz="2800" b="0" i="1" smtClean="0">
+                            <a:latin typeface="Cambria Math" panose="02040503050406030204" pitchFamily="18" charset="0"/>
+                          </a:rPr>
+                          <m:t>𝑀</m:t>
+                        </m:r>
+                      </m:e>
+                      <m:sub>
+                        <m:r>
+                          <a:rPr lang="en-US" altLang="zh-CN" sz="2800" b="0" i="1" smtClean="0">
+                            <a:latin typeface="Cambria Math" panose="02040503050406030204" pitchFamily="18" charset="0"/>
+                          </a:rPr>
+                          <m:t>𝑘</m:t>
+                        </m:r>
+                      </m:sub>
+                    </m:sSub>
+                  </m:oMath>
+                </a14:m>
+                <a:r>
+                  <a:rPr lang="en-US" altLang="zh-CN" sz="2800" dirty="0"/>
+                  <a:t>. Here the</a:t>
+                </a:r>
+              </a:p>
+              <a:p>
+                <a:r>
+                  <a:rPr lang="en-US" altLang="zh-CN" sz="2800" dirty="0"/>
+                  <a:t>        best is defined as having the smallest RSS.</a:t>
+                </a:r>
+              </a:p>
+              <a:p>
+                <a:endParaRPr lang="en-US" altLang="zh-CN" sz="2800" dirty="0"/>
+              </a:p>
+              <a:p>
+                <a:r>
+                  <a:rPr lang="en-US" altLang="zh-CN" sz="2800" dirty="0"/>
+                  <a:t>Select a single best model from among </a:t>
+                </a:r>
+                <a14:m>
+                  <m:oMath xmlns:m="http://schemas.openxmlformats.org/officeDocument/2006/math">
+                    <m:sSub>
+                      <m:sSubPr>
+                        <m:ctrlPr>
+                          <a:rPr lang="en-US" altLang="zh-CN" sz="2800" b="0" i="1" smtClean="0">
+                            <a:latin typeface="Cambria Math" panose="02040503050406030204" pitchFamily="18" charset="0"/>
+                          </a:rPr>
+                        </m:ctrlPr>
+                      </m:sSubPr>
+                      <m:e>
+                        <m:r>
+                          <a:rPr lang="en-US" altLang="zh-CN" sz="2800" b="0" i="1" smtClean="0">
+                            <a:latin typeface="Cambria Math" panose="02040503050406030204" pitchFamily="18" charset="0"/>
+                          </a:rPr>
+                          <m:t>𝑀</m:t>
+                        </m:r>
+                      </m:e>
+                      <m:sub>
+                        <m:r>
+                          <a:rPr lang="en-US" altLang="zh-CN" sz="2800" b="0" i="1" smtClean="0">
+                            <a:latin typeface="Cambria Math" panose="02040503050406030204" pitchFamily="18" charset="0"/>
+                          </a:rPr>
+                          <m:t>0</m:t>
+                        </m:r>
+                      </m:sub>
+                    </m:sSub>
+                  </m:oMath>
+                </a14:m>
+                <a:r>
+                  <a:rPr lang="en-US" altLang="zh-CN" sz="2800" dirty="0"/>
+                  <a:t>, . . . , </a:t>
+                </a:r>
+                <a14:m>
+                  <m:oMath xmlns:m="http://schemas.openxmlformats.org/officeDocument/2006/math">
+                    <m:sSub>
+                      <m:sSubPr>
+                        <m:ctrlPr>
+                          <a:rPr lang="en-US" altLang="zh-CN" sz="2800" i="1">
+                            <a:latin typeface="Cambria Math" panose="02040503050406030204" pitchFamily="18" charset="0"/>
+                          </a:rPr>
+                        </m:ctrlPr>
+                      </m:sSubPr>
+                      <m:e>
+                        <m:r>
+                          <a:rPr lang="en-US" altLang="zh-CN" sz="2800" i="1">
+                            <a:latin typeface="Cambria Math" panose="02040503050406030204" pitchFamily="18" charset="0"/>
+                          </a:rPr>
+                          <m:t>𝑀</m:t>
+                        </m:r>
+                      </m:e>
+                      <m:sub>
+                        <m:r>
+                          <a:rPr lang="en-US" altLang="zh-CN" sz="2800" i="1">
+                            <a:latin typeface="Cambria Math" panose="02040503050406030204" pitchFamily="18" charset="0"/>
+                          </a:rPr>
+                          <m:t>𝑘</m:t>
+                        </m:r>
+                      </m:sub>
+                    </m:sSub>
+                  </m:oMath>
+                </a14:m>
+                <a:r>
+                  <a:rPr lang="en-US" altLang="zh-CN" sz="2800" dirty="0"/>
+                  <a:t> using cross-validated prediction error or adjusted R2</a:t>
+                </a:r>
+              </a:p>
+            </p:txBody>
+          </p:sp>
+        </mc:Choice>
+        <mc:Fallback>
+          <p:sp>
+            <p:nvSpPr>
+              <p:cNvPr id="3" name="TextBox 2">
+                <a:extLst>
+                  <a:ext uri="{FF2B5EF4-FFF2-40B4-BE49-F238E27FC236}">
+                    <a16:creationId xmlns:a16="http://schemas.microsoft.com/office/drawing/2014/main" id="{906D0B88-C0D1-1F23-83E9-F41A5A8CE093}"/>
+                  </a:ext>
+                </a:extLst>
+              </p:cNvPr>
+              <p:cNvSpPr txBox="1">
+                <a:spLocks noRot="1" noChangeAspect="1" noMove="1" noResize="1" noEditPoints="1" noAdjustHandles="1" noChangeArrowheads="1" noChangeShapeType="1" noTextEdit="1"/>
+              </p:cNvSpPr>
+              <p:nvPr/>
+            </p:nvSpPr>
+            <p:spPr>
+              <a:xfrm>
+                <a:off x="838200" y="2508559"/>
+                <a:ext cx="10073640" cy="3108543"/>
+              </a:xfrm>
+              <a:prstGeom prst="rect">
+                <a:avLst/>
+              </a:prstGeom>
+              <a:blipFill>
+                <a:blip r:embed="rId4"/>
+                <a:stretch>
+                  <a:fillRect l="-1259" t="-2033" b="-4472"/>
+                </a:stretch>
+              </a:blipFill>
+            </p:spPr>
+            <p:txBody>
+              <a:bodyPr/>
+              <a:lstStyle/>
+              <a:p>
+                <a:r>
+                  <a:rPr lang="en-US">
+                    <a:noFill/>
+                  </a:rPr>
+                  <a:t> </a:t>
+                </a:r>
+              </a:p>
+            </p:txBody>
+          </p:sp>
+        </mc:Fallback>
+      </mc:AlternateContent>
     </p:spTree>
     <p:extLst>
       <p:ext uri="{BB962C8B-B14F-4D97-AF65-F5344CB8AC3E}">
@@ -4101,10 +8337,1099 @@
       </p:grpSpPr>
       <p:sp>
         <p:nvSpPr>
-          <p:cNvPr id="10" name="TextBox 9">
+          <p:cNvPr id="2" name="Title 1"/>
+          <p:cNvSpPr>
+            <a:spLocks noGrp="1"/>
+          </p:cNvSpPr>
+          <p:nvPr>
+            <p:ph type="title"/>
+          </p:nvPr>
+        </p:nvSpPr>
+        <p:spPr>
+          <a:xfrm>
+            <a:off x="838200" y="365126"/>
+            <a:ext cx="10515600" cy="981894"/>
+          </a:xfrm>
+        </p:spPr>
+        <p:txBody>
+          <a:bodyPr>
+            <a:normAutofit/>
+          </a:bodyPr>
+          <a:lstStyle/>
+          <a:p>
+            <a:r>
+              <a:rPr lang="en-US" altLang="zh-CN" dirty="0"/>
+              <a:t>Forward Stepwise Selection </a:t>
+            </a:r>
+            <a:endParaRPr lang="en-US" dirty="0"/>
+          </a:p>
+        </p:txBody>
+      </p:sp>
+      <mc:AlternateContent xmlns:mc="http://schemas.openxmlformats.org/markup-compatibility/2006">
+        <mc:Choice xmlns:a14="http://schemas.microsoft.com/office/drawing/2010/main" Requires="a14">
+          <p:sp>
+            <p:nvSpPr>
+              <p:cNvPr id="4" name="TextBox 3">
+                <a:extLst>
+                  <a:ext uri="{FF2B5EF4-FFF2-40B4-BE49-F238E27FC236}">
+                    <a16:creationId xmlns:a16="http://schemas.microsoft.com/office/drawing/2014/main" id="{C1EE6756-1216-1CF9-50E7-5E02491B7B53}"/>
+                  </a:ext>
+                </a:extLst>
+              </p:cNvPr>
+              <p:cNvSpPr txBox="1"/>
+              <p:nvPr/>
+            </p:nvSpPr>
+            <p:spPr>
+              <a:xfrm>
+                <a:off x="838200" y="1671811"/>
+                <a:ext cx="10073640" cy="954107"/>
+              </a:xfrm>
+              <a:prstGeom prst="rect">
+                <a:avLst/>
+              </a:prstGeom>
+              <a:noFill/>
+            </p:spPr>
+            <p:txBody>
+              <a:bodyPr wrap="square">
+                <a:spAutoFit/>
+              </a:bodyPr>
+              <a:lstStyle/>
+              <a:p>
+                <a:r>
+                  <a:rPr lang="en-US" sz="2800" dirty="0"/>
+                  <a:t>Let </a:t>
+                </a:r>
+                <a14:m>
+                  <m:oMath xmlns:m="http://schemas.openxmlformats.org/officeDocument/2006/math">
+                    <m:sSub>
+                      <m:sSubPr>
+                        <m:ctrlPr>
+                          <a:rPr lang="en-US" altLang="zh-CN" sz="2800" b="0" i="1" smtClean="0">
+                            <a:latin typeface="Cambria Math" panose="02040503050406030204" pitchFamily="18" charset="0"/>
+                          </a:rPr>
+                        </m:ctrlPr>
+                      </m:sSubPr>
+                      <m:e>
+                        <m:r>
+                          <a:rPr lang="en-US" altLang="zh-CN" sz="2800" b="0" i="1" smtClean="0">
+                            <a:latin typeface="Cambria Math" panose="02040503050406030204" pitchFamily="18" charset="0"/>
+                          </a:rPr>
+                          <m:t>𝑀</m:t>
+                        </m:r>
+                      </m:e>
+                      <m:sub>
+                        <m:r>
+                          <a:rPr lang="en-US" altLang="zh-CN" sz="2800" b="0" i="1" smtClean="0">
+                            <a:latin typeface="Cambria Math" panose="02040503050406030204" pitchFamily="18" charset="0"/>
+                          </a:rPr>
+                          <m:t>0</m:t>
+                        </m:r>
+                      </m:sub>
+                    </m:sSub>
+                  </m:oMath>
+                </a14:m>
+                <a:r>
+                  <a:rPr lang="en-US" sz="2800" dirty="0"/>
+                  <a:t> denote the null model, which contains no predictors. </a:t>
+                </a:r>
+              </a:p>
+              <a:p>
+                <a:endParaRPr lang="en-US" sz="2800" dirty="0"/>
+              </a:p>
+            </p:txBody>
+          </p:sp>
+        </mc:Choice>
+        <mc:Fallback>
+          <p:sp>
+            <p:nvSpPr>
+              <p:cNvPr id="4" name="TextBox 3">
+                <a:extLst>
+                  <a:ext uri="{FF2B5EF4-FFF2-40B4-BE49-F238E27FC236}">
+                    <a16:creationId xmlns:a16="http://schemas.microsoft.com/office/drawing/2014/main" id="{C1EE6756-1216-1CF9-50E7-5E02491B7B53}"/>
+                  </a:ext>
+                </a:extLst>
+              </p:cNvPr>
+              <p:cNvSpPr txBox="1">
+                <a:spLocks noRot="1" noChangeAspect="1" noMove="1" noResize="1" noEditPoints="1" noAdjustHandles="1" noChangeArrowheads="1" noChangeShapeType="1" noTextEdit="1"/>
+              </p:cNvSpPr>
+              <p:nvPr/>
+            </p:nvSpPr>
+            <p:spPr>
+              <a:xfrm>
+                <a:off x="838200" y="1671811"/>
+                <a:ext cx="10073640" cy="954107"/>
+              </a:xfrm>
+              <a:prstGeom prst="rect">
+                <a:avLst/>
+              </a:prstGeom>
+              <a:blipFill>
+                <a:blip r:embed="rId3"/>
+                <a:stretch>
+                  <a:fillRect l="-1259" t="-6579"/>
+                </a:stretch>
+              </a:blipFill>
+            </p:spPr>
+            <p:txBody>
+              <a:bodyPr/>
+              <a:lstStyle/>
+              <a:p>
+                <a:r>
+                  <a:rPr lang="en-US">
+                    <a:noFill/>
+                  </a:rPr>
+                  <a:t> </a:t>
+                </a:r>
+              </a:p>
+            </p:txBody>
+          </p:sp>
+        </mc:Fallback>
+      </mc:AlternateContent>
+      <mc:AlternateContent xmlns:mc="http://schemas.openxmlformats.org/markup-compatibility/2006">
+        <mc:Choice xmlns:a14="http://schemas.microsoft.com/office/drawing/2010/main" Requires="a14">
+          <p:sp>
+            <p:nvSpPr>
+              <p:cNvPr id="3" name="TextBox 2">
+                <a:extLst>
+                  <a:ext uri="{FF2B5EF4-FFF2-40B4-BE49-F238E27FC236}">
+                    <a16:creationId xmlns:a16="http://schemas.microsoft.com/office/drawing/2014/main" id="{906D0B88-C0D1-1F23-83E9-F41A5A8CE093}"/>
+                  </a:ext>
+                </a:extLst>
+              </p:cNvPr>
+              <p:cNvSpPr txBox="1"/>
+              <p:nvPr/>
+            </p:nvSpPr>
+            <p:spPr>
+              <a:xfrm>
+                <a:off x="838200" y="2508559"/>
+                <a:ext cx="10073640" cy="3108543"/>
+              </a:xfrm>
+              <a:prstGeom prst="rect">
+                <a:avLst/>
+              </a:prstGeom>
+              <a:noFill/>
+            </p:spPr>
+            <p:txBody>
+              <a:bodyPr wrap="square">
+                <a:spAutoFit/>
+              </a:bodyPr>
+              <a:lstStyle/>
+              <a:p>
+                <a:r>
+                  <a:rPr lang="en-US" sz="2800" dirty="0"/>
+                  <a:t>For k = 1,2,...p:</a:t>
+                </a:r>
+                <a:br>
+                  <a:rPr lang="en-US" sz="2800" dirty="0"/>
+                </a:br>
+                <a:r>
+                  <a:rPr lang="en-US" sz="2800" dirty="0"/>
+                  <a:t>	(a) Consider all p − k models that augment one</a:t>
+                </a:r>
+                <a:r>
+                  <a:rPr lang="zh-CN" altLang="en-US" sz="2800" dirty="0"/>
+                  <a:t> </a:t>
+                </a:r>
+                <a:r>
+                  <a:rPr lang="en-US" altLang="zh-CN" sz="2800" dirty="0"/>
+                  <a:t>predictor</a:t>
+                </a:r>
+                <a:endParaRPr lang="en-US" sz="2800" dirty="0"/>
+              </a:p>
+              <a:p>
+                <a:r>
+                  <a:rPr lang="en-US" altLang="zh-CN" sz="2800" dirty="0"/>
+                  <a:t>      (b) Pick the best among these models and call it </a:t>
+                </a:r>
+                <a14:m>
+                  <m:oMath xmlns:m="http://schemas.openxmlformats.org/officeDocument/2006/math">
+                    <m:sSub>
+                      <m:sSubPr>
+                        <m:ctrlPr>
+                          <a:rPr lang="en-US" altLang="zh-CN" sz="2800" b="0" i="1" smtClean="0">
+                            <a:latin typeface="Cambria Math" panose="02040503050406030204" pitchFamily="18" charset="0"/>
+                          </a:rPr>
+                        </m:ctrlPr>
+                      </m:sSubPr>
+                      <m:e>
+                        <m:r>
+                          <a:rPr lang="en-US" altLang="zh-CN" sz="2800" b="0" i="1" smtClean="0">
+                            <a:latin typeface="Cambria Math" panose="02040503050406030204" pitchFamily="18" charset="0"/>
+                          </a:rPr>
+                          <m:t>𝑀</m:t>
+                        </m:r>
+                      </m:e>
+                      <m:sub>
+                        <m:r>
+                          <a:rPr lang="en-US" altLang="zh-CN" sz="2800" b="0" i="1" smtClean="0">
+                            <a:latin typeface="Cambria Math" panose="02040503050406030204" pitchFamily="18" charset="0"/>
+                          </a:rPr>
+                          <m:t>𝑘</m:t>
+                        </m:r>
+                      </m:sub>
+                    </m:sSub>
+                  </m:oMath>
+                </a14:m>
+                <a:r>
+                  <a:rPr lang="en-US" altLang="zh-CN" sz="2800" dirty="0"/>
+                  <a:t>. Here the</a:t>
+                </a:r>
+              </a:p>
+              <a:p>
+                <a:r>
+                  <a:rPr lang="en-US" altLang="zh-CN" sz="2800" dirty="0"/>
+                  <a:t>        best is defined as having the smallest RSS.</a:t>
+                </a:r>
+              </a:p>
+              <a:p>
+                <a:endParaRPr lang="en-US" altLang="zh-CN" sz="2800" dirty="0"/>
+              </a:p>
+              <a:p>
+                <a:r>
+                  <a:rPr lang="en-US" altLang="zh-CN" sz="2800" dirty="0"/>
+                  <a:t>Select a single best model from among </a:t>
+                </a:r>
+                <a14:m>
+                  <m:oMath xmlns:m="http://schemas.openxmlformats.org/officeDocument/2006/math">
+                    <m:sSub>
+                      <m:sSubPr>
+                        <m:ctrlPr>
+                          <a:rPr lang="en-US" altLang="zh-CN" sz="2800" b="0" i="1" smtClean="0">
+                            <a:latin typeface="Cambria Math" panose="02040503050406030204" pitchFamily="18" charset="0"/>
+                          </a:rPr>
+                        </m:ctrlPr>
+                      </m:sSubPr>
+                      <m:e>
+                        <m:r>
+                          <a:rPr lang="en-US" altLang="zh-CN" sz="2800" b="0" i="1" smtClean="0">
+                            <a:latin typeface="Cambria Math" panose="02040503050406030204" pitchFamily="18" charset="0"/>
+                          </a:rPr>
+                          <m:t>𝑀</m:t>
+                        </m:r>
+                      </m:e>
+                      <m:sub>
+                        <m:r>
+                          <a:rPr lang="en-US" altLang="zh-CN" sz="2800" b="0" i="1" smtClean="0">
+                            <a:latin typeface="Cambria Math" panose="02040503050406030204" pitchFamily="18" charset="0"/>
+                          </a:rPr>
+                          <m:t>0</m:t>
+                        </m:r>
+                      </m:sub>
+                    </m:sSub>
+                  </m:oMath>
+                </a14:m>
+                <a:r>
+                  <a:rPr lang="en-US" altLang="zh-CN" sz="2800" dirty="0"/>
+                  <a:t>, . . . , </a:t>
+                </a:r>
+                <a14:m>
+                  <m:oMath xmlns:m="http://schemas.openxmlformats.org/officeDocument/2006/math">
+                    <m:sSub>
+                      <m:sSubPr>
+                        <m:ctrlPr>
+                          <a:rPr lang="en-US" altLang="zh-CN" sz="2800" i="1">
+                            <a:latin typeface="Cambria Math" panose="02040503050406030204" pitchFamily="18" charset="0"/>
+                          </a:rPr>
+                        </m:ctrlPr>
+                      </m:sSubPr>
+                      <m:e>
+                        <m:r>
+                          <a:rPr lang="en-US" altLang="zh-CN" sz="2800" i="1">
+                            <a:latin typeface="Cambria Math" panose="02040503050406030204" pitchFamily="18" charset="0"/>
+                          </a:rPr>
+                          <m:t>𝑀</m:t>
+                        </m:r>
+                      </m:e>
+                      <m:sub>
+                        <m:r>
+                          <a:rPr lang="en-US" altLang="zh-CN" sz="2800" i="1">
+                            <a:latin typeface="Cambria Math" panose="02040503050406030204" pitchFamily="18" charset="0"/>
+                          </a:rPr>
+                          <m:t>𝑘</m:t>
+                        </m:r>
+                      </m:sub>
+                    </m:sSub>
+                  </m:oMath>
+                </a14:m>
+                <a:r>
+                  <a:rPr lang="en-US" altLang="zh-CN" sz="2800" dirty="0"/>
+                  <a:t> using cross-validated prediction error or adjusted R2</a:t>
+                </a:r>
+              </a:p>
+            </p:txBody>
+          </p:sp>
+        </mc:Choice>
+        <mc:Fallback>
+          <p:sp>
+            <p:nvSpPr>
+              <p:cNvPr id="3" name="TextBox 2">
+                <a:extLst>
+                  <a:ext uri="{FF2B5EF4-FFF2-40B4-BE49-F238E27FC236}">
+                    <a16:creationId xmlns:a16="http://schemas.microsoft.com/office/drawing/2014/main" id="{906D0B88-C0D1-1F23-83E9-F41A5A8CE093}"/>
+                  </a:ext>
+                </a:extLst>
+              </p:cNvPr>
+              <p:cNvSpPr txBox="1">
+                <a:spLocks noRot="1" noChangeAspect="1" noMove="1" noResize="1" noEditPoints="1" noAdjustHandles="1" noChangeArrowheads="1" noChangeShapeType="1" noTextEdit="1"/>
+              </p:cNvSpPr>
+              <p:nvPr/>
+            </p:nvSpPr>
+            <p:spPr>
+              <a:xfrm>
+                <a:off x="838200" y="2508559"/>
+                <a:ext cx="10073640" cy="3108543"/>
+              </a:xfrm>
+              <a:prstGeom prst="rect">
+                <a:avLst/>
+              </a:prstGeom>
+              <a:blipFill>
+                <a:blip r:embed="rId4"/>
+                <a:stretch>
+                  <a:fillRect l="-1259" t="-2033" b="-4472"/>
+                </a:stretch>
+              </a:blipFill>
+            </p:spPr>
+            <p:txBody>
+              <a:bodyPr/>
+              <a:lstStyle/>
+              <a:p>
+                <a:r>
+                  <a:rPr lang="en-US">
+                    <a:noFill/>
+                  </a:rPr>
+                  <a:t> </a:t>
+                </a:r>
+              </a:p>
+            </p:txBody>
+          </p:sp>
+        </mc:Fallback>
+      </mc:AlternateContent>
+    </p:spTree>
+    <p:extLst>
+      <p:ext uri="{BB962C8B-B14F-4D97-AF65-F5344CB8AC3E}">
+        <p14:creationId xmlns:p14="http://schemas.microsoft.com/office/powerpoint/2010/main" val="3373826714"/>
+      </p:ext>
+    </p:extLst>
+  </p:cSld>
+  <p:clrMapOvr>
+    <a:masterClrMapping/>
+  </p:clrMapOvr>
+</p:sld>
+</file>
+
+<file path=ppt/slides/slide5.xml><?xml version="1.0" encoding="utf-8"?>
+<p:sld xmlns:a="http://schemas.openxmlformats.org/drawingml/2006/main" xmlns:r="http://schemas.openxmlformats.org/officeDocument/2006/relationships" xmlns:p="http://schemas.openxmlformats.org/presentationml/2006/main">
+  <p:cSld>
+    <p:spTree>
+      <p:nvGrpSpPr>
+        <p:cNvPr id="1" name=""/>
+        <p:cNvGrpSpPr/>
+        <p:nvPr/>
+      </p:nvGrpSpPr>
+      <p:grpSpPr>
+        <a:xfrm>
+          <a:off x="0" y="0"/>
+          <a:ext cx="0" cy="0"/>
+          <a:chOff x="0" y="0"/>
+          <a:chExt cx="0" cy="0"/>
+        </a:xfrm>
+      </p:grpSpPr>
+      <p:sp>
+        <p:nvSpPr>
+          <p:cNvPr id="2" name="Title 1"/>
+          <p:cNvSpPr>
+            <a:spLocks noGrp="1"/>
+          </p:cNvSpPr>
+          <p:nvPr>
+            <p:ph type="title"/>
+          </p:nvPr>
+        </p:nvSpPr>
+        <p:spPr>
+          <a:xfrm>
+            <a:off x="838200" y="365126"/>
+            <a:ext cx="10515600" cy="981894"/>
+          </a:xfrm>
+        </p:spPr>
+        <p:txBody>
+          <a:bodyPr>
+            <a:normAutofit/>
+          </a:bodyPr>
+          <a:lstStyle/>
+          <a:p>
+            <a:r>
+              <a:rPr lang="en-US" altLang="zh-CN" dirty="0"/>
+              <a:t>Forward Stepwise Selection (Greedy) </a:t>
+            </a:r>
+            <a:endParaRPr lang="en-US" dirty="0"/>
+          </a:p>
+        </p:txBody>
+      </p:sp>
+      <mc:AlternateContent xmlns:mc="http://schemas.openxmlformats.org/markup-compatibility/2006">
+        <mc:Choice xmlns:a14="http://schemas.microsoft.com/office/drawing/2010/main" Requires="a14">
+          <p:sp>
+            <p:nvSpPr>
+              <p:cNvPr id="4" name="TextBox 3">
+                <a:extLst>
+                  <a:ext uri="{FF2B5EF4-FFF2-40B4-BE49-F238E27FC236}">
+                    <a16:creationId xmlns:a16="http://schemas.microsoft.com/office/drawing/2014/main" id="{C1EE6756-1216-1CF9-50E7-5E02491B7B53}"/>
+                  </a:ext>
+                </a:extLst>
+              </p:cNvPr>
+              <p:cNvSpPr txBox="1"/>
+              <p:nvPr/>
+            </p:nvSpPr>
+            <p:spPr>
+              <a:xfrm>
+                <a:off x="838200" y="1671811"/>
+                <a:ext cx="10073640" cy="954107"/>
+              </a:xfrm>
+              <a:prstGeom prst="rect">
+                <a:avLst/>
+              </a:prstGeom>
+              <a:noFill/>
+            </p:spPr>
+            <p:txBody>
+              <a:bodyPr wrap="square">
+                <a:spAutoFit/>
+              </a:bodyPr>
+              <a:lstStyle/>
+              <a:p>
+                <a:r>
+                  <a:rPr lang="en-US" sz="2800" dirty="0"/>
+                  <a:t>Let </a:t>
+                </a:r>
+                <a14:m>
+                  <m:oMath xmlns:m="http://schemas.openxmlformats.org/officeDocument/2006/math">
+                    <m:sSub>
+                      <m:sSubPr>
+                        <m:ctrlPr>
+                          <a:rPr lang="en-US" altLang="zh-CN" sz="2800" b="0" i="1" smtClean="0">
+                            <a:latin typeface="Cambria Math" panose="02040503050406030204" pitchFamily="18" charset="0"/>
+                          </a:rPr>
+                        </m:ctrlPr>
+                      </m:sSubPr>
+                      <m:e>
+                        <m:r>
+                          <a:rPr lang="en-US" altLang="zh-CN" sz="2800" b="0" i="1" smtClean="0">
+                            <a:latin typeface="Cambria Math" panose="02040503050406030204" pitchFamily="18" charset="0"/>
+                          </a:rPr>
+                          <m:t>𝑀</m:t>
+                        </m:r>
+                      </m:e>
+                      <m:sub>
+                        <m:r>
+                          <a:rPr lang="en-US" altLang="zh-CN" sz="2800" b="0" i="1" smtClean="0">
+                            <a:latin typeface="Cambria Math" panose="02040503050406030204" pitchFamily="18" charset="0"/>
+                          </a:rPr>
+                          <m:t>0</m:t>
+                        </m:r>
+                      </m:sub>
+                    </m:sSub>
+                  </m:oMath>
+                </a14:m>
+                <a:r>
+                  <a:rPr lang="en-US" sz="2800" dirty="0"/>
+                  <a:t> denote the null model, which contains no predictors. </a:t>
+                </a:r>
+              </a:p>
+              <a:p>
+                <a:endParaRPr lang="en-US" sz="2800" dirty="0"/>
+              </a:p>
+            </p:txBody>
+          </p:sp>
+        </mc:Choice>
+        <mc:Fallback>
+          <p:sp>
+            <p:nvSpPr>
+              <p:cNvPr id="4" name="TextBox 3">
+                <a:extLst>
+                  <a:ext uri="{FF2B5EF4-FFF2-40B4-BE49-F238E27FC236}">
+                    <a16:creationId xmlns:a16="http://schemas.microsoft.com/office/drawing/2014/main" id="{C1EE6756-1216-1CF9-50E7-5E02491B7B53}"/>
+                  </a:ext>
+                </a:extLst>
+              </p:cNvPr>
+              <p:cNvSpPr txBox="1">
+                <a:spLocks noRot="1" noChangeAspect="1" noMove="1" noResize="1" noEditPoints="1" noAdjustHandles="1" noChangeArrowheads="1" noChangeShapeType="1" noTextEdit="1"/>
+              </p:cNvSpPr>
+              <p:nvPr/>
+            </p:nvSpPr>
+            <p:spPr>
+              <a:xfrm>
+                <a:off x="838200" y="1671811"/>
+                <a:ext cx="10073640" cy="954107"/>
+              </a:xfrm>
+              <a:prstGeom prst="rect">
+                <a:avLst/>
+              </a:prstGeom>
+              <a:blipFill>
+                <a:blip r:embed="rId3"/>
+                <a:stretch>
+                  <a:fillRect l="-1259" t="-6579"/>
+                </a:stretch>
+              </a:blipFill>
+            </p:spPr>
+            <p:txBody>
+              <a:bodyPr/>
+              <a:lstStyle/>
+              <a:p>
+                <a:r>
+                  <a:rPr lang="en-US">
+                    <a:noFill/>
+                  </a:rPr>
+                  <a:t> </a:t>
+                </a:r>
+              </a:p>
+            </p:txBody>
+          </p:sp>
+        </mc:Fallback>
+      </mc:AlternateContent>
+      <mc:AlternateContent xmlns:mc="http://schemas.openxmlformats.org/markup-compatibility/2006">
+        <mc:Choice xmlns:a14="http://schemas.microsoft.com/office/drawing/2010/main" Requires="a14">
+          <p:sp>
+            <p:nvSpPr>
+              <p:cNvPr id="3" name="TextBox 2">
+                <a:extLst>
+                  <a:ext uri="{FF2B5EF4-FFF2-40B4-BE49-F238E27FC236}">
+                    <a16:creationId xmlns:a16="http://schemas.microsoft.com/office/drawing/2014/main" id="{906D0B88-C0D1-1F23-83E9-F41A5A8CE093}"/>
+                  </a:ext>
+                </a:extLst>
+              </p:cNvPr>
+              <p:cNvSpPr txBox="1"/>
+              <p:nvPr/>
+            </p:nvSpPr>
+            <p:spPr>
+              <a:xfrm>
+                <a:off x="838200" y="2508559"/>
+                <a:ext cx="10073640" cy="3108543"/>
+              </a:xfrm>
+              <a:prstGeom prst="rect">
+                <a:avLst/>
+              </a:prstGeom>
+              <a:noFill/>
+            </p:spPr>
+            <p:txBody>
+              <a:bodyPr wrap="square">
+                <a:spAutoFit/>
+              </a:bodyPr>
+              <a:lstStyle/>
+              <a:p>
+                <a:r>
+                  <a:rPr lang="en-US" sz="2800" dirty="0"/>
+                  <a:t>For k = 1,2,...p:</a:t>
+                </a:r>
+                <a:br>
+                  <a:rPr lang="en-US" sz="2800" dirty="0"/>
+                </a:br>
+                <a:r>
+                  <a:rPr lang="en-US" sz="2800" dirty="0"/>
+                  <a:t>	(a) Consider all p − k models that augment one</a:t>
+                </a:r>
+                <a:r>
+                  <a:rPr lang="zh-CN" altLang="en-US" sz="2800" dirty="0"/>
+                  <a:t> </a:t>
+                </a:r>
+                <a:r>
+                  <a:rPr lang="en-US" altLang="zh-CN" sz="2800" dirty="0"/>
+                  <a:t>predictor</a:t>
+                </a:r>
+                <a:endParaRPr lang="en-US" sz="2800" dirty="0"/>
+              </a:p>
+              <a:p>
+                <a:r>
+                  <a:rPr lang="en-US" altLang="zh-CN" sz="2800" dirty="0"/>
+                  <a:t>      (b) Pick the best among these models and call it </a:t>
+                </a:r>
+                <a14:m>
+                  <m:oMath xmlns:m="http://schemas.openxmlformats.org/officeDocument/2006/math">
+                    <m:sSub>
+                      <m:sSubPr>
+                        <m:ctrlPr>
+                          <a:rPr lang="en-US" altLang="zh-CN" sz="2800" b="0" i="1" smtClean="0">
+                            <a:latin typeface="Cambria Math" panose="02040503050406030204" pitchFamily="18" charset="0"/>
+                          </a:rPr>
+                        </m:ctrlPr>
+                      </m:sSubPr>
+                      <m:e>
+                        <m:r>
+                          <a:rPr lang="en-US" altLang="zh-CN" sz="2800" b="0" i="1" smtClean="0">
+                            <a:latin typeface="Cambria Math" panose="02040503050406030204" pitchFamily="18" charset="0"/>
+                          </a:rPr>
+                          <m:t>𝑀</m:t>
+                        </m:r>
+                      </m:e>
+                      <m:sub>
+                        <m:r>
+                          <a:rPr lang="en-US" altLang="zh-CN" sz="2800" b="0" i="1" smtClean="0">
+                            <a:latin typeface="Cambria Math" panose="02040503050406030204" pitchFamily="18" charset="0"/>
+                          </a:rPr>
+                          <m:t>𝑘</m:t>
+                        </m:r>
+                      </m:sub>
+                    </m:sSub>
+                  </m:oMath>
+                </a14:m>
+                <a:r>
+                  <a:rPr lang="en-US" altLang="zh-CN" sz="2800" dirty="0"/>
+                  <a:t>. Here the</a:t>
+                </a:r>
+              </a:p>
+              <a:p>
+                <a:r>
+                  <a:rPr lang="en-US" altLang="zh-CN" sz="2800" dirty="0"/>
+                  <a:t>        best is defined as having the smallest RSS.</a:t>
+                </a:r>
+              </a:p>
+              <a:p>
+                <a:endParaRPr lang="en-US" altLang="zh-CN" sz="2800" dirty="0"/>
+              </a:p>
+              <a:p>
+                <a:r>
+                  <a:rPr lang="en-US" altLang="zh-CN" sz="2800" dirty="0"/>
+                  <a:t>Select a single best model from among </a:t>
+                </a:r>
+                <a14:m>
+                  <m:oMath xmlns:m="http://schemas.openxmlformats.org/officeDocument/2006/math">
+                    <m:sSub>
+                      <m:sSubPr>
+                        <m:ctrlPr>
+                          <a:rPr lang="en-US" altLang="zh-CN" sz="2800" b="0" i="1" smtClean="0">
+                            <a:latin typeface="Cambria Math" panose="02040503050406030204" pitchFamily="18" charset="0"/>
+                          </a:rPr>
+                        </m:ctrlPr>
+                      </m:sSubPr>
+                      <m:e>
+                        <m:r>
+                          <a:rPr lang="en-US" altLang="zh-CN" sz="2800" b="0" i="1" smtClean="0">
+                            <a:latin typeface="Cambria Math" panose="02040503050406030204" pitchFamily="18" charset="0"/>
+                          </a:rPr>
+                          <m:t>𝑀</m:t>
+                        </m:r>
+                      </m:e>
+                      <m:sub>
+                        <m:r>
+                          <a:rPr lang="en-US" altLang="zh-CN" sz="2800" b="0" i="1" smtClean="0">
+                            <a:latin typeface="Cambria Math" panose="02040503050406030204" pitchFamily="18" charset="0"/>
+                          </a:rPr>
+                          <m:t>0</m:t>
+                        </m:r>
+                      </m:sub>
+                    </m:sSub>
+                  </m:oMath>
+                </a14:m>
+                <a:r>
+                  <a:rPr lang="en-US" altLang="zh-CN" sz="2800" dirty="0"/>
+                  <a:t>, . . . , </a:t>
+                </a:r>
+                <a14:m>
+                  <m:oMath xmlns:m="http://schemas.openxmlformats.org/officeDocument/2006/math">
+                    <m:sSub>
+                      <m:sSubPr>
+                        <m:ctrlPr>
+                          <a:rPr lang="en-US" altLang="zh-CN" sz="2800" i="1">
+                            <a:latin typeface="Cambria Math" panose="02040503050406030204" pitchFamily="18" charset="0"/>
+                          </a:rPr>
+                        </m:ctrlPr>
+                      </m:sSubPr>
+                      <m:e>
+                        <m:r>
+                          <a:rPr lang="en-US" altLang="zh-CN" sz="2800" i="1">
+                            <a:latin typeface="Cambria Math" panose="02040503050406030204" pitchFamily="18" charset="0"/>
+                          </a:rPr>
+                          <m:t>𝑀</m:t>
+                        </m:r>
+                      </m:e>
+                      <m:sub>
+                        <m:r>
+                          <a:rPr lang="en-US" altLang="zh-CN" sz="2800" i="1">
+                            <a:latin typeface="Cambria Math" panose="02040503050406030204" pitchFamily="18" charset="0"/>
+                          </a:rPr>
+                          <m:t>𝑘</m:t>
+                        </m:r>
+                      </m:sub>
+                    </m:sSub>
+                  </m:oMath>
+                </a14:m>
+                <a:r>
+                  <a:rPr lang="en-US" altLang="zh-CN" sz="2800" dirty="0"/>
+                  <a:t> using cross-validated prediction error or adjusted R2</a:t>
+                </a:r>
+              </a:p>
+            </p:txBody>
+          </p:sp>
+        </mc:Choice>
+        <mc:Fallback>
+          <p:sp>
+            <p:nvSpPr>
+              <p:cNvPr id="3" name="TextBox 2">
+                <a:extLst>
+                  <a:ext uri="{FF2B5EF4-FFF2-40B4-BE49-F238E27FC236}">
+                    <a16:creationId xmlns:a16="http://schemas.microsoft.com/office/drawing/2014/main" id="{906D0B88-C0D1-1F23-83E9-F41A5A8CE093}"/>
+                  </a:ext>
+                </a:extLst>
+              </p:cNvPr>
+              <p:cNvSpPr txBox="1">
+                <a:spLocks noRot="1" noChangeAspect="1" noMove="1" noResize="1" noEditPoints="1" noAdjustHandles="1" noChangeArrowheads="1" noChangeShapeType="1" noTextEdit="1"/>
+              </p:cNvSpPr>
+              <p:nvPr/>
+            </p:nvSpPr>
+            <p:spPr>
+              <a:xfrm>
+                <a:off x="838200" y="2508559"/>
+                <a:ext cx="10073640" cy="3108543"/>
+              </a:xfrm>
+              <a:prstGeom prst="rect">
+                <a:avLst/>
+              </a:prstGeom>
+              <a:blipFill>
+                <a:blip r:embed="rId4"/>
+                <a:stretch>
+                  <a:fillRect l="-1259" t="-2033" b="-4472"/>
+                </a:stretch>
+              </a:blipFill>
+            </p:spPr>
+            <p:txBody>
+              <a:bodyPr/>
+              <a:lstStyle/>
+              <a:p>
+                <a:r>
+                  <a:rPr lang="en-US">
+                    <a:noFill/>
+                  </a:rPr>
+                  <a:t> </a:t>
+                </a:r>
+              </a:p>
+            </p:txBody>
+          </p:sp>
+        </mc:Fallback>
+      </mc:AlternateContent>
+    </p:spTree>
+    <p:extLst>
+      <p:ext uri="{BB962C8B-B14F-4D97-AF65-F5344CB8AC3E}">
+        <p14:creationId xmlns:p14="http://schemas.microsoft.com/office/powerpoint/2010/main" val="2148455714"/>
+      </p:ext>
+    </p:extLst>
+  </p:cSld>
+  <p:clrMapOvr>
+    <a:masterClrMapping/>
+  </p:clrMapOvr>
+</p:sld>
+</file>
+
+<file path=ppt/slides/slide6.xml><?xml version="1.0" encoding="utf-8"?>
+<p:sld xmlns:a="http://schemas.openxmlformats.org/drawingml/2006/main" xmlns:r="http://schemas.openxmlformats.org/officeDocument/2006/relationships" xmlns:p="http://schemas.openxmlformats.org/presentationml/2006/main">
+  <p:cSld>
+    <p:spTree>
+      <p:nvGrpSpPr>
+        <p:cNvPr id="1" name=""/>
+        <p:cNvGrpSpPr/>
+        <p:nvPr/>
+      </p:nvGrpSpPr>
+      <p:grpSpPr>
+        <a:xfrm>
+          <a:off x="0" y="0"/>
+          <a:ext cx="0" cy="0"/>
+          <a:chOff x="0" y="0"/>
+          <a:chExt cx="0" cy="0"/>
+        </a:xfrm>
+      </p:grpSpPr>
+      <p:sp>
+        <p:nvSpPr>
+          <p:cNvPr id="2" name="Title 1"/>
+          <p:cNvSpPr>
+            <a:spLocks noGrp="1"/>
+          </p:cNvSpPr>
+          <p:nvPr>
+            <p:ph type="title"/>
+          </p:nvPr>
+        </p:nvSpPr>
+        <p:spPr>
+          <a:xfrm>
+            <a:off x="838200" y="365126"/>
+            <a:ext cx="10515600" cy="981894"/>
+          </a:xfrm>
+        </p:spPr>
+        <p:txBody>
+          <a:bodyPr>
+            <a:normAutofit/>
+          </a:bodyPr>
+          <a:lstStyle/>
+          <a:p>
+            <a:r>
+              <a:rPr lang="en-US" altLang="zh-CN" dirty="0"/>
+              <a:t>Adjusted R2</a:t>
+            </a:r>
+            <a:endParaRPr lang="en-US" dirty="0"/>
+          </a:p>
+        </p:txBody>
+      </p:sp>
+      <p:pic>
+        <p:nvPicPr>
+          <p:cNvPr id="5" name="Picture 4">
             <a:extLst>
               <a:ext uri="{FF2B5EF4-FFF2-40B4-BE49-F238E27FC236}">
-                <a16:creationId xmlns:a16="http://schemas.microsoft.com/office/drawing/2014/main" id="{514E73AD-7A38-9D42-8C4C-ADC0FDE0FBC3}"/>
+                <a16:creationId xmlns:a16="http://schemas.microsoft.com/office/drawing/2014/main" id="{A67C3DCA-6A45-F78B-8AB4-0A80422EF310}"/>
+              </a:ext>
+            </a:extLst>
+          </p:cNvPr>
+          <p:cNvPicPr>
+            <a:picLocks noChangeAspect="1"/>
+          </p:cNvPicPr>
+          <p:nvPr/>
+        </p:nvPicPr>
+        <p:blipFill>
+          <a:blip r:embed="rId3"/>
+          <a:stretch>
+            <a:fillRect/>
+          </a:stretch>
+        </p:blipFill>
+        <p:spPr>
+          <a:xfrm>
+            <a:off x="2463223" y="1859973"/>
+            <a:ext cx="5738668" cy="1187311"/>
+          </a:xfrm>
+          <a:prstGeom prst="rect">
+            <a:avLst/>
+          </a:prstGeom>
+        </p:spPr>
+      </p:pic>
+      <mc:AlternateContent xmlns:mc="http://schemas.openxmlformats.org/markup-compatibility/2006">
+        <mc:Choice xmlns:a14="http://schemas.microsoft.com/office/drawing/2010/main" Requires="a14">
+          <p:sp>
+            <p:nvSpPr>
+              <p:cNvPr id="6" name="TextBox 5">
+                <a:extLst>
+                  <a:ext uri="{FF2B5EF4-FFF2-40B4-BE49-F238E27FC236}">
+                    <a16:creationId xmlns:a16="http://schemas.microsoft.com/office/drawing/2014/main" id="{3FF54C1E-EE85-0ABD-F6F3-DE2BB0785543}"/>
+                  </a:ext>
+                </a:extLst>
+              </p:cNvPr>
+              <p:cNvSpPr txBox="1"/>
+              <p:nvPr/>
+            </p:nvSpPr>
+            <p:spPr>
+              <a:xfrm>
+                <a:off x="838200" y="3963118"/>
+                <a:ext cx="10073640" cy="1601529"/>
+              </a:xfrm>
+              <a:prstGeom prst="rect">
+                <a:avLst/>
+              </a:prstGeom>
+              <a:noFill/>
+            </p:spPr>
+            <p:txBody>
+              <a:bodyPr wrap="square">
+                <a:spAutoFit/>
+              </a:bodyPr>
+              <a:lstStyle/>
+              <a:p>
+                <a:r>
+                  <a:rPr lang="en-US" sz="2800" dirty="0"/>
+                  <a:t>Maximizing the adjusted </a:t>
+                </a:r>
+                <a14:m>
+                  <m:oMath xmlns:m="http://schemas.openxmlformats.org/officeDocument/2006/math">
+                    <m:sSup>
+                      <m:sSupPr>
+                        <m:ctrlPr>
+                          <a:rPr lang="en-US" sz="2800" b="0" i="1" smtClean="0">
+                            <a:latin typeface="Cambria Math" panose="02040503050406030204" pitchFamily="18" charset="0"/>
+                          </a:rPr>
+                        </m:ctrlPr>
+                      </m:sSupPr>
+                      <m:e>
+                        <m:r>
+                          <a:rPr lang="en-US" sz="2800" b="0" i="1" smtClean="0">
+                            <a:latin typeface="Cambria Math" panose="02040503050406030204" pitchFamily="18" charset="0"/>
+                          </a:rPr>
+                          <m:t>𝑅</m:t>
+                        </m:r>
+                      </m:e>
+                      <m:sup>
+                        <m:r>
+                          <a:rPr lang="en-US" sz="2800" b="0" i="1" smtClean="0">
+                            <a:latin typeface="Cambria Math" panose="02040503050406030204" pitchFamily="18" charset="0"/>
+                          </a:rPr>
+                          <m:t>2</m:t>
+                        </m:r>
+                      </m:sup>
+                    </m:sSup>
+                  </m:oMath>
+                </a14:m>
+                <a:r>
+                  <a:rPr lang="en-US" sz="2800" dirty="0"/>
+                  <a:t> is equivalent to minimizing </a:t>
+                </a:r>
+                <a14:m>
+                  <m:oMath xmlns:m="http://schemas.openxmlformats.org/officeDocument/2006/math">
+                    <m:f>
+                      <m:fPr>
+                        <m:ctrlPr>
+                          <a:rPr lang="en-US" sz="2800" i="1" smtClean="0">
+                            <a:latin typeface="Cambria Math" panose="02040503050406030204" pitchFamily="18" charset="0"/>
+                          </a:rPr>
+                        </m:ctrlPr>
+                      </m:fPr>
+                      <m:num>
+                        <m:r>
+                          <a:rPr lang="en-US" sz="2800" b="0" i="1" smtClean="0">
+                            <a:latin typeface="Cambria Math" panose="02040503050406030204" pitchFamily="18" charset="0"/>
+                          </a:rPr>
+                          <m:t>𝑅𝑆𝑆</m:t>
+                        </m:r>
+                      </m:num>
+                      <m:den>
+                        <m:r>
+                          <a:rPr lang="en-US" sz="2800" b="0" i="1" smtClean="0">
+                            <a:latin typeface="Cambria Math" panose="02040503050406030204" pitchFamily="18" charset="0"/>
+                          </a:rPr>
+                          <m:t>𝑛</m:t>
+                        </m:r>
+                        <m:r>
+                          <a:rPr lang="en-US" sz="2800" b="0" i="1" smtClean="0">
+                            <a:latin typeface="Cambria Math" panose="02040503050406030204" pitchFamily="18" charset="0"/>
+                          </a:rPr>
+                          <m:t>−</m:t>
+                        </m:r>
+                        <m:r>
+                          <a:rPr lang="en-US" sz="2800" b="0" i="1" smtClean="0">
+                            <a:latin typeface="Cambria Math" panose="02040503050406030204" pitchFamily="18" charset="0"/>
+                          </a:rPr>
+                          <m:t>𝑝</m:t>
+                        </m:r>
+                        <m:r>
+                          <a:rPr lang="en-US" sz="2800" b="0" i="1" smtClean="0">
+                            <a:latin typeface="Cambria Math" panose="02040503050406030204" pitchFamily="18" charset="0"/>
+                          </a:rPr>
+                          <m:t>−1</m:t>
+                        </m:r>
+                      </m:den>
+                    </m:f>
+                  </m:oMath>
+                </a14:m>
+                <a:r>
+                  <a:rPr lang="en-US" sz="2800" dirty="0"/>
+                  <a:t>  </a:t>
+                </a:r>
+              </a:p>
+              <a:p>
+                <a:endParaRPr lang="en-US" sz="2800" dirty="0"/>
+              </a:p>
+              <a:p>
+                <a:endParaRPr lang="en-US" sz="2800" dirty="0"/>
+              </a:p>
+            </p:txBody>
+          </p:sp>
+        </mc:Choice>
+        <mc:Fallback>
+          <p:sp>
+            <p:nvSpPr>
+              <p:cNvPr id="6" name="TextBox 5">
+                <a:extLst>
+                  <a:ext uri="{FF2B5EF4-FFF2-40B4-BE49-F238E27FC236}">
+                    <a16:creationId xmlns:a16="http://schemas.microsoft.com/office/drawing/2014/main" id="{3FF54C1E-EE85-0ABD-F6F3-DE2BB0785543}"/>
+                  </a:ext>
+                </a:extLst>
+              </p:cNvPr>
+              <p:cNvSpPr txBox="1">
+                <a:spLocks noRot="1" noChangeAspect="1" noMove="1" noResize="1" noEditPoints="1" noAdjustHandles="1" noChangeArrowheads="1" noChangeShapeType="1" noTextEdit="1"/>
+              </p:cNvSpPr>
+              <p:nvPr/>
+            </p:nvSpPr>
+            <p:spPr>
+              <a:xfrm>
+                <a:off x="838200" y="3963118"/>
+                <a:ext cx="10073640" cy="1601529"/>
+              </a:xfrm>
+              <a:prstGeom prst="rect">
+                <a:avLst/>
+              </a:prstGeom>
+              <a:blipFill>
+                <a:blip r:embed="rId4"/>
+                <a:stretch>
+                  <a:fillRect l="-1259"/>
+                </a:stretch>
+              </a:blipFill>
+            </p:spPr>
+            <p:txBody>
+              <a:bodyPr/>
+              <a:lstStyle/>
+              <a:p>
+                <a:r>
+                  <a:rPr lang="en-US">
+                    <a:noFill/>
+                  </a:rPr>
+                  <a:t> </a:t>
+                </a:r>
+              </a:p>
+            </p:txBody>
+          </p:sp>
+        </mc:Fallback>
+      </mc:AlternateContent>
+    </p:spTree>
+    <p:extLst>
+      <p:ext uri="{BB962C8B-B14F-4D97-AF65-F5344CB8AC3E}">
+        <p14:creationId xmlns:p14="http://schemas.microsoft.com/office/powerpoint/2010/main" val="15012246"/>
+      </p:ext>
+    </p:extLst>
+  </p:cSld>
+  <p:clrMapOvr>
+    <a:masterClrMapping/>
+  </p:clrMapOvr>
+</p:sld>
+</file>
+
+<file path=ppt/slides/slide7.xml><?xml version="1.0" encoding="utf-8"?>
+<p:sld xmlns:a="http://schemas.openxmlformats.org/drawingml/2006/main" xmlns:r="http://schemas.openxmlformats.org/officeDocument/2006/relationships" xmlns:p="http://schemas.openxmlformats.org/presentationml/2006/main">
+  <p:cSld>
+    <p:spTree>
+      <p:nvGrpSpPr>
+        <p:cNvPr id="1" name=""/>
+        <p:cNvGrpSpPr/>
+        <p:nvPr/>
+      </p:nvGrpSpPr>
+      <p:grpSpPr>
+        <a:xfrm>
+          <a:off x="0" y="0"/>
+          <a:ext cx="0" cy="0"/>
+          <a:chOff x="0" y="0"/>
+          <a:chExt cx="0" cy="0"/>
+        </a:xfrm>
+      </p:grpSpPr>
+      <p:sp>
+        <p:nvSpPr>
+          <p:cNvPr id="2" name="Title 1"/>
+          <p:cNvSpPr>
+            <a:spLocks noGrp="1"/>
+          </p:cNvSpPr>
+          <p:nvPr>
+            <p:ph type="title"/>
+          </p:nvPr>
+        </p:nvSpPr>
+        <p:spPr>
+          <a:xfrm>
+            <a:off x="838200" y="365126"/>
+            <a:ext cx="10515600" cy="981894"/>
+          </a:xfrm>
+        </p:spPr>
+        <p:txBody>
+          <a:bodyPr>
+            <a:normAutofit/>
+          </a:bodyPr>
+          <a:lstStyle/>
+          <a:p>
+            <a:r>
+              <a:rPr lang="en-US" altLang="zh-CN" dirty="0"/>
+              <a:t>Shrinkage Methods </a:t>
+            </a:r>
+            <a:endParaRPr lang="en-US" dirty="0"/>
+          </a:p>
+        </p:txBody>
+      </p:sp>
+      <p:sp>
+        <p:nvSpPr>
+          <p:cNvPr id="6" name="TextBox 5">
+            <a:extLst>
+              <a:ext uri="{FF2B5EF4-FFF2-40B4-BE49-F238E27FC236}">
+                <a16:creationId xmlns:a16="http://schemas.microsoft.com/office/drawing/2014/main" id="{3FF54C1E-EE85-0ABD-F6F3-DE2BB0785543}"/>
               </a:ext>
             </a:extLst>
           </p:cNvPr>
@@ -4113,8 +9438,8 @@
         </p:nvSpPr>
         <p:spPr>
           <a:xfrm>
-            <a:off x="4792980" y="2601575"/>
-            <a:ext cx="5951220" cy="1077218"/>
+            <a:off x="838200" y="1829518"/>
+            <a:ext cx="4911436" cy="954107"/>
           </a:xfrm>
           <a:prstGeom prst="rect">
             <a:avLst/>
@@ -4128,16 +9453,538 @@
           <a:lstStyle/>
           <a:p>
             <a:r>
-              <a:rPr lang="en-US" sz="6400" dirty="0"/>
-              <a:t>Q &amp; A</a:t>
-            </a:r>
+              <a:rPr lang="en-US" sz="2800" dirty="0"/>
+              <a:t>Ridge regression and Lasso </a:t>
+            </a:r>
+          </a:p>
+          <a:p>
+            <a:endParaRPr lang="en-US" sz="2800" dirty="0"/>
+          </a:p>
+        </p:txBody>
+      </p:sp>
+      <p:sp>
+        <p:nvSpPr>
+          <p:cNvPr id="3" name="TextBox 2">
+            <a:extLst>
+              <a:ext uri="{FF2B5EF4-FFF2-40B4-BE49-F238E27FC236}">
+                <a16:creationId xmlns:a16="http://schemas.microsoft.com/office/drawing/2014/main" id="{4694F064-BAC7-5DC8-EE04-D7844D72C94F}"/>
+              </a:ext>
+            </a:extLst>
+          </p:cNvPr>
+          <p:cNvSpPr txBox="1"/>
+          <p:nvPr/>
+        </p:nvSpPr>
+        <p:spPr>
+          <a:xfrm>
+            <a:off x="838200" y="2783625"/>
+            <a:ext cx="10515599" cy="1815882"/>
+          </a:xfrm>
+          <a:prstGeom prst="rect">
+            <a:avLst/>
+          </a:prstGeom>
+          <a:noFill/>
+        </p:spPr>
+        <p:txBody>
+          <a:bodyPr wrap="square">
+            <a:spAutoFit/>
+          </a:bodyPr>
+          <a:lstStyle/>
+          <a:p>
+            <a:r>
+              <a:rPr lang="en-US" altLang="zh-CN" sz="2800" dirty="0"/>
+              <a:t>Fit a model containing all p predictors using a technique that </a:t>
+            </a:r>
+            <a:r>
+              <a:rPr lang="en-US" altLang="zh-CN" sz="2800" b="1" i="1" dirty="0"/>
+              <a:t>constrains or regularizes the coefficient estimates</a:t>
+            </a:r>
+            <a:r>
+              <a:rPr lang="en-US" altLang="zh-CN" sz="2800" dirty="0"/>
+              <a:t>, or equivalently, that shrinks the coefficient estimates towards zero. (reduce parameter variance)</a:t>
+            </a:r>
+          </a:p>
+          <a:p>
+            <a:endParaRPr lang="en-US" altLang="zh-CN" sz="2800" dirty="0"/>
           </a:p>
         </p:txBody>
       </p:sp>
     </p:spTree>
     <p:extLst>
       <p:ext uri="{BB962C8B-B14F-4D97-AF65-F5344CB8AC3E}">
-        <p14:creationId xmlns:p14="http://schemas.microsoft.com/office/powerpoint/2010/main" val="1222215017"/>
+        <p14:creationId xmlns:p14="http://schemas.microsoft.com/office/powerpoint/2010/main" val="3276010581"/>
+      </p:ext>
+    </p:extLst>
+  </p:cSld>
+  <p:clrMapOvr>
+    <a:masterClrMapping/>
+  </p:clrMapOvr>
+</p:sld>
+</file>
+
+<file path=ppt/slides/slide8.xml><?xml version="1.0" encoding="utf-8"?>
+<p:sld xmlns:a="http://schemas.openxmlformats.org/drawingml/2006/main" xmlns:r="http://schemas.openxmlformats.org/officeDocument/2006/relationships" xmlns:p="http://schemas.openxmlformats.org/presentationml/2006/main">
+  <p:cSld>
+    <p:spTree>
+      <p:nvGrpSpPr>
+        <p:cNvPr id="1" name=""/>
+        <p:cNvGrpSpPr/>
+        <p:nvPr/>
+      </p:nvGrpSpPr>
+      <p:grpSpPr>
+        <a:xfrm>
+          <a:off x="0" y="0"/>
+          <a:ext cx="0" cy="0"/>
+          <a:chOff x="0" y="0"/>
+          <a:chExt cx="0" cy="0"/>
+        </a:xfrm>
+      </p:grpSpPr>
+      <p:sp>
+        <p:nvSpPr>
+          <p:cNvPr id="2" name="Title 1"/>
+          <p:cNvSpPr>
+            <a:spLocks noGrp="1"/>
+          </p:cNvSpPr>
+          <p:nvPr>
+            <p:ph type="title"/>
+          </p:nvPr>
+        </p:nvSpPr>
+        <p:spPr>
+          <a:xfrm>
+            <a:off x="838200" y="365126"/>
+            <a:ext cx="10515600" cy="981894"/>
+          </a:xfrm>
+        </p:spPr>
+        <p:txBody>
+          <a:bodyPr>
+            <a:normAutofit/>
+          </a:bodyPr>
+          <a:lstStyle/>
+          <a:p>
+            <a:r>
+              <a:rPr lang="en-US" sz="4400" dirty="0"/>
+              <a:t>Ridge regression</a:t>
+            </a:r>
+            <a:endParaRPr lang="en-US" dirty="0"/>
+          </a:p>
+        </p:txBody>
+      </p:sp>
+      <p:pic>
+        <p:nvPicPr>
+          <p:cNvPr id="4" name="Picture 3">
+            <a:extLst>
+              <a:ext uri="{FF2B5EF4-FFF2-40B4-BE49-F238E27FC236}">
+                <a16:creationId xmlns:a16="http://schemas.microsoft.com/office/drawing/2014/main" id="{1B6B73FA-34C5-7C8B-C9A1-268AEE283D85}"/>
+              </a:ext>
+            </a:extLst>
+          </p:cNvPr>
+          <p:cNvPicPr>
+            <a:picLocks noChangeAspect="1"/>
+          </p:cNvPicPr>
+          <p:nvPr/>
+        </p:nvPicPr>
+        <p:blipFill>
+          <a:blip r:embed="rId3"/>
+          <a:stretch>
+            <a:fillRect/>
+          </a:stretch>
+        </p:blipFill>
+        <p:spPr>
+          <a:xfrm>
+            <a:off x="2778991" y="1442650"/>
+            <a:ext cx="5269346" cy="1745673"/>
+          </a:xfrm>
+          <a:prstGeom prst="rect">
+            <a:avLst/>
+          </a:prstGeom>
+        </p:spPr>
+      </p:pic>
+      <p:sp>
+        <p:nvSpPr>
+          <p:cNvPr id="5" name="TextBox 4">
+            <a:extLst>
+              <a:ext uri="{FF2B5EF4-FFF2-40B4-BE49-F238E27FC236}">
+                <a16:creationId xmlns:a16="http://schemas.microsoft.com/office/drawing/2014/main" id="{81359AD8-2D43-4D75-6F9A-7C7D1A1E8537}"/>
+              </a:ext>
+            </a:extLst>
+          </p:cNvPr>
+          <p:cNvSpPr txBox="1"/>
+          <p:nvPr/>
+        </p:nvSpPr>
+        <p:spPr>
+          <a:xfrm>
+            <a:off x="838200" y="3669678"/>
+            <a:ext cx="4911436" cy="954107"/>
+          </a:xfrm>
+          <a:prstGeom prst="rect">
+            <a:avLst/>
+          </a:prstGeom>
+          <a:noFill/>
+        </p:spPr>
+        <p:txBody>
+          <a:bodyPr wrap="square">
+            <a:spAutoFit/>
+          </a:bodyPr>
+          <a:lstStyle/>
+          <a:p>
+            <a:r>
+              <a:rPr lang="en-US" sz="2800" dirty="0"/>
+              <a:t>Ridge regression objective</a:t>
+            </a:r>
+          </a:p>
+          <a:p>
+            <a:endParaRPr lang="en-US" sz="2800" dirty="0"/>
+          </a:p>
+        </p:txBody>
+      </p:sp>
+      <p:pic>
+        <p:nvPicPr>
+          <p:cNvPr id="7" name="Picture 6">
+            <a:extLst>
+              <a:ext uri="{FF2B5EF4-FFF2-40B4-BE49-F238E27FC236}">
+                <a16:creationId xmlns:a16="http://schemas.microsoft.com/office/drawing/2014/main" id="{E272C9BC-85FF-E1F9-164E-1E4BB0CF50AD}"/>
+              </a:ext>
+            </a:extLst>
+          </p:cNvPr>
+          <p:cNvPicPr>
+            <a:picLocks noChangeAspect="1"/>
+          </p:cNvPicPr>
+          <p:nvPr/>
+        </p:nvPicPr>
+        <p:blipFill>
+          <a:blip r:embed="rId4"/>
+          <a:stretch>
+            <a:fillRect/>
+          </a:stretch>
+        </p:blipFill>
+        <p:spPr>
+          <a:xfrm>
+            <a:off x="3086676" y="4547585"/>
+            <a:ext cx="2191905" cy="1156359"/>
+          </a:xfrm>
+          <a:prstGeom prst="rect">
+            <a:avLst/>
+          </a:prstGeom>
+        </p:spPr>
+      </p:pic>
+      <mc:AlternateContent xmlns:mc="http://schemas.openxmlformats.org/markup-compatibility/2006">
+        <mc:Choice xmlns:a14="http://schemas.microsoft.com/office/drawing/2010/main" Requires="a14">
+          <p:sp>
+            <p:nvSpPr>
+              <p:cNvPr id="8" name="TextBox 7">
+                <a:extLst>
+                  <a:ext uri="{FF2B5EF4-FFF2-40B4-BE49-F238E27FC236}">
+                    <a16:creationId xmlns:a16="http://schemas.microsoft.com/office/drawing/2014/main" id="{B04A0158-D451-817D-8B3B-1727AF99E24C}"/>
+                  </a:ext>
+                </a:extLst>
+              </p:cNvPr>
+              <p:cNvSpPr txBox="1"/>
+              <p:nvPr/>
+            </p:nvSpPr>
+            <p:spPr>
+              <a:xfrm>
+                <a:off x="6096000" y="4892130"/>
+                <a:ext cx="4911436" cy="523220"/>
+              </a:xfrm>
+              <a:prstGeom prst="rect">
+                <a:avLst/>
+              </a:prstGeom>
+              <a:noFill/>
+            </p:spPr>
+            <p:txBody>
+              <a:bodyPr wrap="square">
+                <a:spAutoFit/>
+              </a:bodyPr>
+              <a:lstStyle/>
+              <a:p>
+                <a14:m>
+                  <m:oMath xmlns:m="http://schemas.openxmlformats.org/officeDocument/2006/math">
+                    <m:r>
+                      <a:rPr lang="en-US" sz="2800" b="0" i="1" smtClean="0">
+                        <a:latin typeface="Cambria Math" panose="02040503050406030204" pitchFamily="18" charset="0"/>
+                      </a:rPr>
+                      <m:t>𝜆</m:t>
+                    </m:r>
+                  </m:oMath>
+                </a14:m>
+                <a:r>
+                  <a:rPr lang="en-US" sz="2800" dirty="0"/>
+                  <a:t> is a hyperparameter</a:t>
+                </a:r>
+              </a:p>
+            </p:txBody>
+          </p:sp>
+        </mc:Choice>
+        <mc:Fallback>
+          <p:sp>
+            <p:nvSpPr>
+              <p:cNvPr id="8" name="TextBox 7">
+                <a:extLst>
+                  <a:ext uri="{FF2B5EF4-FFF2-40B4-BE49-F238E27FC236}">
+                    <a16:creationId xmlns:a16="http://schemas.microsoft.com/office/drawing/2014/main" id="{B04A0158-D451-817D-8B3B-1727AF99E24C}"/>
+                  </a:ext>
+                </a:extLst>
+              </p:cNvPr>
+              <p:cNvSpPr txBox="1">
+                <a:spLocks noRot="1" noChangeAspect="1" noMove="1" noResize="1" noEditPoints="1" noAdjustHandles="1" noChangeArrowheads="1" noChangeShapeType="1" noTextEdit="1"/>
+              </p:cNvSpPr>
+              <p:nvPr/>
+            </p:nvSpPr>
+            <p:spPr>
+              <a:xfrm>
+                <a:off x="6096000" y="4892130"/>
+                <a:ext cx="4911436" cy="523220"/>
+              </a:xfrm>
+              <a:prstGeom prst="rect">
+                <a:avLst/>
+              </a:prstGeom>
+              <a:blipFill>
+                <a:blip r:embed="rId5"/>
+                <a:stretch>
+                  <a:fillRect l="-775" t="-11905" b="-30952"/>
+                </a:stretch>
+              </a:blipFill>
+            </p:spPr>
+            <p:txBody>
+              <a:bodyPr/>
+              <a:lstStyle/>
+              <a:p>
+                <a:r>
+                  <a:rPr lang="en-US">
+                    <a:noFill/>
+                  </a:rPr>
+                  <a:t> </a:t>
+                </a:r>
+              </a:p>
+            </p:txBody>
+          </p:sp>
+        </mc:Fallback>
+      </mc:AlternateContent>
+    </p:spTree>
+    <p:extLst>
+      <p:ext uri="{BB962C8B-B14F-4D97-AF65-F5344CB8AC3E}">
+        <p14:creationId xmlns:p14="http://schemas.microsoft.com/office/powerpoint/2010/main" val="2365870999"/>
+      </p:ext>
+    </p:extLst>
+  </p:cSld>
+  <p:clrMapOvr>
+    <a:masterClrMapping/>
+  </p:clrMapOvr>
+</p:sld>
+</file>
+
+<file path=ppt/slides/slide9.xml><?xml version="1.0" encoding="utf-8"?>
+<p:sld xmlns:a="http://schemas.openxmlformats.org/drawingml/2006/main" xmlns:r="http://schemas.openxmlformats.org/officeDocument/2006/relationships" xmlns:p="http://schemas.openxmlformats.org/presentationml/2006/main">
+  <p:cSld>
+    <p:spTree>
+      <p:nvGrpSpPr>
+        <p:cNvPr id="1" name=""/>
+        <p:cNvGrpSpPr/>
+        <p:nvPr/>
+      </p:nvGrpSpPr>
+      <p:grpSpPr>
+        <a:xfrm>
+          <a:off x="0" y="0"/>
+          <a:ext cx="0" cy="0"/>
+          <a:chOff x="0" y="0"/>
+          <a:chExt cx="0" cy="0"/>
+        </a:xfrm>
+      </p:grpSpPr>
+      <p:sp>
+        <p:nvSpPr>
+          <p:cNvPr id="2" name="Title 1"/>
+          <p:cNvSpPr>
+            <a:spLocks noGrp="1"/>
+          </p:cNvSpPr>
+          <p:nvPr>
+            <p:ph type="title"/>
+          </p:nvPr>
+        </p:nvSpPr>
+        <p:spPr>
+          <a:xfrm>
+            <a:off x="838200" y="365126"/>
+            <a:ext cx="10515600" cy="981894"/>
+          </a:xfrm>
+        </p:spPr>
+        <p:txBody>
+          <a:bodyPr>
+            <a:normAutofit/>
+          </a:bodyPr>
+          <a:lstStyle/>
+          <a:p>
+            <a:r>
+              <a:rPr lang="en-US" sz="4400" dirty="0"/>
+              <a:t>Ridge regression</a:t>
+            </a:r>
+            <a:endParaRPr lang="en-US" dirty="0"/>
+          </a:p>
+        </p:txBody>
+      </p:sp>
+      <p:sp>
+        <p:nvSpPr>
+          <p:cNvPr id="5" name="TextBox 4">
+            <a:extLst>
+              <a:ext uri="{FF2B5EF4-FFF2-40B4-BE49-F238E27FC236}">
+                <a16:creationId xmlns:a16="http://schemas.microsoft.com/office/drawing/2014/main" id="{81359AD8-2D43-4D75-6F9A-7C7D1A1E8537}"/>
+              </a:ext>
+            </a:extLst>
+          </p:cNvPr>
+          <p:cNvSpPr txBox="1"/>
+          <p:nvPr/>
+        </p:nvSpPr>
+        <p:spPr>
+          <a:xfrm>
+            <a:off x="838199" y="1833361"/>
+            <a:ext cx="10515599" cy="523220"/>
+          </a:xfrm>
+          <a:prstGeom prst="rect">
+            <a:avLst/>
+          </a:prstGeom>
+          <a:noFill/>
+        </p:spPr>
+        <p:txBody>
+          <a:bodyPr wrap="square">
+            <a:spAutoFit/>
+          </a:bodyPr>
+          <a:lstStyle/>
+          <a:p>
+            <a:r>
+              <a:rPr lang="en-US" sz="2800" dirty="0"/>
+              <a:t>Before ridge regression, we usually need to standardize the predictors </a:t>
+            </a:r>
+          </a:p>
+        </p:txBody>
+      </p:sp>
+      <p:pic>
+        <p:nvPicPr>
+          <p:cNvPr id="3" name="Picture 2">
+            <a:extLst>
+              <a:ext uri="{FF2B5EF4-FFF2-40B4-BE49-F238E27FC236}">
+                <a16:creationId xmlns:a16="http://schemas.microsoft.com/office/drawing/2014/main" id="{044BEEA4-619E-E6EA-E65A-173DD8427E52}"/>
+              </a:ext>
+            </a:extLst>
+          </p:cNvPr>
+          <p:cNvPicPr>
+            <a:picLocks noChangeAspect="1"/>
+          </p:cNvPicPr>
+          <p:nvPr/>
+        </p:nvPicPr>
+        <p:blipFill>
+          <a:blip r:embed="rId3"/>
+          <a:stretch>
+            <a:fillRect/>
+          </a:stretch>
+        </p:blipFill>
+        <p:spPr>
+          <a:xfrm>
+            <a:off x="3176732" y="2730211"/>
+            <a:ext cx="4826299" cy="1397577"/>
+          </a:xfrm>
+          <a:prstGeom prst="rect">
+            <a:avLst/>
+          </a:prstGeom>
+        </p:spPr>
+      </p:pic>
+      <mc:AlternateContent xmlns:mc="http://schemas.openxmlformats.org/markup-compatibility/2006">
+        <mc:Choice xmlns:a14="http://schemas.microsoft.com/office/drawing/2010/main" Requires="a14">
+          <p:sp>
+            <p:nvSpPr>
+              <p:cNvPr id="6" name="TextBox 5">
+                <a:extLst>
+                  <a:ext uri="{FF2B5EF4-FFF2-40B4-BE49-F238E27FC236}">
+                    <a16:creationId xmlns:a16="http://schemas.microsoft.com/office/drawing/2014/main" id="{7930306D-F283-2ECD-785B-76844090DA10}"/>
+                  </a:ext>
+                </a:extLst>
+              </p:cNvPr>
+              <p:cNvSpPr txBox="1"/>
+              <p:nvPr/>
+            </p:nvSpPr>
+            <p:spPr>
+              <a:xfrm>
+                <a:off x="713508" y="4742816"/>
+                <a:ext cx="10515599" cy="523220"/>
+              </a:xfrm>
+              <a:prstGeom prst="rect">
+                <a:avLst/>
+              </a:prstGeom>
+              <a:noFill/>
+            </p:spPr>
+            <p:txBody>
+              <a:bodyPr wrap="square">
+                <a:spAutoFit/>
+              </a:bodyPr>
+              <a:lstStyle/>
+              <a:p>
+                <a:r>
+                  <a:rPr lang="en-US" sz="2800" dirty="0"/>
+                  <a:t>We usually use cross validation to set </a:t>
+                </a:r>
+                <a14:m>
+                  <m:oMath xmlns:m="http://schemas.openxmlformats.org/officeDocument/2006/math">
+                    <m:r>
+                      <a:rPr lang="en-US" sz="2800" b="0" i="1" smtClean="0">
+                        <a:latin typeface="Cambria Math" panose="02040503050406030204" pitchFamily="18" charset="0"/>
+                      </a:rPr>
+                      <m:t>𝜆</m:t>
+                    </m:r>
+                  </m:oMath>
+                </a14:m>
+                <a:r>
+                  <a:rPr lang="en-US" sz="2800" dirty="0"/>
+                  <a:t> </a:t>
+                </a:r>
+              </a:p>
+            </p:txBody>
+          </p:sp>
+        </mc:Choice>
+        <mc:Fallback>
+          <p:sp>
+            <p:nvSpPr>
+              <p:cNvPr id="6" name="TextBox 5">
+                <a:extLst>
+                  <a:ext uri="{FF2B5EF4-FFF2-40B4-BE49-F238E27FC236}">
+                    <a16:creationId xmlns:a16="http://schemas.microsoft.com/office/drawing/2014/main" id="{7930306D-F283-2ECD-785B-76844090DA10}"/>
+                  </a:ext>
+                </a:extLst>
+              </p:cNvPr>
+              <p:cNvSpPr txBox="1">
+                <a:spLocks noRot="1" noChangeAspect="1" noMove="1" noResize="1" noEditPoints="1" noAdjustHandles="1" noChangeArrowheads="1" noChangeShapeType="1" noTextEdit="1"/>
+              </p:cNvSpPr>
+              <p:nvPr/>
+            </p:nvSpPr>
+            <p:spPr>
+              <a:xfrm>
+                <a:off x="713508" y="4742816"/>
+                <a:ext cx="10515599" cy="523220"/>
+              </a:xfrm>
+              <a:prstGeom prst="rect">
+                <a:avLst/>
+              </a:prstGeom>
+              <a:blipFill>
+                <a:blip r:embed="rId4"/>
+                <a:stretch>
+                  <a:fillRect l="-1206" t="-11905" b="-30952"/>
+                </a:stretch>
+              </a:blipFill>
+            </p:spPr>
+            <p:txBody>
+              <a:bodyPr/>
+              <a:lstStyle/>
+              <a:p>
+                <a:r>
+                  <a:rPr lang="en-US">
+                    <a:noFill/>
+                  </a:rPr>
+                  <a:t> </a:t>
+                </a:r>
+              </a:p>
+            </p:txBody>
+          </p:sp>
+        </mc:Fallback>
+      </mc:AlternateContent>
+    </p:spTree>
+    <p:extLst>
+      <p:ext uri="{BB962C8B-B14F-4D97-AF65-F5344CB8AC3E}">
+        <p14:creationId xmlns:p14="http://schemas.microsoft.com/office/powerpoint/2010/main" val="3766903573"/>
       </p:ext>
     </p:extLst>
   </p:cSld>
@@ -4150,7 +9997,7 @@
 <file path=ppt/theme/theme1.xml><?xml version="1.0" encoding="utf-8"?>
 <a:theme xmlns:a="http://schemas.openxmlformats.org/drawingml/2006/main" name="Office Theme">
   <a:themeElements>
-    <a:clrScheme name="Office">
+    <a:clrScheme name="Office Theme">
       <a:dk1>
         <a:sysClr val="windowText" lastClr="000000"/>
       </a:dk1>
@@ -4164,7 +10011,7 @@
         <a:srgbClr val="E7E6E6"/>
       </a:lt2>
       <a:accent1>
-        <a:srgbClr val="5B9BD5"/>
+        <a:srgbClr val="4472C4"/>
       </a:accent1>
       <a:accent2>
         <a:srgbClr val="ED7D31"/>
@@ -4176,7 +10023,7 @@
         <a:srgbClr val="FFC000"/>
       </a:accent4>
       <a:accent5>
-        <a:srgbClr val="4472C4"/>
+        <a:srgbClr val="5B9BD5"/>
       </a:accent5>
       <a:accent6>
         <a:srgbClr val="70AD47"/>
@@ -4188,7 +10035,7 @@
         <a:srgbClr val="954F72"/>
       </a:folHlink>
     </a:clrScheme>
-    <a:fontScheme name="Office">
+    <a:fontScheme name="Office Theme">
       <a:majorFont>
         <a:latin typeface="Calibri Light" panose="020F0302020204030204"/>
         <a:ea typeface=""/>
@@ -4260,7 +10107,7 @@
         <a:font script="Geor" typeface="Sylfaen"/>
       </a:minorFont>
     </a:fontScheme>
-    <a:fmtScheme name="Office">
+    <a:fmtScheme name="Office Theme">
       <a:fillStyleLst>
         <a:solidFill>
           <a:schemeClr val="phClr"/>
@@ -4402,7 +10249,7 @@
   <a:extraClrSchemeLst/>
   <a:extLst>
     <a:ext uri="{05A4C25C-085E-4340-85A3-A5531E510DB2}">
-      <thm15:themeFamily xmlns:thm15="http://schemas.microsoft.com/office/thememl/2012/main" name="Office Theme" id="{62F939B6-93AF-4DB8-9C6B-D6C7DFDC589F}" vid="{4A3C46E8-61CC-4603-A589-7422A47A8E4A}"/>
+      <thm15:themeFamily xmlns:thm15="http://schemas.microsoft.com/office/thememl/2012/main" name="Office Theme 2013 - 2022" id="{62F939B6-93AF-4DB8-9C6B-D6C7DFDC589F}" vid="{4A3C46E8-61CC-4603-A589-7422A47A8E4A}"/>
     </a:ext>
   </a:extLst>
 </a:theme>

--- a/_umkc-teaching/slides/Lecture7.pptx
+++ b/_umkc-teaching/slides/Lecture7.pptx
@@ -5,30 +5,29 @@
     <p:sldMasterId id="2147483660" r:id="rId1"/>
   </p:sldMasterIdLst>
   <p:notesMasterIdLst>
-    <p:notesMasterId r:id="rId23"/>
+    <p:notesMasterId r:id="rId22"/>
   </p:notesMasterIdLst>
   <p:sldIdLst>
     <p:sldId id="257" r:id="rId2"/>
     <p:sldId id="321" r:id="rId3"/>
     <p:sldId id="326" r:id="rId4"/>
-    <p:sldId id="327" r:id="rId5"/>
-    <p:sldId id="328" r:id="rId6"/>
-    <p:sldId id="329" r:id="rId7"/>
-    <p:sldId id="331" r:id="rId8"/>
-    <p:sldId id="332" r:id="rId9"/>
-    <p:sldId id="333" r:id="rId10"/>
-    <p:sldId id="335" r:id="rId11"/>
-    <p:sldId id="336" r:id="rId12"/>
-    <p:sldId id="337" r:id="rId13"/>
-    <p:sldId id="338" r:id="rId14"/>
-    <p:sldId id="339" r:id="rId15"/>
-    <p:sldId id="340" r:id="rId16"/>
-    <p:sldId id="341" r:id="rId17"/>
-    <p:sldId id="342" r:id="rId18"/>
-    <p:sldId id="344" r:id="rId19"/>
-    <p:sldId id="345" r:id="rId20"/>
-    <p:sldId id="346" r:id="rId21"/>
-    <p:sldId id="325" r:id="rId22"/>
+    <p:sldId id="328" r:id="rId5"/>
+    <p:sldId id="329" r:id="rId6"/>
+    <p:sldId id="331" r:id="rId7"/>
+    <p:sldId id="332" r:id="rId8"/>
+    <p:sldId id="333" r:id="rId9"/>
+    <p:sldId id="335" r:id="rId10"/>
+    <p:sldId id="336" r:id="rId11"/>
+    <p:sldId id="337" r:id="rId12"/>
+    <p:sldId id="338" r:id="rId13"/>
+    <p:sldId id="339" r:id="rId14"/>
+    <p:sldId id="340" r:id="rId15"/>
+    <p:sldId id="341" r:id="rId16"/>
+    <p:sldId id="342" r:id="rId17"/>
+    <p:sldId id="344" r:id="rId18"/>
+    <p:sldId id="345" r:id="rId19"/>
+    <p:sldId id="346" r:id="rId20"/>
+    <p:sldId id="325" r:id="rId21"/>
   </p:sldIdLst>
   <p:sldSz cx="12192000" cy="6858000"/>
   <p:notesSz cx="6858000" cy="9144000"/>
@@ -217,7 +216,7 @@
           <a:p>
             <a:fld id="{7AF9442D-9D7C-40D7-A5A3-649EA8C158D2}" type="datetimeFigureOut">
               <a:rPr lang="en-US" smtClean="0"/>
-              <a:t>9/20/23</a:t>
+              <a:t>9/24/23</a:t>
             </a:fld>
             <a:endParaRPr lang="en-US"/>
           </a:p>
@@ -652,7 +651,7 @@
     </p:spTree>
     <p:extLst>
       <p:ext uri="{BB962C8B-B14F-4D97-AF65-F5344CB8AC3E}">
-        <p14:creationId xmlns:p14="http://schemas.microsoft.com/office/powerpoint/2010/main" val="3599158178"/>
+        <p14:creationId xmlns:p14="http://schemas.microsoft.com/office/powerpoint/2010/main" val="3682550870"/>
       </p:ext>
     </p:extLst>
   </p:cSld>
@@ -741,7 +740,7 @@
     </p:spTree>
     <p:extLst>
       <p:ext uri="{BB962C8B-B14F-4D97-AF65-F5344CB8AC3E}">
-        <p14:creationId xmlns:p14="http://schemas.microsoft.com/office/powerpoint/2010/main" val="3682550870"/>
+        <p14:creationId xmlns:p14="http://schemas.microsoft.com/office/powerpoint/2010/main" val="3758387337"/>
       </p:ext>
     </p:extLst>
   </p:cSld>
@@ -830,7 +829,7 @@
     </p:spTree>
     <p:extLst>
       <p:ext uri="{BB962C8B-B14F-4D97-AF65-F5344CB8AC3E}">
-        <p14:creationId xmlns:p14="http://schemas.microsoft.com/office/powerpoint/2010/main" val="3758387337"/>
+        <p14:creationId xmlns:p14="http://schemas.microsoft.com/office/powerpoint/2010/main" val="1143330666"/>
       </p:ext>
     </p:extLst>
   </p:cSld>
@@ -919,7 +918,7 @@
     </p:spTree>
     <p:extLst>
       <p:ext uri="{BB962C8B-B14F-4D97-AF65-F5344CB8AC3E}">
-        <p14:creationId xmlns:p14="http://schemas.microsoft.com/office/powerpoint/2010/main" val="1143330666"/>
+        <p14:creationId xmlns:p14="http://schemas.microsoft.com/office/powerpoint/2010/main" val="1115071677"/>
       </p:ext>
     </p:extLst>
   </p:cSld>
@@ -1008,7 +1007,7 @@
     </p:spTree>
     <p:extLst>
       <p:ext uri="{BB962C8B-B14F-4D97-AF65-F5344CB8AC3E}">
-        <p14:creationId xmlns:p14="http://schemas.microsoft.com/office/powerpoint/2010/main" val="1115071677"/>
+        <p14:creationId xmlns:p14="http://schemas.microsoft.com/office/powerpoint/2010/main" val="2389215209"/>
       </p:ext>
     </p:extLst>
   </p:cSld>
@@ -1097,7 +1096,7 @@
     </p:spTree>
     <p:extLst>
       <p:ext uri="{BB962C8B-B14F-4D97-AF65-F5344CB8AC3E}">
-        <p14:creationId xmlns:p14="http://schemas.microsoft.com/office/powerpoint/2010/main" val="2389215209"/>
+        <p14:creationId xmlns:p14="http://schemas.microsoft.com/office/powerpoint/2010/main" val="1012518423"/>
       </p:ext>
     </p:extLst>
   </p:cSld>
@@ -1186,7 +1185,7 @@
     </p:spTree>
     <p:extLst>
       <p:ext uri="{BB962C8B-B14F-4D97-AF65-F5344CB8AC3E}">
-        <p14:creationId xmlns:p14="http://schemas.microsoft.com/office/powerpoint/2010/main" val="1012518423"/>
+        <p14:creationId xmlns:p14="http://schemas.microsoft.com/office/powerpoint/2010/main" val="2986975700"/>
       </p:ext>
     </p:extLst>
   </p:cSld>
@@ -1275,7 +1274,7 @@
     </p:spTree>
     <p:extLst>
       <p:ext uri="{BB962C8B-B14F-4D97-AF65-F5344CB8AC3E}">
-        <p14:creationId xmlns:p14="http://schemas.microsoft.com/office/powerpoint/2010/main" val="2986975700"/>
+        <p14:creationId xmlns:p14="http://schemas.microsoft.com/office/powerpoint/2010/main" val="600641486"/>
       </p:ext>
     </p:extLst>
   </p:cSld>
@@ -1356,95 +1355,6 @@
             <a:fld id="{3F8BDF20-BE86-4883-8A23-4CE3D0058BEA}" type="slidenum">
               <a:rPr lang="en-US" smtClean="0"/>
               <a:t>19</a:t>
-            </a:fld>
-            <a:endParaRPr lang="en-US"/>
-          </a:p>
-        </p:txBody>
-      </p:sp>
-    </p:spTree>
-    <p:extLst>
-      <p:ext uri="{BB962C8B-B14F-4D97-AF65-F5344CB8AC3E}">
-        <p14:creationId xmlns:p14="http://schemas.microsoft.com/office/powerpoint/2010/main" val="600641486"/>
-      </p:ext>
-    </p:extLst>
-  </p:cSld>
-  <p:clrMapOvr>
-    <a:masterClrMapping/>
-  </p:clrMapOvr>
-</p:notes>
-</file>
-
-<file path=ppt/notesSlides/notesSlide19.xml><?xml version="1.0" encoding="utf-8"?>
-<p:notes xmlns:a="http://schemas.openxmlformats.org/drawingml/2006/main" xmlns:r="http://schemas.openxmlformats.org/officeDocument/2006/relationships" xmlns:p="http://schemas.openxmlformats.org/presentationml/2006/main">
-  <p:cSld>
-    <p:spTree>
-      <p:nvGrpSpPr>
-        <p:cNvPr id="1" name=""/>
-        <p:cNvGrpSpPr/>
-        <p:nvPr/>
-      </p:nvGrpSpPr>
-      <p:grpSpPr>
-        <a:xfrm>
-          <a:off x="0" y="0"/>
-          <a:ext cx="0" cy="0"/>
-          <a:chOff x="0" y="0"/>
-          <a:chExt cx="0" cy="0"/>
-        </a:xfrm>
-      </p:grpSpPr>
-      <p:sp>
-        <p:nvSpPr>
-          <p:cNvPr id="2" name="Slide Image Placeholder 1"/>
-          <p:cNvSpPr>
-            <a:spLocks noGrp="1" noRot="1" noChangeAspect="1"/>
-          </p:cNvSpPr>
-          <p:nvPr>
-            <p:ph type="sldImg"/>
-          </p:nvPr>
-        </p:nvSpPr>
-        <p:spPr>
-          <a:xfrm>
-            <a:off x="685800" y="1143000"/>
-            <a:ext cx="5486400" cy="3086100"/>
-          </a:xfrm>
-        </p:spPr>
-      </p:sp>
-      <p:sp>
-        <p:nvSpPr>
-          <p:cNvPr id="3" name="Notes Placeholder 2"/>
-          <p:cNvSpPr>
-            <a:spLocks noGrp="1"/>
-          </p:cNvSpPr>
-          <p:nvPr>
-            <p:ph type="body" idx="1"/>
-          </p:nvPr>
-        </p:nvSpPr>
-        <p:spPr/>
-        <p:txBody>
-          <a:bodyPr/>
-          <a:lstStyle/>
-          <a:p>
-            <a:endParaRPr lang="en-US" dirty="0"/>
-          </a:p>
-        </p:txBody>
-      </p:sp>
-      <p:sp>
-        <p:nvSpPr>
-          <p:cNvPr id="4" name="Slide Number Placeholder 3"/>
-          <p:cNvSpPr>
-            <a:spLocks noGrp="1"/>
-          </p:cNvSpPr>
-          <p:nvPr>
-            <p:ph type="sldNum" sz="quarter" idx="5"/>
-          </p:nvPr>
-        </p:nvSpPr>
-        <p:spPr/>
-        <p:txBody>
-          <a:bodyPr/>
-          <a:lstStyle/>
-          <a:p>
-            <a:fld id="{3F8BDF20-BE86-4883-8A23-4CE3D0058BEA}" type="slidenum">
-              <a:rPr lang="en-US" smtClean="0"/>
-              <a:t>20</a:t>
             </a:fld>
             <a:endParaRPr lang="en-US"/>
           </a:p>
@@ -1631,7 +1541,7 @@
     </p:spTree>
     <p:extLst>
       <p:ext uri="{BB962C8B-B14F-4D97-AF65-F5344CB8AC3E}">
-        <p14:creationId xmlns:p14="http://schemas.microsoft.com/office/powerpoint/2010/main" val="1737785465"/>
+        <p14:creationId xmlns:p14="http://schemas.microsoft.com/office/powerpoint/2010/main" val="4131597292"/>
       </p:ext>
     </p:extLst>
   </p:cSld>
@@ -1720,7 +1630,7 @@
     </p:spTree>
     <p:extLst>
       <p:ext uri="{BB962C8B-B14F-4D97-AF65-F5344CB8AC3E}">
-        <p14:creationId xmlns:p14="http://schemas.microsoft.com/office/powerpoint/2010/main" val="4131597292"/>
+        <p14:creationId xmlns:p14="http://schemas.microsoft.com/office/powerpoint/2010/main" val="3848941342"/>
       </p:ext>
     </p:extLst>
   </p:cSld>
@@ -1809,7 +1719,7 @@
     </p:spTree>
     <p:extLst>
       <p:ext uri="{BB962C8B-B14F-4D97-AF65-F5344CB8AC3E}">
-        <p14:creationId xmlns:p14="http://schemas.microsoft.com/office/powerpoint/2010/main" val="3848941342"/>
+        <p14:creationId xmlns:p14="http://schemas.microsoft.com/office/powerpoint/2010/main" val="2594270336"/>
       </p:ext>
     </p:extLst>
   </p:cSld>
@@ -1898,7 +1808,7 @@
     </p:spTree>
     <p:extLst>
       <p:ext uri="{BB962C8B-B14F-4D97-AF65-F5344CB8AC3E}">
-        <p14:creationId xmlns:p14="http://schemas.microsoft.com/office/powerpoint/2010/main" val="2594270336"/>
+        <p14:creationId xmlns:p14="http://schemas.microsoft.com/office/powerpoint/2010/main" val="607572491"/>
       </p:ext>
     </p:extLst>
   </p:cSld>
@@ -1987,7 +1897,7 @@
     </p:spTree>
     <p:extLst>
       <p:ext uri="{BB962C8B-B14F-4D97-AF65-F5344CB8AC3E}">
-        <p14:creationId xmlns:p14="http://schemas.microsoft.com/office/powerpoint/2010/main" val="607572491"/>
+        <p14:creationId xmlns:p14="http://schemas.microsoft.com/office/powerpoint/2010/main" val="2398773770"/>
       </p:ext>
     </p:extLst>
   </p:cSld>
@@ -2076,7 +1986,7 @@
     </p:spTree>
     <p:extLst>
       <p:ext uri="{BB962C8B-B14F-4D97-AF65-F5344CB8AC3E}">
-        <p14:creationId xmlns:p14="http://schemas.microsoft.com/office/powerpoint/2010/main" val="2398773770"/>
+        <p14:creationId xmlns:p14="http://schemas.microsoft.com/office/powerpoint/2010/main" val="953750740"/>
       </p:ext>
     </p:extLst>
   </p:cSld>
@@ -2165,7 +2075,7 @@
     </p:spTree>
     <p:extLst>
       <p:ext uri="{BB962C8B-B14F-4D97-AF65-F5344CB8AC3E}">
-        <p14:creationId xmlns:p14="http://schemas.microsoft.com/office/powerpoint/2010/main" val="953750740"/>
+        <p14:creationId xmlns:p14="http://schemas.microsoft.com/office/powerpoint/2010/main" val="3599158178"/>
       </p:ext>
     </p:extLst>
   </p:cSld>
@@ -2306,7 +2216,7 @@
           <a:p>
             <a:fld id="{41748473-9145-41F0-ADB9-654A949CD218}" type="datetimeFigureOut">
               <a:rPr lang="en-US" smtClean="0"/>
-              <a:t>9/20/23</a:t>
+              <a:t>9/24/23</a:t>
             </a:fld>
             <a:endParaRPr lang="en-US"/>
           </a:p>
@@ -2476,7 +2386,7 @@
           <a:p>
             <a:fld id="{41748473-9145-41F0-ADB9-654A949CD218}" type="datetimeFigureOut">
               <a:rPr lang="en-US" smtClean="0"/>
-              <a:t>9/20/23</a:t>
+              <a:t>9/24/23</a:t>
             </a:fld>
             <a:endParaRPr lang="en-US"/>
           </a:p>
@@ -2656,7 +2566,7 @@
           <a:p>
             <a:fld id="{41748473-9145-41F0-ADB9-654A949CD218}" type="datetimeFigureOut">
               <a:rPr lang="en-US" smtClean="0"/>
-              <a:t>9/20/23</a:t>
+              <a:t>9/24/23</a:t>
             </a:fld>
             <a:endParaRPr lang="en-US"/>
           </a:p>
@@ -2826,7 +2736,7 @@
           <a:p>
             <a:fld id="{41748473-9145-41F0-ADB9-654A949CD218}" type="datetimeFigureOut">
               <a:rPr lang="en-US" smtClean="0"/>
-              <a:t>9/20/23</a:t>
+              <a:t>9/24/23</a:t>
             </a:fld>
             <a:endParaRPr lang="en-US"/>
           </a:p>
@@ -3072,7 +2982,7 @@
           <a:p>
             <a:fld id="{41748473-9145-41F0-ADB9-654A949CD218}" type="datetimeFigureOut">
               <a:rPr lang="en-US" smtClean="0"/>
-              <a:t>9/20/23</a:t>
+              <a:t>9/24/23</a:t>
             </a:fld>
             <a:endParaRPr lang="en-US"/>
           </a:p>
@@ -3304,7 +3214,7 @@
           <a:p>
             <a:fld id="{41748473-9145-41F0-ADB9-654A949CD218}" type="datetimeFigureOut">
               <a:rPr lang="en-US" smtClean="0"/>
-              <a:t>9/20/23</a:t>
+              <a:t>9/24/23</a:t>
             </a:fld>
             <a:endParaRPr lang="en-US"/>
           </a:p>
@@ -3671,7 +3581,7 @@
           <a:p>
             <a:fld id="{41748473-9145-41F0-ADB9-654A949CD218}" type="datetimeFigureOut">
               <a:rPr lang="en-US" smtClean="0"/>
-              <a:t>9/20/23</a:t>
+              <a:t>9/24/23</a:t>
             </a:fld>
             <a:endParaRPr lang="en-US"/>
           </a:p>
@@ -3789,7 +3699,7 @@
           <a:p>
             <a:fld id="{41748473-9145-41F0-ADB9-654A949CD218}" type="datetimeFigureOut">
               <a:rPr lang="en-US" smtClean="0"/>
-              <a:t>9/20/23</a:t>
+              <a:t>9/24/23</a:t>
             </a:fld>
             <a:endParaRPr lang="en-US"/>
           </a:p>
@@ -3884,7 +3794,7 @@
           <a:p>
             <a:fld id="{41748473-9145-41F0-ADB9-654A949CD218}" type="datetimeFigureOut">
               <a:rPr lang="en-US" smtClean="0"/>
-              <a:t>9/20/23</a:t>
+              <a:t>9/24/23</a:t>
             </a:fld>
             <a:endParaRPr lang="en-US"/>
           </a:p>
@@ -4161,7 +4071,7 @@
           <a:p>
             <a:fld id="{41748473-9145-41F0-ADB9-654A949CD218}" type="datetimeFigureOut">
               <a:rPr lang="en-US" smtClean="0"/>
-              <a:t>9/20/23</a:t>
+              <a:t>9/24/23</a:t>
             </a:fld>
             <a:endParaRPr lang="en-US"/>
           </a:p>
@@ -4418,7 +4328,7 @@
           <a:p>
             <a:fld id="{41748473-9145-41F0-ADB9-654A949CD218}" type="datetimeFigureOut">
               <a:rPr lang="en-US" smtClean="0"/>
-              <a:t>9/20/23</a:t>
+              <a:t>9/24/23</a:t>
             </a:fld>
             <a:endParaRPr lang="en-US"/>
           </a:p>
@@ -4631,7 +4541,7 @@
           <a:p>
             <a:fld id="{41748473-9145-41F0-ADB9-654A949CD218}" type="datetimeFigureOut">
               <a:rPr lang="en-US" smtClean="0"/>
-              <a:t>9/20/23</a:t>
+              <a:t>9/24/23</a:t>
             </a:fld>
             <a:endParaRPr lang="en-US"/>
           </a:p>
@@ -5334,286 +5244,6 @@
           <a:p>
             <a:r>
               <a:rPr lang="en-US" sz="4400" dirty="0"/>
-              <a:t>Lasso</a:t>
-            </a:r>
-            <a:endParaRPr lang="en-US" dirty="0"/>
-          </a:p>
-        </p:txBody>
-      </p:sp>
-      <p:sp>
-        <p:nvSpPr>
-          <p:cNvPr id="5" name="TextBox 4">
-            <a:extLst>
-              <a:ext uri="{FF2B5EF4-FFF2-40B4-BE49-F238E27FC236}">
-                <a16:creationId xmlns:a16="http://schemas.microsoft.com/office/drawing/2014/main" id="{81359AD8-2D43-4D75-6F9A-7C7D1A1E8537}"/>
-              </a:ext>
-            </a:extLst>
-          </p:cNvPr>
-          <p:cNvSpPr txBox="1"/>
-          <p:nvPr/>
-        </p:nvSpPr>
-        <p:spPr>
-          <a:xfrm>
-            <a:off x="838199" y="1833361"/>
-            <a:ext cx="10515599" cy="1384995"/>
-          </a:xfrm>
-          <a:prstGeom prst="rect">
-            <a:avLst/>
-          </a:prstGeom>
-          <a:noFill/>
-        </p:spPr>
-        <p:txBody>
-          <a:bodyPr wrap="square">
-            <a:spAutoFit/>
-          </a:bodyPr>
-          <a:lstStyle/>
-          <a:p>
-            <a:r>
-              <a:rPr lang="en-US" sz="2800" dirty="0"/>
-              <a:t>Ridge regression will include all p predictors in the final model (Disadvantage: No predictor selection) </a:t>
-            </a:r>
-          </a:p>
-          <a:p>
-            <a:endParaRPr lang="en-US" sz="2800" dirty="0"/>
-          </a:p>
-        </p:txBody>
-      </p:sp>
-      <p:sp>
-        <p:nvSpPr>
-          <p:cNvPr id="6" name="TextBox 5">
-            <a:extLst>
-              <a:ext uri="{FF2B5EF4-FFF2-40B4-BE49-F238E27FC236}">
-                <a16:creationId xmlns:a16="http://schemas.microsoft.com/office/drawing/2014/main" id="{7930306D-F283-2ECD-785B-76844090DA10}"/>
-              </a:ext>
-            </a:extLst>
-          </p:cNvPr>
-          <p:cNvSpPr txBox="1"/>
-          <p:nvPr/>
-        </p:nvSpPr>
-        <p:spPr>
-          <a:xfrm>
-            <a:off x="838198" y="3378035"/>
-            <a:ext cx="10515599" cy="523220"/>
-          </a:xfrm>
-          <a:prstGeom prst="rect">
-            <a:avLst/>
-          </a:prstGeom>
-          <a:noFill/>
-        </p:spPr>
-        <p:txBody>
-          <a:bodyPr wrap="square">
-            <a:spAutoFit/>
-          </a:bodyPr>
-          <a:lstStyle/>
-          <a:p>
-            <a:r>
-              <a:rPr lang="en-US" sz="2800" dirty="0"/>
-              <a:t>Objective of Lasso</a:t>
-            </a:r>
-          </a:p>
-        </p:txBody>
-      </p:sp>
-      <p:pic>
-        <p:nvPicPr>
-          <p:cNvPr id="4" name="Picture 3">
-            <a:extLst>
-              <a:ext uri="{FF2B5EF4-FFF2-40B4-BE49-F238E27FC236}">
-                <a16:creationId xmlns:a16="http://schemas.microsoft.com/office/drawing/2014/main" id="{1482005E-454E-C0F1-0E8C-B109B3435E4E}"/>
-              </a:ext>
-            </a:extLst>
-          </p:cNvPr>
-          <p:cNvPicPr>
-            <a:picLocks noChangeAspect="1"/>
-          </p:cNvPicPr>
-          <p:nvPr/>
-        </p:nvPicPr>
-        <p:blipFill>
-          <a:blip r:embed="rId3"/>
-          <a:stretch>
-            <a:fillRect/>
-          </a:stretch>
-        </p:blipFill>
-        <p:spPr>
-          <a:xfrm>
-            <a:off x="2359889" y="4220612"/>
-            <a:ext cx="2370663" cy="1307351"/>
-          </a:xfrm>
-          <a:prstGeom prst="rect">
-            <a:avLst/>
-          </a:prstGeom>
-        </p:spPr>
-      </p:pic>
-      <mc:AlternateContent xmlns:mc="http://schemas.openxmlformats.org/markup-compatibility/2006">
-        <mc:Choice xmlns:a14="http://schemas.microsoft.com/office/drawing/2010/main" Requires="a14">
-          <p:sp>
-            <p:nvSpPr>
-              <p:cNvPr id="7" name="TextBox 6">
-                <a:extLst>
-                  <a:ext uri="{FF2B5EF4-FFF2-40B4-BE49-F238E27FC236}">
-                    <a16:creationId xmlns:a16="http://schemas.microsoft.com/office/drawing/2014/main" id="{998BC48A-6B9E-BEB3-8C0E-B6328AB6860A}"/>
-                  </a:ext>
-                </a:extLst>
-              </p:cNvPr>
-              <p:cNvSpPr txBox="1"/>
-              <p:nvPr/>
-            </p:nvSpPr>
-            <p:spPr>
-              <a:xfrm>
-                <a:off x="5645728" y="4220612"/>
-                <a:ext cx="5230090" cy="1384995"/>
-              </a:xfrm>
-              <a:prstGeom prst="rect">
-                <a:avLst/>
-              </a:prstGeom>
-              <a:noFill/>
-            </p:spPr>
-            <p:txBody>
-              <a:bodyPr wrap="square">
-                <a:spAutoFit/>
-              </a:bodyPr>
-              <a:lstStyle/>
-              <a:p>
-                <a:r>
-                  <a:rPr lang="en-US" sz="2800" dirty="0"/>
-                  <a:t>If</a:t>
-                </a:r>
-                <a14:m>
-                  <m:oMath xmlns:m="http://schemas.openxmlformats.org/officeDocument/2006/math">
-                    <m:r>
-                      <a:rPr lang="en-US" sz="2800" b="0" i="0" smtClean="0">
-                        <a:latin typeface="Cambria Math" panose="02040503050406030204" pitchFamily="18" charset="0"/>
-                      </a:rPr>
-                      <m:t> </m:t>
-                    </m:r>
-                    <m:r>
-                      <a:rPr lang="en-US" sz="2800" b="0" i="1" smtClean="0">
-                        <a:latin typeface="Cambria Math" panose="02040503050406030204" pitchFamily="18" charset="0"/>
-                      </a:rPr>
-                      <m:t>𝜆</m:t>
-                    </m:r>
-                  </m:oMath>
-                </a14:m>
-                <a:r>
-                  <a:rPr lang="en-US" sz="2800" dirty="0"/>
-                  <a:t> is sufficiently large, then Lasso will force some </a:t>
-                </a:r>
-                <a14:m>
-                  <m:oMath xmlns:m="http://schemas.openxmlformats.org/officeDocument/2006/math">
-                    <m:r>
-                      <a:rPr lang="en-US" sz="2800" b="0" i="1" smtClean="0">
-                        <a:latin typeface="Cambria Math" panose="02040503050406030204" pitchFamily="18" charset="0"/>
-                      </a:rPr>
-                      <m:t>𝛽</m:t>
-                    </m:r>
-                  </m:oMath>
-                </a14:m>
-                <a:r>
-                  <a:rPr lang="en-US" sz="2800" dirty="0"/>
-                  <a:t> to exactly zero (equivalent to predictor selection)</a:t>
-                </a:r>
-              </a:p>
-            </p:txBody>
-          </p:sp>
-        </mc:Choice>
-        <mc:Fallback>
-          <p:sp>
-            <p:nvSpPr>
-              <p:cNvPr id="7" name="TextBox 6">
-                <a:extLst>
-                  <a:ext uri="{FF2B5EF4-FFF2-40B4-BE49-F238E27FC236}">
-                    <a16:creationId xmlns:a16="http://schemas.microsoft.com/office/drawing/2014/main" id="{998BC48A-6B9E-BEB3-8C0E-B6328AB6860A}"/>
-                  </a:ext>
-                </a:extLst>
-              </p:cNvPr>
-              <p:cNvSpPr txBox="1">
-                <a:spLocks noRot="1" noChangeAspect="1" noMove="1" noResize="1" noEditPoints="1" noAdjustHandles="1" noChangeArrowheads="1" noChangeShapeType="1" noTextEdit="1"/>
-              </p:cNvSpPr>
-              <p:nvPr/>
-            </p:nvSpPr>
-            <p:spPr>
-              <a:xfrm>
-                <a:off x="5645728" y="4220612"/>
-                <a:ext cx="5230090" cy="1384995"/>
-              </a:xfrm>
-              <a:prstGeom prst="rect">
-                <a:avLst/>
-              </a:prstGeom>
-              <a:blipFill>
-                <a:blip r:embed="rId4"/>
-                <a:stretch>
-                  <a:fillRect l="-2421" t="-4545" r="-1453" b="-10909"/>
-                </a:stretch>
-              </a:blipFill>
-            </p:spPr>
-            <p:txBody>
-              <a:bodyPr/>
-              <a:lstStyle/>
-              <a:p>
-                <a:r>
-                  <a:rPr lang="en-US">
-                    <a:noFill/>
-                  </a:rPr>
-                  <a:t> </a:t>
-                </a:r>
-              </a:p>
-            </p:txBody>
-          </p:sp>
-        </mc:Fallback>
-      </mc:AlternateContent>
-    </p:spTree>
-    <p:extLst>
-      <p:ext uri="{BB962C8B-B14F-4D97-AF65-F5344CB8AC3E}">
-        <p14:creationId xmlns:p14="http://schemas.microsoft.com/office/powerpoint/2010/main" val="4247297750"/>
-      </p:ext>
-    </p:extLst>
-  </p:cSld>
-  <p:clrMapOvr>
-    <a:masterClrMapping/>
-  </p:clrMapOvr>
-</p:sld>
-</file>
-
-<file path=ppt/slides/slide11.xml><?xml version="1.0" encoding="utf-8"?>
-<p:sld xmlns:a="http://schemas.openxmlformats.org/drawingml/2006/main" xmlns:r="http://schemas.openxmlformats.org/officeDocument/2006/relationships" xmlns:p="http://schemas.openxmlformats.org/presentationml/2006/main">
-  <p:cSld>
-    <p:spTree>
-      <p:nvGrpSpPr>
-        <p:cNvPr id="1" name=""/>
-        <p:cNvGrpSpPr/>
-        <p:nvPr/>
-      </p:nvGrpSpPr>
-      <p:grpSpPr>
-        <a:xfrm>
-          <a:off x="0" y="0"/>
-          <a:ext cx="0" cy="0"/>
-          <a:chOff x="0" y="0"/>
-          <a:chExt cx="0" cy="0"/>
-        </a:xfrm>
-      </p:grpSpPr>
-      <p:sp>
-        <p:nvSpPr>
-          <p:cNvPr id="2" name="Title 1"/>
-          <p:cNvSpPr>
-            <a:spLocks noGrp="1"/>
-          </p:cNvSpPr>
-          <p:nvPr>
-            <p:ph type="title"/>
-          </p:nvPr>
-        </p:nvSpPr>
-        <p:spPr>
-          <a:xfrm>
-            <a:off x="838200" y="365126"/>
-            <a:ext cx="10515600" cy="981894"/>
-          </a:xfrm>
-        </p:spPr>
-        <p:txBody>
-          <a:bodyPr>
-            <a:normAutofit/>
-          </a:bodyPr>
-          <a:lstStyle/>
-          <a:p>
-            <a:r>
-              <a:rPr lang="en-US" sz="4400" dirty="0"/>
               <a:t>Lasso vs Ridge Regression</a:t>
             </a:r>
             <a:endParaRPr lang="en-US" dirty="0"/>
@@ -5650,8 +5280,8 @@
           </a:prstGeom>
         </p:spPr>
       </p:pic>
-      <mc:AlternateContent xmlns:mc="http://schemas.openxmlformats.org/markup-compatibility/2006">
-        <mc:Choice xmlns:a14="http://schemas.microsoft.com/office/drawing/2010/main" Requires="a14">
+      <mc:AlternateContent xmlns:mc="http://schemas.openxmlformats.org/markup-compatibility/2006" xmlns:a14="http://schemas.microsoft.com/office/drawing/2010/main">
+        <mc:Choice Requires="a14">
           <p:sp>
             <p:nvSpPr>
               <p:cNvPr id="8" name="TextBox 7">
@@ -5702,7 +5332,7 @@
             </p:txBody>
           </p:sp>
         </mc:Choice>
-        <mc:Fallback>
+        <mc:Fallback xmlns="">
           <p:sp>
             <p:nvSpPr>
               <p:cNvPr id="8" name="TextBox 7">
@@ -5760,7 +5390,7 @@
 </p:sld>
 </file>
 
-<file path=ppt/slides/slide12.xml><?xml version="1.0" encoding="utf-8"?>
+<file path=ppt/slides/slide11.xml><?xml version="1.0" encoding="utf-8"?>
 <p:sld xmlns:a="http://schemas.openxmlformats.org/drawingml/2006/main" xmlns:r="http://schemas.openxmlformats.org/officeDocument/2006/relationships" xmlns:p="http://schemas.openxmlformats.org/presentationml/2006/main">
   <p:cSld>
     <p:spTree>
@@ -5841,6 +5471,199 @@
     <p:extLst>
       <p:ext uri="{BB962C8B-B14F-4D97-AF65-F5344CB8AC3E}">
         <p14:creationId xmlns:p14="http://schemas.microsoft.com/office/powerpoint/2010/main" val="3115454975"/>
+      </p:ext>
+    </p:extLst>
+  </p:cSld>
+  <p:clrMapOvr>
+    <a:masterClrMapping/>
+  </p:clrMapOvr>
+</p:sld>
+</file>
+
+<file path=ppt/slides/slide12.xml><?xml version="1.0" encoding="utf-8"?>
+<p:sld xmlns:a="http://schemas.openxmlformats.org/drawingml/2006/main" xmlns:r="http://schemas.openxmlformats.org/officeDocument/2006/relationships" xmlns:p="http://schemas.openxmlformats.org/presentationml/2006/main">
+  <p:cSld>
+    <p:spTree>
+      <p:nvGrpSpPr>
+        <p:cNvPr id="1" name=""/>
+        <p:cNvGrpSpPr/>
+        <p:nvPr/>
+      </p:nvGrpSpPr>
+      <p:grpSpPr>
+        <a:xfrm>
+          <a:off x="0" y="0"/>
+          <a:ext cx="0" cy="0"/>
+          <a:chOff x="0" y="0"/>
+          <a:chExt cx="0" cy="0"/>
+        </a:xfrm>
+      </p:grpSpPr>
+      <p:sp>
+        <p:nvSpPr>
+          <p:cNvPr id="2" name="Title 1"/>
+          <p:cNvSpPr>
+            <a:spLocks noGrp="1"/>
+          </p:cNvSpPr>
+          <p:nvPr>
+            <p:ph type="title"/>
+          </p:nvPr>
+        </p:nvSpPr>
+        <p:spPr>
+          <a:xfrm>
+            <a:off x="838200" y="365126"/>
+            <a:ext cx="10515600" cy="981894"/>
+          </a:xfrm>
+        </p:spPr>
+        <p:txBody>
+          <a:bodyPr>
+            <a:normAutofit/>
+          </a:bodyPr>
+          <a:lstStyle/>
+          <a:p>
+            <a:r>
+              <a:rPr lang="en-US" sz="4400" dirty="0"/>
+              <a:t>Dimension Reduction</a:t>
+            </a:r>
+            <a:endParaRPr lang="en-US" dirty="0"/>
+          </a:p>
+        </p:txBody>
+      </p:sp>
+      <p:sp>
+        <p:nvSpPr>
+          <p:cNvPr id="3" name="TextBox 2">
+            <a:extLst>
+              <a:ext uri="{FF2B5EF4-FFF2-40B4-BE49-F238E27FC236}">
+                <a16:creationId xmlns:a16="http://schemas.microsoft.com/office/drawing/2014/main" id="{33331D9D-874A-9B82-9B5F-778B8C8E1DC3}"/>
+              </a:ext>
+            </a:extLst>
+          </p:cNvPr>
+          <p:cNvSpPr txBox="1"/>
+          <p:nvPr/>
+        </p:nvSpPr>
+        <p:spPr>
+          <a:xfrm>
+            <a:off x="838199" y="1833361"/>
+            <a:ext cx="10515599" cy="954107"/>
+          </a:xfrm>
+          <a:prstGeom prst="rect">
+            <a:avLst/>
+          </a:prstGeom>
+          <a:noFill/>
+        </p:spPr>
+        <p:txBody>
+          <a:bodyPr wrap="square">
+            <a:spAutoFit/>
+          </a:bodyPr>
+          <a:lstStyle/>
+          <a:p>
+            <a:r>
+              <a:rPr lang="en-US" sz="2800" dirty="0"/>
+              <a:t>Use linear combinations of the predictors to construct new predictors</a:t>
+            </a:r>
+          </a:p>
+          <a:p>
+            <a:endParaRPr lang="en-US" sz="2800" dirty="0"/>
+          </a:p>
+        </p:txBody>
+      </p:sp>
+      <p:pic>
+        <p:nvPicPr>
+          <p:cNvPr id="5" name="Picture 4">
+            <a:extLst>
+              <a:ext uri="{FF2B5EF4-FFF2-40B4-BE49-F238E27FC236}">
+                <a16:creationId xmlns:a16="http://schemas.microsoft.com/office/drawing/2014/main" id="{916A5663-7F30-AA60-3008-86E8E8B767CA}"/>
+              </a:ext>
+            </a:extLst>
+          </p:cNvPr>
+          <p:cNvPicPr>
+            <a:picLocks noChangeAspect="1"/>
+          </p:cNvPicPr>
+          <p:nvPr/>
+        </p:nvPicPr>
+        <p:blipFill>
+          <a:blip r:embed="rId3"/>
+          <a:stretch>
+            <a:fillRect/>
+          </a:stretch>
+        </p:blipFill>
+        <p:spPr>
+          <a:xfrm>
+            <a:off x="4315723" y="2620797"/>
+            <a:ext cx="3054351" cy="1301262"/>
+          </a:xfrm>
+          <a:prstGeom prst="rect">
+            <a:avLst/>
+          </a:prstGeom>
+        </p:spPr>
+      </p:pic>
+      <p:sp>
+        <p:nvSpPr>
+          <p:cNvPr id="6" name="TextBox 5">
+            <a:extLst>
+              <a:ext uri="{FF2B5EF4-FFF2-40B4-BE49-F238E27FC236}">
+                <a16:creationId xmlns:a16="http://schemas.microsoft.com/office/drawing/2014/main" id="{5E24FB07-5978-309C-6000-92F7D6FC7CCA}"/>
+              </a:ext>
+            </a:extLst>
+          </p:cNvPr>
+          <p:cNvSpPr txBox="1"/>
+          <p:nvPr/>
+        </p:nvSpPr>
+        <p:spPr>
+          <a:xfrm>
+            <a:off x="838199" y="4237203"/>
+            <a:ext cx="10515599" cy="523220"/>
+          </a:xfrm>
+          <a:prstGeom prst="rect">
+            <a:avLst/>
+          </a:prstGeom>
+          <a:noFill/>
+        </p:spPr>
+        <p:txBody>
+          <a:bodyPr wrap="square">
+            <a:spAutoFit/>
+          </a:bodyPr>
+          <a:lstStyle/>
+          <a:p>
+            <a:r>
+              <a:rPr lang="en-US" sz="2800" dirty="0"/>
+              <a:t>We can then fit the linear regression model</a:t>
+            </a:r>
+          </a:p>
+        </p:txBody>
+      </p:sp>
+      <p:pic>
+        <p:nvPicPr>
+          <p:cNvPr id="7" name="Picture 6">
+            <a:extLst>
+              <a:ext uri="{FF2B5EF4-FFF2-40B4-BE49-F238E27FC236}">
+                <a16:creationId xmlns:a16="http://schemas.microsoft.com/office/drawing/2014/main" id="{EB77E54A-6298-150E-447F-0F476AE9E2FE}"/>
+              </a:ext>
+            </a:extLst>
+          </p:cNvPr>
+          <p:cNvPicPr>
+            <a:picLocks noChangeAspect="1"/>
+          </p:cNvPicPr>
+          <p:nvPr/>
+        </p:nvPicPr>
+        <p:blipFill>
+          <a:blip r:embed="rId4"/>
+          <a:stretch>
+            <a:fillRect/>
+          </a:stretch>
+        </p:blipFill>
+        <p:spPr>
+          <a:xfrm>
+            <a:off x="2663824" y="5040345"/>
+            <a:ext cx="6358150" cy="1293183"/>
+          </a:xfrm>
+          <a:prstGeom prst="rect">
+            <a:avLst/>
+          </a:prstGeom>
+        </p:spPr>
+      </p:pic>
+    </p:spTree>
+    <p:extLst>
+      <p:ext uri="{BB962C8B-B14F-4D97-AF65-F5344CB8AC3E}">
+        <p14:creationId xmlns:p14="http://schemas.microsoft.com/office/powerpoint/2010/main" val="3712940163"/>
       </p:ext>
     </p:extLst>
   </p:cSld>
@@ -5897,50 +5720,12 @@
           </a:p>
         </p:txBody>
       </p:sp>
-      <p:sp>
-        <p:nvSpPr>
-          <p:cNvPr id="3" name="TextBox 2">
+      <p:pic>
+        <p:nvPicPr>
+          <p:cNvPr id="4" name="Picture 3">
             <a:extLst>
               <a:ext uri="{FF2B5EF4-FFF2-40B4-BE49-F238E27FC236}">
-                <a16:creationId xmlns:a16="http://schemas.microsoft.com/office/drawing/2014/main" id="{33331D9D-874A-9B82-9B5F-778B8C8E1DC3}"/>
-              </a:ext>
-            </a:extLst>
-          </p:cNvPr>
-          <p:cNvSpPr txBox="1"/>
-          <p:nvPr/>
-        </p:nvSpPr>
-        <p:spPr>
-          <a:xfrm>
-            <a:off x="838199" y="1833361"/>
-            <a:ext cx="10515599" cy="954107"/>
-          </a:xfrm>
-          <a:prstGeom prst="rect">
-            <a:avLst/>
-          </a:prstGeom>
-          <a:noFill/>
-        </p:spPr>
-        <p:txBody>
-          <a:bodyPr wrap="square">
-            <a:spAutoFit/>
-          </a:bodyPr>
-          <a:lstStyle/>
-          <a:p>
-            <a:r>
-              <a:rPr lang="en-US" sz="2800" dirty="0"/>
-              <a:t>Use linear combinations of the predictors to construct new predictors</a:t>
-            </a:r>
-          </a:p>
-          <a:p>
-            <a:endParaRPr lang="en-US" sz="2800" dirty="0"/>
-          </a:p>
-        </p:txBody>
-      </p:sp>
-      <p:pic>
-        <p:nvPicPr>
-          <p:cNvPr id="5" name="Picture 4">
-            <a:extLst>
-              <a:ext uri="{FF2B5EF4-FFF2-40B4-BE49-F238E27FC236}">
-                <a16:creationId xmlns:a16="http://schemas.microsoft.com/office/drawing/2014/main" id="{916A5663-7F30-AA60-3008-86E8E8B767CA}"/>
+                <a16:creationId xmlns:a16="http://schemas.microsoft.com/office/drawing/2014/main" id="{B1F200E0-1566-0384-DCDE-ED92F43FF3D4}"/>
               </a:ext>
             </a:extLst>
           </p:cNvPr>
@@ -5957,55 +5742,20 @@
         </p:blipFill>
         <p:spPr>
           <a:xfrm>
-            <a:off x="4315723" y="2620797"/>
-            <a:ext cx="3054351" cy="1301262"/>
+            <a:off x="833311" y="1680443"/>
+            <a:ext cx="4741218" cy="1386421"/>
           </a:xfrm>
           <a:prstGeom prst="rect">
             <a:avLst/>
           </a:prstGeom>
         </p:spPr>
       </p:pic>
-      <p:sp>
-        <p:nvSpPr>
-          <p:cNvPr id="6" name="TextBox 5">
+      <p:pic>
+        <p:nvPicPr>
+          <p:cNvPr id="8" name="Picture 7">
             <a:extLst>
               <a:ext uri="{FF2B5EF4-FFF2-40B4-BE49-F238E27FC236}">
-                <a16:creationId xmlns:a16="http://schemas.microsoft.com/office/drawing/2014/main" id="{5E24FB07-5978-309C-6000-92F7D6FC7CCA}"/>
-              </a:ext>
-            </a:extLst>
-          </p:cNvPr>
-          <p:cNvSpPr txBox="1"/>
-          <p:nvPr/>
-        </p:nvSpPr>
-        <p:spPr>
-          <a:xfrm>
-            <a:off x="838199" y="4237203"/>
-            <a:ext cx="10515599" cy="523220"/>
-          </a:xfrm>
-          <a:prstGeom prst="rect">
-            <a:avLst/>
-          </a:prstGeom>
-          <a:noFill/>
-        </p:spPr>
-        <p:txBody>
-          <a:bodyPr wrap="square">
-            <a:spAutoFit/>
-          </a:bodyPr>
-          <a:lstStyle/>
-          <a:p>
-            <a:r>
-              <a:rPr lang="en-US" sz="2800" dirty="0"/>
-              <a:t>We can then fit the linear regression model</a:t>
-            </a:r>
-          </a:p>
-        </p:txBody>
-      </p:sp>
-      <p:pic>
-        <p:nvPicPr>
-          <p:cNvPr id="7" name="Picture 6">
-            <a:extLst>
-              <a:ext uri="{FF2B5EF4-FFF2-40B4-BE49-F238E27FC236}">
-                <a16:creationId xmlns:a16="http://schemas.microsoft.com/office/drawing/2014/main" id="{EB77E54A-6298-150E-447F-0F476AE9E2FE}"/>
+                <a16:creationId xmlns:a16="http://schemas.microsoft.com/office/drawing/2014/main" id="{7DDF0C7E-4D99-4736-0136-158EF2A58212}"/>
               </a:ext>
             </a:extLst>
           </p:cNvPr>
@@ -6022,18 +5772,86 @@
         </p:blipFill>
         <p:spPr>
           <a:xfrm>
-            <a:off x="2663824" y="5040345"/>
-            <a:ext cx="6358150" cy="1293183"/>
+            <a:off x="6476577" y="1716452"/>
+            <a:ext cx="4646584" cy="1493545"/>
           </a:xfrm>
           <a:prstGeom prst="rect">
             <a:avLst/>
           </a:prstGeom>
         </p:spPr>
       </p:pic>
+      <p:pic>
+        <p:nvPicPr>
+          <p:cNvPr id="9" name="Picture 8">
+            <a:extLst>
+              <a:ext uri="{FF2B5EF4-FFF2-40B4-BE49-F238E27FC236}">
+                <a16:creationId xmlns:a16="http://schemas.microsoft.com/office/drawing/2014/main" id="{F5B123B3-CA86-F96F-9F09-FEDAD3AD9A8C}"/>
+              </a:ext>
+            </a:extLst>
+          </p:cNvPr>
+          <p:cNvPicPr>
+            <a:picLocks noChangeAspect="1"/>
+          </p:cNvPicPr>
+          <p:nvPr/>
+        </p:nvPicPr>
+        <p:blipFill>
+          <a:blip r:embed="rId5"/>
+          <a:stretch>
+            <a:fillRect/>
+          </a:stretch>
+        </p:blipFill>
+        <p:spPr>
+          <a:xfrm>
+            <a:off x="4326432" y="4513710"/>
+            <a:ext cx="2496193" cy="1213427"/>
+          </a:xfrm>
+          <a:prstGeom prst="rect">
+            <a:avLst/>
+          </a:prstGeom>
+        </p:spPr>
+      </p:pic>
+      <p:sp>
+        <p:nvSpPr>
+          <p:cNvPr id="10" name="TextBox 9">
+            <a:extLst>
+              <a:ext uri="{FF2B5EF4-FFF2-40B4-BE49-F238E27FC236}">
+                <a16:creationId xmlns:a16="http://schemas.microsoft.com/office/drawing/2014/main" id="{C822184F-2691-1DFC-351B-C03A839CFDDB}"/>
+              </a:ext>
+            </a:extLst>
+          </p:cNvPr>
+          <p:cNvSpPr txBox="1"/>
+          <p:nvPr/>
+        </p:nvSpPr>
+        <p:spPr>
+          <a:xfrm>
+            <a:off x="838201" y="3559603"/>
+            <a:ext cx="10515599" cy="954107"/>
+          </a:xfrm>
+          <a:prstGeom prst="rect">
+            <a:avLst/>
+          </a:prstGeom>
+          <a:noFill/>
+        </p:spPr>
+        <p:txBody>
+          <a:bodyPr wrap="square">
+            <a:spAutoFit/>
+          </a:bodyPr>
+          <a:lstStyle/>
+          <a:p>
+            <a:r>
+              <a:rPr lang="en-US" sz="2800" dirty="0"/>
+              <a:t>Dimension reduction serves to constrain the estimated coefficients as  </a:t>
+            </a:r>
+          </a:p>
+          <a:p>
+            <a:endParaRPr lang="en-US" sz="2800" dirty="0"/>
+          </a:p>
+        </p:txBody>
+      </p:sp>
     </p:spTree>
     <p:extLst>
       <p:ext uri="{BB962C8B-B14F-4D97-AF65-F5344CB8AC3E}">
-        <p14:creationId xmlns:p14="http://schemas.microsoft.com/office/powerpoint/2010/main" val="3712940163"/>
+        <p14:creationId xmlns:p14="http://schemas.microsoft.com/office/powerpoint/2010/main" val="2200835067"/>
       </p:ext>
     </p:extLst>
   </p:cSld>
@@ -6221,7 +6039,7 @@
     </p:spTree>
     <p:extLst>
       <p:ext uri="{BB962C8B-B14F-4D97-AF65-F5344CB8AC3E}">
-        <p14:creationId xmlns:p14="http://schemas.microsoft.com/office/powerpoint/2010/main" val="2200835067"/>
+        <p14:creationId xmlns:p14="http://schemas.microsoft.com/office/powerpoint/2010/main" val="556368819"/>
       </p:ext>
     </p:extLst>
   </p:cSld>
@@ -6272,102 +6090,12 @@
           <a:p>
             <a:r>
               <a:rPr lang="en-US" sz="4400" dirty="0"/>
-              <a:t>Dimension Reduction</a:t>
+              <a:t>Principal Components Regression</a:t>
             </a:r>
             <a:endParaRPr lang="en-US" dirty="0"/>
           </a:p>
         </p:txBody>
       </p:sp>
-      <p:pic>
-        <p:nvPicPr>
-          <p:cNvPr id="4" name="Picture 3">
-            <a:extLst>
-              <a:ext uri="{FF2B5EF4-FFF2-40B4-BE49-F238E27FC236}">
-                <a16:creationId xmlns:a16="http://schemas.microsoft.com/office/drawing/2014/main" id="{B1F200E0-1566-0384-DCDE-ED92F43FF3D4}"/>
-              </a:ext>
-            </a:extLst>
-          </p:cNvPr>
-          <p:cNvPicPr>
-            <a:picLocks noChangeAspect="1"/>
-          </p:cNvPicPr>
-          <p:nvPr/>
-        </p:nvPicPr>
-        <p:blipFill>
-          <a:blip r:embed="rId3"/>
-          <a:stretch>
-            <a:fillRect/>
-          </a:stretch>
-        </p:blipFill>
-        <p:spPr>
-          <a:xfrm>
-            <a:off x="833311" y="1680443"/>
-            <a:ext cx="4741218" cy="1386421"/>
-          </a:xfrm>
-          <a:prstGeom prst="rect">
-            <a:avLst/>
-          </a:prstGeom>
-        </p:spPr>
-      </p:pic>
-      <p:pic>
-        <p:nvPicPr>
-          <p:cNvPr id="8" name="Picture 7">
-            <a:extLst>
-              <a:ext uri="{FF2B5EF4-FFF2-40B4-BE49-F238E27FC236}">
-                <a16:creationId xmlns:a16="http://schemas.microsoft.com/office/drawing/2014/main" id="{7DDF0C7E-4D99-4736-0136-158EF2A58212}"/>
-              </a:ext>
-            </a:extLst>
-          </p:cNvPr>
-          <p:cNvPicPr>
-            <a:picLocks noChangeAspect="1"/>
-          </p:cNvPicPr>
-          <p:nvPr/>
-        </p:nvPicPr>
-        <p:blipFill>
-          <a:blip r:embed="rId4"/>
-          <a:stretch>
-            <a:fillRect/>
-          </a:stretch>
-        </p:blipFill>
-        <p:spPr>
-          <a:xfrm>
-            <a:off x="6476577" y="1716452"/>
-            <a:ext cx="4646584" cy="1493545"/>
-          </a:xfrm>
-          <a:prstGeom prst="rect">
-            <a:avLst/>
-          </a:prstGeom>
-        </p:spPr>
-      </p:pic>
-      <p:pic>
-        <p:nvPicPr>
-          <p:cNvPr id="9" name="Picture 8">
-            <a:extLst>
-              <a:ext uri="{FF2B5EF4-FFF2-40B4-BE49-F238E27FC236}">
-                <a16:creationId xmlns:a16="http://schemas.microsoft.com/office/drawing/2014/main" id="{F5B123B3-CA86-F96F-9F09-FEDAD3AD9A8C}"/>
-              </a:ext>
-            </a:extLst>
-          </p:cNvPr>
-          <p:cNvPicPr>
-            <a:picLocks noChangeAspect="1"/>
-          </p:cNvPicPr>
-          <p:nvPr/>
-        </p:nvPicPr>
-        <p:blipFill>
-          <a:blip r:embed="rId5"/>
-          <a:stretch>
-            <a:fillRect/>
-          </a:stretch>
-        </p:blipFill>
-        <p:spPr>
-          <a:xfrm>
-            <a:off x="4326432" y="4513710"/>
-            <a:ext cx="2496193" cy="1213427"/>
-          </a:xfrm>
-          <a:prstGeom prst="rect">
-            <a:avLst/>
-          </a:prstGeom>
-        </p:spPr>
-      </p:pic>
       <p:sp>
         <p:nvSpPr>
           <p:cNvPr id="10" name="TextBox 9">
@@ -6382,8 +6110,8 @@
         </p:nvSpPr>
         <p:spPr>
           <a:xfrm>
-            <a:off x="838201" y="3559603"/>
-            <a:ext cx="10515599" cy="954107"/>
+            <a:off x="838198" y="3252691"/>
+            <a:ext cx="10515599" cy="1384995"/>
           </a:xfrm>
           <a:prstGeom prst="rect">
             <a:avLst/>
@@ -6398,18 +6126,97 @@
           <a:p>
             <a:r>
               <a:rPr lang="en-US" sz="2800" dirty="0"/>
-              <a:t>Dimension reduction serves to constrain the estimated coefficients as  </a:t>
-            </a:r>
-          </a:p>
-          <a:p>
-            <a:endParaRPr lang="en-US" sz="2800" dirty="0"/>
+              <a:t>The first principal component is that (normalized) linear combination of the variables with the largest variance. </a:t>
+            </a:r>
+          </a:p>
+          <a:p>
+            <a:r>
+              <a:rPr lang="en-US" sz="2800" dirty="0"/>
+              <a:t>  </a:t>
+            </a:r>
+          </a:p>
+        </p:txBody>
+      </p:sp>
+      <p:sp>
+        <p:nvSpPr>
+          <p:cNvPr id="3" name="TextBox 2">
+            <a:extLst>
+              <a:ext uri="{FF2B5EF4-FFF2-40B4-BE49-F238E27FC236}">
+                <a16:creationId xmlns:a16="http://schemas.microsoft.com/office/drawing/2014/main" id="{F0C2AF92-4D7E-1C11-0B4D-76C3AF6CEF35}"/>
+              </a:ext>
+            </a:extLst>
+          </p:cNvPr>
+          <p:cNvSpPr txBox="1"/>
+          <p:nvPr/>
+        </p:nvSpPr>
+        <p:spPr>
+          <a:xfrm>
+            <a:off x="838200" y="4927837"/>
+            <a:ext cx="10515599" cy="954107"/>
+          </a:xfrm>
+          <a:prstGeom prst="rect">
+            <a:avLst/>
+          </a:prstGeom>
+          <a:noFill/>
+        </p:spPr>
+        <p:txBody>
+          <a:bodyPr wrap="square">
+            <a:spAutoFit/>
+          </a:bodyPr>
+          <a:lstStyle/>
+          <a:p>
+            <a:r>
+              <a:rPr lang="en-US" sz="2800" dirty="0"/>
+              <a:t>The second principal component has largest variance, subject to being uncorrelated with the first. </a:t>
+            </a:r>
+          </a:p>
+        </p:txBody>
+      </p:sp>
+      <p:sp>
+        <p:nvSpPr>
+          <p:cNvPr id="5" name="TextBox 4">
+            <a:extLst>
+              <a:ext uri="{FF2B5EF4-FFF2-40B4-BE49-F238E27FC236}">
+                <a16:creationId xmlns:a16="http://schemas.microsoft.com/office/drawing/2014/main" id="{C2836A95-5382-02D9-B93F-D3CE417A6187}"/>
+              </a:ext>
+            </a:extLst>
+          </p:cNvPr>
+          <p:cNvSpPr txBox="1"/>
+          <p:nvPr/>
+        </p:nvSpPr>
+        <p:spPr>
+          <a:xfrm>
+            <a:off x="838199" y="1720298"/>
+            <a:ext cx="10515599" cy="1384995"/>
+          </a:xfrm>
+          <a:prstGeom prst="rect">
+            <a:avLst/>
+          </a:prstGeom>
+          <a:noFill/>
+        </p:spPr>
+        <p:txBody>
+          <a:bodyPr wrap="square">
+            <a:spAutoFit/>
+          </a:bodyPr>
+          <a:lstStyle/>
+          <a:p>
+            <a:r>
+              <a:rPr lang="en-US" sz="2800" dirty="0"/>
+              <a:t>Dimension reduction by Principal Components Analysis (PCA), and conduct linear regression on new predictors</a:t>
+            </a:r>
+          </a:p>
+          <a:p>
+            <a:r>
+              <a:rPr lang="en-US" sz="2800" dirty="0"/>
+              <a:t>  </a:t>
+            </a:r>
           </a:p>
         </p:txBody>
       </p:sp>
     </p:spTree>
     <p:extLst>
       <p:ext uri="{BB962C8B-B14F-4D97-AF65-F5344CB8AC3E}">
-        <p14:creationId xmlns:p14="http://schemas.microsoft.com/office/powerpoint/2010/main" val="556368819"/>
+        <p14:creationId xmlns:p14="http://schemas.microsoft.com/office/powerpoint/2010/main" val="4161387621"/>
       </p:ext>
     </p:extLst>
   </p:cSld>
@@ -6460,183 +6267,6 @@
           <a:p>
             <a:r>
               <a:rPr lang="en-US" sz="4400" dirty="0"/>
-              <a:t>Principal Components Regression</a:t>
-            </a:r>
-            <a:endParaRPr lang="en-US" dirty="0"/>
-          </a:p>
-        </p:txBody>
-      </p:sp>
-      <p:sp>
-        <p:nvSpPr>
-          <p:cNvPr id="10" name="TextBox 9">
-            <a:extLst>
-              <a:ext uri="{FF2B5EF4-FFF2-40B4-BE49-F238E27FC236}">
-                <a16:creationId xmlns:a16="http://schemas.microsoft.com/office/drawing/2014/main" id="{C822184F-2691-1DFC-351B-C03A839CFDDB}"/>
-              </a:ext>
-            </a:extLst>
-          </p:cNvPr>
-          <p:cNvSpPr txBox="1"/>
-          <p:nvPr/>
-        </p:nvSpPr>
-        <p:spPr>
-          <a:xfrm>
-            <a:off x="838198" y="3252691"/>
-            <a:ext cx="10515599" cy="1384995"/>
-          </a:xfrm>
-          <a:prstGeom prst="rect">
-            <a:avLst/>
-          </a:prstGeom>
-          <a:noFill/>
-        </p:spPr>
-        <p:txBody>
-          <a:bodyPr wrap="square">
-            <a:spAutoFit/>
-          </a:bodyPr>
-          <a:lstStyle/>
-          <a:p>
-            <a:r>
-              <a:rPr lang="en-US" sz="2800" dirty="0"/>
-              <a:t>The first principal component is that (normalized) linear combination of the variables with the largest variance. </a:t>
-            </a:r>
-          </a:p>
-          <a:p>
-            <a:r>
-              <a:rPr lang="en-US" sz="2800" dirty="0"/>
-              <a:t>  </a:t>
-            </a:r>
-          </a:p>
-        </p:txBody>
-      </p:sp>
-      <p:sp>
-        <p:nvSpPr>
-          <p:cNvPr id="3" name="TextBox 2">
-            <a:extLst>
-              <a:ext uri="{FF2B5EF4-FFF2-40B4-BE49-F238E27FC236}">
-                <a16:creationId xmlns:a16="http://schemas.microsoft.com/office/drawing/2014/main" id="{F0C2AF92-4D7E-1C11-0B4D-76C3AF6CEF35}"/>
-              </a:ext>
-            </a:extLst>
-          </p:cNvPr>
-          <p:cNvSpPr txBox="1"/>
-          <p:nvPr/>
-        </p:nvSpPr>
-        <p:spPr>
-          <a:xfrm>
-            <a:off x="838200" y="4927837"/>
-            <a:ext cx="10515599" cy="954107"/>
-          </a:xfrm>
-          <a:prstGeom prst="rect">
-            <a:avLst/>
-          </a:prstGeom>
-          <a:noFill/>
-        </p:spPr>
-        <p:txBody>
-          <a:bodyPr wrap="square">
-            <a:spAutoFit/>
-          </a:bodyPr>
-          <a:lstStyle/>
-          <a:p>
-            <a:r>
-              <a:rPr lang="en-US" sz="2800" dirty="0"/>
-              <a:t>The second principal component has largest variance, subject to being uncorrelated with the first. </a:t>
-            </a:r>
-          </a:p>
-        </p:txBody>
-      </p:sp>
-      <p:sp>
-        <p:nvSpPr>
-          <p:cNvPr id="5" name="TextBox 4">
-            <a:extLst>
-              <a:ext uri="{FF2B5EF4-FFF2-40B4-BE49-F238E27FC236}">
-                <a16:creationId xmlns:a16="http://schemas.microsoft.com/office/drawing/2014/main" id="{C2836A95-5382-02D9-B93F-D3CE417A6187}"/>
-              </a:ext>
-            </a:extLst>
-          </p:cNvPr>
-          <p:cNvSpPr txBox="1"/>
-          <p:nvPr/>
-        </p:nvSpPr>
-        <p:spPr>
-          <a:xfrm>
-            <a:off x="838199" y="1720298"/>
-            <a:ext cx="10515599" cy="1384995"/>
-          </a:xfrm>
-          <a:prstGeom prst="rect">
-            <a:avLst/>
-          </a:prstGeom>
-          <a:noFill/>
-        </p:spPr>
-        <p:txBody>
-          <a:bodyPr wrap="square">
-            <a:spAutoFit/>
-          </a:bodyPr>
-          <a:lstStyle/>
-          <a:p>
-            <a:r>
-              <a:rPr lang="en-US" sz="2800" dirty="0"/>
-              <a:t>Dimension reduction by Principal Components Analysis (PCA), and conduct linear regression on new predictors</a:t>
-            </a:r>
-          </a:p>
-          <a:p>
-            <a:r>
-              <a:rPr lang="en-US" sz="2800" dirty="0"/>
-              <a:t>  </a:t>
-            </a:r>
-          </a:p>
-        </p:txBody>
-      </p:sp>
-    </p:spTree>
-    <p:extLst>
-      <p:ext uri="{BB962C8B-B14F-4D97-AF65-F5344CB8AC3E}">
-        <p14:creationId xmlns:p14="http://schemas.microsoft.com/office/powerpoint/2010/main" val="4161387621"/>
-      </p:ext>
-    </p:extLst>
-  </p:cSld>
-  <p:clrMapOvr>
-    <a:masterClrMapping/>
-  </p:clrMapOvr>
-</p:sld>
-</file>
-
-<file path=ppt/slides/slide17.xml><?xml version="1.0" encoding="utf-8"?>
-<p:sld xmlns:a="http://schemas.openxmlformats.org/drawingml/2006/main" xmlns:r="http://schemas.openxmlformats.org/officeDocument/2006/relationships" xmlns:p="http://schemas.openxmlformats.org/presentationml/2006/main">
-  <p:cSld>
-    <p:spTree>
-      <p:nvGrpSpPr>
-        <p:cNvPr id="1" name=""/>
-        <p:cNvGrpSpPr/>
-        <p:nvPr/>
-      </p:nvGrpSpPr>
-      <p:grpSpPr>
-        <a:xfrm>
-          <a:off x="0" y="0"/>
-          <a:ext cx="0" cy="0"/>
-          <a:chOff x="0" y="0"/>
-          <a:chExt cx="0" cy="0"/>
-        </a:xfrm>
-      </p:grpSpPr>
-      <p:sp>
-        <p:nvSpPr>
-          <p:cNvPr id="2" name="Title 1"/>
-          <p:cNvSpPr>
-            <a:spLocks noGrp="1"/>
-          </p:cNvSpPr>
-          <p:nvPr>
-            <p:ph type="title"/>
-          </p:nvPr>
-        </p:nvSpPr>
-        <p:spPr>
-          <a:xfrm>
-            <a:off x="838200" y="365126"/>
-            <a:ext cx="10515600" cy="981894"/>
-          </a:xfrm>
-        </p:spPr>
-        <p:txBody>
-          <a:bodyPr>
-            <a:normAutofit/>
-          </a:bodyPr>
-          <a:lstStyle/>
-          <a:p>
-            <a:r>
-              <a:rPr lang="en-US" sz="4400" dirty="0"/>
               <a:t>Principal Components Analysis</a:t>
             </a:r>
             <a:endParaRPr lang="en-US" dirty="0"/>
@@ -6673,8 +6303,8 @@
           </a:prstGeom>
         </p:spPr>
       </p:pic>
-      <mc:AlternateContent xmlns:mc="http://schemas.openxmlformats.org/markup-compatibility/2006">
-        <mc:Choice xmlns:a14="http://schemas.microsoft.com/office/drawing/2010/main" Requires="a14">
+      <mc:AlternateContent xmlns:mc="http://schemas.openxmlformats.org/markup-compatibility/2006" xmlns:a14="http://schemas.microsoft.com/office/drawing/2010/main">
+        <mc:Choice Requires="a14">
           <p:sp>
             <p:nvSpPr>
               <p:cNvPr id="5" name="TextBox 4">
@@ -6752,7 +6382,7 @@
             </p:txBody>
           </p:sp>
         </mc:Choice>
-        <mc:Fallback>
+        <mc:Fallback xmlns="">
           <p:sp>
             <p:nvSpPr>
               <p:cNvPr id="5" name="TextBox 4">
@@ -6857,8 +6487,8 @@
           </a:prstGeom>
         </p:spPr>
       </p:pic>
-      <mc:AlternateContent xmlns:mc="http://schemas.openxmlformats.org/markup-compatibility/2006">
-        <mc:Choice xmlns:a14="http://schemas.microsoft.com/office/drawing/2010/main" Requires="a14">
+      <mc:AlternateContent xmlns:mc="http://schemas.openxmlformats.org/markup-compatibility/2006" xmlns:a14="http://schemas.microsoft.com/office/drawing/2010/main">
+        <mc:Choice Requires="a14">
           <p:sp>
             <p:nvSpPr>
               <p:cNvPr id="8" name="TextBox 7">
@@ -6983,7 +6613,7 @@
             </p:txBody>
           </p:sp>
         </mc:Choice>
-        <mc:Fallback>
+        <mc:Fallback xmlns="">
           <p:sp>
             <p:nvSpPr>
               <p:cNvPr id="8" name="TextBox 7">
@@ -7041,7 +6671,7 @@
 </p:sld>
 </file>
 
-<file path=ppt/slides/slide18.xml><?xml version="1.0" encoding="utf-8"?>
+<file path=ppt/slides/slide17.xml><?xml version="1.0" encoding="utf-8"?>
 <p:sld xmlns:a="http://schemas.openxmlformats.org/drawingml/2006/main" xmlns:r="http://schemas.openxmlformats.org/officeDocument/2006/relationships" xmlns:p="http://schemas.openxmlformats.org/presentationml/2006/main">
   <p:cSld>
     <p:spTree>
@@ -7131,7 +6761,7 @@
 </p:sld>
 </file>
 
-<file path=ppt/slides/slide19.xml><?xml version="1.0" encoding="utf-8"?>
+<file path=ppt/slides/slide18.xml><?xml version="1.0" encoding="utf-8"?>
 <p:sld xmlns:a="http://schemas.openxmlformats.org/drawingml/2006/main" xmlns:r="http://schemas.openxmlformats.org/officeDocument/2006/relationships" xmlns:p="http://schemas.openxmlformats.org/presentationml/2006/main">
   <p:cSld>
     <p:spTree>
@@ -7306,185 +6936,7 @@
 </p:sld>
 </file>
 
-<file path=ppt/slides/slide2.xml><?xml version="1.0" encoding="utf-8"?>
-<p:sld xmlns:a="http://schemas.openxmlformats.org/drawingml/2006/main" xmlns:r="http://schemas.openxmlformats.org/officeDocument/2006/relationships" xmlns:p="http://schemas.openxmlformats.org/presentationml/2006/main">
-  <p:cSld>
-    <p:spTree>
-      <p:nvGrpSpPr>
-        <p:cNvPr id="1" name=""/>
-        <p:cNvGrpSpPr/>
-        <p:nvPr/>
-      </p:nvGrpSpPr>
-      <p:grpSpPr>
-        <a:xfrm>
-          <a:off x="0" y="0"/>
-          <a:ext cx="0" cy="0"/>
-          <a:chOff x="0" y="0"/>
-          <a:chExt cx="0" cy="0"/>
-        </a:xfrm>
-      </p:grpSpPr>
-      <p:sp>
-        <p:nvSpPr>
-          <p:cNvPr id="2" name="Title 1"/>
-          <p:cNvSpPr>
-            <a:spLocks noGrp="1"/>
-          </p:cNvSpPr>
-          <p:nvPr>
-            <p:ph type="title"/>
-          </p:nvPr>
-        </p:nvSpPr>
-        <p:spPr>
-          <a:xfrm>
-            <a:off x="838200" y="365126"/>
-            <a:ext cx="10515600" cy="981894"/>
-          </a:xfrm>
-        </p:spPr>
-        <p:txBody>
-          <a:bodyPr>
-            <a:normAutofit/>
-          </a:bodyPr>
-          <a:lstStyle/>
-          <a:p>
-            <a:r>
-              <a:rPr lang="en-US" dirty="0"/>
-              <a:t>Model Selection and Regularization Methods</a:t>
-            </a:r>
-          </a:p>
-        </p:txBody>
-      </p:sp>
-      <p:sp>
-        <p:nvSpPr>
-          <p:cNvPr id="4" name="TextBox 3">
-            <a:extLst>
-              <a:ext uri="{FF2B5EF4-FFF2-40B4-BE49-F238E27FC236}">
-                <a16:creationId xmlns:a16="http://schemas.microsoft.com/office/drawing/2014/main" id="{C1EE6756-1216-1CF9-50E7-5E02491B7B53}"/>
-              </a:ext>
-            </a:extLst>
-          </p:cNvPr>
-          <p:cNvSpPr txBox="1"/>
-          <p:nvPr/>
-        </p:nvSpPr>
-        <p:spPr>
-          <a:xfrm>
-            <a:off x="838200" y="1671811"/>
-            <a:ext cx="10073640" cy="954107"/>
-          </a:xfrm>
-          <a:prstGeom prst="rect">
-            <a:avLst/>
-          </a:prstGeom>
-          <a:noFill/>
-        </p:spPr>
-        <p:txBody>
-          <a:bodyPr wrap="square">
-            <a:spAutoFit/>
-          </a:bodyPr>
-          <a:lstStyle/>
-          <a:p>
-            <a:r>
-              <a:rPr lang="en-US" sz="2800" dirty="0"/>
-              <a:t>Subset Selection. We identify a subset of the p predictors that we believe to be related to the response. </a:t>
-            </a:r>
-          </a:p>
-        </p:txBody>
-      </p:sp>
-      <p:sp>
-        <p:nvSpPr>
-          <p:cNvPr id="3" name="TextBox 2">
-            <a:extLst>
-              <a:ext uri="{FF2B5EF4-FFF2-40B4-BE49-F238E27FC236}">
-                <a16:creationId xmlns:a16="http://schemas.microsoft.com/office/drawing/2014/main" id="{906D0B88-C0D1-1F23-83E9-F41A5A8CE093}"/>
-              </a:ext>
-            </a:extLst>
-          </p:cNvPr>
-          <p:cNvSpPr txBox="1"/>
-          <p:nvPr/>
-        </p:nvSpPr>
-        <p:spPr>
-          <a:xfrm>
-            <a:off x="838200" y="3109400"/>
-            <a:ext cx="10073640" cy="1815882"/>
-          </a:xfrm>
-          <a:prstGeom prst="rect">
-            <a:avLst/>
-          </a:prstGeom>
-          <a:noFill/>
-        </p:spPr>
-        <p:txBody>
-          <a:bodyPr wrap="square">
-            <a:spAutoFit/>
-          </a:bodyPr>
-          <a:lstStyle/>
-          <a:p>
-            <a:r>
-              <a:rPr lang="en-US" sz="2800" dirty="0"/>
-              <a:t>Shrinkage. We fit a model involving all p predictors, but the estimated coefficients are shrunken towards zero relative to the least squares estimates (</a:t>
-            </a:r>
-            <a:r>
-              <a:rPr lang="en-US" sz="2800" b="1" dirty="0"/>
-              <a:t>Regularization</a:t>
-            </a:r>
-            <a:r>
-              <a:rPr lang="en-US" sz="2800" dirty="0"/>
-              <a:t>)</a:t>
-            </a:r>
-          </a:p>
-          <a:p>
-            <a:r>
-              <a:rPr lang="en-US" sz="2800" dirty="0"/>
-              <a:t> </a:t>
-            </a:r>
-          </a:p>
-        </p:txBody>
-      </p:sp>
-      <p:sp>
-        <p:nvSpPr>
-          <p:cNvPr id="5" name="TextBox 4">
-            <a:extLst>
-              <a:ext uri="{FF2B5EF4-FFF2-40B4-BE49-F238E27FC236}">
-                <a16:creationId xmlns:a16="http://schemas.microsoft.com/office/drawing/2014/main" id="{7A613A49-D3BC-0DB7-E569-9F1CE02FD475}"/>
-              </a:ext>
-            </a:extLst>
-          </p:cNvPr>
-          <p:cNvSpPr txBox="1"/>
-          <p:nvPr/>
-        </p:nvSpPr>
-        <p:spPr>
-          <a:xfrm>
-            <a:off x="838200" y="5055091"/>
-            <a:ext cx="10073640" cy="1384995"/>
-          </a:xfrm>
-          <a:prstGeom prst="rect">
-            <a:avLst/>
-          </a:prstGeom>
-          <a:noFill/>
-        </p:spPr>
-        <p:txBody>
-          <a:bodyPr wrap="square">
-            <a:spAutoFit/>
-          </a:bodyPr>
-          <a:lstStyle/>
-          <a:p>
-            <a:r>
-              <a:rPr lang="en-US" sz="2800" dirty="0"/>
-              <a:t>Dimension Reduction. We project the p predictors into a M-dimensional subspace, where M &lt; p. This is achieved by computing M different linear combinations, or projections.</a:t>
-            </a:r>
-          </a:p>
-        </p:txBody>
-      </p:sp>
-    </p:spTree>
-    <p:extLst>
-      <p:ext uri="{BB962C8B-B14F-4D97-AF65-F5344CB8AC3E}">
-        <p14:creationId xmlns:p14="http://schemas.microsoft.com/office/powerpoint/2010/main" val="673514985"/>
-      </p:ext>
-    </p:extLst>
-  </p:cSld>
-  <p:clrMapOvr>
-    <a:masterClrMapping/>
-  </p:clrMapOvr>
-</p:sld>
-</file>
-
-<file path=ppt/slides/slide20.xml><?xml version="1.0" encoding="utf-8"?>
+<file path=ppt/slides/slide19.xml><?xml version="1.0" encoding="utf-8"?>
 <p:sld xmlns:a="http://schemas.openxmlformats.org/drawingml/2006/main" xmlns:r="http://schemas.openxmlformats.org/officeDocument/2006/relationships" xmlns:p="http://schemas.openxmlformats.org/presentationml/2006/main" show="0">
   <p:cSld>
     <p:spTree>
@@ -7531,8 +6983,8 @@
           </a:p>
         </p:txBody>
       </p:sp>
-      <mc:AlternateContent xmlns:mc="http://schemas.openxmlformats.org/markup-compatibility/2006">
-        <mc:Choice xmlns:a14="http://schemas.microsoft.com/office/drawing/2010/main" Requires="a14">
+      <mc:AlternateContent xmlns:mc="http://schemas.openxmlformats.org/markup-compatibility/2006" xmlns:a14="http://schemas.microsoft.com/office/drawing/2010/main">
+        <mc:Choice Requires="a14">
           <p:sp>
             <p:nvSpPr>
               <p:cNvPr id="4" name="TextBox 3">
@@ -7694,7 +7146,7 @@
             </p:txBody>
           </p:sp>
         </mc:Choice>
-        <mc:Fallback>
+        <mc:Fallback xmlns="">
           <p:sp>
             <p:nvSpPr>
               <p:cNvPr id="4" name="TextBox 3">
@@ -7739,8 +7191,8 @@
           </p:sp>
         </mc:Fallback>
       </mc:AlternateContent>
-      <mc:AlternateContent xmlns:mc="http://schemas.openxmlformats.org/markup-compatibility/2006">
-        <mc:Choice xmlns:a14="http://schemas.microsoft.com/office/drawing/2010/main" Requires="a14">
+      <mc:AlternateContent xmlns:mc="http://schemas.openxmlformats.org/markup-compatibility/2006" xmlns:a14="http://schemas.microsoft.com/office/drawing/2010/main">
+        <mc:Choice Requires="a14">
           <p:sp>
             <p:nvSpPr>
               <p:cNvPr id="5" name="TextBox 4">
@@ -7794,7 +7246,7 @@
             </p:txBody>
           </p:sp>
         </mc:Choice>
-        <mc:Fallback>
+        <mc:Fallback xmlns="">
           <p:sp>
             <p:nvSpPr>
               <p:cNvPr id="5" name="TextBox 4">
@@ -7852,7 +7304,185 @@
 </p:sld>
 </file>
 
-<file path=ppt/slides/slide21.xml><?xml version="1.0" encoding="utf-8"?>
+<file path=ppt/slides/slide2.xml><?xml version="1.0" encoding="utf-8"?>
+<p:sld xmlns:a="http://schemas.openxmlformats.org/drawingml/2006/main" xmlns:r="http://schemas.openxmlformats.org/officeDocument/2006/relationships" xmlns:p="http://schemas.openxmlformats.org/presentationml/2006/main">
+  <p:cSld>
+    <p:spTree>
+      <p:nvGrpSpPr>
+        <p:cNvPr id="1" name=""/>
+        <p:cNvGrpSpPr/>
+        <p:nvPr/>
+      </p:nvGrpSpPr>
+      <p:grpSpPr>
+        <a:xfrm>
+          <a:off x="0" y="0"/>
+          <a:ext cx="0" cy="0"/>
+          <a:chOff x="0" y="0"/>
+          <a:chExt cx="0" cy="0"/>
+        </a:xfrm>
+      </p:grpSpPr>
+      <p:sp>
+        <p:nvSpPr>
+          <p:cNvPr id="2" name="Title 1"/>
+          <p:cNvSpPr>
+            <a:spLocks noGrp="1"/>
+          </p:cNvSpPr>
+          <p:nvPr>
+            <p:ph type="title"/>
+          </p:nvPr>
+        </p:nvSpPr>
+        <p:spPr>
+          <a:xfrm>
+            <a:off x="838200" y="365126"/>
+            <a:ext cx="10515600" cy="981894"/>
+          </a:xfrm>
+        </p:spPr>
+        <p:txBody>
+          <a:bodyPr>
+            <a:normAutofit/>
+          </a:bodyPr>
+          <a:lstStyle/>
+          <a:p>
+            <a:r>
+              <a:rPr lang="en-US" dirty="0"/>
+              <a:t>Model Selection and Regularization Methods</a:t>
+            </a:r>
+          </a:p>
+        </p:txBody>
+      </p:sp>
+      <p:sp>
+        <p:nvSpPr>
+          <p:cNvPr id="4" name="TextBox 3">
+            <a:extLst>
+              <a:ext uri="{FF2B5EF4-FFF2-40B4-BE49-F238E27FC236}">
+                <a16:creationId xmlns:a16="http://schemas.microsoft.com/office/drawing/2014/main" id="{C1EE6756-1216-1CF9-50E7-5E02491B7B53}"/>
+              </a:ext>
+            </a:extLst>
+          </p:cNvPr>
+          <p:cNvSpPr txBox="1"/>
+          <p:nvPr/>
+        </p:nvSpPr>
+        <p:spPr>
+          <a:xfrm>
+            <a:off x="838200" y="1671811"/>
+            <a:ext cx="10073640" cy="954107"/>
+          </a:xfrm>
+          <a:prstGeom prst="rect">
+            <a:avLst/>
+          </a:prstGeom>
+          <a:noFill/>
+        </p:spPr>
+        <p:txBody>
+          <a:bodyPr wrap="square">
+            <a:spAutoFit/>
+          </a:bodyPr>
+          <a:lstStyle/>
+          <a:p>
+            <a:r>
+              <a:rPr lang="en-US" sz="2800" dirty="0"/>
+              <a:t>Subset Selection. We identify a subset of the p predictors that we believe to be related to the response. </a:t>
+            </a:r>
+          </a:p>
+        </p:txBody>
+      </p:sp>
+      <p:sp>
+        <p:nvSpPr>
+          <p:cNvPr id="3" name="TextBox 2">
+            <a:extLst>
+              <a:ext uri="{FF2B5EF4-FFF2-40B4-BE49-F238E27FC236}">
+                <a16:creationId xmlns:a16="http://schemas.microsoft.com/office/drawing/2014/main" id="{906D0B88-C0D1-1F23-83E9-F41A5A8CE093}"/>
+              </a:ext>
+            </a:extLst>
+          </p:cNvPr>
+          <p:cNvSpPr txBox="1"/>
+          <p:nvPr/>
+        </p:nvSpPr>
+        <p:spPr>
+          <a:xfrm>
+            <a:off x="838200" y="3109400"/>
+            <a:ext cx="10073640" cy="1815882"/>
+          </a:xfrm>
+          <a:prstGeom prst="rect">
+            <a:avLst/>
+          </a:prstGeom>
+          <a:noFill/>
+        </p:spPr>
+        <p:txBody>
+          <a:bodyPr wrap="square">
+            <a:spAutoFit/>
+          </a:bodyPr>
+          <a:lstStyle/>
+          <a:p>
+            <a:r>
+              <a:rPr lang="en-US" sz="2800" dirty="0"/>
+              <a:t>Shrinkage. We fit a model involving all p predictors, but the estimated coefficients are shrunken towards zero relative to the least squares estimates (</a:t>
+            </a:r>
+            <a:r>
+              <a:rPr lang="en-US" sz="2800" b="1" dirty="0"/>
+              <a:t>Regularization</a:t>
+            </a:r>
+            <a:r>
+              <a:rPr lang="en-US" sz="2800" dirty="0"/>
+              <a:t>)</a:t>
+            </a:r>
+          </a:p>
+          <a:p>
+            <a:r>
+              <a:rPr lang="en-US" sz="2800" dirty="0"/>
+              <a:t> </a:t>
+            </a:r>
+          </a:p>
+        </p:txBody>
+      </p:sp>
+      <p:sp>
+        <p:nvSpPr>
+          <p:cNvPr id="5" name="TextBox 4">
+            <a:extLst>
+              <a:ext uri="{FF2B5EF4-FFF2-40B4-BE49-F238E27FC236}">
+                <a16:creationId xmlns:a16="http://schemas.microsoft.com/office/drawing/2014/main" id="{7A613A49-D3BC-0DB7-E569-9F1CE02FD475}"/>
+              </a:ext>
+            </a:extLst>
+          </p:cNvPr>
+          <p:cNvSpPr txBox="1"/>
+          <p:nvPr/>
+        </p:nvSpPr>
+        <p:spPr>
+          <a:xfrm>
+            <a:off x="838200" y="5055091"/>
+            <a:ext cx="10073640" cy="1384995"/>
+          </a:xfrm>
+          <a:prstGeom prst="rect">
+            <a:avLst/>
+          </a:prstGeom>
+          <a:noFill/>
+        </p:spPr>
+        <p:txBody>
+          <a:bodyPr wrap="square">
+            <a:spAutoFit/>
+          </a:bodyPr>
+          <a:lstStyle/>
+          <a:p>
+            <a:r>
+              <a:rPr lang="en-US" sz="2800" dirty="0"/>
+              <a:t>Dimension Reduction. We project the p predictors into a M-dimensional subspace, where M &lt; p. This is achieved by computing M different linear combinations, or projections.</a:t>
+            </a:r>
+          </a:p>
+        </p:txBody>
+      </p:sp>
+    </p:spTree>
+    <p:extLst>
+      <p:ext uri="{BB962C8B-B14F-4D97-AF65-F5344CB8AC3E}">
+        <p14:creationId xmlns:p14="http://schemas.microsoft.com/office/powerpoint/2010/main" val="673514985"/>
+      </p:ext>
+    </p:extLst>
+  </p:cSld>
+  <p:clrMapOvr>
+    <a:masterClrMapping/>
+  </p:clrMapOvr>
+</p:sld>
+</file>
+
+<file path=ppt/slides/slide20.xml><?xml version="1.0" encoding="utf-8"?>
 <p:sld xmlns:a="http://schemas.openxmlformats.org/drawingml/2006/main" xmlns:r="http://schemas.openxmlformats.org/officeDocument/2006/relationships" xmlns:p="http://schemas.openxmlformats.org/presentationml/2006/main">
   <p:cSld>
     <p:spTree>
@@ -7963,8 +7593,8 @@
           </a:p>
         </p:txBody>
       </p:sp>
-      <mc:AlternateContent xmlns:mc="http://schemas.openxmlformats.org/markup-compatibility/2006">
-        <mc:Choice xmlns:a14="http://schemas.microsoft.com/office/drawing/2010/main" Requires="a14">
+      <mc:AlternateContent xmlns:mc="http://schemas.openxmlformats.org/markup-compatibility/2006" xmlns:a14="http://schemas.microsoft.com/office/drawing/2010/main">
+        <mc:Choice Requires="a14">
           <p:sp>
             <p:nvSpPr>
               <p:cNvPr id="4" name="TextBox 3">
@@ -8037,7 +7667,7 @@
             </p:txBody>
           </p:sp>
         </mc:Choice>
-        <mc:Fallback>
+        <mc:Fallback xmlns="">
           <p:sp>
             <p:nvSpPr>
               <p:cNvPr id="4" name="TextBox 3">
@@ -8082,8 +7712,8 @@
           </p:sp>
         </mc:Fallback>
       </mc:AlternateContent>
-      <mc:AlternateContent xmlns:mc="http://schemas.openxmlformats.org/markup-compatibility/2006">
-        <mc:Choice xmlns:a14="http://schemas.microsoft.com/office/drawing/2010/main" Requires="a14">
+      <mc:AlternateContent xmlns:mc="http://schemas.openxmlformats.org/markup-compatibility/2006" xmlns:a14="http://schemas.microsoft.com/office/drawing/2010/main">
+        <mc:Choice Requires="a14">
           <p:sp>
             <p:nvSpPr>
               <p:cNvPr id="3" name="TextBox 2">
@@ -8260,7 +7890,7 @@
             </p:txBody>
           </p:sp>
         </mc:Choice>
-        <mc:Fallback>
+        <mc:Fallback xmlns="">
           <p:sp>
             <p:nvSpPr>
               <p:cNvPr id="3" name="TextBox 2">
@@ -8359,14 +7989,14 @@
           <a:p>
             <a:r>
               <a:rPr lang="en-US" altLang="zh-CN" dirty="0"/>
-              <a:t>Forward Stepwise Selection </a:t>
+              <a:t>Forward Stepwise Selection (Greedy) </a:t>
             </a:r>
             <a:endParaRPr lang="en-US" dirty="0"/>
           </a:p>
         </p:txBody>
       </p:sp>
-      <mc:AlternateContent xmlns:mc="http://schemas.openxmlformats.org/markup-compatibility/2006">
-        <mc:Choice xmlns:a14="http://schemas.microsoft.com/office/drawing/2010/main" Requires="a14">
+      <mc:AlternateContent xmlns:mc="http://schemas.openxmlformats.org/markup-compatibility/2006" xmlns:a14="http://schemas.microsoft.com/office/drawing/2010/main">
+        <mc:Choice Requires="a14">
           <p:sp>
             <p:nvSpPr>
               <p:cNvPr id="4" name="TextBox 3">
@@ -8439,7 +8069,7 @@
             </p:txBody>
           </p:sp>
         </mc:Choice>
-        <mc:Fallback>
+        <mc:Fallback xmlns="">
           <p:sp>
             <p:nvSpPr>
               <p:cNvPr id="4" name="TextBox 3">
@@ -8484,8 +8114,8 @@
           </p:sp>
         </mc:Fallback>
       </mc:AlternateContent>
-      <mc:AlternateContent xmlns:mc="http://schemas.openxmlformats.org/markup-compatibility/2006">
-        <mc:Choice xmlns:a14="http://schemas.microsoft.com/office/drawing/2010/main" Requires="a14">
+      <mc:AlternateContent xmlns:mc="http://schemas.openxmlformats.org/markup-compatibility/2006" xmlns:a14="http://schemas.microsoft.com/office/drawing/2010/main">
+        <mc:Choice Requires="a14">
           <p:sp>
             <p:nvSpPr>
               <p:cNvPr id="3" name="TextBox 2">
@@ -8658,405 +8288,7 @@
             </p:txBody>
           </p:sp>
         </mc:Choice>
-        <mc:Fallback>
-          <p:sp>
-            <p:nvSpPr>
-              <p:cNvPr id="3" name="TextBox 2">
-                <a:extLst>
-                  <a:ext uri="{FF2B5EF4-FFF2-40B4-BE49-F238E27FC236}">
-                    <a16:creationId xmlns:a16="http://schemas.microsoft.com/office/drawing/2014/main" id="{906D0B88-C0D1-1F23-83E9-F41A5A8CE093}"/>
-                  </a:ext>
-                </a:extLst>
-              </p:cNvPr>
-              <p:cNvSpPr txBox="1">
-                <a:spLocks noRot="1" noChangeAspect="1" noMove="1" noResize="1" noEditPoints="1" noAdjustHandles="1" noChangeArrowheads="1" noChangeShapeType="1" noTextEdit="1"/>
-              </p:cNvSpPr>
-              <p:nvPr/>
-            </p:nvSpPr>
-            <p:spPr>
-              <a:xfrm>
-                <a:off x="838200" y="2508559"/>
-                <a:ext cx="10073640" cy="3108543"/>
-              </a:xfrm>
-              <a:prstGeom prst="rect">
-                <a:avLst/>
-              </a:prstGeom>
-              <a:blipFill>
-                <a:blip r:embed="rId4"/>
-                <a:stretch>
-                  <a:fillRect l="-1259" t="-2033" b="-4472"/>
-                </a:stretch>
-              </a:blipFill>
-            </p:spPr>
-            <p:txBody>
-              <a:bodyPr/>
-              <a:lstStyle/>
-              <a:p>
-                <a:r>
-                  <a:rPr lang="en-US">
-                    <a:noFill/>
-                  </a:rPr>
-                  <a:t> </a:t>
-                </a:r>
-              </a:p>
-            </p:txBody>
-          </p:sp>
-        </mc:Fallback>
-      </mc:AlternateContent>
-    </p:spTree>
-    <p:extLst>
-      <p:ext uri="{BB962C8B-B14F-4D97-AF65-F5344CB8AC3E}">
-        <p14:creationId xmlns:p14="http://schemas.microsoft.com/office/powerpoint/2010/main" val="3373826714"/>
-      </p:ext>
-    </p:extLst>
-  </p:cSld>
-  <p:clrMapOvr>
-    <a:masterClrMapping/>
-  </p:clrMapOvr>
-</p:sld>
-</file>
-
-<file path=ppt/slides/slide5.xml><?xml version="1.0" encoding="utf-8"?>
-<p:sld xmlns:a="http://schemas.openxmlformats.org/drawingml/2006/main" xmlns:r="http://schemas.openxmlformats.org/officeDocument/2006/relationships" xmlns:p="http://schemas.openxmlformats.org/presentationml/2006/main">
-  <p:cSld>
-    <p:spTree>
-      <p:nvGrpSpPr>
-        <p:cNvPr id="1" name=""/>
-        <p:cNvGrpSpPr/>
-        <p:nvPr/>
-      </p:nvGrpSpPr>
-      <p:grpSpPr>
-        <a:xfrm>
-          <a:off x="0" y="0"/>
-          <a:ext cx="0" cy="0"/>
-          <a:chOff x="0" y="0"/>
-          <a:chExt cx="0" cy="0"/>
-        </a:xfrm>
-      </p:grpSpPr>
-      <p:sp>
-        <p:nvSpPr>
-          <p:cNvPr id="2" name="Title 1"/>
-          <p:cNvSpPr>
-            <a:spLocks noGrp="1"/>
-          </p:cNvSpPr>
-          <p:nvPr>
-            <p:ph type="title"/>
-          </p:nvPr>
-        </p:nvSpPr>
-        <p:spPr>
-          <a:xfrm>
-            <a:off x="838200" y="365126"/>
-            <a:ext cx="10515600" cy="981894"/>
-          </a:xfrm>
-        </p:spPr>
-        <p:txBody>
-          <a:bodyPr>
-            <a:normAutofit/>
-          </a:bodyPr>
-          <a:lstStyle/>
-          <a:p>
-            <a:r>
-              <a:rPr lang="en-US" altLang="zh-CN" dirty="0"/>
-              <a:t>Forward Stepwise Selection (Greedy) </a:t>
-            </a:r>
-            <a:endParaRPr lang="en-US" dirty="0"/>
-          </a:p>
-        </p:txBody>
-      </p:sp>
-      <mc:AlternateContent xmlns:mc="http://schemas.openxmlformats.org/markup-compatibility/2006">
-        <mc:Choice xmlns:a14="http://schemas.microsoft.com/office/drawing/2010/main" Requires="a14">
-          <p:sp>
-            <p:nvSpPr>
-              <p:cNvPr id="4" name="TextBox 3">
-                <a:extLst>
-                  <a:ext uri="{FF2B5EF4-FFF2-40B4-BE49-F238E27FC236}">
-                    <a16:creationId xmlns:a16="http://schemas.microsoft.com/office/drawing/2014/main" id="{C1EE6756-1216-1CF9-50E7-5E02491B7B53}"/>
-                  </a:ext>
-                </a:extLst>
-              </p:cNvPr>
-              <p:cNvSpPr txBox="1"/>
-              <p:nvPr/>
-            </p:nvSpPr>
-            <p:spPr>
-              <a:xfrm>
-                <a:off x="838200" y="1671811"/>
-                <a:ext cx="10073640" cy="954107"/>
-              </a:xfrm>
-              <a:prstGeom prst="rect">
-                <a:avLst/>
-              </a:prstGeom>
-              <a:noFill/>
-            </p:spPr>
-            <p:txBody>
-              <a:bodyPr wrap="square">
-                <a:spAutoFit/>
-              </a:bodyPr>
-              <a:lstStyle/>
-              <a:p>
-                <a:r>
-                  <a:rPr lang="en-US" sz="2800" dirty="0"/>
-                  <a:t>Let </a:t>
-                </a:r>
-                <a14:m>
-                  <m:oMath xmlns:m="http://schemas.openxmlformats.org/officeDocument/2006/math">
-                    <m:sSub>
-                      <m:sSubPr>
-                        <m:ctrlPr>
-                          <a:rPr lang="en-US" altLang="zh-CN" sz="2800" b="0" i="1" smtClean="0">
-                            <a:latin typeface="Cambria Math" panose="02040503050406030204" pitchFamily="18" charset="0"/>
-                          </a:rPr>
-                        </m:ctrlPr>
-                      </m:sSubPr>
-                      <m:e>
-                        <m:r>
-                          <a:rPr lang="en-US" altLang="zh-CN" sz="2800" b="0" i="1" smtClean="0">
-                            <a:latin typeface="Cambria Math" panose="02040503050406030204" pitchFamily="18" charset="0"/>
-                          </a:rPr>
-                          <m:t>𝑀</m:t>
-                        </m:r>
-                      </m:e>
-                      <m:sub>
-                        <m:r>
-                          <a:rPr lang="en-US" altLang="zh-CN" sz="2800" b="0" i="1" smtClean="0">
-                            <a:latin typeface="Cambria Math" panose="02040503050406030204" pitchFamily="18" charset="0"/>
-                          </a:rPr>
-                          <m:t>0</m:t>
-                        </m:r>
-                      </m:sub>
-                    </m:sSub>
-                  </m:oMath>
-                </a14:m>
-                <a:r>
-                  <a:rPr lang="en-US" sz="2800" dirty="0"/>
-                  <a:t> denote the null model, which contains no predictors. </a:t>
-                </a:r>
-              </a:p>
-              <a:p>
-                <a:endParaRPr lang="en-US" sz="2800" dirty="0"/>
-              </a:p>
-            </p:txBody>
-          </p:sp>
-        </mc:Choice>
-        <mc:Fallback>
-          <p:sp>
-            <p:nvSpPr>
-              <p:cNvPr id="4" name="TextBox 3">
-                <a:extLst>
-                  <a:ext uri="{FF2B5EF4-FFF2-40B4-BE49-F238E27FC236}">
-                    <a16:creationId xmlns:a16="http://schemas.microsoft.com/office/drawing/2014/main" id="{C1EE6756-1216-1CF9-50E7-5E02491B7B53}"/>
-                  </a:ext>
-                </a:extLst>
-              </p:cNvPr>
-              <p:cNvSpPr txBox="1">
-                <a:spLocks noRot="1" noChangeAspect="1" noMove="1" noResize="1" noEditPoints="1" noAdjustHandles="1" noChangeArrowheads="1" noChangeShapeType="1" noTextEdit="1"/>
-              </p:cNvSpPr>
-              <p:nvPr/>
-            </p:nvSpPr>
-            <p:spPr>
-              <a:xfrm>
-                <a:off x="838200" y="1671811"/>
-                <a:ext cx="10073640" cy="954107"/>
-              </a:xfrm>
-              <a:prstGeom prst="rect">
-                <a:avLst/>
-              </a:prstGeom>
-              <a:blipFill>
-                <a:blip r:embed="rId3"/>
-                <a:stretch>
-                  <a:fillRect l="-1259" t="-6579"/>
-                </a:stretch>
-              </a:blipFill>
-            </p:spPr>
-            <p:txBody>
-              <a:bodyPr/>
-              <a:lstStyle/>
-              <a:p>
-                <a:r>
-                  <a:rPr lang="en-US">
-                    <a:noFill/>
-                  </a:rPr>
-                  <a:t> </a:t>
-                </a:r>
-              </a:p>
-            </p:txBody>
-          </p:sp>
-        </mc:Fallback>
-      </mc:AlternateContent>
-      <mc:AlternateContent xmlns:mc="http://schemas.openxmlformats.org/markup-compatibility/2006">
-        <mc:Choice xmlns:a14="http://schemas.microsoft.com/office/drawing/2010/main" Requires="a14">
-          <p:sp>
-            <p:nvSpPr>
-              <p:cNvPr id="3" name="TextBox 2">
-                <a:extLst>
-                  <a:ext uri="{FF2B5EF4-FFF2-40B4-BE49-F238E27FC236}">
-                    <a16:creationId xmlns:a16="http://schemas.microsoft.com/office/drawing/2014/main" id="{906D0B88-C0D1-1F23-83E9-F41A5A8CE093}"/>
-                  </a:ext>
-                </a:extLst>
-              </p:cNvPr>
-              <p:cNvSpPr txBox="1"/>
-              <p:nvPr/>
-            </p:nvSpPr>
-            <p:spPr>
-              <a:xfrm>
-                <a:off x="838200" y="2508559"/>
-                <a:ext cx="10073640" cy="3108543"/>
-              </a:xfrm>
-              <a:prstGeom prst="rect">
-                <a:avLst/>
-              </a:prstGeom>
-              <a:noFill/>
-            </p:spPr>
-            <p:txBody>
-              <a:bodyPr wrap="square">
-                <a:spAutoFit/>
-              </a:bodyPr>
-              <a:lstStyle/>
-              <a:p>
-                <a:r>
-                  <a:rPr lang="en-US" sz="2800" dirty="0"/>
-                  <a:t>For k = 1,2,...p:</a:t>
-                </a:r>
-                <a:br>
-                  <a:rPr lang="en-US" sz="2800" dirty="0"/>
-                </a:br>
-                <a:r>
-                  <a:rPr lang="en-US" sz="2800" dirty="0"/>
-                  <a:t>	(a) Consider all p − k models that augment one</a:t>
-                </a:r>
-                <a:r>
-                  <a:rPr lang="zh-CN" altLang="en-US" sz="2800" dirty="0"/>
-                  <a:t> </a:t>
-                </a:r>
-                <a:r>
-                  <a:rPr lang="en-US" altLang="zh-CN" sz="2800" dirty="0"/>
-                  <a:t>predictor</a:t>
-                </a:r>
-                <a:endParaRPr lang="en-US" sz="2800" dirty="0"/>
-              </a:p>
-              <a:p>
-                <a:r>
-                  <a:rPr lang="en-US" altLang="zh-CN" sz="2800" dirty="0"/>
-                  <a:t>      (b) Pick the best among these models and call it </a:t>
-                </a:r>
-                <a14:m>
-                  <m:oMath xmlns:m="http://schemas.openxmlformats.org/officeDocument/2006/math">
-                    <m:sSub>
-                      <m:sSubPr>
-                        <m:ctrlPr>
-                          <a:rPr lang="en-US" altLang="zh-CN" sz="2800" b="0" i="1" smtClean="0">
-                            <a:latin typeface="Cambria Math" panose="02040503050406030204" pitchFamily="18" charset="0"/>
-                          </a:rPr>
-                        </m:ctrlPr>
-                      </m:sSubPr>
-                      <m:e>
-                        <m:r>
-                          <a:rPr lang="en-US" altLang="zh-CN" sz="2800" b="0" i="1" smtClean="0">
-                            <a:latin typeface="Cambria Math" panose="02040503050406030204" pitchFamily="18" charset="0"/>
-                          </a:rPr>
-                          <m:t>𝑀</m:t>
-                        </m:r>
-                      </m:e>
-                      <m:sub>
-                        <m:r>
-                          <a:rPr lang="en-US" altLang="zh-CN" sz="2800" b="0" i="1" smtClean="0">
-                            <a:latin typeface="Cambria Math" panose="02040503050406030204" pitchFamily="18" charset="0"/>
-                          </a:rPr>
-                          <m:t>𝑘</m:t>
-                        </m:r>
-                      </m:sub>
-                    </m:sSub>
-                  </m:oMath>
-                </a14:m>
-                <a:r>
-                  <a:rPr lang="en-US" altLang="zh-CN" sz="2800" dirty="0"/>
-                  <a:t>. Here the</a:t>
-                </a:r>
-              </a:p>
-              <a:p>
-                <a:r>
-                  <a:rPr lang="en-US" altLang="zh-CN" sz="2800" dirty="0"/>
-                  <a:t>        best is defined as having the smallest RSS.</a:t>
-                </a:r>
-              </a:p>
-              <a:p>
-                <a:endParaRPr lang="en-US" altLang="zh-CN" sz="2800" dirty="0"/>
-              </a:p>
-              <a:p>
-                <a:r>
-                  <a:rPr lang="en-US" altLang="zh-CN" sz="2800" dirty="0"/>
-                  <a:t>Select a single best model from among </a:t>
-                </a:r>
-                <a14:m>
-                  <m:oMath xmlns:m="http://schemas.openxmlformats.org/officeDocument/2006/math">
-                    <m:sSub>
-                      <m:sSubPr>
-                        <m:ctrlPr>
-                          <a:rPr lang="en-US" altLang="zh-CN" sz="2800" b="0" i="1" smtClean="0">
-                            <a:latin typeface="Cambria Math" panose="02040503050406030204" pitchFamily="18" charset="0"/>
-                          </a:rPr>
-                        </m:ctrlPr>
-                      </m:sSubPr>
-                      <m:e>
-                        <m:r>
-                          <a:rPr lang="en-US" altLang="zh-CN" sz="2800" b="0" i="1" smtClean="0">
-                            <a:latin typeface="Cambria Math" panose="02040503050406030204" pitchFamily="18" charset="0"/>
-                          </a:rPr>
-                          <m:t>𝑀</m:t>
-                        </m:r>
-                      </m:e>
-                      <m:sub>
-                        <m:r>
-                          <a:rPr lang="en-US" altLang="zh-CN" sz="2800" b="0" i="1" smtClean="0">
-                            <a:latin typeface="Cambria Math" panose="02040503050406030204" pitchFamily="18" charset="0"/>
-                          </a:rPr>
-                          <m:t>0</m:t>
-                        </m:r>
-                      </m:sub>
-                    </m:sSub>
-                  </m:oMath>
-                </a14:m>
-                <a:r>
-                  <a:rPr lang="en-US" altLang="zh-CN" sz="2800" dirty="0"/>
-                  <a:t>, . . . , </a:t>
-                </a:r>
-                <a14:m>
-                  <m:oMath xmlns:m="http://schemas.openxmlformats.org/officeDocument/2006/math">
-                    <m:sSub>
-                      <m:sSubPr>
-                        <m:ctrlPr>
-                          <a:rPr lang="en-US" altLang="zh-CN" sz="2800" i="1">
-                            <a:latin typeface="Cambria Math" panose="02040503050406030204" pitchFamily="18" charset="0"/>
-                          </a:rPr>
-                        </m:ctrlPr>
-                      </m:sSubPr>
-                      <m:e>
-                        <m:r>
-                          <a:rPr lang="en-US" altLang="zh-CN" sz="2800" i="1">
-                            <a:latin typeface="Cambria Math" panose="02040503050406030204" pitchFamily="18" charset="0"/>
-                          </a:rPr>
-                          <m:t>𝑀</m:t>
-                        </m:r>
-                      </m:e>
-                      <m:sub>
-                        <m:r>
-                          <a:rPr lang="en-US" altLang="zh-CN" sz="2800" i="1">
-                            <a:latin typeface="Cambria Math" panose="02040503050406030204" pitchFamily="18" charset="0"/>
-                          </a:rPr>
-                          <m:t>𝑘</m:t>
-                        </m:r>
-                      </m:sub>
-                    </m:sSub>
-                  </m:oMath>
-                </a14:m>
-                <a:r>
-                  <a:rPr lang="en-US" altLang="zh-CN" sz="2800" dirty="0"/>
-                  <a:t> using cross-validated prediction error or adjusted R2</a:t>
-                </a:r>
-              </a:p>
-            </p:txBody>
-          </p:sp>
-        </mc:Choice>
-        <mc:Fallback>
+        <mc:Fallback xmlns="">
           <p:sp>
             <p:nvSpPr>
               <p:cNvPr id="3" name="TextBox 2">
@@ -9114,7 +8346,7 @@
 </p:sld>
 </file>
 
-<file path=ppt/slides/slide6.xml><?xml version="1.0" encoding="utf-8"?>
+<file path=ppt/slides/slide5.xml><?xml version="1.0" encoding="utf-8"?>
 <p:sld xmlns:a="http://schemas.openxmlformats.org/drawingml/2006/main" xmlns:r="http://schemas.openxmlformats.org/officeDocument/2006/relationships" xmlns:p="http://schemas.openxmlformats.org/presentationml/2006/main">
   <p:cSld>
     <p:spTree>
@@ -9191,8 +8423,8 @@
           </a:prstGeom>
         </p:spPr>
       </p:pic>
-      <mc:AlternateContent xmlns:mc="http://schemas.openxmlformats.org/markup-compatibility/2006">
-        <mc:Choice xmlns:a14="http://schemas.microsoft.com/office/drawing/2010/main" Requires="a14">
+      <mc:AlternateContent xmlns:mc="http://schemas.openxmlformats.org/markup-compatibility/2006" xmlns:a14="http://schemas.microsoft.com/office/drawing/2010/main">
+        <mc:Choice Requires="a14">
           <p:sp>
             <p:nvSpPr>
               <p:cNvPr id="6" name="TextBox 5">
@@ -9319,7 +8551,7 @@
             </p:txBody>
           </p:sp>
         </mc:Choice>
-        <mc:Fallback>
+        <mc:Fallback xmlns="">
           <p:sp>
             <p:nvSpPr>
               <p:cNvPr id="6" name="TextBox 5">
@@ -9377,7 +8609,7 @@
 </p:sld>
 </file>
 
-<file path=ppt/slides/slide7.xml><?xml version="1.0" encoding="utf-8"?>
+<file path=ppt/slides/slide6.xml><?xml version="1.0" encoding="utf-8"?>
 <p:sld xmlns:a="http://schemas.openxmlformats.org/drawingml/2006/main" xmlns:r="http://schemas.openxmlformats.org/officeDocument/2006/relationships" xmlns:p="http://schemas.openxmlformats.org/presentationml/2006/main">
   <p:cSld>
     <p:spTree>
@@ -9521,7 +8753,7 @@
 </p:sld>
 </file>
 
-<file path=ppt/slides/slide8.xml><?xml version="1.0" encoding="utf-8"?>
+<file path=ppt/slides/slide7.xml><?xml version="1.0" encoding="utf-8"?>
 <p:sld xmlns:a="http://schemas.openxmlformats.org/drawingml/2006/main" xmlns:r="http://schemas.openxmlformats.org/officeDocument/2006/relationships" xmlns:p="http://schemas.openxmlformats.org/presentationml/2006/main">
   <p:cSld>
     <p:spTree>
@@ -9666,8 +8898,8 @@
           </a:prstGeom>
         </p:spPr>
       </p:pic>
-      <mc:AlternateContent xmlns:mc="http://schemas.openxmlformats.org/markup-compatibility/2006">
-        <mc:Choice xmlns:a14="http://schemas.microsoft.com/office/drawing/2010/main" Requires="a14">
+      <mc:AlternateContent xmlns:mc="http://schemas.openxmlformats.org/markup-compatibility/2006" xmlns:a14="http://schemas.microsoft.com/office/drawing/2010/main">
+        <mc:Choice Requires="a14">
           <p:sp>
             <p:nvSpPr>
               <p:cNvPr id="8" name="TextBox 7">
@@ -9714,7 +8946,7 @@
             </p:txBody>
           </p:sp>
         </mc:Choice>
-        <mc:Fallback>
+        <mc:Fallback xmlns="">
           <p:sp>
             <p:nvSpPr>
               <p:cNvPr id="8" name="TextBox 7">
@@ -9772,7 +9004,7 @@
 </p:sld>
 </file>
 
-<file path=ppt/slides/slide9.xml><?xml version="1.0" encoding="utf-8"?>
+<file path=ppt/slides/slide8.xml><?xml version="1.0" encoding="utf-8"?>
 <p:sld xmlns:a="http://schemas.openxmlformats.org/drawingml/2006/main" xmlns:r="http://schemas.openxmlformats.org/officeDocument/2006/relationships" xmlns:p="http://schemas.openxmlformats.org/presentationml/2006/main">
   <p:cSld>
     <p:spTree>
@@ -9884,8 +9116,8 @@
           </a:prstGeom>
         </p:spPr>
       </p:pic>
-      <mc:AlternateContent xmlns:mc="http://schemas.openxmlformats.org/markup-compatibility/2006">
-        <mc:Choice xmlns:a14="http://schemas.microsoft.com/office/drawing/2010/main" Requires="a14">
+      <mc:AlternateContent xmlns:mc="http://schemas.openxmlformats.org/markup-compatibility/2006" xmlns:a14="http://schemas.microsoft.com/office/drawing/2010/main">
+        <mc:Choice Requires="a14">
           <p:sp>
             <p:nvSpPr>
               <p:cNvPr id="6" name="TextBox 5">
@@ -9936,7 +9168,7 @@
             </p:txBody>
           </p:sp>
         </mc:Choice>
-        <mc:Fallback>
+        <mc:Fallback xmlns="">
           <p:sp>
             <p:nvSpPr>
               <p:cNvPr id="6" name="TextBox 5">
@@ -9985,6 +9217,286 @@
     <p:extLst>
       <p:ext uri="{BB962C8B-B14F-4D97-AF65-F5344CB8AC3E}">
         <p14:creationId xmlns:p14="http://schemas.microsoft.com/office/powerpoint/2010/main" val="3766903573"/>
+      </p:ext>
+    </p:extLst>
+  </p:cSld>
+  <p:clrMapOvr>
+    <a:masterClrMapping/>
+  </p:clrMapOvr>
+</p:sld>
+</file>
+
+<file path=ppt/slides/slide9.xml><?xml version="1.0" encoding="utf-8"?>
+<p:sld xmlns:a="http://schemas.openxmlformats.org/drawingml/2006/main" xmlns:r="http://schemas.openxmlformats.org/officeDocument/2006/relationships" xmlns:p="http://schemas.openxmlformats.org/presentationml/2006/main">
+  <p:cSld>
+    <p:spTree>
+      <p:nvGrpSpPr>
+        <p:cNvPr id="1" name=""/>
+        <p:cNvGrpSpPr/>
+        <p:nvPr/>
+      </p:nvGrpSpPr>
+      <p:grpSpPr>
+        <a:xfrm>
+          <a:off x="0" y="0"/>
+          <a:ext cx="0" cy="0"/>
+          <a:chOff x="0" y="0"/>
+          <a:chExt cx="0" cy="0"/>
+        </a:xfrm>
+      </p:grpSpPr>
+      <p:sp>
+        <p:nvSpPr>
+          <p:cNvPr id="2" name="Title 1"/>
+          <p:cNvSpPr>
+            <a:spLocks noGrp="1"/>
+          </p:cNvSpPr>
+          <p:nvPr>
+            <p:ph type="title"/>
+          </p:nvPr>
+        </p:nvSpPr>
+        <p:spPr>
+          <a:xfrm>
+            <a:off x="838200" y="365126"/>
+            <a:ext cx="10515600" cy="981894"/>
+          </a:xfrm>
+        </p:spPr>
+        <p:txBody>
+          <a:bodyPr>
+            <a:normAutofit/>
+          </a:bodyPr>
+          <a:lstStyle/>
+          <a:p>
+            <a:r>
+              <a:rPr lang="en-US" sz="4400" dirty="0"/>
+              <a:t>Lasso</a:t>
+            </a:r>
+            <a:endParaRPr lang="en-US" dirty="0"/>
+          </a:p>
+        </p:txBody>
+      </p:sp>
+      <p:sp>
+        <p:nvSpPr>
+          <p:cNvPr id="5" name="TextBox 4">
+            <a:extLst>
+              <a:ext uri="{FF2B5EF4-FFF2-40B4-BE49-F238E27FC236}">
+                <a16:creationId xmlns:a16="http://schemas.microsoft.com/office/drawing/2014/main" id="{81359AD8-2D43-4D75-6F9A-7C7D1A1E8537}"/>
+              </a:ext>
+            </a:extLst>
+          </p:cNvPr>
+          <p:cNvSpPr txBox="1"/>
+          <p:nvPr/>
+        </p:nvSpPr>
+        <p:spPr>
+          <a:xfrm>
+            <a:off x="838199" y="1833361"/>
+            <a:ext cx="10515599" cy="1384995"/>
+          </a:xfrm>
+          <a:prstGeom prst="rect">
+            <a:avLst/>
+          </a:prstGeom>
+          <a:noFill/>
+        </p:spPr>
+        <p:txBody>
+          <a:bodyPr wrap="square">
+            <a:spAutoFit/>
+          </a:bodyPr>
+          <a:lstStyle/>
+          <a:p>
+            <a:r>
+              <a:rPr lang="en-US" sz="2800" dirty="0"/>
+              <a:t>Ridge regression will include all p predictors in the final model (Disadvantage: No predictor selection) </a:t>
+            </a:r>
+          </a:p>
+          <a:p>
+            <a:endParaRPr lang="en-US" sz="2800" dirty="0"/>
+          </a:p>
+        </p:txBody>
+      </p:sp>
+      <p:sp>
+        <p:nvSpPr>
+          <p:cNvPr id="6" name="TextBox 5">
+            <a:extLst>
+              <a:ext uri="{FF2B5EF4-FFF2-40B4-BE49-F238E27FC236}">
+                <a16:creationId xmlns:a16="http://schemas.microsoft.com/office/drawing/2014/main" id="{7930306D-F283-2ECD-785B-76844090DA10}"/>
+              </a:ext>
+            </a:extLst>
+          </p:cNvPr>
+          <p:cNvSpPr txBox="1"/>
+          <p:nvPr/>
+        </p:nvSpPr>
+        <p:spPr>
+          <a:xfrm>
+            <a:off x="838198" y="3378035"/>
+            <a:ext cx="10515599" cy="523220"/>
+          </a:xfrm>
+          <a:prstGeom prst="rect">
+            <a:avLst/>
+          </a:prstGeom>
+          <a:noFill/>
+        </p:spPr>
+        <p:txBody>
+          <a:bodyPr wrap="square">
+            <a:spAutoFit/>
+          </a:bodyPr>
+          <a:lstStyle/>
+          <a:p>
+            <a:r>
+              <a:rPr lang="en-US" sz="2800" dirty="0"/>
+              <a:t>Objective of Lasso</a:t>
+            </a:r>
+          </a:p>
+        </p:txBody>
+      </p:sp>
+      <p:pic>
+        <p:nvPicPr>
+          <p:cNvPr id="4" name="Picture 3">
+            <a:extLst>
+              <a:ext uri="{FF2B5EF4-FFF2-40B4-BE49-F238E27FC236}">
+                <a16:creationId xmlns:a16="http://schemas.microsoft.com/office/drawing/2014/main" id="{1482005E-454E-C0F1-0E8C-B109B3435E4E}"/>
+              </a:ext>
+            </a:extLst>
+          </p:cNvPr>
+          <p:cNvPicPr>
+            <a:picLocks noChangeAspect="1"/>
+          </p:cNvPicPr>
+          <p:nvPr/>
+        </p:nvPicPr>
+        <p:blipFill>
+          <a:blip r:embed="rId3"/>
+          <a:stretch>
+            <a:fillRect/>
+          </a:stretch>
+        </p:blipFill>
+        <p:spPr>
+          <a:xfrm>
+            <a:off x="2359889" y="4220612"/>
+            <a:ext cx="2370663" cy="1307351"/>
+          </a:xfrm>
+          <a:prstGeom prst="rect">
+            <a:avLst/>
+          </a:prstGeom>
+        </p:spPr>
+      </p:pic>
+      <mc:AlternateContent xmlns:mc="http://schemas.openxmlformats.org/markup-compatibility/2006" xmlns:a14="http://schemas.microsoft.com/office/drawing/2010/main">
+        <mc:Choice Requires="a14">
+          <p:sp>
+            <p:nvSpPr>
+              <p:cNvPr id="7" name="TextBox 6">
+                <a:extLst>
+                  <a:ext uri="{FF2B5EF4-FFF2-40B4-BE49-F238E27FC236}">
+                    <a16:creationId xmlns:a16="http://schemas.microsoft.com/office/drawing/2014/main" id="{998BC48A-6B9E-BEB3-8C0E-B6328AB6860A}"/>
+                  </a:ext>
+                </a:extLst>
+              </p:cNvPr>
+              <p:cNvSpPr txBox="1"/>
+              <p:nvPr/>
+            </p:nvSpPr>
+            <p:spPr>
+              <a:xfrm>
+                <a:off x="5645728" y="4220612"/>
+                <a:ext cx="5230090" cy="1384995"/>
+              </a:xfrm>
+              <a:prstGeom prst="rect">
+                <a:avLst/>
+              </a:prstGeom>
+              <a:noFill/>
+            </p:spPr>
+            <p:txBody>
+              <a:bodyPr wrap="square">
+                <a:spAutoFit/>
+              </a:bodyPr>
+              <a:lstStyle/>
+              <a:p>
+                <a:r>
+                  <a:rPr lang="en-US" sz="2800" dirty="0"/>
+                  <a:t>If</a:t>
+                </a:r>
+                <a14:m>
+                  <m:oMath xmlns:m="http://schemas.openxmlformats.org/officeDocument/2006/math">
+                    <m:r>
+                      <a:rPr lang="en-US" sz="2800" b="0" i="0" smtClean="0">
+                        <a:latin typeface="Cambria Math" panose="02040503050406030204" pitchFamily="18" charset="0"/>
+                      </a:rPr>
+                      <m:t> </m:t>
+                    </m:r>
+                    <m:r>
+                      <a:rPr lang="en-US" sz="2800" b="0" i="1" smtClean="0">
+                        <a:latin typeface="Cambria Math" panose="02040503050406030204" pitchFamily="18" charset="0"/>
+                      </a:rPr>
+                      <m:t>𝜆</m:t>
+                    </m:r>
+                  </m:oMath>
+                </a14:m>
+                <a:r>
+                  <a:rPr lang="en-US" sz="2800" dirty="0"/>
+                  <a:t> is sufficiently large, then Lasso will force some </a:t>
+                </a:r>
+                <a14:m>
+                  <m:oMath xmlns:m="http://schemas.openxmlformats.org/officeDocument/2006/math">
+                    <m:r>
+                      <a:rPr lang="en-US" sz="2800" b="0" i="1" smtClean="0">
+                        <a:latin typeface="Cambria Math" panose="02040503050406030204" pitchFamily="18" charset="0"/>
+                      </a:rPr>
+                      <m:t>𝛽</m:t>
+                    </m:r>
+                  </m:oMath>
+                </a14:m>
+                <a:r>
+                  <a:rPr lang="en-US" sz="2800" dirty="0"/>
+                  <a:t> to exactly zero (equivalent to predictor selection)</a:t>
+                </a:r>
+              </a:p>
+            </p:txBody>
+          </p:sp>
+        </mc:Choice>
+        <mc:Fallback xmlns="">
+          <p:sp>
+            <p:nvSpPr>
+              <p:cNvPr id="7" name="TextBox 6">
+                <a:extLst>
+                  <a:ext uri="{FF2B5EF4-FFF2-40B4-BE49-F238E27FC236}">
+                    <a16:creationId xmlns:a16="http://schemas.microsoft.com/office/drawing/2014/main" id="{998BC48A-6B9E-BEB3-8C0E-B6328AB6860A}"/>
+                  </a:ext>
+                </a:extLst>
+              </p:cNvPr>
+              <p:cNvSpPr txBox="1">
+                <a:spLocks noRot="1" noChangeAspect="1" noMove="1" noResize="1" noEditPoints="1" noAdjustHandles="1" noChangeArrowheads="1" noChangeShapeType="1" noTextEdit="1"/>
+              </p:cNvSpPr>
+              <p:nvPr/>
+            </p:nvSpPr>
+            <p:spPr>
+              <a:xfrm>
+                <a:off x="5645728" y="4220612"/>
+                <a:ext cx="5230090" cy="1384995"/>
+              </a:xfrm>
+              <a:prstGeom prst="rect">
+                <a:avLst/>
+              </a:prstGeom>
+              <a:blipFill>
+                <a:blip r:embed="rId4"/>
+                <a:stretch>
+                  <a:fillRect l="-2421" t="-4545" r="-1453" b="-10909"/>
+                </a:stretch>
+              </a:blipFill>
+            </p:spPr>
+            <p:txBody>
+              <a:bodyPr/>
+              <a:lstStyle/>
+              <a:p>
+                <a:r>
+                  <a:rPr lang="en-US">
+                    <a:noFill/>
+                  </a:rPr>
+                  <a:t> </a:t>
+                </a:r>
+              </a:p>
+            </p:txBody>
+          </p:sp>
+        </mc:Fallback>
+      </mc:AlternateContent>
+    </p:spTree>
+    <p:extLst>
+      <p:ext uri="{BB962C8B-B14F-4D97-AF65-F5344CB8AC3E}">
+        <p14:creationId xmlns:p14="http://schemas.microsoft.com/office/powerpoint/2010/main" val="4247297750"/>
       </p:ext>
     </p:extLst>
   </p:cSld>
